--- a/WriteUp/Figures/MarketIllustrations.pptx
+++ b/WriteUp/Figures/MarketIllustrations.pptx
@@ -2,15 +2,23 @@
 <file path=ppt/presentation.xml><?xml version="1.0" encoding="utf-8"?>
 <p:presentation xmlns:a="http://schemas.openxmlformats.org/drawingml/2006/main" xmlns:r="http://schemas.openxmlformats.org/officeDocument/2006/relationships" xmlns:p="http://schemas.openxmlformats.org/presentationml/2006/main" saveSubsetFonts="1" autoCompressPictures="0">
   <p:sldMasterIdLst>
-    <p:sldMasterId id="2147483648" r:id="rId1"/>
+    <p:sldMasterId id="2147483663" r:id="rId1"/>
   </p:sldMasterIdLst>
+  <p:notesMasterIdLst>
+    <p:notesMasterId r:id="rId11"/>
+  </p:notesMasterIdLst>
   <p:sldIdLst>
     <p:sldId id="256" r:id="rId2"/>
     <p:sldId id="257" r:id="rId3"/>
     <p:sldId id="258" r:id="rId4"/>
     <p:sldId id="259" r:id="rId5"/>
+    <p:sldId id="260" r:id="rId6"/>
+    <p:sldId id="261" r:id="rId7"/>
+    <p:sldId id="262" r:id="rId8"/>
+    <p:sldId id="263" r:id="rId9"/>
+    <p:sldId id="264" r:id="rId10"/>
   </p:sldIdLst>
-  <p:sldSz cx="12192000" cy="6858000"/>
+  <p:sldSz cx="12192000" cy="18000663"/>
   <p:notesSz cx="6858000" cy="9144000"/>
   <p:defaultTextStyle>
     <a:defPPr>
@@ -110,6 +118,356 @@
 </p:presentation>
 </file>
 
+<file path=ppt/notesMasters/notesMaster1.xml><?xml version="1.0" encoding="utf-8"?>
+<p:notesMaster xmlns:a="http://schemas.openxmlformats.org/drawingml/2006/main" xmlns:r="http://schemas.openxmlformats.org/officeDocument/2006/relationships" xmlns:p="http://schemas.openxmlformats.org/presentationml/2006/main">
+  <p:cSld>
+    <p:bg>
+      <p:bgRef idx="1001">
+        <a:schemeClr val="bg1"/>
+      </p:bgRef>
+    </p:bg>
+    <p:spTree>
+      <p:nvGrpSpPr>
+        <p:cNvPr id="1" name=""/>
+        <p:cNvGrpSpPr/>
+        <p:nvPr/>
+      </p:nvGrpSpPr>
+      <p:grpSpPr>
+        <a:xfrm>
+          <a:off x="0" y="0"/>
+          <a:ext cx="0" cy="0"/>
+          <a:chOff x="0" y="0"/>
+          <a:chExt cx="0" cy="0"/>
+        </a:xfrm>
+      </p:grpSpPr>
+      <p:sp>
+        <p:nvSpPr>
+          <p:cNvPr id="2" name="Header Placeholder 1"/>
+          <p:cNvSpPr>
+            <a:spLocks noGrp="1"/>
+          </p:cNvSpPr>
+          <p:nvPr>
+            <p:ph type="hdr" sz="quarter"/>
+          </p:nvPr>
+        </p:nvSpPr>
+        <p:spPr>
+          <a:xfrm>
+            <a:off x="0" y="0"/>
+            <a:ext cx="2971800" cy="458788"/>
+          </a:xfrm>
+          <a:prstGeom prst="rect">
+            <a:avLst/>
+          </a:prstGeom>
+        </p:spPr>
+        <p:txBody>
+          <a:bodyPr vert="horz" lIns="91440" tIns="45720" rIns="91440" bIns="45720" rtlCol="0"/>
+          <a:lstStyle>
+            <a:lvl1pPr algn="l">
+              <a:defRPr sz="1200"/>
+            </a:lvl1pPr>
+          </a:lstStyle>
+          <a:p>
+            <a:endParaRPr lang="en-US"/>
+          </a:p>
+        </p:txBody>
+      </p:sp>
+      <p:sp>
+        <p:nvSpPr>
+          <p:cNvPr id="3" name="Date Placeholder 2"/>
+          <p:cNvSpPr>
+            <a:spLocks noGrp="1"/>
+          </p:cNvSpPr>
+          <p:nvPr>
+            <p:ph type="dt" idx="1"/>
+          </p:nvPr>
+        </p:nvSpPr>
+        <p:spPr>
+          <a:xfrm>
+            <a:off x="3884613" y="0"/>
+            <a:ext cx="2971800" cy="458788"/>
+          </a:xfrm>
+          <a:prstGeom prst="rect">
+            <a:avLst/>
+          </a:prstGeom>
+        </p:spPr>
+        <p:txBody>
+          <a:bodyPr vert="horz" lIns="91440" tIns="45720" rIns="91440" bIns="45720" rtlCol="0"/>
+          <a:lstStyle>
+            <a:lvl1pPr algn="r">
+              <a:defRPr sz="1200"/>
+            </a:lvl1pPr>
+          </a:lstStyle>
+          <a:p>
+            <a:fld id="{905D8B24-B522-254E-881E-9C7D322A71C6}" type="datetimeFigureOut">
+              <a:rPr lang="en-US" smtClean="0"/>
+              <a:t>4/2/18</a:t>
+            </a:fld>
+            <a:endParaRPr lang="en-US"/>
+          </a:p>
+        </p:txBody>
+      </p:sp>
+      <p:sp>
+        <p:nvSpPr>
+          <p:cNvPr id="4" name="Slide Image Placeholder 3"/>
+          <p:cNvSpPr>
+            <a:spLocks noGrp="1" noRot="1" noChangeAspect="1"/>
+          </p:cNvSpPr>
+          <p:nvPr>
+            <p:ph type="sldImg" idx="2"/>
+          </p:nvPr>
+        </p:nvSpPr>
+        <p:spPr>
+          <a:xfrm>
+            <a:off x="2384425" y="1143000"/>
+            <a:ext cx="2089150" cy="3086100"/>
+          </a:xfrm>
+          <a:prstGeom prst="rect">
+            <a:avLst/>
+          </a:prstGeom>
+          <a:noFill/>
+          <a:ln w="12700">
+            <a:solidFill>
+              <a:prstClr val="black"/>
+            </a:solidFill>
+          </a:ln>
+        </p:spPr>
+        <p:txBody>
+          <a:bodyPr vert="horz" lIns="91440" tIns="45720" rIns="91440" bIns="45720" rtlCol="0" anchor="ctr"/>
+          <a:lstStyle/>
+          <a:p>
+            <a:endParaRPr lang="en-US"/>
+          </a:p>
+        </p:txBody>
+      </p:sp>
+      <p:sp>
+        <p:nvSpPr>
+          <p:cNvPr id="5" name="Notes Placeholder 4"/>
+          <p:cNvSpPr>
+            <a:spLocks noGrp="1"/>
+          </p:cNvSpPr>
+          <p:nvPr>
+            <p:ph type="body" sz="quarter" idx="3"/>
+          </p:nvPr>
+        </p:nvSpPr>
+        <p:spPr>
+          <a:xfrm>
+            <a:off x="685800" y="4400550"/>
+            <a:ext cx="5486400" cy="3600450"/>
+          </a:xfrm>
+          <a:prstGeom prst="rect">
+            <a:avLst/>
+          </a:prstGeom>
+        </p:spPr>
+        <p:txBody>
+          <a:bodyPr vert="horz" lIns="91440" tIns="45720" rIns="91440" bIns="45720" rtlCol="0"/>
+          <a:lstStyle/>
+          <a:p>
+            <a:pPr lvl="0"/>
+            <a:r>
+              <a:rPr lang="en-US" smtClean="0"/>
+              <a:t>Click to edit Master text styles</a:t>
+            </a:r>
+          </a:p>
+          <a:p>
+            <a:pPr lvl="1"/>
+            <a:r>
+              <a:rPr lang="en-US" smtClean="0"/>
+              <a:t>Second level</a:t>
+            </a:r>
+          </a:p>
+          <a:p>
+            <a:pPr lvl="2"/>
+            <a:r>
+              <a:rPr lang="en-US" smtClean="0"/>
+              <a:t>Third level</a:t>
+            </a:r>
+          </a:p>
+          <a:p>
+            <a:pPr lvl="3"/>
+            <a:r>
+              <a:rPr lang="en-US" smtClean="0"/>
+              <a:t>Fourth level</a:t>
+            </a:r>
+          </a:p>
+          <a:p>
+            <a:pPr lvl="4"/>
+            <a:r>
+              <a:rPr lang="en-US" smtClean="0"/>
+              <a:t>Fifth level</a:t>
+            </a:r>
+            <a:endParaRPr lang="en-US"/>
+          </a:p>
+        </p:txBody>
+      </p:sp>
+      <p:sp>
+        <p:nvSpPr>
+          <p:cNvPr id="6" name="Footer Placeholder 5"/>
+          <p:cNvSpPr>
+            <a:spLocks noGrp="1"/>
+          </p:cNvSpPr>
+          <p:nvPr>
+            <p:ph type="ftr" sz="quarter" idx="4"/>
+          </p:nvPr>
+        </p:nvSpPr>
+        <p:spPr>
+          <a:xfrm>
+            <a:off x="0" y="8685213"/>
+            <a:ext cx="2971800" cy="458787"/>
+          </a:xfrm>
+          <a:prstGeom prst="rect">
+            <a:avLst/>
+          </a:prstGeom>
+        </p:spPr>
+        <p:txBody>
+          <a:bodyPr vert="horz" lIns="91440" tIns="45720" rIns="91440" bIns="45720" rtlCol="0" anchor="b"/>
+          <a:lstStyle>
+            <a:lvl1pPr algn="l">
+              <a:defRPr sz="1200"/>
+            </a:lvl1pPr>
+          </a:lstStyle>
+          <a:p>
+            <a:endParaRPr lang="en-US"/>
+          </a:p>
+        </p:txBody>
+      </p:sp>
+      <p:sp>
+        <p:nvSpPr>
+          <p:cNvPr id="7" name="Slide Number Placeholder 6"/>
+          <p:cNvSpPr>
+            <a:spLocks noGrp="1"/>
+          </p:cNvSpPr>
+          <p:nvPr>
+            <p:ph type="sldNum" sz="quarter" idx="5"/>
+          </p:nvPr>
+        </p:nvSpPr>
+        <p:spPr>
+          <a:xfrm>
+            <a:off x="3884613" y="8685213"/>
+            <a:ext cx="2971800" cy="458787"/>
+          </a:xfrm>
+          <a:prstGeom prst="rect">
+            <a:avLst/>
+          </a:prstGeom>
+        </p:spPr>
+        <p:txBody>
+          <a:bodyPr vert="horz" lIns="91440" tIns="45720" rIns="91440" bIns="45720" rtlCol="0" anchor="b"/>
+          <a:lstStyle>
+            <a:lvl1pPr algn="r">
+              <a:defRPr sz="1200"/>
+            </a:lvl1pPr>
+          </a:lstStyle>
+          <a:p>
+            <a:fld id="{292D750A-F0C6-0248-94CB-5E11AFBD1F0F}" type="slidenum">
+              <a:rPr lang="en-US" smtClean="0"/>
+              <a:t>‹#›</a:t>
+            </a:fld>
+            <a:endParaRPr lang="en-US"/>
+          </a:p>
+        </p:txBody>
+      </p:sp>
+    </p:spTree>
+    <p:extLst>
+      <p:ext uri="{BB962C8B-B14F-4D97-AF65-F5344CB8AC3E}">
+        <p14:creationId xmlns:p14="http://schemas.microsoft.com/office/powerpoint/2010/main" val="679220087"/>
+      </p:ext>
+    </p:extLst>
+  </p:cSld>
+  <p:clrMap bg1="lt1" tx1="dk1" bg2="lt2" tx2="dk2" accent1="accent1" accent2="accent2" accent3="accent3" accent4="accent4" accent5="accent5" accent6="accent6" hlink="hlink" folHlink="folHlink"/>
+  <p:notesStyle>
+    <a:lvl1pPr marL="0" algn="l" defTabSz="914400" rtl="0" eaLnBrk="1" latinLnBrk="0" hangingPunct="1">
+      <a:defRPr sz="1200" kern="1200">
+        <a:solidFill>
+          <a:schemeClr val="tx1"/>
+        </a:solidFill>
+        <a:latin typeface="+mn-lt"/>
+        <a:ea typeface="+mn-ea"/>
+        <a:cs typeface="+mn-cs"/>
+      </a:defRPr>
+    </a:lvl1pPr>
+    <a:lvl2pPr marL="457200" algn="l" defTabSz="914400" rtl="0" eaLnBrk="1" latinLnBrk="0" hangingPunct="1">
+      <a:defRPr sz="1200" kern="1200">
+        <a:solidFill>
+          <a:schemeClr val="tx1"/>
+        </a:solidFill>
+        <a:latin typeface="+mn-lt"/>
+        <a:ea typeface="+mn-ea"/>
+        <a:cs typeface="+mn-cs"/>
+      </a:defRPr>
+    </a:lvl2pPr>
+    <a:lvl3pPr marL="914400" algn="l" defTabSz="914400" rtl="0" eaLnBrk="1" latinLnBrk="0" hangingPunct="1">
+      <a:defRPr sz="1200" kern="1200">
+        <a:solidFill>
+          <a:schemeClr val="tx1"/>
+        </a:solidFill>
+        <a:latin typeface="+mn-lt"/>
+        <a:ea typeface="+mn-ea"/>
+        <a:cs typeface="+mn-cs"/>
+      </a:defRPr>
+    </a:lvl3pPr>
+    <a:lvl4pPr marL="1371600" algn="l" defTabSz="914400" rtl="0" eaLnBrk="1" latinLnBrk="0" hangingPunct="1">
+      <a:defRPr sz="1200" kern="1200">
+        <a:solidFill>
+          <a:schemeClr val="tx1"/>
+        </a:solidFill>
+        <a:latin typeface="+mn-lt"/>
+        <a:ea typeface="+mn-ea"/>
+        <a:cs typeface="+mn-cs"/>
+      </a:defRPr>
+    </a:lvl4pPr>
+    <a:lvl5pPr marL="1828800" algn="l" defTabSz="914400" rtl="0" eaLnBrk="1" latinLnBrk="0" hangingPunct="1">
+      <a:defRPr sz="1200" kern="1200">
+        <a:solidFill>
+          <a:schemeClr val="tx1"/>
+        </a:solidFill>
+        <a:latin typeface="+mn-lt"/>
+        <a:ea typeface="+mn-ea"/>
+        <a:cs typeface="+mn-cs"/>
+      </a:defRPr>
+    </a:lvl5pPr>
+    <a:lvl6pPr marL="2286000" algn="l" defTabSz="914400" rtl="0" eaLnBrk="1" latinLnBrk="0" hangingPunct="1">
+      <a:defRPr sz="1200" kern="1200">
+        <a:solidFill>
+          <a:schemeClr val="tx1"/>
+        </a:solidFill>
+        <a:latin typeface="+mn-lt"/>
+        <a:ea typeface="+mn-ea"/>
+        <a:cs typeface="+mn-cs"/>
+      </a:defRPr>
+    </a:lvl6pPr>
+    <a:lvl7pPr marL="2743200" algn="l" defTabSz="914400" rtl="0" eaLnBrk="1" latinLnBrk="0" hangingPunct="1">
+      <a:defRPr sz="1200" kern="1200">
+        <a:solidFill>
+          <a:schemeClr val="tx1"/>
+        </a:solidFill>
+        <a:latin typeface="+mn-lt"/>
+        <a:ea typeface="+mn-ea"/>
+        <a:cs typeface="+mn-cs"/>
+      </a:defRPr>
+    </a:lvl7pPr>
+    <a:lvl8pPr marL="3200400" algn="l" defTabSz="914400" rtl="0" eaLnBrk="1" latinLnBrk="0" hangingPunct="1">
+      <a:defRPr sz="1200" kern="1200">
+        <a:solidFill>
+          <a:schemeClr val="tx1"/>
+        </a:solidFill>
+        <a:latin typeface="+mn-lt"/>
+        <a:ea typeface="+mn-ea"/>
+        <a:cs typeface="+mn-cs"/>
+      </a:defRPr>
+    </a:lvl8pPr>
+    <a:lvl9pPr marL="3657600" algn="l" defTabSz="914400" rtl="0" eaLnBrk="1" latinLnBrk="0" hangingPunct="1">
+      <a:defRPr sz="1200" kern="1200">
+        <a:solidFill>
+          <a:schemeClr val="tx1"/>
+        </a:solidFill>
+        <a:latin typeface="+mn-lt"/>
+        <a:ea typeface="+mn-ea"/>
+        <a:cs typeface="+mn-cs"/>
+      </a:defRPr>
+    </a:lvl9pPr>
+  </p:notesStyle>
+</p:notesMaster>
+</file>
+
 <file path=ppt/slideLayouts/slideLayout1.xml><?xml version="1.0" encoding="utf-8"?>
 <p:sldLayout xmlns:a="http://schemas.openxmlformats.org/drawingml/2006/main" xmlns:r="http://schemas.openxmlformats.org/officeDocument/2006/relationships" xmlns:p="http://schemas.openxmlformats.org/presentationml/2006/main" type="title" preserve="1">
   <p:cSld name="Title Slide">
@@ -139,15 +497,15 @@
         </p:nvSpPr>
         <p:spPr>
           <a:xfrm>
-            <a:off x="1524000" y="1122363"/>
-            <a:ext cx="9144000" cy="2387600"/>
+            <a:off x="914400" y="2945943"/>
+            <a:ext cx="10363200" cy="6266897"/>
           </a:xfrm>
         </p:spPr>
         <p:txBody>
           <a:bodyPr anchor="b"/>
           <a:lstStyle>
             <a:lvl1pPr algn="ctr">
-              <a:defRPr sz="6000"/>
+              <a:defRPr sz="8000"/>
             </a:lvl1pPr>
           </a:lstStyle>
           <a:p>
@@ -155,7 +513,7 @@
               <a:rPr lang="en-US" smtClean="0"/>
               <a:t>Click to edit Master title style</a:t>
             </a:r>
-            <a:endParaRPr lang="en-US"/>
+            <a:endParaRPr lang="en-US" dirty="0"/>
           </a:p>
         </p:txBody>
       </p:sp>
@@ -171,8 +529,8 @@
         </p:nvSpPr>
         <p:spPr>
           <a:xfrm>
-            <a:off x="1524000" y="3602038"/>
-            <a:ext cx="9144000" cy="1655762"/>
+            <a:off x="1524000" y="9454516"/>
+            <a:ext cx="9144000" cy="4345992"/>
           </a:xfrm>
         </p:spPr>
         <p:txBody>
@@ -180,39 +538,39 @@
           <a:lstStyle>
             <a:lvl1pPr marL="0" indent="0" algn="ctr">
               <a:buNone/>
+              <a:defRPr sz="3200"/>
+            </a:lvl1pPr>
+            <a:lvl2pPr marL="609585" indent="0" algn="ctr">
+              <a:buNone/>
+              <a:defRPr sz="2667"/>
+            </a:lvl2pPr>
+            <a:lvl3pPr marL="1219170" indent="0" algn="ctr">
+              <a:buNone/>
               <a:defRPr sz="2400"/>
-            </a:lvl1pPr>
-            <a:lvl2pPr marL="457200" indent="0" algn="ctr">
+            </a:lvl3pPr>
+            <a:lvl4pPr marL="1828754" indent="0" algn="ctr">
               <a:buNone/>
-              <a:defRPr sz="2000"/>
-            </a:lvl2pPr>
-            <a:lvl3pPr marL="914400" indent="0" algn="ctr">
+              <a:defRPr sz="2133"/>
+            </a:lvl4pPr>
+            <a:lvl5pPr marL="2438339" indent="0" algn="ctr">
               <a:buNone/>
-              <a:defRPr sz="1800"/>
-            </a:lvl3pPr>
-            <a:lvl4pPr marL="1371600" indent="0" algn="ctr">
+              <a:defRPr sz="2133"/>
+            </a:lvl5pPr>
+            <a:lvl6pPr marL="3047924" indent="0" algn="ctr">
               <a:buNone/>
-              <a:defRPr sz="1600"/>
-            </a:lvl4pPr>
-            <a:lvl5pPr marL="1828800" indent="0" algn="ctr">
+              <a:defRPr sz="2133"/>
+            </a:lvl6pPr>
+            <a:lvl7pPr marL="3657509" indent="0" algn="ctr">
               <a:buNone/>
-              <a:defRPr sz="1600"/>
-            </a:lvl5pPr>
-            <a:lvl6pPr marL="2286000" indent="0" algn="ctr">
+              <a:defRPr sz="2133"/>
+            </a:lvl7pPr>
+            <a:lvl8pPr marL="4267093" indent="0" algn="ctr">
               <a:buNone/>
-              <a:defRPr sz="1600"/>
-            </a:lvl6pPr>
-            <a:lvl7pPr marL="2743200" indent="0" algn="ctr">
+              <a:defRPr sz="2133"/>
+            </a:lvl8pPr>
+            <a:lvl9pPr marL="4876678" indent="0" algn="ctr">
               <a:buNone/>
-              <a:defRPr sz="1600"/>
-            </a:lvl7pPr>
-            <a:lvl8pPr marL="3200400" indent="0" algn="ctr">
-              <a:buNone/>
-              <a:defRPr sz="1600"/>
-            </a:lvl8pPr>
-            <a:lvl9pPr marL="3657600" indent="0" algn="ctr">
-              <a:buNone/>
-              <a:defRPr sz="1600"/>
+              <a:defRPr sz="2133"/>
             </a:lvl9pPr>
           </a:lstStyle>
           <a:p>
@@ -220,7 +578,7 @@
               <a:rPr lang="en-US" smtClean="0"/>
               <a:t>Click to edit Master subtitle style</a:t>
             </a:r>
-            <a:endParaRPr lang="en-US"/>
+            <a:endParaRPr lang="en-US" dirty="0"/>
           </a:p>
         </p:txBody>
       </p:sp>
@@ -290,11 +648,6 @@
         </p:txBody>
       </p:sp>
     </p:spTree>
-    <p:extLst>
-      <p:ext uri="{BB962C8B-B14F-4D97-AF65-F5344CB8AC3E}">
-        <p14:creationId xmlns:p14="http://schemas.microsoft.com/office/powerpoint/2010/main" val="319285990"/>
-      </p:ext>
-    </p:extLst>
   </p:cSld>
   <p:clrMapOvr>
     <a:masterClrMapping/>
@@ -338,7 +691,7 @@
               <a:rPr lang="en-US" smtClean="0"/>
               <a:t>Click to edit Master title style</a:t>
             </a:r>
-            <a:endParaRPr lang="en-US"/>
+            <a:endParaRPr lang="en-US" dirty="0"/>
           </a:p>
         </p:txBody>
       </p:sp>
@@ -390,7 +743,7 @@
               <a:rPr lang="en-US" smtClean="0"/>
               <a:t>Fifth level</a:t>
             </a:r>
-            <a:endParaRPr lang="en-US"/>
+            <a:endParaRPr lang="en-US" dirty="0"/>
           </a:p>
         </p:txBody>
       </p:sp>
@@ -460,11 +813,6 @@
         </p:txBody>
       </p:sp>
     </p:spTree>
-    <p:extLst>
-      <p:ext uri="{BB962C8B-B14F-4D97-AF65-F5344CB8AC3E}">
-        <p14:creationId xmlns:p14="http://schemas.microsoft.com/office/powerpoint/2010/main" val="947006995"/>
-      </p:ext>
-    </p:extLst>
   </p:cSld>
   <p:clrMapOvr>
     <a:masterClrMapping/>
@@ -501,8 +849,8 @@
         </p:nvSpPr>
         <p:spPr>
           <a:xfrm>
-            <a:off x="8724900" y="365125"/>
-            <a:ext cx="2628900" cy="5811838"/>
+            <a:off x="8724901" y="958369"/>
+            <a:ext cx="2628900" cy="15254730"/>
           </a:xfrm>
         </p:spPr>
         <p:txBody>
@@ -513,7 +861,7 @@
               <a:rPr lang="en-US" smtClean="0"/>
               <a:t>Click to edit Master title style</a:t>
             </a:r>
-            <a:endParaRPr lang="en-US"/>
+            <a:endParaRPr lang="en-US" dirty="0"/>
           </a:p>
         </p:txBody>
       </p:sp>
@@ -529,8 +877,8 @@
         </p:nvSpPr>
         <p:spPr>
           <a:xfrm>
-            <a:off x="838200" y="365125"/>
-            <a:ext cx="7734300" cy="5811838"/>
+            <a:off x="838201" y="958369"/>
+            <a:ext cx="7734300" cy="15254730"/>
           </a:xfrm>
         </p:spPr>
         <p:txBody>
@@ -570,7 +918,7 @@
               <a:rPr lang="en-US" smtClean="0"/>
               <a:t>Fifth level</a:t>
             </a:r>
-            <a:endParaRPr lang="en-US"/>
+            <a:endParaRPr lang="en-US" dirty="0"/>
           </a:p>
         </p:txBody>
       </p:sp>
@@ -640,11 +988,6 @@
         </p:txBody>
       </p:sp>
     </p:spTree>
-    <p:extLst>
-      <p:ext uri="{BB962C8B-B14F-4D97-AF65-F5344CB8AC3E}">
-        <p14:creationId xmlns:p14="http://schemas.microsoft.com/office/powerpoint/2010/main" val="1345257048"/>
-      </p:ext>
-    </p:extLst>
   </p:cSld>
   <p:clrMapOvr>
     <a:masterClrMapping/>
@@ -677,8 +1020,8 @@
         </p:nvSpPr>
         <p:spPr>
           <a:xfrm>
-            <a:off x="0" y="6176984"/>
-            <a:ext cx="12186740" cy="686598"/>
+            <a:off x="0" y="16213154"/>
+            <a:ext cx="12186740" cy="1802161"/>
           </a:xfrm>
           <a:prstGeom prst="rect">
             <a:avLst/>
@@ -713,7 +1056,7 @@
           <a:lstStyle/>
           <a:p>
             <a:pPr algn="ctr"/>
-            <a:endParaRPr lang="en-US"/>
+            <a:endParaRPr lang="en-US" sz="1800"/>
           </a:p>
         </p:txBody>
       </p:sp>
@@ -729,8 +1072,8 @@
         </p:nvSpPr>
         <p:spPr>
           <a:xfrm>
-            <a:off x="280351" y="97141"/>
-            <a:ext cx="7669991" cy="741438"/>
+            <a:off x="280351" y="254973"/>
+            <a:ext cx="7669991" cy="1946103"/>
           </a:xfrm>
           <a:solidFill>
             <a:schemeClr val="bg1">
@@ -772,8 +1115,8 @@
         </p:nvSpPr>
         <p:spPr>
           <a:xfrm>
-            <a:off x="280351" y="935721"/>
-            <a:ext cx="11717208" cy="5144120"/>
+            <a:off x="280351" y="2456051"/>
+            <a:ext cx="11717208" cy="13502125"/>
           </a:xfrm>
           <a:ln>
             <a:solidFill>
@@ -936,8 +1279,8 @@
         </p:blipFill>
         <p:spPr>
           <a:xfrm>
-            <a:off x="8139523" y="97143"/>
-            <a:ext cx="1986455" cy="662151"/>
+            <a:off x="8139524" y="254979"/>
+            <a:ext cx="1986455" cy="1737993"/>
           </a:xfrm>
           <a:prstGeom prst="rect">
             <a:avLst/>
@@ -960,8 +1303,8 @@
         </p:blipFill>
         <p:spPr>
           <a:xfrm>
-            <a:off x="10125978" y="97141"/>
-            <a:ext cx="2060762" cy="741438"/>
+            <a:off x="10125978" y="254973"/>
+            <a:ext cx="2060762" cy="1946103"/>
           </a:xfrm>
           <a:prstGeom prst="rect">
             <a:avLst/>
@@ -976,7 +1319,7 @@
         </p:nvSpPr>
         <p:spPr>
           <a:xfrm>
-            <a:off x="9774615" y="6115631"/>
+            <a:off x="9774616" y="16052116"/>
             <a:ext cx="2412125" cy="738664"/>
           </a:xfrm>
           <a:prstGeom prst="rect">
@@ -1021,7 +1364,7 @@
                 <a:ea typeface="Helvetica Neue" charset="0"/>
                 <a:cs typeface="Helvetica Neue" charset="0"/>
               </a:rPr>
-              <a:t>1 April 2018</a:t>
+              <a:t>2 April 2018</a:t>
             </a:fld>
             <a:endParaRPr lang="en-US" sz="1400" dirty="0" smtClean="0">
               <a:latin typeface="Helvetica Neue" charset="0"/>
@@ -1043,8 +1386,8 @@
         </p:nvSpPr>
         <p:spPr>
           <a:xfrm>
-            <a:off x="280351" y="6204729"/>
-            <a:ext cx="9494263" cy="584200"/>
+            <a:off x="280352" y="16285978"/>
+            <a:ext cx="9494263" cy="1533390"/>
           </a:xfrm>
         </p:spPr>
         <p:txBody>
@@ -1116,7 +1459,7 @@
     </p:spTree>
     <p:extLst>
       <p:ext uri="{BB962C8B-B14F-4D97-AF65-F5344CB8AC3E}">
-        <p14:creationId xmlns:p14="http://schemas.microsoft.com/office/powerpoint/2010/main" val="1241084960"/>
+        <p14:creationId xmlns:p14="http://schemas.microsoft.com/office/powerpoint/2010/main" val="1355724346"/>
       </p:ext>
     </p:extLst>
   </p:cSld>
@@ -1158,8 +1501,8 @@
         </p:nvSpPr>
         <p:spPr>
           <a:xfrm>
-            <a:off x="0" y="6176984"/>
-            <a:ext cx="12186740" cy="686598"/>
+            <a:off x="0" y="16213154"/>
+            <a:ext cx="12186740" cy="1802161"/>
           </a:xfrm>
           <a:prstGeom prst="rect">
             <a:avLst/>
@@ -1194,7 +1537,7 @@
           <a:lstStyle/>
           <a:p>
             <a:pPr algn="ctr"/>
-            <a:endParaRPr lang="en-US"/>
+            <a:endParaRPr lang="en-US" sz="1800"/>
           </a:p>
         </p:txBody>
       </p:sp>
@@ -1210,8 +1553,8 @@
         </p:nvSpPr>
         <p:spPr>
           <a:xfrm>
-            <a:off x="280351" y="97141"/>
-            <a:ext cx="7669991" cy="741438"/>
+            <a:off x="280351" y="254973"/>
+            <a:ext cx="7669991" cy="1946103"/>
           </a:xfrm>
           <a:solidFill>
             <a:schemeClr val="bg1">
@@ -1253,8 +1596,8 @@
         </p:nvSpPr>
         <p:spPr>
           <a:xfrm>
-            <a:off x="280351" y="935721"/>
-            <a:ext cx="11717208" cy="5144120"/>
+            <a:off x="280351" y="2456051"/>
+            <a:ext cx="11717208" cy="13502125"/>
           </a:xfrm>
           <a:ln>
             <a:solidFill>
@@ -1417,8 +1760,8 @@
         </p:blipFill>
         <p:spPr>
           <a:xfrm>
-            <a:off x="8139523" y="97143"/>
-            <a:ext cx="1986455" cy="662151"/>
+            <a:off x="8139524" y="254979"/>
+            <a:ext cx="1986455" cy="1737993"/>
           </a:xfrm>
           <a:prstGeom prst="rect">
             <a:avLst/>
@@ -1441,8 +1784,8 @@
         </p:blipFill>
         <p:spPr>
           <a:xfrm>
-            <a:off x="10125978" y="97141"/>
-            <a:ext cx="2060762" cy="741438"/>
+            <a:off x="10125978" y="254973"/>
+            <a:ext cx="2060762" cy="1946103"/>
           </a:xfrm>
           <a:prstGeom prst="rect">
             <a:avLst/>
@@ -1457,7 +1800,7 @@
         </p:nvSpPr>
         <p:spPr>
           <a:xfrm>
-            <a:off x="9774615" y="6115631"/>
+            <a:off x="9774616" y="16052116"/>
             <a:ext cx="2412125" cy="738664"/>
           </a:xfrm>
           <a:prstGeom prst="rect">
@@ -1502,7 +1845,7 @@
                 <a:ea typeface="Helvetica Neue" charset="0"/>
                 <a:cs typeface="Helvetica Neue" charset="0"/>
               </a:rPr>
-              <a:t>1 April 2018</a:t>
+              <a:t>2 April 2018</a:t>
             </a:fld>
             <a:endParaRPr lang="en-US" sz="1400" dirty="0" smtClean="0">
               <a:latin typeface="Helvetica Neue" charset="0"/>
@@ -1524,8 +1867,8 @@
         </p:nvSpPr>
         <p:spPr>
           <a:xfrm>
-            <a:off x="280351" y="6204729"/>
-            <a:ext cx="9494263" cy="584200"/>
+            <a:off x="280352" y="16285978"/>
+            <a:ext cx="9494263" cy="1533390"/>
           </a:xfrm>
         </p:spPr>
         <p:txBody>
@@ -1597,7 +1940,7 @@
     </p:spTree>
     <p:extLst>
       <p:ext uri="{BB962C8B-B14F-4D97-AF65-F5344CB8AC3E}">
-        <p14:creationId xmlns:p14="http://schemas.microsoft.com/office/powerpoint/2010/main" val="1151373250"/>
+        <p14:creationId xmlns:p14="http://schemas.microsoft.com/office/powerpoint/2010/main" val="857588552"/>
       </p:ext>
     </p:extLst>
   </p:cSld>
@@ -1639,8 +1982,8 @@
         </p:nvSpPr>
         <p:spPr>
           <a:xfrm>
-            <a:off x="0" y="6176984"/>
-            <a:ext cx="12186740" cy="686598"/>
+            <a:off x="0" y="16213154"/>
+            <a:ext cx="12186740" cy="1802161"/>
           </a:xfrm>
           <a:prstGeom prst="rect">
             <a:avLst/>
@@ -1675,7 +2018,7 @@
           <a:lstStyle/>
           <a:p>
             <a:pPr algn="ctr"/>
-            <a:endParaRPr lang="en-US"/>
+            <a:endParaRPr lang="en-US" sz="1800"/>
           </a:p>
         </p:txBody>
       </p:sp>
@@ -1691,8 +2034,8 @@
         </p:nvSpPr>
         <p:spPr>
           <a:xfrm>
-            <a:off x="280351" y="97141"/>
-            <a:ext cx="7669991" cy="741438"/>
+            <a:off x="280351" y="254973"/>
+            <a:ext cx="7669991" cy="1946103"/>
           </a:xfrm>
           <a:solidFill>
             <a:schemeClr val="bg1">
@@ -1734,8 +2077,8 @@
         </p:nvSpPr>
         <p:spPr>
           <a:xfrm>
-            <a:off x="280351" y="935721"/>
-            <a:ext cx="11717208" cy="5144120"/>
+            <a:off x="280351" y="2456051"/>
+            <a:ext cx="11717208" cy="13502125"/>
           </a:xfrm>
           <a:ln>
             <a:solidFill>
@@ -1898,8 +2241,8 @@
         </p:blipFill>
         <p:spPr>
           <a:xfrm>
-            <a:off x="8139523" y="97143"/>
-            <a:ext cx="1986455" cy="662151"/>
+            <a:off x="8139524" y="254979"/>
+            <a:ext cx="1986455" cy="1737993"/>
           </a:xfrm>
           <a:prstGeom prst="rect">
             <a:avLst/>
@@ -1922,8 +2265,8 @@
         </p:blipFill>
         <p:spPr>
           <a:xfrm>
-            <a:off x="10125978" y="97141"/>
-            <a:ext cx="2060762" cy="741438"/>
+            <a:off x="10125978" y="254973"/>
+            <a:ext cx="2060762" cy="1946103"/>
           </a:xfrm>
           <a:prstGeom prst="rect">
             <a:avLst/>
@@ -1938,7 +2281,7 @@
         </p:nvSpPr>
         <p:spPr>
           <a:xfrm>
-            <a:off x="9774615" y="6115631"/>
+            <a:off x="9774616" y="16052116"/>
             <a:ext cx="2412125" cy="738664"/>
           </a:xfrm>
           <a:prstGeom prst="rect">
@@ -1983,7 +2326,7 @@
                 <a:ea typeface="Helvetica Neue" charset="0"/>
                 <a:cs typeface="Helvetica Neue" charset="0"/>
               </a:rPr>
-              <a:t>1 April 2018</a:t>
+              <a:t>2 April 2018</a:t>
             </a:fld>
             <a:endParaRPr lang="en-US" sz="1400" dirty="0" smtClean="0">
               <a:latin typeface="Helvetica Neue" charset="0"/>
@@ -2005,8 +2348,8 @@
         </p:nvSpPr>
         <p:spPr>
           <a:xfrm>
-            <a:off x="280351" y="6204729"/>
-            <a:ext cx="9494263" cy="584200"/>
+            <a:off x="280352" y="16285978"/>
+            <a:ext cx="9494263" cy="1533390"/>
           </a:xfrm>
         </p:spPr>
         <p:txBody>
@@ -2078,7 +2421,7 @@
     </p:spTree>
     <p:extLst>
       <p:ext uri="{BB962C8B-B14F-4D97-AF65-F5344CB8AC3E}">
-        <p14:creationId xmlns:p14="http://schemas.microsoft.com/office/powerpoint/2010/main" val="1357658020"/>
+        <p14:creationId xmlns:p14="http://schemas.microsoft.com/office/powerpoint/2010/main" val="1728038447"/>
       </p:ext>
     </p:extLst>
   </p:cSld>
@@ -2131,7 +2474,7 @@
               <a:rPr lang="en-US" smtClean="0"/>
               <a:t>Click to edit Master title style</a:t>
             </a:r>
-            <a:endParaRPr lang="en-US"/>
+            <a:endParaRPr lang="en-US" dirty="0"/>
           </a:p>
         </p:txBody>
       </p:sp>
@@ -2183,7 +2526,7 @@
               <a:rPr lang="en-US" smtClean="0"/>
               <a:t>Fifth level</a:t>
             </a:r>
-            <a:endParaRPr lang="en-US"/>
+            <a:endParaRPr lang="en-US" dirty="0"/>
           </a:p>
         </p:txBody>
       </p:sp>
@@ -2253,11 +2596,6 @@
         </p:txBody>
       </p:sp>
     </p:spTree>
-    <p:extLst>
-      <p:ext uri="{BB962C8B-B14F-4D97-AF65-F5344CB8AC3E}">
-        <p14:creationId xmlns:p14="http://schemas.microsoft.com/office/powerpoint/2010/main" val="1825483724"/>
-      </p:ext>
-    </p:extLst>
   </p:cSld>
   <p:clrMapOvr>
     <a:masterClrMapping/>
@@ -2294,15 +2632,15 @@
         </p:nvSpPr>
         <p:spPr>
           <a:xfrm>
-            <a:off x="831850" y="1709738"/>
-            <a:ext cx="10515600" cy="2852737"/>
+            <a:off x="831851" y="4487671"/>
+            <a:ext cx="10515600" cy="7487774"/>
           </a:xfrm>
         </p:spPr>
         <p:txBody>
           <a:bodyPr anchor="b"/>
           <a:lstStyle>
             <a:lvl1pPr>
-              <a:defRPr sz="6000"/>
+              <a:defRPr sz="8000"/>
             </a:lvl1pPr>
           </a:lstStyle>
           <a:p>
@@ -2310,7 +2648,7 @@
               <a:rPr lang="en-US" smtClean="0"/>
               <a:t>Click to edit Master title style</a:t>
             </a:r>
-            <a:endParaRPr lang="en-US"/>
+            <a:endParaRPr lang="en-US" dirty="0"/>
           </a:p>
         </p:txBody>
       </p:sp>
@@ -2326,14 +2664,32 @@
         </p:nvSpPr>
         <p:spPr>
           <a:xfrm>
-            <a:off x="831850" y="4589463"/>
-            <a:ext cx="10515600" cy="1500187"/>
+            <a:off x="831851" y="12046282"/>
+            <a:ext cx="10515600" cy="3937644"/>
           </a:xfrm>
         </p:spPr>
         <p:txBody>
           <a:bodyPr/>
           <a:lstStyle>
             <a:lvl1pPr marL="0" indent="0">
+              <a:buNone/>
+              <a:defRPr sz="3200">
+                <a:solidFill>
+                  <a:schemeClr val="tx1"/>
+                </a:solidFill>
+              </a:defRPr>
+            </a:lvl1pPr>
+            <a:lvl2pPr marL="609585" indent="0">
+              <a:buNone/>
+              <a:defRPr sz="2667">
+                <a:solidFill>
+                  <a:schemeClr val="tx1">
+                    <a:tint val="75000"/>
+                  </a:schemeClr>
+                </a:solidFill>
+              </a:defRPr>
+            </a:lvl2pPr>
+            <a:lvl3pPr marL="1219170" indent="0">
               <a:buNone/>
               <a:defRPr sz="2400">
                 <a:solidFill>
@@ -2342,30 +2698,10 @@
                   </a:schemeClr>
                 </a:solidFill>
               </a:defRPr>
-            </a:lvl1pPr>
-            <a:lvl2pPr marL="457200" indent="0">
+            </a:lvl3pPr>
+            <a:lvl4pPr marL="1828754" indent="0">
               <a:buNone/>
-              <a:defRPr sz="2000">
-                <a:solidFill>
-                  <a:schemeClr val="tx1">
-                    <a:tint val="75000"/>
-                  </a:schemeClr>
-                </a:solidFill>
-              </a:defRPr>
-            </a:lvl2pPr>
-            <a:lvl3pPr marL="914400" indent="0">
-              <a:buNone/>
-              <a:defRPr sz="1800">
-                <a:solidFill>
-                  <a:schemeClr val="tx1">
-                    <a:tint val="75000"/>
-                  </a:schemeClr>
-                </a:solidFill>
-              </a:defRPr>
-            </a:lvl3pPr>
-            <a:lvl4pPr marL="1371600" indent="0">
-              <a:buNone/>
-              <a:defRPr sz="1600">
+              <a:defRPr sz="2133">
                 <a:solidFill>
                   <a:schemeClr val="tx1">
                     <a:tint val="75000"/>
@@ -2373,9 +2709,9 @@
                 </a:solidFill>
               </a:defRPr>
             </a:lvl4pPr>
-            <a:lvl5pPr marL="1828800" indent="0">
+            <a:lvl5pPr marL="2438339" indent="0">
               <a:buNone/>
-              <a:defRPr sz="1600">
+              <a:defRPr sz="2133">
                 <a:solidFill>
                   <a:schemeClr val="tx1">
                     <a:tint val="75000"/>
@@ -2383,9 +2719,9 @@
                 </a:solidFill>
               </a:defRPr>
             </a:lvl5pPr>
-            <a:lvl6pPr marL="2286000" indent="0">
+            <a:lvl6pPr marL="3047924" indent="0">
               <a:buNone/>
-              <a:defRPr sz="1600">
+              <a:defRPr sz="2133">
                 <a:solidFill>
                   <a:schemeClr val="tx1">
                     <a:tint val="75000"/>
@@ -2393,9 +2729,9 @@
                 </a:solidFill>
               </a:defRPr>
             </a:lvl6pPr>
-            <a:lvl7pPr marL="2743200" indent="0">
+            <a:lvl7pPr marL="3657509" indent="0">
               <a:buNone/>
-              <a:defRPr sz="1600">
+              <a:defRPr sz="2133">
                 <a:solidFill>
                   <a:schemeClr val="tx1">
                     <a:tint val="75000"/>
@@ -2403,9 +2739,9 @@
                 </a:solidFill>
               </a:defRPr>
             </a:lvl7pPr>
-            <a:lvl8pPr marL="3200400" indent="0">
+            <a:lvl8pPr marL="4267093" indent="0">
               <a:buNone/>
-              <a:defRPr sz="1600">
+              <a:defRPr sz="2133">
                 <a:solidFill>
                   <a:schemeClr val="tx1">
                     <a:tint val="75000"/>
@@ -2413,9 +2749,9 @@
                 </a:solidFill>
               </a:defRPr>
             </a:lvl8pPr>
-            <a:lvl9pPr marL="3657600" indent="0">
+            <a:lvl9pPr marL="4876678" indent="0">
               <a:buNone/>
-              <a:defRPr sz="1600">
+              <a:defRPr sz="2133">
                 <a:solidFill>
                   <a:schemeClr val="tx1">
                     <a:tint val="75000"/>
@@ -2499,11 +2835,6 @@
         </p:txBody>
       </p:sp>
     </p:spTree>
-    <p:extLst>
-      <p:ext uri="{BB962C8B-B14F-4D97-AF65-F5344CB8AC3E}">
-        <p14:creationId xmlns:p14="http://schemas.microsoft.com/office/powerpoint/2010/main" val="1953568226"/>
-      </p:ext>
-    </p:extLst>
   </p:cSld>
   <p:clrMapOvr>
     <a:masterClrMapping/>
@@ -2547,7 +2878,7 @@
               <a:rPr lang="en-US" smtClean="0"/>
               <a:t>Click to edit Master title style</a:t>
             </a:r>
-            <a:endParaRPr lang="en-US"/>
+            <a:endParaRPr lang="en-US" dirty="0"/>
           </a:p>
         </p:txBody>
       </p:sp>
@@ -2563,8 +2894,8 @@
         </p:nvSpPr>
         <p:spPr>
           <a:xfrm>
-            <a:off x="838200" y="1825625"/>
-            <a:ext cx="5181600" cy="4351338"/>
+            <a:off x="838200" y="4791843"/>
+            <a:ext cx="5181600" cy="11421255"/>
           </a:xfrm>
         </p:spPr>
         <p:txBody>
@@ -2604,7 +2935,7 @@
               <a:rPr lang="en-US" smtClean="0"/>
               <a:t>Fifth level</a:t>
             </a:r>
-            <a:endParaRPr lang="en-US"/>
+            <a:endParaRPr lang="en-US" dirty="0"/>
           </a:p>
         </p:txBody>
       </p:sp>
@@ -2620,8 +2951,8 @@
         </p:nvSpPr>
         <p:spPr>
           <a:xfrm>
-            <a:off x="6172200" y="1825625"/>
-            <a:ext cx="5181600" cy="4351338"/>
+            <a:off x="6172200" y="4791843"/>
+            <a:ext cx="5181600" cy="11421255"/>
           </a:xfrm>
         </p:spPr>
         <p:txBody>
@@ -2661,7 +2992,7 @@
               <a:rPr lang="en-US" smtClean="0"/>
               <a:t>Fifth level</a:t>
             </a:r>
-            <a:endParaRPr lang="en-US"/>
+            <a:endParaRPr lang="en-US" dirty="0"/>
           </a:p>
         </p:txBody>
       </p:sp>
@@ -2731,11 +3062,6 @@
         </p:txBody>
       </p:sp>
     </p:spTree>
-    <p:extLst>
-      <p:ext uri="{BB962C8B-B14F-4D97-AF65-F5344CB8AC3E}">
-        <p14:creationId xmlns:p14="http://schemas.microsoft.com/office/powerpoint/2010/main" val="743695399"/>
-      </p:ext>
-    </p:extLst>
   </p:cSld>
   <p:clrMapOvr>
     <a:masterClrMapping/>
@@ -2772,8 +3098,8 @@
         </p:nvSpPr>
         <p:spPr>
           <a:xfrm>
-            <a:off x="839788" y="365125"/>
-            <a:ext cx="10515600" cy="1325563"/>
+            <a:off x="839788" y="958373"/>
+            <a:ext cx="10515600" cy="3479296"/>
           </a:xfrm>
         </p:spPr>
         <p:txBody>
@@ -2784,7 +3110,7 @@
               <a:rPr lang="en-US" smtClean="0"/>
               <a:t>Click to edit Master title style</a:t>
             </a:r>
-            <a:endParaRPr lang="en-US"/>
+            <a:endParaRPr lang="en-US" dirty="0"/>
           </a:p>
         </p:txBody>
       </p:sp>
@@ -2800,8 +3126,8 @@
         </p:nvSpPr>
         <p:spPr>
           <a:xfrm>
-            <a:off x="839788" y="1681163"/>
-            <a:ext cx="5157787" cy="823912"/>
+            <a:off x="839789" y="4412664"/>
+            <a:ext cx="5157787" cy="2162578"/>
           </a:xfrm>
         </p:spPr>
         <p:txBody>
@@ -2809,39 +3135,39 @@
           <a:lstStyle>
             <a:lvl1pPr marL="0" indent="0">
               <a:buNone/>
+              <a:defRPr sz="3200" b="1"/>
+            </a:lvl1pPr>
+            <a:lvl2pPr marL="609585" indent="0">
+              <a:buNone/>
+              <a:defRPr sz="2667" b="1"/>
+            </a:lvl2pPr>
+            <a:lvl3pPr marL="1219170" indent="0">
+              <a:buNone/>
               <a:defRPr sz="2400" b="1"/>
-            </a:lvl1pPr>
-            <a:lvl2pPr marL="457200" indent="0">
+            </a:lvl3pPr>
+            <a:lvl4pPr marL="1828754" indent="0">
               <a:buNone/>
-              <a:defRPr sz="2000" b="1"/>
-            </a:lvl2pPr>
-            <a:lvl3pPr marL="914400" indent="0">
+              <a:defRPr sz="2133" b="1"/>
+            </a:lvl4pPr>
+            <a:lvl5pPr marL="2438339" indent="0">
               <a:buNone/>
-              <a:defRPr sz="1800" b="1"/>
-            </a:lvl3pPr>
-            <a:lvl4pPr marL="1371600" indent="0">
+              <a:defRPr sz="2133" b="1"/>
+            </a:lvl5pPr>
+            <a:lvl6pPr marL="3047924" indent="0">
               <a:buNone/>
-              <a:defRPr sz="1600" b="1"/>
-            </a:lvl4pPr>
-            <a:lvl5pPr marL="1828800" indent="0">
+              <a:defRPr sz="2133" b="1"/>
+            </a:lvl6pPr>
+            <a:lvl7pPr marL="3657509" indent="0">
               <a:buNone/>
-              <a:defRPr sz="1600" b="1"/>
-            </a:lvl5pPr>
-            <a:lvl6pPr marL="2286000" indent="0">
+              <a:defRPr sz="2133" b="1"/>
+            </a:lvl7pPr>
+            <a:lvl8pPr marL="4267093" indent="0">
               <a:buNone/>
-              <a:defRPr sz="1600" b="1"/>
-            </a:lvl6pPr>
-            <a:lvl7pPr marL="2743200" indent="0">
+              <a:defRPr sz="2133" b="1"/>
+            </a:lvl8pPr>
+            <a:lvl9pPr marL="4876678" indent="0">
               <a:buNone/>
-              <a:defRPr sz="1600" b="1"/>
-            </a:lvl7pPr>
-            <a:lvl8pPr marL="3200400" indent="0">
-              <a:buNone/>
-              <a:defRPr sz="1600" b="1"/>
-            </a:lvl8pPr>
-            <a:lvl9pPr marL="3657600" indent="0">
-              <a:buNone/>
-              <a:defRPr sz="1600" b="1"/>
+              <a:defRPr sz="2133" b="1"/>
             </a:lvl9pPr>
           </a:lstStyle>
           <a:p>
@@ -2865,8 +3191,8 @@
         </p:nvSpPr>
         <p:spPr>
           <a:xfrm>
-            <a:off x="839788" y="2505075"/>
-            <a:ext cx="5157787" cy="3684588"/>
+            <a:off x="839789" y="6575242"/>
+            <a:ext cx="5157787" cy="9671191"/>
           </a:xfrm>
         </p:spPr>
         <p:txBody>
@@ -2906,7 +3232,7 @@
               <a:rPr lang="en-US" smtClean="0"/>
               <a:t>Fifth level</a:t>
             </a:r>
-            <a:endParaRPr lang="en-US"/>
+            <a:endParaRPr lang="en-US" dirty="0"/>
           </a:p>
         </p:txBody>
       </p:sp>
@@ -2922,8 +3248,8 @@
         </p:nvSpPr>
         <p:spPr>
           <a:xfrm>
-            <a:off x="6172200" y="1681163"/>
-            <a:ext cx="5183188" cy="823912"/>
+            <a:off x="6172201" y="4412664"/>
+            <a:ext cx="5183188" cy="2162578"/>
           </a:xfrm>
         </p:spPr>
         <p:txBody>
@@ -2931,39 +3257,39 @@
           <a:lstStyle>
             <a:lvl1pPr marL="0" indent="0">
               <a:buNone/>
+              <a:defRPr sz="3200" b="1"/>
+            </a:lvl1pPr>
+            <a:lvl2pPr marL="609585" indent="0">
+              <a:buNone/>
+              <a:defRPr sz="2667" b="1"/>
+            </a:lvl2pPr>
+            <a:lvl3pPr marL="1219170" indent="0">
+              <a:buNone/>
               <a:defRPr sz="2400" b="1"/>
-            </a:lvl1pPr>
-            <a:lvl2pPr marL="457200" indent="0">
+            </a:lvl3pPr>
+            <a:lvl4pPr marL="1828754" indent="0">
               <a:buNone/>
-              <a:defRPr sz="2000" b="1"/>
-            </a:lvl2pPr>
-            <a:lvl3pPr marL="914400" indent="0">
+              <a:defRPr sz="2133" b="1"/>
+            </a:lvl4pPr>
+            <a:lvl5pPr marL="2438339" indent="0">
               <a:buNone/>
-              <a:defRPr sz="1800" b="1"/>
-            </a:lvl3pPr>
-            <a:lvl4pPr marL="1371600" indent="0">
+              <a:defRPr sz="2133" b="1"/>
+            </a:lvl5pPr>
+            <a:lvl6pPr marL="3047924" indent="0">
               <a:buNone/>
-              <a:defRPr sz="1600" b="1"/>
-            </a:lvl4pPr>
-            <a:lvl5pPr marL="1828800" indent="0">
+              <a:defRPr sz="2133" b="1"/>
+            </a:lvl6pPr>
+            <a:lvl7pPr marL="3657509" indent="0">
               <a:buNone/>
-              <a:defRPr sz="1600" b="1"/>
-            </a:lvl5pPr>
-            <a:lvl6pPr marL="2286000" indent="0">
+              <a:defRPr sz="2133" b="1"/>
+            </a:lvl7pPr>
+            <a:lvl8pPr marL="4267093" indent="0">
               <a:buNone/>
-              <a:defRPr sz="1600" b="1"/>
-            </a:lvl6pPr>
-            <a:lvl7pPr marL="2743200" indent="0">
+              <a:defRPr sz="2133" b="1"/>
+            </a:lvl8pPr>
+            <a:lvl9pPr marL="4876678" indent="0">
               <a:buNone/>
-              <a:defRPr sz="1600" b="1"/>
-            </a:lvl7pPr>
-            <a:lvl8pPr marL="3200400" indent="0">
-              <a:buNone/>
-              <a:defRPr sz="1600" b="1"/>
-            </a:lvl8pPr>
-            <a:lvl9pPr marL="3657600" indent="0">
-              <a:buNone/>
-              <a:defRPr sz="1600" b="1"/>
+              <a:defRPr sz="2133" b="1"/>
             </a:lvl9pPr>
           </a:lstStyle>
           <a:p>
@@ -2987,8 +3313,8 @@
         </p:nvSpPr>
         <p:spPr>
           <a:xfrm>
-            <a:off x="6172200" y="2505075"/>
-            <a:ext cx="5183188" cy="3684588"/>
+            <a:off x="6172201" y="6575242"/>
+            <a:ext cx="5183188" cy="9671191"/>
           </a:xfrm>
         </p:spPr>
         <p:txBody>
@@ -3028,7 +3354,7 @@
               <a:rPr lang="en-US" smtClean="0"/>
               <a:t>Fifth level</a:t>
             </a:r>
-            <a:endParaRPr lang="en-US"/>
+            <a:endParaRPr lang="en-US" dirty="0"/>
           </a:p>
         </p:txBody>
       </p:sp>
@@ -3098,11 +3424,6 @@
         </p:txBody>
       </p:sp>
     </p:spTree>
-    <p:extLst>
-      <p:ext uri="{BB962C8B-B14F-4D97-AF65-F5344CB8AC3E}">
-        <p14:creationId xmlns:p14="http://schemas.microsoft.com/office/powerpoint/2010/main" val="933745453"/>
-      </p:ext>
-    </p:extLst>
   </p:cSld>
   <p:clrMapOvr>
     <a:masterClrMapping/>
@@ -3146,7 +3467,7 @@
               <a:rPr lang="en-US" smtClean="0"/>
               <a:t>Click to edit Master title style</a:t>
             </a:r>
-            <a:endParaRPr lang="en-US"/>
+            <a:endParaRPr lang="en-US" dirty="0"/>
           </a:p>
         </p:txBody>
       </p:sp>
@@ -3216,11 +3537,6 @@
         </p:txBody>
       </p:sp>
     </p:spTree>
-    <p:extLst>
-      <p:ext uri="{BB962C8B-B14F-4D97-AF65-F5344CB8AC3E}">
-        <p14:creationId xmlns:p14="http://schemas.microsoft.com/office/powerpoint/2010/main" val="1796819942"/>
-      </p:ext>
-    </p:extLst>
   </p:cSld>
   <p:clrMapOvr>
     <a:masterClrMapping/>
@@ -3311,11 +3627,6 @@
         </p:txBody>
       </p:sp>
     </p:spTree>
-    <p:extLst>
-      <p:ext uri="{BB962C8B-B14F-4D97-AF65-F5344CB8AC3E}">
-        <p14:creationId xmlns:p14="http://schemas.microsoft.com/office/powerpoint/2010/main" val="1237721080"/>
-      </p:ext>
-    </p:extLst>
   </p:cSld>
   <p:clrMapOvr>
     <a:masterClrMapping/>
@@ -3352,15 +3663,15 @@
         </p:nvSpPr>
         <p:spPr>
           <a:xfrm>
-            <a:off x="839788" y="457200"/>
-            <a:ext cx="3932237" cy="1600200"/>
+            <a:off x="839788" y="1200044"/>
+            <a:ext cx="3932237" cy="4200155"/>
           </a:xfrm>
         </p:spPr>
         <p:txBody>
           <a:bodyPr anchor="b"/>
           <a:lstStyle>
             <a:lvl1pPr>
-              <a:defRPr sz="3200"/>
+              <a:defRPr sz="4267"/>
             </a:lvl1pPr>
           </a:lstStyle>
           <a:p>
@@ -3368,7 +3679,7 @@
               <a:rPr lang="en-US" smtClean="0"/>
               <a:t>Click to edit Master title style</a:t>
             </a:r>
-            <a:endParaRPr lang="en-US"/>
+            <a:endParaRPr lang="en-US" dirty="0"/>
           </a:p>
         </p:txBody>
       </p:sp>
@@ -3384,39 +3695,39 @@
         </p:nvSpPr>
         <p:spPr>
           <a:xfrm>
-            <a:off x="5183188" y="987425"/>
-            <a:ext cx="6172200" cy="4873625"/>
+            <a:off x="5183188" y="2591766"/>
+            <a:ext cx="6172200" cy="12792138"/>
           </a:xfrm>
         </p:spPr>
         <p:txBody>
           <a:bodyPr/>
           <a:lstStyle>
             <a:lvl1pPr>
-              <a:defRPr sz="3200"/>
+              <a:defRPr sz="4267"/>
             </a:lvl1pPr>
             <a:lvl2pPr>
-              <a:defRPr sz="2800"/>
+              <a:defRPr sz="3733"/>
             </a:lvl2pPr>
             <a:lvl3pPr>
-              <a:defRPr sz="2400"/>
+              <a:defRPr sz="3200"/>
             </a:lvl3pPr>
             <a:lvl4pPr>
-              <a:defRPr sz="2000"/>
+              <a:defRPr sz="2667"/>
             </a:lvl4pPr>
             <a:lvl5pPr>
-              <a:defRPr sz="2000"/>
+              <a:defRPr sz="2667"/>
             </a:lvl5pPr>
             <a:lvl6pPr>
-              <a:defRPr sz="2000"/>
+              <a:defRPr sz="2667"/>
             </a:lvl6pPr>
             <a:lvl7pPr>
-              <a:defRPr sz="2000"/>
+              <a:defRPr sz="2667"/>
             </a:lvl7pPr>
             <a:lvl8pPr>
-              <a:defRPr sz="2000"/>
+              <a:defRPr sz="2667"/>
             </a:lvl8pPr>
             <a:lvl9pPr>
-              <a:defRPr sz="2000"/>
+              <a:defRPr sz="2667"/>
             </a:lvl9pPr>
           </a:lstStyle>
           <a:p>
@@ -3453,7 +3764,7 @@
               <a:rPr lang="en-US" smtClean="0"/>
               <a:t>Fifth level</a:t>
             </a:r>
-            <a:endParaRPr lang="en-US"/>
+            <a:endParaRPr lang="en-US" dirty="0"/>
           </a:p>
         </p:txBody>
       </p:sp>
@@ -3469,8 +3780,8 @@
         </p:nvSpPr>
         <p:spPr>
           <a:xfrm>
-            <a:off x="839788" y="2057400"/>
-            <a:ext cx="3932237" cy="3811588"/>
+            <a:off x="839788" y="5400199"/>
+            <a:ext cx="3932237" cy="10004536"/>
           </a:xfrm>
         </p:spPr>
         <p:txBody>
@@ -3478,39 +3789,39 @@
           <a:lstStyle>
             <a:lvl1pPr marL="0" indent="0">
               <a:buNone/>
+              <a:defRPr sz="2133"/>
+            </a:lvl1pPr>
+            <a:lvl2pPr marL="609585" indent="0">
+              <a:buNone/>
+              <a:defRPr sz="1867"/>
+            </a:lvl2pPr>
+            <a:lvl3pPr marL="1219170" indent="0">
+              <a:buNone/>
               <a:defRPr sz="1600"/>
-            </a:lvl1pPr>
-            <a:lvl2pPr marL="457200" indent="0">
+            </a:lvl3pPr>
+            <a:lvl4pPr marL="1828754" indent="0">
               <a:buNone/>
-              <a:defRPr sz="1400"/>
-            </a:lvl2pPr>
-            <a:lvl3pPr marL="914400" indent="0">
+              <a:defRPr sz="1333"/>
+            </a:lvl4pPr>
+            <a:lvl5pPr marL="2438339" indent="0">
               <a:buNone/>
-              <a:defRPr sz="1200"/>
-            </a:lvl3pPr>
-            <a:lvl4pPr marL="1371600" indent="0">
+              <a:defRPr sz="1333"/>
+            </a:lvl5pPr>
+            <a:lvl6pPr marL="3047924" indent="0">
               <a:buNone/>
-              <a:defRPr sz="1000"/>
-            </a:lvl4pPr>
-            <a:lvl5pPr marL="1828800" indent="0">
+              <a:defRPr sz="1333"/>
+            </a:lvl6pPr>
+            <a:lvl7pPr marL="3657509" indent="0">
               <a:buNone/>
-              <a:defRPr sz="1000"/>
-            </a:lvl5pPr>
-            <a:lvl6pPr marL="2286000" indent="0">
+              <a:defRPr sz="1333"/>
+            </a:lvl7pPr>
+            <a:lvl8pPr marL="4267093" indent="0">
               <a:buNone/>
-              <a:defRPr sz="1000"/>
-            </a:lvl6pPr>
-            <a:lvl7pPr marL="2743200" indent="0">
+              <a:defRPr sz="1333"/>
+            </a:lvl8pPr>
+            <a:lvl9pPr marL="4876678" indent="0">
               <a:buNone/>
-              <a:defRPr sz="1000"/>
-            </a:lvl7pPr>
-            <a:lvl8pPr marL="3200400" indent="0">
-              <a:buNone/>
-              <a:defRPr sz="1000"/>
-            </a:lvl8pPr>
-            <a:lvl9pPr marL="3657600" indent="0">
-              <a:buNone/>
-              <a:defRPr sz="1000"/>
+              <a:defRPr sz="1333"/>
             </a:lvl9pPr>
           </a:lstStyle>
           <a:p>
@@ -3588,11 +3899,6 @@
         </p:txBody>
       </p:sp>
     </p:spTree>
-    <p:extLst>
-      <p:ext uri="{BB962C8B-B14F-4D97-AF65-F5344CB8AC3E}">
-        <p14:creationId xmlns:p14="http://schemas.microsoft.com/office/powerpoint/2010/main" val="1851586718"/>
-      </p:ext>
-    </p:extLst>
   </p:cSld>
   <p:clrMapOvr>
     <a:masterClrMapping/>
@@ -3629,15 +3935,15 @@
         </p:nvSpPr>
         <p:spPr>
           <a:xfrm>
-            <a:off x="839788" y="457200"/>
-            <a:ext cx="3932237" cy="1600200"/>
+            <a:off x="839788" y="1200044"/>
+            <a:ext cx="3932237" cy="4200155"/>
           </a:xfrm>
         </p:spPr>
         <p:txBody>
           <a:bodyPr anchor="b"/>
           <a:lstStyle>
             <a:lvl1pPr>
-              <a:defRPr sz="3200"/>
+              <a:defRPr sz="4267"/>
             </a:lvl1pPr>
           </a:lstStyle>
           <a:p>
@@ -3645,7 +3951,7 @@
               <a:rPr lang="en-US" smtClean="0"/>
               <a:t>Click to edit Master title style</a:t>
             </a:r>
-            <a:endParaRPr lang="en-US"/>
+            <a:endParaRPr lang="en-US" dirty="0"/>
           </a:p>
         </p:txBody>
       </p:sp>
@@ -3653,7 +3959,7 @@
         <p:nvSpPr>
           <p:cNvPr id="3" name="Picture Placeholder 2"/>
           <p:cNvSpPr>
-            <a:spLocks noGrp="1"/>
+            <a:spLocks noGrp="1" noChangeAspect="1"/>
           </p:cNvSpPr>
           <p:nvPr>
             <p:ph type="pic" idx="1"/>
@@ -3661,52 +3967,56 @@
         </p:nvSpPr>
         <p:spPr>
           <a:xfrm>
-            <a:off x="5183188" y="987425"/>
-            <a:ext cx="6172200" cy="4873625"/>
+            <a:off x="5183188" y="2591766"/>
+            <a:ext cx="6172200" cy="12792138"/>
           </a:xfrm>
         </p:spPr>
         <p:txBody>
-          <a:bodyPr/>
+          <a:bodyPr anchor="t"/>
           <a:lstStyle>
             <a:lvl1pPr marL="0" indent="0">
               <a:buNone/>
+              <a:defRPr sz="4267"/>
+            </a:lvl1pPr>
+            <a:lvl2pPr marL="609585" indent="0">
+              <a:buNone/>
+              <a:defRPr sz="3733"/>
+            </a:lvl2pPr>
+            <a:lvl3pPr marL="1219170" indent="0">
+              <a:buNone/>
               <a:defRPr sz="3200"/>
-            </a:lvl1pPr>
-            <a:lvl2pPr marL="457200" indent="0">
+            </a:lvl3pPr>
+            <a:lvl4pPr marL="1828754" indent="0">
               <a:buNone/>
-              <a:defRPr sz="2800"/>
-            </a:lvl2pPr>
-            <a:lvl3pPr marL="914400" indent="0">
+              <a:defRPr sz="2667"/>
+            </a:lvl4pPr>
+            <a:lvl5pPr marL="2438339" indent="0">
               <a:buNone/>
-              <a:defRPr sz="2400"/>
-            </a:lvl3pPr>
-            <a:lvl4pPr marL="1371600" indent="0">
+              <a:defRPr sz="2667"/>
+            </a:lvl5pPr>
+            <a:lvl6pPr marL="3047924" indent="0">
               <a:buNone/>
-              <a:defRPr sz="2000"/>
-            </a:lvl4pPr>
-            <a:lvl5pPr marL="1828800" indent="0">
+              <a:defRPr sz="2667"/>
+            </a:lvl6pPr>
+            <a:lvl7pPr marL="3657509" indent="0">
               <a:buNone/>
-              <a:defRPr sz="2000"/>
-            </a:lvl5pPr>
-            <a:lvl6pPr marL="2286000" indent="0">
+              <a:defRPr sz="2667"/>
+            </a:lvl7pPr>
+            <a:lvl8pPr marL="4267093" indent="0">
               <a:buNone/>
-              <a:defRPr sz="2000"/>
-            </a:lvl6pPr>
-            <a:lvl7pPr marL="2743200" indent="0">
+              <a:defRPr sz="2667"/>
+            </a:lvl8pPr>
+            <a:lvl9pPr marL="4876678" indent="0">
               <a:buNone/>
-              <a:defRPr sz="2000"/>
-            </a:lvl7pPr>
-            <a:lvl8pPr marL="3200400" indent="0">
-              <a:buNone/>
-              <a:defRPr sz="2000"/>
-            </a:lvl8pPr>
-            <a:lvl9pPr marL="3657600" indent="0">
-              <a:buNone/>
-              <a:defRPr sz="2000"/>
+              <a:defRPr sz="2667"/>
             </a:lvl9pPr>
           </a:lstStyle>
           <a:p>
-            <a:endParaRPr lang="en-US"/>
+            <a:r>
+              <a:rPr lang="en-US" smtClean="0"/>
+              <a:t>Drag picture to placeholder or click icon to add</a:t>
+            </a:r>
+            <a:endParaRPr lang="en-US" dirty="0"/>
           </a:p>
         </p:txBody>
       </p:sp>
@@ -3722,8 +4032,8 @@
         </p:nvSpPr>
         <p:spPr>
           <a:xfrm>
-            <a:off x="839788" y="2057400"/>
-            <a:ext cx="3932237" cy="3811588"/>
+            <a:off x="839788" y="5400199"/>
+            <a:ext cx="3932237" cy="10004536"/>
           </a:xfrm>
         </p:spPr>
         <p:txBody>
@@ -3731,39 +4041,39 @@
           <a:lstStyle>
             <a:lvl1pPr marL="0" indent="0">
               <a:buNone/>
+              <a:defRPr sz="2133"/>
+            </a:lvl1pPr>
+            <a:lvl2pPr marL="609585" indent="0">
+              <a:buNone/>
+              <a:defRPr sz="1867"/>
+            </a:lvl2pPr>
+            <a:lvl3pPr marL="1219170" indent="0">
+              <a:buNone/>
               <a:defRPr sz="1600"/>
-            </a:lvl1pPr>
-            <a:lvl2pPr marL="457200" indent="0">
+            </a:lvl3pPr>
+            <a:lvl4pPr marL="1828754" indent="0">
               <a:buNone/>
-              <a:defRPr sz="1400"/>
-            </a:lvl2pPr>
-            <a:lvl3pPr marL="914400" indent="0">
+              <a:defRPr sz="1333"/>
+            </a:lvl4pPr>
+            <a:lvl5pPr marL="2438339" indent="0">
               <a:buNone/>
-              <a:defRPr sz="1200"/>
-            </a:lvl3pPr>
-            <a:lvl4pPr marL="1371600" indent="0">
+              <a:defRPr sz="1333"/>
+            </a:lvl5pPr>
+            <a:lvl6pPr marL="3047924" indent="0">
               <a:buNone/>
-              <a:defRPr sz="1000"/>
-            </a:lvl4pPr>
-            <a:lvl5pPr marL="1828800" indent="0">
+              <a:defRPr sz="1333"/>
+            </a:lvl6pPr>
+            <a:lvl7pPr marL="3657509" indent="0">
               <a:buNone/>
-              <a:defRPr sz="1000"/>
-            </a:lvl5pPr>
-            <a:lvl6pPr marL="2286000" indent="0">
+              <a:defRPr sz="1333"/>
+            </a:lvl7pPr>
+            <a:lvl8pPr marL="4267093" indent="0">
               <a:buNone/>
-              <a:defRPr sz="1000"/>
-            </a:lvl6pPr>
-            <a:lvl7pPr marL="2743200" indent="0">
+              <a:defRPr sz="1333"/>
+            </a:lvl8pPr>
+            <a:lvl9pPr marL="4876678" indent="0">
               <a:buNone/>
-              <a:defRPr sz="1000"/>
-            </a:lvl7pPr>
-            <a:lvl8pPr marL="3200400" indent="0">
-              <a:buNone/>
-              <a:defRPr sz="1000"/>
-            </a:lvl8pPr>
-            <a:lvl9pPr marL="3657600" indent="0">
-              <a:buNone/>
-              <a:defRPr sz="1000"/>
+              <a:defRPr sz="1333"/>
             </a:lvl9pPr>
           </a:lstStyle>
           <a:p>
@@ -3841,11 +4151,6 @@
         </p:txBody>
       </p:sp>
     </p:spTree>
-    <p:extLst>
-      <p:ext uri="{BB962C8B-B14F-4D97-AF65-F5344CB8AC3E}">
-        <p14:creationId xmlns:p14="http://schemas.microsoft.com/office/powerpoint/2010/main" val="432440749"/>
-      </p:ext>
-    </p:extLst>
   </p:cSld>
   <p:clrMapOvr>
     <a:masterClrMapping/>
@@ -3887,8 +4192,8 @@
         </p:nvSpPr>
         <p:spPr>
           <a:xfrm>
-            <a:off x="838200" y="365125"/>
-            <a:ext cx="10515600" cy="1325563"/>
+            <a:off x="838200" y="958373"/>
+            <a:ext cx="10515600" cy="3479296"/>
           </a:xfrm>
           <a:prstGeom prst="rect">
             <a:avLst/>
@@ -3904,7 +4209,7 @@
               <a:rPr lang="en-US" smtClean="0"/>
               <a:t>Click to edit Master title style</a:t>
             </a:r>
-            <a:endParaRPr lang="en-US"/>
+            <a:endParaRPr lang="en-US" dirty="0"/>
           </a:p>
         </p:txBody>
       </p:sp>
@@ -3920,8 +4225,8 @@
         </p:nvSpPr>
         <p:spPr>
           <a:xfrm>
-            <a:off x="838200" y="1825625"/>
-            <a:ext cx="10515600" cy="4351338"/>
+            <a:off x="838200" y="4791843"/>
+            <a:ext cx="10515600" cy="11421255"/>
           </a:xfrm>
           <a:prstGeom prst="rect">
             <a:avLst/>
@@ -3966,7 +4271,7 @@
               <a:rPr lang="en-US" smtClean="0"/>
               <a:t>Fifth level</a:t>
             </a:r>
-            <a:endParaRPr lang="en-US"/>
+            <a:endParaRPr lang="en-US" dirty="0"/>
           </a:p>
         </p:txBody>
       </p:sp>
@@ -3982,8 +4287,8 @@
         </p:nvSpPr>
         <p:spPr>
           <a:xfrm>
-            <a:off x="838200" y="6356350"/>
-            <a:ext cx="2743200" cy="365125"/>
+            <a:off x="838200" y="16683952"/>
+            <a:ext cx="2743200" cy="958369"/>
           </a:xfrm>
           <a:prstGeom prst="rect">
             <a:avLst/>
@@ -3993,7 +4298,7 @@
           <a:bodyPr vert="horz" lIns="91440" tIns="45720" rIns="91440" bIns="45720" rtlCol="0" anchor="ctr"/>
           <a:lstStyle>
             <a:lvl1pPr algn="l">
-              <a:defRPr sz="1200">
+              <a:defRPr sz="1600">
                 <a:solidFill>
                   <a:schemeClr val="tx1">
                     <a:tint val="75000"/>
@@ -4023,8 +4328,8 @@
         </p:nvSpPr>
         <p:spPr>
           <a:xfrm>
-            <a:off x="4038600" y="6356350"/>
-            <a:ext cx="4114800" cy="365125"/>
+            <a:off x="4038600" y="16683952"/>
+            <a:ext cx="4114800" cy="958369"/>
           </a:xfrm>
           <a:prstGeom prst="rect">
             <a:avLst/>
@@ -4034,7 +4339,7 @@
           <a:bodyPr vert="horz" lIns="91440" tIns="45720" rIns="91440" bIns="45720" rtlCol="0" anchor="ctr"/>
           <a:lstStyle>
             <a:lvl1pPr algn="ctr">
-              <a:defRPr sz="1200">
+              <a:defRPr sz="1600">
                 <a:solidFill>
                   <a:schemeClr val="tx1">
                     <a:tint val="75000"/>
@@ -4060,8 +4365,8 @@
         </p:nvSpPr>
         <p:spPr>
           <a:xfrm>
-            <a:off x="8610600" y="6356350"/>
-            <a:ext cx="2743200" cy="365125"/>
+            <a:off x="8610600" y="16683952"/>
+            <a:ext cx="2743200" cy="958369"/>
           </a:xfrm>
           <a:prstGeom prst="rect">
             <a:avLst/>
@@ -4071,7 +4376,7 @@
           <a:bodyPr vert="horz" lIns="91440" tIns="45720" rIns="91440" bIns="45720" rtlCol="0" anchor="ctr"/>
           <a:lstStyle>
             <a:lvl1pPr algn="r">
-              <a:defRPr sz="1200">
+              <a:defRPr sz="1600">
                 <a:solidFill>
                   <a:schemeClr val="tx1">
                     <a:tint val="75000"/>
@@ -4092,30 +4397,30 @@
     </p:spTree>
     <p:extLst>
       <p:ext uri="{BB962C8B-B14F-4D97-AF65-F5344CB8AC3E}">
-        <p14:creationId xmlns:p14="http://schemas.microsoft.com/office/powerpoint/2010/main" val="1960314952"/>
+        <p14:creationId xmlns:p14="http://schemas.microsoft.com/office/powerpoint/2010/main" val="949435308"/>
       </p:ext>
     </p:extLst>
   </p:cSld>
   <p:clrMap bg1="lt1" tx1="dk1" bg2="lt2" tx2="dk2" accent1="accent1" accent2="accent2" accent3="accent3" accent4="accent4" accent5="accent5" accent6="accent6" hlink="hlink" folHlink="folHlink"/>
   <p:sldLayoutIdLst>
-    <p:sldLayoutId id="2147483649" r:id="rId1"/>
-    <p:sldLayoutId id="2147483650" r:id="rId2"/>
-    <p:sldLayoutId id="2147483651" r:id="rId3"/>
-    <p:sldLayoutId id="2147483652" r:id="rId4"/>
-    <p:sldLayoutId id="2147483653" r:id="rId5"/>
-    <p:sldLayoutId id="2147483654" r:id="rId6"/>
-    <p:sldLayoutId id="2147483655" r:id="rId7"/>
-    <p:sldLayoutId id="2147483656" r:id="rId8"/>
-    <p:sldLayoutId id="2147483657" r:id="rId9"/>
-    <p:sldLayoutId id="2147483658" r:id="rId10"/>
-    <p:sldLayoutId id="2147483659" r:id="rId11"/>
-    <p:sldLayoutId id="2147483660" r:id="rId12"/>
-    <p:sldLayoutId id="2147483661" r:id="rId13"/>
-    <p:sldLayoutId id="2147483662" r:id="rId14"/>
+    <p:sldLayoutId id="2147483664" r:id="rId1"/>
+    <p:sldLayoutId id="2147483665" r:id="rId2"/>
+    <p:sldLayoutId id="2147483666" r:id="rId3"/>
+    <p:sldLayoutId id="2147483667" r:id="rId4"/>
+    <p:sldLayoutId id="2147483668" r:id="rId5"/>
+    <p:sldLayoutId id="2147483669" r:id="rId6"/>
+    <p:sldLayoutId id="2147483670" r:id="rId7"/>
+    <p:sldLayoutId id="2147483671" r:id="rId8"/>
+    <p:sldLayoutId id="2147483672" r:id="rId9"/>
+    <p:sldLayoutId id="2147483673" r:id="rId10"/>
+    <p:sldLayoutId id="2147483674" r:id="rId11"/>
+    <p:sldLayoutId id="2147483675" r:id="rId12"/>
+    <p:sldLayoutId id="2147483676" r:id="rId13"/>
+    <p:sldLayoutId id="2147483677" r:id="rId14"/>
   </p:sldLayoutIdLst>
   <p:txStyles>
     <p:titleStyle>
-      <a:lvl1pPr algn="l" defTabSz="914400" rtl="0" eaLnBrk="1" latinLnBrk="0" hangingPunct="1">
+      <a:lvl1pPr algn="l" defTabSz="1219170" rtl="0" eaLnBrk="1" latinLnBrk="0" hangingPunct="1">
         <a:lnSpc>
           <a:spcPct val="90000"/>
         </a:lnSpc>
@@ -4123,7 +4428,7 @@
           <a:spcPct val="0"/>
         </a:spcBef>
         <a:buNone/>
-        <a:defRPr sz="4400" kern="1200">
+        <a:defRPr sz="5867" kern="1200">
           <a:solidFill>
             <a:schemeClr val="tx1"/>
           </a:solidFill>
@@ -4134,16 +4439,16 @@
       </a:lvl1pPr>
     </p:titleStyle>
     <p:bodyStyle>
-      <a:lvl1pPr marL="228600" indent="-228600" algn="l" defTabSz="914400" rtl="0" eaLnBrk="1" latinLnBrk="0" hangingPunct="1">
+      <a:lvl1pPr marL="304792" indent="-304792" algn="l" defTabSz="1219170" rtl="0" eaLnBrk="1" latinLnBrk="0" hangingPunct="1">
         <a:lnSpc>
           <a:spcPct val="90000"/>
         </a:lnSpc>
         <a:spcBef>
-          <a:spcPts val="1000"/>
+          <a:spcPts val="1333"/>
         </a:spcBef>
-        <a:buFont typeface="Arial"/>
+        <a:buFont typeface="Arial" panose="020B0604020202020204" pitchFamily="34" charset="0"/>
         <a:buChar char="•"/>
-        <a:defRPr sz="2800" kern="1200">
+        <a:defRPr sz="3733" kern="1200">
           <a:solidFill>
             <a:schemeClr val="tx1"/>
           </a:solidFill>
@@ -4152,14 +4457,50 @@
           <a:cs typeface="+mn-cs"/>
         </a:defRPr>
       </a:lvl1pPr>
-      <a:lvl2pPr marL="685800" indent="-228600" algn="l" defTabSz="914400" rtl="0" eaLnBrk="1" latinLnBrk="0" hangingPunct="1">
+      <a:lvl2pPr marL="914377" indent="-304792" algn="l" defTabSz="1219170" rtl="0" eaLnBrk="1" latinLnBrk="0" hangingPunct="1">
         <a:lnSpc>
           <a:spcPct val="90000"/>
         </a:lnSpc>
         <a:spcBef>
-          <a:spcPts val="500"/>
+          <a:spcPts val="667"/>
         </a:spcBef>
-        <a:buFont typeface="Arial"/>
+        <a:buFont typeface="Arial" panose="020B0604020202020204" pitchFamily="34" charset="0"/>
+        <a:buChar char="•"/>
+        <a:defRPr sz="3200" kern="1200">
+          <a:solidFill>
+            <a:schemeClr val="tx1"/>
+          </a:solidFill>
+          <a:latin typeface="+mn-lt"/>
+          <a:ea typeface="+mn-ea"/>
+          <a:cs typeface="+mn-cs"/>
+        </a:defRPr>
+      </a:lvl2pPr>
+      <a:lvl3pPr marL="1523962" indent="-304792" algn="l" defTabSz="1219170" rtl="0" eaLnBrk="1" latinLnBrk="0" hangingPunct="1">
+        <a:lnSpc>
+          <a:spcPct val="90000"/>
+        </a:lnSpc>
+        <a:spcBef>
+          <a:spcPts val="667"/>
+        </a:spcBef>
+        <a:buFont typeface="Arial" panose="020B0604020202020204" pitchFamily="34" charset="0"/>
+        <a:buChar char="•"/>
+        <a:defRPr sz="2667" kern="1200">
+          <a:solidFill>
+            <a:schemeClr val="tx1"/>
+          </a:solidFill>
+          <a:latin typeface="+mn-lt"/>
+          <a:ea typeface="+mn-ea"/>
+          <a:cs typeface="+mn-cs"/>
+        </a:defRPr>
+      </a:lvl3pPr>
+      <a:lvl4pPr marL="2133547" indent="-304792" algn="l" defTabSz="1219170" rtl="0" eaLnBrk="1" latinLnBrk="0" hangingPunct="1">
+        <a:lnSpc>
+          <a:spcPct val="90000"/>
+        </a:lnSpc>
+        <a:spcBef>
+          <a:spcPts val="667"/>
+        </a:spcBef>
+        <a:buFont typeface="Arial" panose="020B0604020202020204" pitchFamily="34" charset="0"/>
         <a:buChar char="•"/>
         <a:defRPr sz="2400" kern="1200">
           <a:solidFill>
@@ -4169,53 +4510,17 @@
           <a:ea typeface="+mn-ea"/>
           <a:cs typeface="+mn-cs"/>
         </a:defRPr>
-      </a:lvl2pPr>
-      <a:lvl3pPr marL="1143000" indent="-228600" algn="l" defTabSz="914400" rtl="0" eaLnBrk="1" latinLnBrk="0" hangingPunct="1">
+      </a:lvl4pPr>
+      <a:lvl5pPr marL="2743131" indent="-304792" algn="l" defTabSz="1219170" rtl="0" eaLnBrk="1" latinLnBrk="0" hangingPunct="1">
         <a:lnSpc>
           <a:spcPct val="90000"/>
         </a:lnSpc>
         <a:spcBef>
-          <a:spcPts val="500"/>
+          <a:spcPts val="667"/>
         </a:spcBef>
-        <a:buFont typeface="Arial"/>
+        <a:buFont typeface="Arial" panose="020B0604020202020204" pitchFamily="34" charset="0"/>
         <a:buChar char="•"/>
-        <a:defRPr sz="2000" kern="1200">
-          <a:solidFill>
-            <a:schemeClr val="tx1"/>
-          </a:solidFill>
-          <a:latin typeface="+mn-lt"/>
-          <a:ea typeface="+mn-ea"/>
-          <a:cs typeface="+mn-cs"/>
-        </a:defRPr>
-      </a:lvl3pPr>
-      <a:lvl4pPr marL="1600200" indent="-228600" algn="l" defTabSz="914400" rtl="0" eaLnBrk="1" latinLnBrk="0" hangingPunct="1">
-        <a:lnSpc>
-          <a:spcPct val="90000"/>
-        </a:lnSpc>
-        <a:spcBef>
-          <a:spcPts val="500"/>
-        </a:spcBef>
-        <a:buFont typeface="Arial"/>
-        <a:buChar char="•"/>
-        <a:defRPr sz="1800" kern="1200">
-          <a:solidFill>
-            <a:schemeClr val="tx1"/>
-          </a:solidFill>
-          <a:latin typeface="+mn-lt"/>
-          <a:ea typeface="+mn-ea"/>
-          <a:cs typeface="+mn-cs"/>
-        </a:defRPr>
-      </a:lvl4pPr>
-      <a:lvl5pPr marL="2057400" indent="-228600" algn="l" defTabSz="914400" rtl="0" eaLnBrk="1" latinLnBrk="0" hangingPunct="1">
-        <a:lnSpc>
-          <a:spcPct val="90000"/>
-        </a:lnSpc>
-        <a:spcBef>
-          <a:spcPts val="500"/>
-        </a:spcBef>
-        <a:buFont typeface="Arial"/>
-        <a:buChar char="•"/>
-        <a:defRPr sz="1800" kern="1200">
+        <a:defRPr sz="2400" kern="1200">
           <a:solidFill>
             <a:schemeClr val="tx1"/>
           </a:solidFill>
@@ -4224,16 +4529,16 @@
           <a:cs typeface="+mn-cs"/>
         </a:defRPr>
       </a:lvl5pPr>
-      <a:lvl6pPr marL="2514600" indent="-228600" algn="l" defTabSz="914400" rtl="0" eaLnBrk="1" latinLnBrk="0" hangingPunct="1">
+      <a:lvl6pPr marL="3352716" indent="-304792" algn="l" defTabSz="1219170" rtl="0" eaLnBrk="1" latinLnBrk="0" hangingPunct="1">
         <a:lnSpc>
           <a:spcPct val="90000"/>
         </a:lnSpc>
         <a:spcBef>
-          <a:spcPts val="500"/>
+          <a:spcPts val="667"/>
         </a:spcBef>
-        <a:buFont typeface="Arial"/>
+        <a:buFont typeface="Arial" panose="020B0604020202020204" pitchFamily="34" charset="0"/>
         <a:buChar char="•"/>
-        <a:defRPr sz="1800" kern="1200">
+        <a:defRPr sz="2400" kern="1200">
           <a:solidFill>
             <a:schemeClr val="tx1"/>
           </a:solidFill>
@@ -4242,16 +4547,16 @@
           <a:cs typeface="+mn-cs"/>
         </a:defRPr>
       </a:lvl6pPr>
-      <a:lvl7pPr marL="2971800" indent="-228600" algn="l" defTabSz="914400" rtl="0" eaLnBrk="1" latinLnBrk="0" hangingPunct="1">
+      <a:lvl7pPr marL="3962301" indent="-304792" algn="l" defTabSz="1219170" rtl="0" eaLnBrk="1" latinLnBrk="0" hangingPunct="1">
         <a:lnSpc>
           <a:spcPct val="90000"/>
         </a:lnSpc>
         <a:spcBef>
-          <a:spcPts val="500"/>
+          <a:spcPts val="667"/>
         </a:spcBef>
-        <a:buFont typeface="Arial"/>
+        <a:buFont typeface="Arial" panose="020B0604020202020204" pitchFamily="34" charset="0"/>
         <a:buChar char="•"/>
-        <a:defRPr sz="1800" kern="1200">
+        <a:defRPr sz="2400" kern="1200">
           <a:solidFill>
             <a:schemeClr val="tx1"/>
           </a:solidFill>
@@ -4260,16 +4565,16 @@
           <a:cs typeface="+mn-cs"/>
         </a:defRPr>
       </a:lvl7pPr>
-      <a:lvl8pPr marL="3429000" indent="-228600" algn="l" defTabSz="914400" rtl="0" eaLnBrk="1" latinLnBrk="0" hangingPunct="1">
+      <a:lvl8pPr marL="4571886" indent="-304792" algn="l" defTabSz="1219170" rtl="0" eaLnBrk="1" latinLnBrk="0" hangingPunct="1">
         <a:lnSpc>
           <a:spcPct val="90000"/>
         </a:lnSpc>
         <a:spcBef>
-          <a:spcPts val="500"/>
+          <a:spcPts val="667"/>
         </a:spcBef>
-        <a:buFont typeface="Arial"/>
+        <a:buFont typeface="Arial" panose="020B0604020202020204" pitchFamily="34" charset="0"/>
         <a:buChar char="•"/>
-        <a:defRPr sz="1800" kern="1200">
+        <a:defRPr sz="2400" kern="1200">
           <a:solidFill>
             <a:schemeClr val="tx1"/>
           </a:solidFill>
@@ -4278,16 +4583,16 @@
           <a:cs typeface="+mn-cs"/>
         </a:defRPr>
       </a:lvl8pPr>
-      <a:lvl9pPr marL="3886200" indent="-228600" algn="l" defTabSz="914400" rtl="0" eaLnBrk="1" latinLnBrk="0" hangingPunct="1">
+      <a:lvl9pPr marL="5181470" indent="-304792" algn="l" defTabSz="1219170" rtl="0" eaLnBrk="1" latinLnBrk="0" hangingPunct="1">
         <a:lnSpc>
           <a:spcPct val="90000"/>
         </a:lnSpc>
         <a:spcBef>
-          <a:spcPts val="500"/>
+          <a:spcPts val="667"/>
         </a:spcBef>
-        <a:buFont typeface="Arial"/>
+        <a:buFont typeface="Arial" panose="020B0604020202020204" pitchFamily="34" charset="0"/>
         <a:buChar char="•"/>
-        <a:defRPr sz="1800" kern="1200">
+        <a:defRPr sz="2400" kern="1200">
           <a:solidFill>
             <a:schemeClr val="tx1"/>
           </a:solidFill>
@@ -4301,8 +4606,8 @@
       <a:defPPr>
         <a:defRPr lang="en-US"/>
       </a:defPPr>
-      <a:lvl1pPr marL="0" algn="l" defTabSz="914400" rtl="0" eaLnBrk="1" latinLnBrk="0" hangingPunct="1">
-        <a:defRPr sz="1800" kern="1200">
+      <a:lvl1pPr marL="0" algn="l" defTabSz="1219170" rtl="0" eaLnBrk="1" latinLnBrk="0" hangingPunct="1">
+        <a:defRPr sz="2400" kern="1200">
           <a:solidFill>
             <a:schemeClr val="tx1"/>
           </a:solidFill>
@@ -4311,8 +4616,8 @@
           <a:cs typeface="+mn-cs"/>
         </a:defRPr>
       </a:lvl1pPr>
-      <a:lvl2pPr marL="457200" algn="l" defTabSz="914400" rtl="0" eaLnBrk="1" latinLnBrk="0" hangingPunct="1">
-        <a:defRPr sz="1800" kern="1200">
+      <a:lvl2pPr marL="609585" algn="l" defTabSz="1219170" rtl="0" eaLnBrk="1" latinLnBrk="0" hangingPunct="1">
+        <a:defRPr sz="2400" kern="1200">
           <a:solidFill>
             <a:schemeClr val="tx1"/>
           </a:solidFill>
@@ -4321,8 +4626,8 @@
           <a:cs typeface="+mn-cs"/>
         </a:defRPr>
       </a:lvl2pPr>
-      <a:lvl3pPr marL="914400" algn="l" defTabSz="914400" rtl="0" eaLnBrk="1" latinLnBrk="0" hangingPunct="1">
-        <a:defRPr sz="1800" kern="1200">
+      <a:lvl3pPr marL="1219170" algn="l" defTabSz="1219170" rtl="0" eaLnBrk="1" latinLnBrk="0" hangingPunct="1">
+        <a:defRPr sz="2400" kern="1200">
           <a:solidFill>
             <a:schemeClr val="tx1"/>
           </a:solidFill>
@@ -4331,8 +4636,8 @@
           <a:cs typeface="+mn-cs"/>
         </a:defRPr>
       </a:lvl3pPr>
-      <a:lvl4pPr marL="1371600" algn="l" defTabSz="914400" rtl="0" eaLnBrk="1" latinLnBrk="0" hangingPunct="1">
-        <a:defRPr sz="1800" kern="1200">
+      <a:lvl4pPr marL="1828754" algn="l" defTabSz="1219170" rtl="0" eaLnBrk="1" latinLnBrk="0" hangingPunct="1">
+        <a:defRPr sz="2400" kern="1200">
           <a:solidFill>
             <a:schemeClr val="tx1"/>
           </a:solidFill>
@@ -4341,8 +4646,8 @@
           <a:cs typeface="+mn-cs"/>
         </a:defRPr>
       </a:lvl4pPr>
-      <a:lvl5pPr marL="1828800" algn="l" defTabSz="914400" rtl="0" eaLnBrk="1" latinLnBrk="0" hangingPunct="1">
-        <a:defRPr sz="1800" kern="1200">
+      <a:lvl5pPr marL="2438339" algn="l" defTabSz="1219170" rtl="0" eaLnBrk="1" latinLnBrk="0" hangingPunct="1">
+        <a:defRPr sz="2400" kern="1200">
           <a:solidFill>
             <a:schemeClr val="tx1"/>
           </a:solidFill>
@@ -4351,8 +4656,8 @@
           <a:cs typeface="+mn-cs"/>
         </a:defRPr>
       </a:lvl5pPr>
-      <a:lvl6pPr marL="2286000" algn="l" defTabSz="914400" rtl="0" eaLnBrk="1" latinLnBrk="0" hangingPunct="1">
-        <a:defRPr sz="1800" kern="1200">
+      <a:lvl6pPr marL="3047924" algn="l" defTabSz="1219170" rtl="0" eaLnBrk="1" latinLnBrk="0" hangingPunct="1">
+        <a:defRPr sz="2400" kern="1200">
           <a:solidFill>
             <a:schemeClr val="tx1"/>
           </a:solidFill>
@@ -4361,8 +4666,8 @@
           <a:cs typeface="+mn-cs"/>
         </a:defRPr>
       </a:lvl6pPr>
-      <a:lvl7pPr marL="2743200" algn="l" defTabSz="914400" rtl="0" eaLnBrk="1" latinLnBrk="0" hangingPunct="1">
-        <a:defRPr sz="1800" kern="1200">
+      <a:lvl7pPr marL="3657509" algn="l" defTabSz="1219170" rtl="0" eaLnBrk="1" latinLnBrk="0" hangingPunct="1">
+        <a:defRPr sz="2400" kern="1200">
           <a:solidFill>
             <a:schemeClr val="tx1"/>
           </a:solidFill>
@@ -4371,8 +4676,8 @@
           <a:cs typeface="+mn-cs"/>
         </a:defRPr>
       </a:lvl7pPr>
-      <a:lvl8pPr marL="3200400" algn="l" defTabSz="914400" rtl="0" eaLnBrk="1" latinLnBrk="0" hangingPunct="1">
-        <a:defRPr sz="1800" kern="1200">
+      <a:lvl8pPr marL="4267093" algn="l" defTabSz="1219170" rtl="0" eaLnBrk="1" latinLnBrk="0" hangingPunct="1">
+        <a:defRPr sz="2400" kern="1200">
           <a:solidFill>
             <a:schemeClr val="tx1"/>
           </a:solidFill>
@@ -4381,8 +4686,8 @@
           <a:cs typeface="+mn-cs"/>
         </a:defRPr>
       </a:lvl8pPr>
-      <a:lvl9pPr marL="3657600" algn="l" defTabSz="914400" rtl="0" eaLnBrk="1" latinLnBrk="0" hangingPunct="1">
-        <a:defRPr sz="1800" kern="1200">
+      <a:lvl9pPr marL="4876678" algn="l" defTabSz="1219170" rtl="0" eaLnBrk="1" latinLnBrk="0" hangingPunct="1">
+        <a:defRPr sz="2400" kern="1200">
           <a:solidFill>
             <a:schemeClr val="tx1"/>
           </a:solidFill>
@@ -4516,7 +4821,7 @@
         </p:nvSpPr>
         <p:spPr>
           <a:xfrm>
-            <a:off x="280351" y="935721"/>
+            <a:off x="280351" y="6507052"/>
             <a:ext cx="3183286" cy="5144120"/>
           </a:xfrm>
         </p:spPr>
@@ -4594,7 +4899,7 @@
         </p:nvGrpSpPr>
         <p:grpSpPr>
           <a:xfrm>
-            <a:off x="4264374" y="617986"/>
+            <a:off x="4264375" y="6189318"/>
             <a:ext cx="6791553" cy="3757033"/>
             <a:chOff x="4486047" y="1435404"/>
             <a:chExt cx="6791553" cy="3757033"/>
@@ -4646,7 +4951,7 @@
             <a:p>
               <a:pPr algn="ctr"/>
               <a:r>
-                <a:rPr lang="en-US" smtClean="0">
+                <a:rPr lang="en-US">
                   <a:solidFill>
                     <a:sysClr val="windowText" lastClr="000000"/>
                   </a:solidFill>
@@ -4713,7 +5018,7 @@
             <a:p>
               <a:pPr algn="ctr"/>
               <a:r>
-                <a:rPr lang="en-US" dirty="0" smtClean="0">
+                <a:rPr lang="en-US" dirty="0">
                   <a:solidFill>
                     <a:sysClr val="windowText" lastClr="000000"/>
                   </a:solidFill>
@@ -4780,7 +5085,7 @@
             <a:p>
               <a:pPr algn="ctr"/>
               <a:r>
-                <a:rPr lang="en-US" smtClean="0">
+                <a:rPr lang="en-US">
                   <a:solidFill>
                     <a:sysClr val="windowText" lastClr="000000"/>
                   </a:solidFill>
@@ -4847,7 +5152,7 @@
             <a:p>
               <a:pPr algn="ctr"/>
               <a:r>
-                <a:rPr lang="en-US" dirty="0" smtClean="0">
+                <a:rPr lang="en-US" dirty="0">
                   <a:solidFill>
                     <a:sysClr val="windowText" lastClr="000000"/>
                   </a:solidFill>
@@ -4937,7 +5242,7 @@
             <a:lstStyle/>
             <a:p>
               <a:r>
-                <a:rPr lang="en-US" sz="1600" b="1" smtClean="0">
+                <a:rPr lang="en-US" sz="1600" b="1">
                   <a:solidFill>
                     <a:schemeClr val="bg1"/>
                   </a:solidFill>
@@ -5004,7 +5309,7 @@
             <a:p>
               <a:pPr algn="ctr"/>
               <a:r>
-                <a:rPr lang="en-US" smtClean="0">
+                <a:rPr lang="en-US">
                   <a:solidFill>
                     <a:sysClr val="windowText" lastClr="000000"/>
                   </a:solidFill>
@@ -5071,7 +5376,7 @@
             <a:p>
               <a:pPr algn="ctr"/>
               <a:r>
-                <a:rPr lang="en-US" dirty="0" smtClean="0">
+                <a:rPr lang="en-US" dirty="0">
                   <a:solidFill>
                     <a:sysClr val="windowText" lastClr="000000"/>
                   </a:solidFill>
@@ -5079,18 +5384,7 @@
                   <a:ea typeface="Helvetica Neue" charset="0"/>
                   <a:cs typeface="Helvetica Neue" charset="0"/>
                 </a:rPr>
-                <a:t>PM </a:t>
-              </a:r>
-              <a:r>
-                <a:rPr lang="en-US" dirty="0" smtClean="0">
-                  <a:solidFill>
-                    <a:sysClr val="windowText" lastClr="000000"/>
-                  </a:solidFill>
-                  <a:latin typeface="Helvetica Neue" charset="0"/>
-                  <a:ea typeface="Helvetica Neue" charset="0"/>
-                  <a:cs typeface="Helvetica Neue" charset="0"/>
-                </a:rPr>
-                <a:t>/ Bilateral transactions</a:t>
+                <a:t>PM / Bilateral transactions</a:t>
               </a:r>
               <a:endParaRPr lang="en-US" dirty="0">
                 <a:solidFill>
@@ -5149,7 +5443,7 @@
             <a:p>
               <a:pPr algn="ctr"/>
               <a:r>
-                <a:rPr lang="en-US" smtClean="0">
+                <a:rPr lang="en-US">
                   <a:solidFill>
                     <a:sysClr val="windowText" lastClr="000000"/>
                   </a:solidFill>
@@ -5216,7 +5510,7 @@
             <a:p>
               <a:pPr algn="ctr"/>
               <a:r>
-                <a:rPr lang="en-US" dirty="0" smtClean="0">
+                <a:rPr lang="en-US" dirty="0">
                   <a:solidFill>
                     <a:sysClr val="windowText" lastClr="000000"/>
                   </a:solidFill>
@@ -5306,7 +5600,7 @@
             <a:lstStyle/>
             <a:p>
               <a:r>
-                <a:rPr lang="en-US" sz="1600" b="1" smtClean="0">
+                <a:rPr lang="en-US" sz="1600" b="1">
                   <a:solidFill>
                     <a:schemeClr val="bg1"/>
                   </a:solidFill>
@@ -5316,7 +5610,7 @@
                 </a:rPr>
                 <a:t>TSO</a:t>
               </a:r>
-              <a:endParaRPr lang="en-US" sz="1600" b="1" dirty="0" smtClean="0">
+              <a:endParaRPr lang="en-US" sz="1600" b="1" dirty="0">
                 <a:solidFill>
                   <a:schemeClr val="bg1"/>
                 </a:solidFill>
@@ -5534,38 +5828,25 @@
             </a:lstStyle>
             <a:p>
               <a:r>
-                <a:rPr lang="en-US" sz="1200" dirty="0" smtClean="0"/>
+                <a:rPr lang="en-US" sz="1200" dirty="0"/>
                 <a:t>SC: Scheduling Coordinator</a:t>
               </a:r>
             </a:p>
             <a:p>
               <a:r>
-                <a:rPr lang="en-US" sz="1200" dirty="0" smtClean="0"/>
-                <a:t>PM</a:t>
+                <a:rPr lang="en-US" sz="1200" dirty="0"/>
+                <a:t>PM: Power Market</a:t>
               </a:r>
-              <a:r>
-                <a:rPr lang="en-US" sz="1200" dirty="0" smtClean="0"/>
-                <a:t>: </a:t>
-              </a:r>
-              <a:r>
-                <a:rPr lang="en-US" sz="1200" dirty="0" smtClean="0"/>
-                <a:t>Power </a:t>
-              </a:r>
-              <a:r>
-                <a:rPr lang="en-US" sz="1200" dirty="0" smtClean="0"/>
-                <a:t>Market</a:t>
-              </a:r>
-              <a:endParaRPr lang="en-US" sz="1200" dirty="0" smtClean="0"/>
             </a:p>
             <a:p>
               <a:r>
-                <a:rPr lang="en-US" sz="1200" dirty="0" smtClean="0"/>
+                <a:rPr lang="en-US" sz="1200" dirty="0"/>
                 <a:t>AS: Ancillary Service coordinator</a:t>
               </a:r>
             </a:p>
             <a:p>
               <a:r>
-                <a:rPr lang="en-US" sz="1200" dirty="0" smtClean="0"/>
+                <a:rPr lang="en-US" sz="1200" dirty="0"/>
                 <a:t>TO: Transmission Owner</a:t>
               </a:r>
             </a:p>
@@ -5652,7 +5933,7 @@
             <a:p>
               <a:pPr algn="ctr"/>
               <a:r>
-                <a:rPr lang="en-US" b="1" smtClean="0">
+                <a:rPr lang="en-US" b="1">
                   <a:solidFill>
                     <a:schemeClr val="accent6"/>
                   </a:solidFill>
@@ -5714,7 +5995,7 @@
             <a:p>
               <a:pPr algn="ctr"/>
               <a:r>
-                <a:rPr lang="en-US" b="1" dirty="0" smtClean="0">
+                <a:rPr lang="en-US" b="1" dirty="0">
                   <a:solidFill>
                     <a:schemeClr val="accent6"/>
                   </a:solidFill>
@@ -5941,7 +6222,7 @@
               </a:lvl9pPr>
             </a:lstStyle>
             <a:p>
-              <a:endParaRPr lang="en-US" sz="1200" dirty="0" smtClean="0"/>
+              <a:endParaRPr lang="en-US" sz="1200" dirty="0"/>
             </a:p>
           </p:txBody>
         </p:sp>
@@ -6151,7 +6432,7 @@
               </a:lvl9pPr>
             </a:lstStyle>
             <a:p>
-              <a:endParaRPr lang="en-US" sz="1200" dirty="0" smtClean="0"/>
+              <a:endParaRPr lang="en-US" sz="1200" dirty="0"/>
             </a:p>
           </p:txBody>
         </p:sp>
@@ -6232,7 +6513,7 @@
         </p:nvGrpSpPr>
         <p:grpSpPr>
           <a:xfrm>
-            <a:off x="280351" y="1752540"/>
+            <a:off x="280351" y="7323871"/>
             <a:ext cx="6757758" cy="2654742"/>
             <a:chOff x="287239" y="1724831"/>
             <a:chExt cx="6757758" cy="2654742"/>
@@ -6320,7 +6601,7 @@
             <a:p>
               <a:pPr algn="ctr"/>
               <a:r>
-                <a:rPr lang="en-US" sz="1600" dirty="0" smtClean="0">
+                <a:rPr lang="en-US" sz="1600" dirty="0">
                   <a:solidFill>
                     <a:sysClr val="windowText" lastClr="000000"/>
                   </a:solidFill>
@@ -6387,7 +6668,7 @@
             <a:p>
               <a:pPr algn="ctr"/>
               <a:r>
-                <a:rPr lang="en-US" sz="1600" dirty="0" smtClean="0">
+                <a:rPr lang="en-US" sz="1600" dirty="0">
                   <a:solidFill>
                     <a:sysClr val="windowText" lastClr="000000"/>
                   </a:solidFill>
@@ -6454,7 +6735,7 @@
             <a:p>
               <a:pPr algn="ctr"/>
               <a:r>
-                <a:rPr lang="en-US" sz="1600" dirty="0" smtClean="0">
+                <a:rPr lang="en-US" sz="1600" dirty="0">
                   <a:solidFill>
                     <a:sysClr val="windowText" lastClr="000000"/>
                   </a:solidFill>
@@ -6521,7 +6802,7 @@
             <a:p>
               <a:pPr algn="ctr"/>
               <a:r>
-                <a:rPr lang="en-US" sz="1600" dirty="0" smtClean="0">
+                <a:rPr lang="en-US" sz="1600" dirty="0">
                   <a:solidFill>
                     <a:sysClr val="windowText" lastClr="000000"/>
                   </a:solidFill>
@@ -6588,7 +6869,7 @@
             <a:p>
               <a:pPr algn="ctr"/>
               <a:r>
-                <a:rPr lang="en-US" sz="1600" dirty="0" smtClean="0">
+                <a:rPr lang="en-US" sz="1600" dirty="0">
                   <a:solidFill>
                     <a:sysClr val="windowText" lastClr="000000"/>
                   </a:solidFill>
@@ -6720,7 +7001,7 @@
             <a:p>
               <a:pPr algn="ctr"/>
               <a:r>
-                <a:rPr lang="en-US" sz="1600" dirty="0" smtClean="0">
+                <a:rPr lang="en-US" sz="1600" dirty="0">
                   <a:solidFill>
                     <a:sysClr val="windowText" lastClr="000000"/>
                   </a:solidFill>
@@ -6782,7 +7063,7 @@
             <a:p>
               <a:pPr algn="ctr"/>
               <a:r>
-                <a:rPr lang="en-US" sz="1600" dirty="0" smtClean="0">
+                <a:rPr lang="en-US" sz="1600" dirty="0">
                   <a:solidFill>
                     <a:sysClr val="windowText" lastClr="000000"/>
                   </a:solidFill>
@@ -6880,7 +7161,7 @@
             <a:p>
               <a:pPr algn="ctr"/>
               <a:r>
-                <a:rPr lang="en-US" sz="1600" dirty="0" smtClean="0">
+                <a:rPr lang="en-US" sz="1600" dirty="0">
                   <a:solidFill>
                     <a:sysClr val="windowText" lastClr="000000"/>
                   </a:solidFill>
@@ -6942,7 +7223,7 @@
             <a:p>
               <a:pPr algn="ctr"/>
               <a:r>
-                <a:rPr lang="en-US" sz="1600" smtClean="0">
+                <a:rPr lang="en-US" sz="1600">
                   <a:solidFill>
                     <a:sysClr val="windowText" lastClr="000000"/>
                   </a:solidFill>
@@ -7021,7 +7302,7 @@
         </p:nvCxnSpPr>
         <p:spPr>
           <a:xfrm>
-            <a:off x="2396837" y="1633783"/>
+            <a:off x="2396838" y="7205114"/>
             <a:ext cx="7938655" cy="0"/>
           </a:xfrm>
           <a:prstGeom prst="line">
@@ -7057,7 +7338,7 @@
         </p:nvSpPr>
         <p:spPr>
           <a:xfrm>
-            <a:off x="4010733" y="2564645"/>
+            <a:off x="4010733" y="8135976"/>
             <a:ext cx="1781212" cy="519222"/>
           </a:xfrm>
           <a:prstGeom prst="rect">
@@ -7092,7 +7373,7 @@
           <a:p>
             <a:pPr algn="ctr"/>
             <a:r>
-              <a:rPr lang="en-US" sz="1600" dirty="0" smtClean="0">
+              <a:rPr lang="en-US" sz="1600" dirty="0">
                 <a:solidFill>
                   <a:schemeClr val="bg1"/>
                 </a:solidFill>
@@ -7121,7 +7402,7 @@
         </p:nvSpPr>
         <p:spPr>
           <a:xfrm>
-            <a:off x="2396837" y="1798634"/>
+            <a:off x="2396837" y="7369965"/>
             <a:ext cx="5009004" cy="519222"/>
           </a:xfrm>
           <a:prstGeom prst="rect">
@@ -7159,7 +7440,7 @@
           <a:p>
             <a:pPr algn="ctr"/>
             <a:r>
-              <a:rPr lang="en-US" sz="1600" dirty="0" smtClean="0">
+              <a:rPr lang="en-US" sz="1600" dirty="0">
                 <a:solidFill>
                   <a:sysClr val="windowText" lastClr="000000"/>
                 </a:solidFill>
@@ -7188,7 +7469,7 @@
         </p:nvSpPr>
         <p:spPr>
           <a:xfrm>
-            <a:off x="7567836" y="2564645"/>
+            <a:off x="7567837" y="8135976"/>
             <a:ext cx="2054731" cy="519222"/>
           </a:xfrm>
           <a:prstGeom prst="rect">
@@ -7223,7 +7504,7 @@
           <a:p>
             <a:pPr algn="ctr"/>
             <a:r>
-              <a:rPr lang="en-US" sz="1600" dirty="0" smtClean="0">
+              <a:rPr lang="en-US" sz="1600" dirty="0">
                 <a:solidFill>
                   <a:schemeClr val="bg1"/>
                 </a:solidFill>
@@ -7252,7 +7533,7 @@
         </p:nvSpPr>
         <p:spPr>
           <a:xfrm>
-            <a:off x="7567836" y="1798634"/>
+            <a:off x="7567837" y="7369965"/>
             <a:ext cx="2054731" cy="519222"/>
           </a:xfrm>
           <a:prstGeom prst="rect">
@@ -7290,7 +7571,7 @@
           <a:p>
             <a:pPr algn="ctr"/>
             <a:r>
-              <a:rPr lang="en-US" sz="1600" dirty="0" smtClean="0">
+              <a:rPr lang="en-US" sz="1600" dirty="0">
                 <a:solidFill>
                   <a:sysClr val="windowText" lastClr="000000"/>
                 </a:solidFill>
@@ -7319,7 +7600,7 @@
         </p:nvCxnSpPr>
         <p:spPr>
           <a:xfrm flipV="1">
-            <a:off x="7461261" y="1273565"/>
+            <a:off x="7461261" y="6844897"/>
             <a:ext cx="0" cy="360219"/>
           </a:xfrm>
           <a:prstGeom prst="line">
@@ -7354,7 +7635,7 @@
         </p:nvCxnSpPr>
         <p:spPr>
           <a:xfrm flipV="1">
-            <a:off x="9682752" y="1258306"/>
+            <a:off x="9682752" y="6829638"/>
             <a:ext cx="0" cy="360219"/>
           </a:xfrm>
           <a:prstGeom prst="line">
@@ -7389,7 +7670,7 @@
         </p:nvSpPr>
         <p:spPr>
           <a:xfrm>
-            <a:off x="7544641" y="1063671"/>
+            <a:off x="7544642" y="6635002"/>
             <a:ext cx="2054731" cy="519222"/>
           </a:xfrm>
           <a:prstGeom prst="rect">
@@ -7422,7 +7703,7 @@
           <a:p>
             <a:pPr algn="ctr"/>
             <a:r>
-              <a:rPr lang="en-US" sz="1600" dirty="0" smtClean="0">
+              <a:rPr lang="en-US" sz="1600" dirty="0">
                 <a:solidFill>
                   <a:sysClr val="windowText" lastClr="000000"/>
                 </a:solidFill>
@@ -7451,7 +7732,7 @@
         </p:nvSpPr>
         <p:spPr>
           <a:xfrm>
-            <a:off x="5351110" y="1068671"/>
+            <a:off x="5351111" y="6640002"/>
             <a:ext cx="2054731" cy="519222"/>
           </a:xfrm>
           <a:prstGeom prst="rect">
@@ -7484,7 +7765,7 @@
           <a:p>
             <a:pPr algn="ctr"/>
             <a:r>
-              <a:rPr lang="en-US" sz="1600" dirty="0" smtClean="0">
+              <a:rPr lang="en-US" sz="1600" dirty="0">
                 <a:solidFill>
                   <a:sysClr val="windowText" lastClr="000000"/>
                 </a:solidFill>
@@ -7513,7 +7794,7 @@
         </p:nvCxnSpPr>
         <p:spPr>
           <a:xfrm flipV="1">
-            <a:off x="5426902" y="1273565"/>
+            <a:off x="5426902" y="6844897"/>
             <a:ext cx="0" cy="360219"/>
           </a:xfrm>
           <a:prstGeom prst="line">
@@ -7548,7 +7829,7 @@
         </p:nvSpPr>
         <p:spPr>
           <a:xfrm>
-            <a:off x="3459925" y="1068671"/>
+            <a:off x="3459926" y="6640002"/>
             <a:ext cx="2054731" cy="519222"/>
           </a:xfrm>
           <a:prstGeom prst="rect">
@@ -7581,7 +7862,7 @@
           <a:p>
             <a:pPr algn="ctr"/>
             <a:r>
-              <a:rPr lang="en-US" sz="1600" dirty="0" smtClean="0">
+              <a:rPr lang="en-US" sz="1600" dirty="0">
                 <a:solidFill>
                   <a:sysClr val="windowText" lastClr="000000"/>
                 </a:solidFill>
@@ -7610,7 +7891,7 @@
         </p:nvCxnSpPr>
         <p:spPr>
           <a:xfrm flipV="1">
-            <a:off x="3581488" y="1273565"/>
+            <a:off x="3581488" y="6844897"/>
             <a:ext cx="0" cy="360219"/>
           </a:xfrm>
           <a:prstGeom prst="line">
@@ -7645,7 +7926,7 @@
         </p:nvSpPr>
         <p:spPr>
           <a:xfrm>
-            <a:off x="1568740" y="1083929"/>
+            <a:off x="1568741" y="6655260"/>
             <a:ext cx="2054731" cy="519222"/>
           </a:xfrm>
           <a:prstGeom prst="rect">
@@ -7678,7 +7959,7 @@
           <a:p>
             <a:pPr algn="ctr"/>
             <a:r>
-              <a:rPr lang="en-US" sz="1600" dirty="0" smtClean="0">
+              <a:rPr lang="en-US" sz="1600" dirty="0">
                 <a:solidFill>
                   <a:sysClr val="windowText" lastClr="000000"/>
                 </a:solidFill>
@@ -7710,7 +7991,7 @@
         </p:nvCxnSpPr>
         <p:spPr>
           <a:xfrm>
-            <a:off x="4901339" y="2317856"/>
+            <a:off x="4901339" y="7889188"/>
             <a:ext cx="0" cy="246789"/>
           </a:xfrm>
           <a:prstGeom prst="straightConnector1">
@@ -7749,7 +8030,7 @@
         </p:nvCxnSpPr>
         <p:spPr>
           <a:xfrm>
-            <a:off x="5791945" y="2824256"/>
+            <a:off x="5791946" y="8395587"/>
             <a:ext cx="1775891" cy="0"/>
           </a:xfrm>
           <a:prstGeom prst="straightConnector1">
@@ -7789,7 +8070,7 @@
         </p:nvCxnSpPr>
         <p:spPr>
           <a:xfrm flipV="1">
-            <a:off x="8595202" y="2317856"/>
+            <a:off x="8595202" y="7889188"/>
             <a:ext cx="0" cy="246789"/>
           </a:xfrm>
           <a:prstGeom prst="straightConnector1">
@@ -7825,7 +8106,7 @@
         </p:nvGrpSpPr>
         <p:grpSpPr>
           <a:xfrm>
-            <a:off x="49077" y="3192163"/>
+            <a:off x="49078" y="8763495"/>
             <a:ext cx="11338677" cy="3331757"/>
             <a:chOff x="-615421" y="3192163"/>
             <a:chExt cx="11338677" cy="3331757"/>
@@ -7874,7 +8155,7 @@
             <a:p>
               <a:pPr algn="ctr"/>
               <a:r>
-                <a:rPr lang="en-US" sz="1600" dirty="0" smtClean="0">
+                <a:rPr lang="en-US" sz="1600" dirty="0">
                   <a:solidFill>
                     <a:schemeClr val="bg1"/>
                   </a:solidFill>
@@ -7938,7 +8219,7 @@
             <a:p>
               <a:pPr algn="ctr"/>
               <a:r>
-                <a:rPr lang="en-US" sz="1600" dirty="0" smtClean="0">
+                <a:rPr lang="en-US" sz="1600" dirty="0">
                   <a:solidFill>
                     <a:schemeClr val="bg1"/>
                   </a:solidFill>
@@ -8002,7 +8283,7 @@
             <a:p>
               <a:pPr algn="ctr"/>
               <a:r>
-                <a:rPr lang="en-US" sz="1600" dirty="0" smtClean="0">
+                <a:rPr lang="en-US" sz="1600" dirty="0">
                   <a:solidFill>
                     <a:schemeClr val="bg1"/>
                   </a:solidFill>
@@ -8208,7 +8489,7 @@
             <a:p>
               <a:pPr algn="ctr"/>
               <a:r>
-                <a:rPr lang="en-US" sz="1400" b="1" dirty="0" smtClean="0">
+                <a:rPr lang="en-US" sz="1400" b="1" dirty="0">
                   <a:solidFill>
                     <a:schemeClr val="accent1"/>
                   </a:solidFill>
@@ -8222,7 +8503,7 @@
             <a:p>
               <a:pPr algn="ctr"/>
               <a:r>
-                <a:rPr lang="en-US" sz="1400" b="1" dirty="0" smtClean="0">
+                <a:rPr lang="en-US" sz="1400" b="1" dirty="0">
                   <a:solidFill>
                     <a:schemeClr val="accent1"/>
                   </a:solidFill>
@@ -8232,14 +8513,6 @@
                 </a:rPr>
                 <a:t>Provision</a:t>
               </a:r>
-              <a:endParaRPr lang="en-US" sz="1400" b="1" dirty="0">
-                <a:solidFill>
-                  <a:schemeClr val="accent1"/>
-                </a:solidFill>
-                <a:latin typeface="Helvetica Neue" charset="0"/>
-                <a:ea typeface="Helvetica Neue" charset="0"/>
-                <a:cs typeface="Helvetica Neue" charset="0"/>
-              </a:endParaRPr>
             </a:p>
           </p:txBody>
         </p:sp>
@@ -8284,7 +8557,7 @@
             <a:p>
               <a:pPr algn="ctr"/>
               <a:r>
-                <a:rPr lang="en-US" sz="1400" b="1" smtClean="0">
+                <a:rPr lang="en-US" sz="1400" b="1">
                   <a:solidFill>
                     <a:schemeClr val="accent2"/>
                   </a:solidFill>
@@ -8345,7 +8618,7 @@
             <a:lstStyle/>
             <a:p>
               <a:pPr algn="ctr"/>
-              <a:endParaRPr lang="en-US" sz="1400" b="1" dirty="0" smtClean="0">
+              <a:endParaRPr lang="en-US" sz="1400" b="1" dirty="0">
                 <a:solidFill>
                   <a:schemeClr val="tx2"/>
                 </a:solidFill>
@@ -8357,7 +8630,7 @@
             <a:p>
               <a:pPr algn="ctr"/>
               <a:r>
-                <a:rPr lang="en-US" sz="1400" b="1" dirty="0" smtClean="0">
+                <a:rPr lang="en-US" sz="1400" b="1" dirty="0">
                   <a:solidFill>
                     <a:schemeClr val="tx2"/>
                   </a:solidFill>
@@ -8419,7 +8692,7 @@
             <a:p>
               <a:pPr algn="ctr"/>
               <a:r>
-                <a:rPr lang="en-US" sz="1400" b="1" smtClean="0">
+                <a:rPr lang="en-US" sz="1400" b="1">
                   <a:solidFill>
                     <a:schemeClr val="accent2"/>
                   </a:solidFill>
@@ -8483,7 +8756,7 @@
             <a:p>
               <a:pPr algn="ctr"/>
               <a:r>
-                <a:rPr lang="en-US" sz="1600" dirty="0" smtClean="0">
+                <a:rPr lang="en-US" sz="1600" dirty="0">
                   <a:solidFill>
                     <a:schemeClr val="bg1"/>
                   </a:solidFill>
@@ -8547,7 +8820,7 @@
             <a:p>
               <a:pPr algn="ctr"/>
               <a:r>
-                <a:rPr lang="en-US" sz="1600" dirty="0" smtClean="0">
+                <a:rPr lang="en-US" sz="1600" dirty="0">
                   <a:solidFill>
                     <a:schemeClr val="bg1"/>
                   </a:solidFill>
@@ -8744,7 +9017,7 @@
             <a:lstStyle/>
             <a:p>
               <a:pPr algn="ctr"/>
-              <a:endParaRPr lang="en-US" sz="1400" b="1" dirty="0" smtClean="0">
+              <a:endParaRPr lang="en-US" sz="1400" b="1" dirty="0">
                 <a:solidFill>
                   <a:schemeClr val="tx2"/>
                 </a:solidFill>
@@ -8756,7 +9029,7 @@
             <a:p>
               <a:pPr algn="ctr"/>
               <a:r>
-                <a:rPr lang="en-US" sz="1400" b="1" dirty="0" smtClean="0">
+                <a:rPr lang="en-US" sz="1400" b="1" dirty="0">
                   <a:solidFill>
                     <a:schemeClr val="tx2"/>
                   </a:solidFill>
@@ -8817,7 +9090,7 @@
             <a:lstStyle/>
             <a:p>
               <a:pPr algn="ctr"/>
-              <a:endParaRPr lang="en-US" sz="1400" b="1" dirty="0" smtClean="0">
+              <a:endParaRPr lang="en-US" sz="1400" b="1" dirty="0">
                 <a:solidFill>
                   <a:schemeClr val="tx2"/>
                 </a:solidFill>
@@ -8829,7 +9102,7 @@
             <a:p>
               <a:pPr algn="ctr"/>
               <a:r>
-                <a:rPr lang="en-US" sz="1400" b="1" dirty="0" smtClean="0">
+                <a:rPr lang="en-US" sz="1400" b="1" dirty="0">
                   <a:solidFill>
                     <a:schemeClr val="tx2"/>
                   </a:solidFill>
@@ -9029,7 +9302,12 @@
             </a:fontRef>
           </p:style>
           <p:txBody>
-            <a:bodyPr rtlCol="0" anchor="ctr"/>
+            <a:bodyPr rot="0" spcFirstLastPara="0" vertOverflow="overflow" horzOverflow="overflow" vert="horz" wrap="square" lIns="91440" tIns="45720" rIns="91440" bIns="45720" numCol="1" spcCol="0" rtlCol="0" fromWordArt="0" anchor="ctr" anchorCtr="0" forceAA="0" compatLnSpc="1">
+              <a:prstTxWarp prst="textNoShape">
+                <a:avLst/>
+              </a:prstTxWarp>
+              <a:noAutofit/>
+            </a:bodyPr>
             <a:lstStyle/>
             <a:p>
               <a:pPr algn="ctr"/>
@@ -9224,7 +9502,7 @@
             <a:p>
               <a:pPr algn="ctr"/>
               <a:r>
-                <a:rPr lang="en-US" sz="1400" b="1" dirty="0" smtClean="0">
+                <a:rPr lang="en-US" sz="1400" b="1" dirty="0">
                   <a:solidFill>
                     <a:schemeClr val="accent1"/>
                   </a:solidFill>
@@ -9238,7 +9516,7 @@
             <a:p>
               <a:pPr algn="ctr"/>
               <a:r>
-                <a:rPr lang="en-US" sz="1400" b="1" dirty="0" smtClean="0">
+                <a:rPr lang="en-US" sz="1400" b="1" dirty="0">
                   <a:solidFill>
                     <a:schemeClr val="accent1"/>
                   </a:solidFill>
@@ -9248,14 +9526,6 @@
                 </a:rPr>
                 <a:t>Provision and procurement</a:t>
               </a:r>
-              <a:endParaRPr lang="en-US" sz="1400" b="1" dirty="0">
-                <a:solidFill>
-                  <a:schemeClr val="accent1"/>
-                </a:solidFill>
-                <a:latin typeface="Helvetica Neue" charset="0"/>
-                <a:ea typeface="Helvetica Neue" charset="0"/>
-                <a:cs typeface="Helvetica Neue" charset="0"/>
-              </a:endParaRPr>
             </a:p>
           </p:txBody>
         </p:sp>
@@ -9300,7 +9570,7 @@
             <a:p>
               <a:pPr algn="ctr"/>
               <a:r>
-                <a:rPr lang="en-US" sz="1400" b="1" dirty="0" smtClean="0">
+                <a:rPr lang="en-US" sz="1400" b="1" dirty="0">
                   <a:solidFill>
                     <a:schemeClr val="accent2"/>
                   </a:solidFill>
@@ -9362,7 +9632,7 @@
             <a:p>
               <a:pPr algn="ctr"/>
               <a:r>
-                <a:rPr lang="en-US" sz="1600" b="1" smtClean="0">
+                <a:rPr lang="en-US" sz="1600" b="1">
                   <a:solidFill>
                     <a:sysClr val="windowText" lastClr="000000"/>
                   </a:solidFill>
@@ -9424,7 +9694,7 @@
             <a:p>
               <a:pPr algn="ctr"/>
               <a:r>
-                <a:rPr lang="en-US" sz="1600" b="1" dirty="0" smtClean="0">
+                <a:rPr lang="en-US" sz="1600" b="1" dirty="0">
                   <a:solidFill>
                     <a:sysClr val="windowText" lastClr="000000"/>
                   </a:solidFill>
@@ -9459,7 +9729,6582 @@
 </p:sld>
 </file>
 
+<file path=ppt/slides/slide5.xml><?xml version="1.0" encoding="utf-8"?>
+<p:sld xmlns:a="http://schemas.openxmlformats.org/drawingml/2006/main" xmlns:r="http://schemas.openxmlformats.org/officeDocument/2006/relationships" xmlns:p="http://schemas.openxmlformats.org/presentationml/2006/main">
+  <p:cSld>
+    <p:spTree>
+      <p:nvGrpSpPr>
+        <p:cNvPr id="1" name=""/>
+        <p:cNvGrpSpPr/>
+        <p:nvPr/>
+      </p:nvGrpSpPr>
+      <p:grpSpPr>
+        <a:xfrm>
+          <a:off x="0" y="0"/>
+          <a:ext cx="0" cy="0"/>
+          <a:chOff x="0" y="0"/>
+          <a:chExt cx="0" cy="0"/>
+        </a:xfrm>
+      </p:grpSpPr>
+      <p:sp>
+        <p:nvSpPr>
+          <p:cNvPr id="2" name="Title 1"/>
+          <p:cNvSpPr>
+            <a:spLocks noGrp="1"/>
+          </p:cNvSpPr>
+          <p:nvPr>
+            <p:ph type="title"/>
+          </p:nvPr>
+        </p:nvSpPr>
+        <p:spPr/>
+        <p:txBody>
+          <a:bodyPr/>
+          <a:lstStyle/>
+          <a:p>
+            <a:endParaRPr lang="en-US"/>
+          </a:p>
+        </p:txBody>
+      </p:sp>
+      <p:sp>
+        <p:nvSpPr>
+          <p:cNvPr id="7" name="Content Placeholder 6"/>
+          <p:cNvSpPr>
+            <a:spLocks noGrp="1"/>
+          </p:cNvSpPr>
+          <p:nvPr>
+            <p:ph idx="1"/>
+          </p:nvPr>
+        </p:nvSpPr>
+        <p:spPr/>
+        <p:txBody>
+          <a:bodyPr/>
+          <a:lstStyle/>
+          <a:p>
+            <a:endParaRPr lang="en-US"/>
+          </a:p>
+        </p:txBody>
+      </p:sp>
+      <p:sp>
+        <p:nvSpPr>
+          <p:cNvPr id="4" name="Text Placeholder 3"/>
+          <p:cNvSpPr>
+            <a:spLocks noGrp="1"/>
+          </p:cNvSpPr>
+          <p:nvPr>
+            <p:ph type="body" sz="quarter" idx="10"/>
+          </p:nvPr>
+        </p:nvSpPr>
+        <p:spPr/>
+        <p:txBody>
+          <a:bodyPr/>
+          <a:lstStyle/>
+          <a:p>
+            <a:endParaRPr lang="en-US"/>
+          </a:p>
+        </p:txBody>
+      </p:sp>
+      <p:pic>
+        <p:nvPicPr>
+          <p:cNvPr id="6" name="Picture 5"/>
+          <p:cNvPicPr>
+            <a:picLocks noChangeAspect="1"/>
+          </p:cNvPicPr>
+          <p:nvPr/>
+        </p:nvPicPr>
+        <p:blipFill>
+          <a:blip r:embed="rId2">
+            <a:extLst>
+              <a:ext uri="{28A0092B-C50C-407E-A947-70E740481C1C}">
+                <a14:useLocalDpi xmlns:a14="http://schemas.microsoft.com/office/drawing/2010/main" val="0"/>
+              </a:ext>
+            </a:extLst>
+          </a:blip>
+          <a:stretch>
+            <a:fillRect/>
+          </a:stretch>
+        </p:blipFill>
+        <p:spPr>
+          <a:xfrm>
+            <a:off x="5027483" y="5342480"/>
+            <a:ext cx="5295709" cy="6858000"/>
+          </a:xfrm>
+          <a:prstGeom prst="rect">
+            <a:avLst/>
+          </a:prstGeom>
+        </p:spPr>
+      </p:pic>
+    </p:spTree>
+    <p:extLst>
+      <p:ext uri="{BB962C8B-B14F-4D97-AF65-F5344CB8AC3E}">
+        <p14:creationId xmlns:p14="http://schemas.microsoft.com/office/powerpoint/2010/main" val="432261589"/>
+      </p:ext>
+    </p:extLst>
+  </p:cSld>
+  <p:clrMapOvr>
+    <a:masterClrMapping/>
+  </p:clrMapOvr>
+</p:sld>
+</file>
+
+<file path=ppt/slides/slide6.xml><?xml version="1.0" encoding="utf-8"?>
+<p:sld xmlns:a="http://schemas.openxmlformats.org/drawingml/2006/main" xmlns:r="http://schemas.openxmlformats.org/officeDocument/2006/relationships" xmlns:p="http://schemas.openxmlformats.org/presentationml/2006/main">
+  <p:cSld>
+    <p:spTree>
+      <p:nvGrpSpPr>
+        <p:cNvPr id="1" name=""/>
+        <p:cNvGrpSpPr/>
+        <p:nvPr/>
+      </p:nvGrpSpPr>
+      <p:grpSpPr>
+        <a:xfrm>
+          <a:off x="0" y="0"/>
+          <a:ext cx="0" cy="0"/>
+          <a:chOff x="0" y="0"/>
+          <a:chExt cx="0" cy="0"/>
+        </a:xfrm>
+      </p:grpSpPr>
+      <p:sp>
+        <p:nvSpPr>
+          <p:cNvPr id="2" name="Title 1"/>
+          <p:cNvSpPr>
+            <a:spLocks noGrp="1"/>
+          </p:cNvSpPr>
+          <p:nvPr>
+            <p:ph type="title"/>
+          </p:nvPr>
+        </p:nvSpPr>
+        <p:spPr/>
+        <p:txBody>
+          <a:bodyPr/>
+          <a:lstStyle/>
+          <a:p>
+            <a:endParaRPr lang="en-US"/>
+          </a:p>
+        </p:txBody>
+      </p:sp>
+      <p:sp>
+        <p:nvSpPr>
+          <p:cNvPr id="4" name="Text Placeholder 3"/>
+          <p:cNvSpPr>
+            <a:spLocks noGrp="1"/>
+          </p:cNvSpPr>
+          <p:nvPr>
+            <p:ph type="body" sz="quarter" idx="10"/>
+          </p:nvPr>
+        </p:nvSpPr>
+        <p:spPr/>
+        <p:txBody>
+          <a:bodyPr/>
+          <a:lstStyle/>
+          <a:p>
+            <a:endParaRPr lang="en-US"/>
+          </a:p>
+        </p:txBody>
+      </p:sp>
+      <p:sp>
+        <p:nvSpPr>
+          <p:cNvPr id="6" name="Rectangle 5"/>
+          <p:cNvSpPr/>
+          <p:nvPr/>
+        </p:nvSpPr>
+        <p:spPr>
+          <a:xfrm>
+            <a:off x="270885" y="8223058"/>
+            <a:ext cx="1781212" cy="519222"/>
+          </a:xfrm>
+          <a:prstGeom prst="rect">
+            <a:avLst/>
+          </a:prstGeom>
+          <a:solidFill>
+            <a:schemeClr val="accent6">
+              <a:lumMod val="20000"/>
+              <a:lumOff val="80000"/>
+            </a:schemeClr>
+          </a:solidFill>
+          <a:ln>
+            <a:noFill/>
+          </a:ln>
+        </p:spPr>
+        <p:style>
+          <a:lnRef idx="2">
+            <a:schemeClr val="accent1">
+              <a:shade val="50000"/>
+            </a:schemeClr>
+          </a:lnRef>
+          <a:fillRef idx="1">
+            <a:schemeClr val="accent1"/>
+          </a:fillRef>
+          <a:effectRef idx="0">
+            <a:schemeClr val="accent1"/>
+          </a:effectRef>
+          <a:fontRef idx="minor">
+            <a:schemeClr val="lt1"/>
+          </a:fontRef>
+        </p:style>
+        <p:txBody>
+          <a:bodyPr rtlCol="0" anchor="ctr"/>
+          <a:lstStyle/>
+          <a:p>
+            <a:pPr algn="ctr"/>
+            <a:r>
+              <a:rPr lang="en-US" sz="1600" dirty="0">
+                <a:solidFill>
+                  <a:sysClr val="windowText" lastClr="000000"/>
+                </a:solidFill>
+                <a:latin typeface="Helvetica Neue" charset="0"/>
+                <a:ea typeface="Helvetica Neue" charset="0"/>
+                <a:cs typeface="Helvetica Neue" charset="0"/>
+              </a:rPr>
+              <a:t>Energy market</a:t>
+            </a:r>
+            <a:endParaRPr lang="en-US" sz="1600" dirty="0">
+              <a:solidFill>
+                <a:sysClr val="windowText" lastClr="000000"/>
+              </a:solidFill>
+              <a:latin typeface="Helvetica Neue" charset="0"/>
+              <a:ea typeface="Helvetica Neue" charset="0"/>
+              <a:cs typeface="Helvetica Neue" charset="0"/>
+            </a:endParaRPr>
+          </a:p>
+        </p:txBody>
+      </p:sp>
+      <p:sp>
+        <p:nvSpPr>
+          <p:cNvPr id="7" name="Diamond 6"/>
+          <p:cNvSpPr/>
+          <p:nvPr/>
+        </p:nvSpPr>
+        <p:spPr>
+          <a:xfrm>
+            <a:off x="2600991" y="8298695"/>
+            <a:ext cx="637628" cy="362864"/>
+          </a:xfrm>
+          <a:prstGeom prst="diamond">
+            <a:avLst/>
+          </a:prstGeom>
+          <a:solidFill>
+            <a:schemeClr val="accent6"/>
+          </a:solidFill>
+          <a:ln>
+            <a:noFill/>
+          </a:ln>
+        </p:spPr>
+        <p:style>
+          <a:lnRef idx="2">
+            <a:schemeClr val="accent1">
+              <a:shade val="50000"/>
+            </a:schemeClr>
+          </a:lnRef>
+          <a:fillRef idx="1">
+            <a:schemeClr val="accent1"/>
+          </a:fillRef>
+          <a:effectRef idx="0">
+            <a:schemeClr val="accent1"/>
+          </a:effectRef>
+          <a:fontRef idx="minor">
+            <a:schemeClr val="lt1"/>
+          </a:fontRef>
+        </p:style>
+        <p:txBody>
+          <a:bodyPr rot="0" spcFirstLastPara="0" vertOverflow="overflow" horzOverflow="overflow" vert="horz" wrap="square" lIns="91440" tIns="45720" rIns="91440" bIns="45720" numCol="1" spcCol="0" rtlCol="0" fromWordArt="0" anchor="ctr" anchorCtr="0" forceAA="0" compatLnSpc="1">
+            <a:prstTxWarp prst="textNoShape">
+              <a:avLst/>
+            </a:prstTxWarp>
+            <a:noAutofit/>
+          </a:bodyPr>
+          <a:lstStyle/>
+          <a:p>
+            <a:pPr algn="ctr"/>
+            <a:endParaRPr lang="en-US"/>
+          </a:p>
+        </p:txBody>
+      </p:sp>
+      <p:sp>
+        <p:nvSpPr>
+          <p:cNvPr id="8" name="Rectangle 7"/>
+          <p:cNvSpPr/>
+          <p:nvPr/>
+        </p:nvSpPr>
+        <p:spPr>
+          <a:xfrm>
+            <a:off x="3186652" y="8223058"/>
+            <a:ext cx="1847804" cy="519222"/>
+          </a:xfrm>
+          <a:prstGeom prst="rect">
+            <a:avLst/>
+          </a:prstGeom>
+          <a:noFill/>
+          <a:ln>
+            <a:noFill/>
+          </a:ln>
+        </p:spPr>
+        <p:style>
+          <a:lnRef idx="2">
+            <a:schemeClr val="accent1">
+              <a:shade val="50000"/>
+            </a:schemeClr>
+          </a:lnRef>
+          <a:fillRef idx="1">
+            <a:schemeClr val="accent1"/>
+          </a:fillRef>
+          <a:effectRef idx="0">
+            <a:schemeClr val="accent1"/>
+          </a:effectRef>
+          <a:fontRef idx="minor">
+            <a:schemeClr val="lt1"/>
+          </a:fontRef>
+        </p:style>
+        <p:txBody>
+          <a:bodyPr rtlCol="0" anchor="ctr"/>
+          <a:lstStyle/>
+          <a:p>
+            <a:pPr algn="ctr"/>
+            <a:r>
+              <a:rPr lang="en-US" sz="1400" dirty="0">
+                <a:solidFill>
+                  <a:sysClr val="windowText" lastClr="000000"/>
+                </a:solidFill>
+                <a:latin typeface="Helvetica Neue" charset="0"/>
+                <a:ea typeface="Helvetica Neue" charset="0"/>
+                <a:cs typeface="Helvetica Neue" charset="0"/>
+              </a:rPr>
+              <a:t>Power pool or Power Exchange</a:t>
+            </a:r>
+            <a:endParaRPr lang="en-US" sz="1400" dirty="0">
+              <a:solidFill>
+                <a:sysClr val="windowText" lastClr="000000"/>
+              </a:solidFill>
+              <a:latin typeface="Helvetica Neue" charset="0"/>
+              <a:ea typeface="Helvetica Neue" charset="0"/>
+              <a:cs typeface="Helvetica Neue" charset="0"/>
+            </a:endParaRPr>
+          </a:p>
+        </p:txBody>
+      </p:sp>
+      <p:sp>
+        <p:nvSpPr>
+          <p:cNvPr id="9" name="Rectangle 8"/>
+          <p:cNvSpPr/>
+          <p:nvPr/>
+        </p:nvSpPr>
+        <p:spPr>
+          <a:xfrm>
+            <a:off x="3628363" y="7490944"/>
+            <a:ext cx="1781212" cy="519222"/>
+          </a:xfrm>
+          <a:prstGeom prst="rect">
+            <a:avLst/>
+          </a:prstGeom>
+          <a:solidFill>
+            <a:schemeClr val="accent6">
+              <a:lumMod val="20000"/>
+              <a:lumOff val="80000"/>
+            </a:schemeClr>
+          </a:solidFill>
+          <a:ln>
+            <a:noFill/>
+          </a:ln>
+        </p:spPr>
+        <p:style>
+          <a:lnRef idx="2">
+            <a:schemeClr val="accent1">
+              <a:shade val="50000"/>
+            </a:schemeClr>
+          </a:lnRef>
+          <a:fillRef idx="1">
+            <a:schemeClr val="accent1"/>
+          </a:fillRef>
+          <a:effectRef idx="0">
+            <a:schemeClr val="accent1"/>
+          </a:effectRef>
+          <a:fontRef idx="minor">
+            <a:schemeClr val="lt1"/>
+          </a:fontRef>
+        </p:style>
+        <p:txBody>
+          <a:bodyPr rtlCol="0" anchor="ctr"/>
+          <a:lstStyle/>
+          <a:p>
+            <a:pPr algn="ctr"/>
+            <a:r>
+              <a:rPr lang="en-US" sz="1600" dirty="0">
+                <a:solidFill>
+                  <a:sysClr val="windowText" lastClr="000000"/>
+                </a:solidFill>
+                <a:latin typeface="Helvetica Neue" charset="0"/>
+                <a:ea typeface="Helvetica Neue" charset="0"/>
+                <a:cs typeface="Helvetica Neue" charset="0"/>
+              </a:rPr>
+              <a:t>Power pool</a:t>
+            </a:r>
+            <a:endParaRPr lang="en-US" sz="1600" dirty="0">
+              <a:solidFill>
+                <a:sysClr val="windowText" lastClr="000000"/>
+              </a:solidFill>
+              <a:latin typeface="Helvetica Neue" charset="0"/>
+              <a:ea typeface="Helvetica Neue" charset="0"/>
+              <a:cs typeface="Helvetica Neue" charset="0"/>
+            </a:endParaRPr>
+          </a:p>
+        </p:txBody>
+      </p:sp>
+      <p:sp>
+        <p:nvSpPr>
+          <p:cNvPr id="10" name="Diamond 9"/>
+          <p:cNvSpPr/>
+          <p:nvPr/>
+        </p:nvSpPr>
+        <p:spPr>
+          <a:xfrm>
+            <a:off x="5961286" y="7569123"/>
+            <a:ext cx="637628" cy="362864"/>
+          </a:xfrm>
+          <a:prstGeom prst="diamond">
+            <a:avLst/>
+          </a:prstGeom>
+          <a:solidFill>
+            <a:schemeClr val="accent6"/>
+          </a:solidFill>
+          <a:ln>
+            <a:noFill/>
+          </a:ln>
+        </p:spPr>
+        <p:style>
+          <a:lnRef idx="2">
+            <a:schemeClr val="accent1">
+              <a:shade val="50000"/>
+            </a:schemeClr>
+          </a:lnRef>
+          <a:fillRef idx="1">
+            <a:schemeClr val="accent1"/>
+          </a:fillRef>
+          <a:effectRef idx="0">
+            <a:schemeClr val="accent1"/>
+          </a:effectRef>
+          <a:fontRef idx="minor">
+            <a:schemeClr val="lt1"/>
+          </a:fontRef>
+        </p:style>
+        <p:txBody>
+          <a:bodyPr rot="0" spcFirstLastPara="0" vertOverflow="overflow" horzOverflow="overflow" vert="horz" wrap="square" lIns="91440" tIns="45720" rIns="91440" bIns="45720" numCol="1" spcCol="0" rtlCol="0" fromWordArt="0" anchor="ctr" anchorCtr="0" forceAA="0" compatLnSpc="1">
+            <a:prstTxWarp prst="textNoShape">
+              <a:avLst/>
+            </a:prstTxWarp>
+            <a:noAutofit/>
+          </a:bodyPr>
+          <a:lstStyle/>
+          <a:p>
+            <a:pPr algn="ctr"/>
+            <a:endParaRPr lang="en-US"/>
+          </a:p>
+        </p:txBody>
+      </p:sp>
+      <p:sp>
+        <p:nvSpPr>
+          <p:cNvPr id="11" name="Rectangle 10"/>
+          <p:cNvSpPr/>
+          <p:nvPr/>
+        </p:nvSpPr>
+        <p:spPr>
+          <a:xfrm>
+            <a:off x="6509477" y="7490944"/>
+            <a:ext cx="1847804" cy="519222"/>
+          </a:xfrm>
+          <a:prstGeom prst="rect">
+            <a:avLst/>
+          </a:prstGeom>
+          <a:noFill/>
+          <a:ln>
+            <a:noFill/>
+          </a:ln>
+        </p:spPr>
+        <p:style>
+          <a:lnRef idx="2">
+            <a:schemeClr val="accent1">
+              <a:shade val="50000"/>
+            </a:schemeClr>
+          </a:lnRef>
+          <a:fillRef idx="1">
+            <a:schemeClr val="accent1"/>
+          </a:fillRef>
+          <a:effectRef idx="0">
+            <a:schemeClr val="accent1"/>
+          </a:effectRef>
+          <a:fontRef idx="minor">
+            <a:schemeClr val="lt1"/>
+          </a:fontRef>
+        </p:style>
+        <p:txBody>
+          <a:bodyPr rtlCol="0" anchor="ctr"/>
+          <a:lstStyle/>
+          <a:p>
+            <a:pPr algn="ctr"/>
+            <a:r>
+              <a:rPr lang="en-US" sz="1400">
+                <a:solidFill>
+                  <a:sysClr val="windowText" lastClr="000000"/>
+                </a:solidFill>
+                <a:latin typeface="Helvetica Neue" charset="0"/>
+                <a:ea typeface="Helvetica Neue" charset="0"/>
+                <a:cs typeface="Helvetica Neue" charset="0"/>
+              </a:rPr>
+              <a:t>Is accessible?</a:t>
+            </a:r>
+            <a:endParaRPr lang="en-US" sz="1400" dirty="0">
+              <a:solidFill>
+                <a:sysClr val="windowText" lastClr="000000"/>
+              </a:solidFill>
+              <a:latin typeface="Helvetica Neue" charset="0"/>
+              <a:ea typeface="Helvetica Neue" charset="0"/>
+              <a:cs typeface="Helvetica Neue" charset="0"/>
+            </a:endParaRPr>
+          </a:p>
+        </p:txBody>
+      </p:sp>
+      <p:sp>
+        <p:nvSpPr>
+          <p:cNvPr id="12" name="Rectangle 11"/>
+          <p:cNvSpPr/>
+          <p:nvPr/>
+        </p:nvSpPr>
+        <p:spPr>
+          <a:xfrm>
+            <a:off x="3628363" y="8955172"/>
+            <a:ext cx="1781212" cy="519222"/>
+          </a:xfrm>
+          <a:prstGeom prst="rect">
+            <a:avLst/>
+          </a:prstGeom>
+          <a:solidFill>
+            <a:schemeClr val="accent6">
+              <a:lumMod val="20000"/>
+              <a:lumOff val="80000"/>
+            </a:schemeClr>
+          </a:solidFill>
+          <a:ln>
+            <a:noFill/>
+          </a:ln>
+        </p:spPr>
+        <p:style>
+          <a:lnRef idx="2">
+            <a:schemeClr val="accent1">
+              <a:shade val="50000"/>
+            </a:schemeClr>
+          </a:lnRef>
+          <a:fillRef idx="1">
+            <a:schemeClr val="accent1"/>
+          </a:fillRef>
+          <a:effectRef idx="0">
+            <a:schemeClr val="accent1"/>
+          </a:effectRef>
+          <a:fontRef idx="minor">
+            <a:schemeClr val="lt1"/>
+          </a:fontRef>
+        </p:style>
+        <p:txBody>
+          <a:bodyPr rtlCol="0" anchor="ctr"/>
+          <a:lstStyle/>
+          <a:p>
+            <a:pPr algn="ctr"/>
+            <a:r>
+              <a:rPr lang="en-US" sz="1600" dirty="0">
+                <a:solidFill>
+                  <a:sysClr val="windowText" lastClr="000000"/>
+                </a:solidFill>
+                <a:latin typeface="Helvetica Neue" charset="0"/>
+                <a:ea typeface="Helvetica Neue" charset="0"/>
+                <a:cs typeface="Helvetica Neue" charset="0"/>
+              </a:rPr>
+              <a:t>Power exchange</a:t>
+            </a:r>
+            <a:endParaRPr lang="en-US" sz="1600" dirty="0">
+              <a:solidFill>
+                <a:sysClr val="windowText" lastClr="000000"/>
+              </a:solidFill>
+              <a:latin typeface="Helvetica Neue" charset="0"/>
+              <a:ea typeface="Helvetica Neue" charset="0"/>
+              <a:cs typeface="Helvetica Neue" charset="0"/>
+            </a:endParaRPr>
+          </a:p>
+        </p:txBody>
+      </p:sp>
+      <p:cxnSp>
+        <p:nvCxnSpPr>
+          <p:cNvPr id="13" name="Straight Arrow Connector 12"/>
+          <p:cNvCxnSpPr>
+            <a:stCxn id="6" idx="3"/>
+            <a:endCxn id="7" idx="1"/>
+          </p:cNvCxnSpPr>
+          <p:nvPr/>
+        </p:nvCxnSpPr>
+        <p:spPr>
+          <a:xfrm flipV="1">
+            <a:off x="2052097" y="8480127"/>
+            <a:ext cx="548894" cy="2542"/>
+          </a:xfrm>
+          <a:prstGeom prst="straightConnector1">
+            <a:avLst/>
+          </a:prstGeom>
+          <a:ln>
+            <a:solidFill>
+              <a:schemeClr val="accent6"/>
+            </a:solidFill>
+            <a:tailEnd type="triangle"/>
+          </a:ln>
+        </p:spPr>
+        <p:style>
+          <a:lnRef idx="1">
+            <a:schemeClr val="accent1"/>
+          </a:lnRef>
+          <a:fillRef idx="0">
+            <a:schemeClr val="accent1"/>
+          </a:fillRef>
+          <a:effectRef idx="0">
+            <a:schemeClr val="accent1"/>
+          </a:effectRef>
+          <a:fontRef idx="minor">
+            <a:schemeClr val="tx1"/>
+          </a:fontRef>
+        </p:style>
+      </p:cxnSp>
+      <p:cxnSp>
+        <p:nvCxnSpPr>
+          <p:cNvPr id="16" name="Straight Arrow Connector 15"/>
+          <p:cNvCxnSpPr/>
+          <p:nvPr/>
+        </p:nvCxnSpPr>
+        <p:spPr>
+          <a:xfrm>
+            <a:off x="2919805" y="7733365"/>
+            <a:ext cx="678578" cy="0"/>
+          </a:xfrm>
+          <a:prstGeom prst="straightConnector1">
+            <a:avLst/>
+          </a:prstGeom>
+          <a:ln>
+            <a:solidFill>
+              <a:schemeClr val="accent6"/>
+            </a:solidFill>
+            <a:tailEnd type="triangle"/>
+          </a:ln>
+        </p:spPr>
+        <p:style>
+          <a:lnRef idx="1">
+            <a:schemeClr val="accent1"/>
+          </a:lnRef>
+          <a:fillRef idx="0">
+            <a:schemeClr val="accent1"/>
+          </a:fillRef>
+          <a:effectRef idx="0">
+            <a:schemeClr val="accent1"/>
+          </a:effectRef>
+          <a:fontRef idx="minor">
+            <a:schemeClr val="tx1"/>
+          </a:fontRef>
+        </p:style>
+      </p:cxnSp>
+      <p:cxnSp>
+        <p:nvCxnSpPr>
+          <p:cNvPr id="18" name="Straight Arrow Connector 17"/>
+          <p:cNvCxnSpPr/>
+          <p:nvPr/>
+        </p:nvCxnSpPr>
+        <p:spPr>
+          <a:xfrm>
+            <a:off x="2919805" y="9214783"/>
+            <a:ext cx="708558" cy="0"/>
+          </a:xfrm>
+          <a:prstGeom prst="straightConnector1">
+            <a:avLst/>
+          </a:prstGeom>
+          <a:ln>
+            <a:solidFill>
+              <a:schemeClr val="accent6"/>
+            </a:solidFill>
+            <a:tailEnd type="triangle"/>
+          </a:ln>
+        </p:spPr>
+        <p:style>
+          <a:lnRef idx="1">
+            <a:schemeClr val="accent1"/>
+          </a:lnRef>
+          <a:fillRef idx="0">
+            <a:schemeClr val="accent1"/>
+          </a:fillRef>
+          <a:effectRef idx="0">
+            <a:schemeClr val="accent1"/>
+          </a:effectRef>
+          <a:fontRef idx="minor">
+            <a:schemeClr val="tx1"/>
+          </a:fontRef>
+        </p:style>
+      </p:cxnSp>
+      <p:cxnSp>
+        <p:nvCxnSpPr>
+          <p:cNvPr id="19" name="Straight Arrow Connector 18"/>
+          <p:cNvCxnSpPr/>
+          <p:nvPr/>
+        </p:nvCxnSpPr>
+        <p:spPr>
+          <a:xfrm>
+            <a:off x="2930121" y="7733365"/>
+            <a:ext cx="0" cy="1481418"/>
+          </a:xfrm>
+          <a:prstGeom prst="straightConnector1">
+            <a:avLst/>
+          </a:prstGeom>
+          <a:ln>
+            <a:solidFill>
+              <a:schemeClr val="accent6"/>
+            </a:solidFill>
+            <a:tailEnd type="none"/>
+          </a:ln>
+        </p:spPr>
+        <p:style>
+          <a:lnRef idx="1">
+            <a:schemeClr val="accent1"/>
+          </a:lnRef>
+          <a:fillRef idx="0">
+            <a:schemeClr val="accent1"/>
+          </a:fillRef>
+          <a:effectRef idx="0">
+            <a:schemeClr val="accent1"/>
+          </a:effectRef>
+          <a:fontRef idx="minor">
+            <a:schemeClr val="tx1"/>
+          </a:fontRef>
+        </p:style>
+      </p:cxnSp>
+      <p:cxnSp>
+        <p:nvCxnSpPr>
+          <p:cNvPr id="23" name="Straight Arrow Connector 22"/>
+          <p:cNvCxnSpPr/>
+          <p:nvPr/>
+        </p:nvCxnSpPr>
+        <p:spPr>
+          <a:xfrm flipV="1">
+            <a:off x="5400023" y="7731416"/>
+            <a:ext cx="548894" cy="2542"/>
+          </a:xfrm>
+          <a:prstGeom prst="straightConnector1">
+            <a:avLst/>
+          </a:prstGeom>
+          <a:ln>
+            <a:solidFill>
+              <a:schemeClr val="accent6"/>
+            </a:solidFill>
+            <a:tailEnd type="triangle"/>
+          </a:ln>
+        </p:spPr>
+        <p:style>
+          <a:lnRef idx="1">
+            <a:schemeClr val="accent1"/>
+          </a:lnRef>
+          <a:fillRef idx="0">
+            <a:schemeClr val="accent1"/>
+          </a:fillRef>
+          <a:effectRef idx="0">
+            <a:schemeClr val="accent1"/>
+          </a:effectRef>
+          <a:fontRef idx="minor">
+            <a:schemeClr val="tx1"/>
+          </a:fontRef>
+        </p:style>
+      </p:cxnSp>
+      <p:cxnSp>
+        <p:nvCxnSpPr>
+          <p:cNvPr id="24" name="Straight Arrow Connector 23"/>
+          <p:cNvCxnSpPr/>
+          <p:nvPr/>
+        </p:nvCxnSpPr>
+        <p:spPr>
+          <a:xfrm>
+            <a:off x="6267731" y="6984654"/>
+            <a:ext cx="678578" cy="0"/>
+          </a:xfrm>
+          <a:prstGeom prst="straightConnector1">
+            <a:avLst/>
+          </a:prstGeom>
+          <a:ln>
+            <a:solidFill>
+              <a:schemeClr val="accent6"/>
+            </a:solidFill>
+            <a:tailEnd type="triangle"/>
+          </a:ln>
+        </p:spPr>
+        <p:style>
+          <a:lnRef idx="1">
+            <a:schemeClr val="accent1"/>
+          </a:lnRef>
+          <a:fillRef idx="0">
+            <a:schemeClr val="accent1"/>
+          </a:fillRef>
+          <a:effectRef idx="0">
+            <a:schemeClr val="accent1"/>
+          </a:effectRef>
+          <a:fontRef idx="minor">
+            <a:schemeClr val="tx1"/>
+          </a:fontRef>
+        </p:style>
+      </p:cxnSp>
+      <p:cxnSp>
+        <p:nvCxnSpPr>
+          <p:cNvPr id="25" name="Straight Arrow Connector 24"/>
+          <p:cNvCxnSpPr>
+            <a:endCxn id="37" idx="1"/>
+          </p:cNvCxnSpPr>
+          <p:nvPr/>
+        </p:nvCxnSpPr>
+        <p:spPr>
+          <a:xfrm>
+            <a:off x="6267732" y="8466072"/>
+            <a:ext cx="698241" cy="0"/>
+          </a:xfrm>
+          <a:prstGeom prst="straightConnector1">
+            <a:avLst/>
+          </a:prstGeom>
+          <a:ln>
+            <a:solidFill>
+              <a:schemeClr val="accent6"/>
+            </a:solidFill>
+            <a:tailEnd type="triangle"/>
+          </a:ln>
+        </p:spPr>
+        <p:style>
+          <a:lnRef idx="1">
+            <a:schemeClr val="accent1"/>
+          </a:lnRef>
+          <a:fillRef idx="0">
+            <a:schemeClr val="accent1"/>
+          </a:fillRef>
+          <a:effectRef idx="0">
+            <a:schemeClr val="accent1"/>
+          </a:effectRef>
+          <a:fontRef idx="minor">
+            <a:schemeClr val="tx1"/>
+          </a:fontRef>
+        </p:style>
+      </p:cxnSp>
+      <p:cxnSp>
+        <p:nvCxnSpPr>
+          <p:cNvPr id="26" name="Straight Arrow Connector 25"/>
+          <p:cNvCxnSpPr/>
+          <p:nvPr/>
+        </p:nvCxnSpPr>
+        <p:spPr>
+          <a:xfrm>
+            <a:off x="6278047" y="6984655"/>
+            <a:ext cx="0" cy="2230129"/>
+          </a:xfrm>
+          <a:prstGeom prst="straightConnector1">
+            <a:avLst/>
+          </a:prstGeom>
+          <a:ln>
+            <a:solidFill>
+              <a:schemeClr val="accent6"/>
+            </a:solidFill>
+            <a:tailEnd type="none"/>
+          </a:ln>
+        </p:spPr>
+        <p:style>
+          <a:lnRef idx="1">
+            <a:schemeClr val="accent1"/>
+          </a:lnRef>
+          <a:fillRef idx="0">
+            <a:schemeClr val="accent1"/>
+          </a:fillRef>
+          <a:effectRef idx="0">
+            <a:schemeClr val="accent1"/>
+          </a:effectRef>
+          <a:fontRef idx="minor">
+            <a:schemeClr val="tx1"/>
+          </a:fontRef>
+        </p:style>
+      </p:cxnSp>
+      <p:sp>
+        <p:nvSpPr>
+          <p:cNvPr id="27" name="Rectangle 26"/>
+          <p:cNvSpPr/>
+          <p:nvPr/>
+        </p:nvSpPr>
+        <p:spPr>
+          <a:xfrm>
+            <a:off x="5439555" y="7108464"/>
+            <a:ext cx="923902" cy="519222"/>
+          </a:xfrm>
+          <a:prstGeom prst="rect">
+            <a:avLst/>
+          </a:prstGeom>
+          <a:noFill/>
+          <a:ln>
+            <a:noFill/>
+          </a:ln>
+        </p:spPr>
+        <p:style>
+          <a:lnRef idx="2">
+            <a:schemeClr val="accent1">
+              <a:shade val="50000"/>
+            </a:schemeClr>
+          </a:lnRef>
+          <a:fillRef idx="1">
+            <a:schemeClr val="accent1"/>
+          </a:fillRef>
+          <a:effectRef idx="0">
+            <a:schemeClr val="accent1"/>
+          </a:effectRef>
+          <a:fontRef idx="minor">
+            <a:schemeClr val="lt1"/>
+          </a:fontRef>
+        </p:style>
+        <p:txBody>
+          <a:bodyPr rtlCol="0" anchor="ctr"/>
+          <a:lstStyle/>
+          <a:p>
+            <a:pPr algn="ctr"/>
+            <a:r>
+              <a:rPr lang="en-US" sz="1400">
+                <a:solidFill>
+                  <a:sysClr val="windowText" lastClr="000000"/>
+                </a:solidFill>
+                <a:latin typeface="Helvetica Neue" charset="0"/>
+                <a:ea typeface="Helvetica Neue" charset="0"/>
+                <a:cs typeface="Helvetica Neue" charset="0"/>
+              </a:rPr>
+              <a:t>No</a:t>
+            </a:r>
+            <a:endParaRPr lang="en-US" sz="1400" dirty="0">
+              <a:solidFill>
+                <a:sysClr val="windowText" lastClr="000000"/>
+              </a:solidFill>
+              <a:latin typeface="Helvetica Neue" charset="0"/>
+              <a:ea typeface="Helvetica Neue" charset="0"/>
+              <a:cs typeface="Helvetica Neue" charset="0"/>
+            </a:endParaRPr>
+          </a:p>
+        </p:txBody>
+      </p:sp>
+      <p:sp>
+        <p:nvSpPr>
+          <p:cNvPr id="28" name="Rectangle 27"/>
+          <p:cNvSpPr/>
+          <p:nvPr/>
+        </p:nvSpPr>
+        <p:spPr>
+          <a:xfrm>
+            <a:off x="5439555" y="8010166"/>
+            <a:ext cx="923902" cy="519222"/>
+          </a:xfrm>
+          <a:prstGeom prst="rect">
+            <a:avLst/>
+          </a:prstGeom>
+          <a:noFill/>
+          <a:ln>
+            <a:noFill/>
+          </a:ln>
+        </p:spPr>
+        <p:style>
+          <a:lnRef idx="2">
+            <a:schemeClr val="accent1">
+              <a:shade val="50000"/>
+            </a:schemeClr>
+          </a:lnRef>
+          <a:fillRef idx="1">
+            <a:schemeClr val="accent1"/>
+          </a:fillRef>
+          <a:effectRef idx="0">
+            <a:schemeClr val="accent1"/>
+          </a:effectRef>
+          <a:fontRef idx="minor">
+            <a:schemeClr val="lt1"/>
+          </a:fontRef>
+        </p:style>
+        <p:txBody>
+          <a:bodyPr rtlCol="0" anchor="ctr"/>
+          <a:lstStyle/>
+          <a:p>
+            <a:pPr algn="ctr"/>
+            <a:r>
+              <a:rPr lang="en-US" sz="1400" dirty="0">
+                <a:solidFill>
+                  <a:sysClr val="windowText" lastClr="000000"/>
+                </a:solidFill>
+                <a:latin typeface="Helvetica Neue" charset="0"/>
+                <a:ea typeface="Helvetica Neue" charset="0"/>
+                <a:cs typeface="Helvetica Neue" charset="0"/>
+              </a:rPr>
+              <a:t>Yes</a:t>
+            </a:r>
+            <a:endParaRPr lang="en-US" sz="1400" dirty="0">
+              <a:solidFill>
+                <a:sysClr val="windowText" lastClr="000000"/>
+              </a:solidFill>
+              <a:latin typeface="Helvetica Neue" charset="0"/>
+              <a:ea typeface="Helvetica Neue" charset="0"/>
+              <a:cs typeface="Helvetica Neue" charset="0"/>
+            </a:endParaRPr>
+          </a:p>
+        </p:txBody>
+      </p:sp>
+      <p:sp>
+        <p:nvSpPr>
+          <p:cNvPr id="29" name="Rectangle 28"/>
+          <p:cNvSpPr/>
+          <p:nvPr/>
+        </p:nvSpPr>
+        <p:spPr>
+          <a:xfrm>
+            <a:off x="6976289" y="6633361"/>
+            <a:ext cx="3055332" cy="702586"/>
+          </a:xfrm>
+          <a:prstGeom prst="rect">
+            <a:avLst/>
+          </a:prstGeom>
+          <a:solidFill>
+            <a:schemeClr val="accent6">
+              <a:lumMod val="20000"/>
+              <a:lumOff val="80000"/>
+            </a:schemeClr>
+          </a:solidFill>
+          <a:ln>
+            <a:noFill/>
+          </a:ln>
+        </p:spPr>
+        <p:style>
+          <a:lnRef idx="2">
+            <a:schemeClr val="accent1">
+              <a:shade val="50000"/>
+            </a:schemeClr>
+          </a:lnRef>
+          <a:fillRef idx="1">
+            <a:schemeClr val="accent1"/>
+          </a:fillRef>
+          <a:effectRef idx="0">
+            <a:schemeClr val="accent1"/>
+          </a:effectRef>
+          <a:fontRef idx="minor">
+            <a:schemeClr val="lt1"/>
+          </a:fontRef>
+        </p:style>
+        <p:txBody>
+          <a:bodyPr rtlCol="0" anchor="ctr"/>
+          <a:lstStyle/>
+          <a:p>
+            <a:pPr algn="ctr"/>
+            <a:r>
+              <a:rPr lang="en-US" sz="1600" dirty="0">
+                <a:solidFill>
+                  <a:sysClr val="windowText" lastClr="000000"/>
+                </a:solidFill>
+                <a:latin typeface="Helvetica Neue" charset="0"/>
+                <a:ea typeface="Helvetica Neue" charset="0"/>
+                <a:cs typeface="Helvetica Neue" charset="0"/>
+              </a:rPr>
+              <a:t>Indirect participation (in complement with existing load)</a:t>
+            </a:r>
+            <a:endParaRPr lang="en-US" sz="1600" dirty="0">
+              <a:solidFill>
+                <a:sysClr val="windowText" lastClr="000000"/>
+              </a:solidFill>
+              <a:latin typeface="Helvetica Neue" charset="0"/>
+              <a:ea typeface="Helvetica Neue" charset="0"/>
+              <a:cs typeface="Helvetica Neue" charset="0"/>
+            </a:endParaRPr>
+          </a:p>
+        </p:txBody>
+      </p:sp>
+      <p:cxnSp>
+        <p:nvCxnSpPr>
+          <p:cNvPr id="31" name="Straight Arrow Connector 30"/>
+          <p:cNvCxnSpPr/>
+          <p:nvPr/>
+        </p:nvCxnSpPr>
+        <p:spPr>
+          <a:xfrm>
+            <a:off x="5400023" y="9188443"/>
+            <a:ext cx="867708" cy="0"/>
+          </a:xfrm>
+          <a:prstGeom prst="straightConnector1">
+            <a:avLst/>
+          </a:prstGeom>
+          <a:ln>
+            <a:solidFill>
+              <a:schemeClr val="accent6"/>
+            </a:solidFill>
+            <a:tailEnd type="triangle"/>
+          </a:ln>
+        </p:spPr>
+        <p:style>
+          <a:lnRef idx="1">
+            <a:schemeClr val="accent1"/>
+          </a:lnRef>
+          <a:fillRef idx="0">
+            <a:schemeClr val="accent1"/>
+          </a:fillRef>
+          <a:effectRef idx="0">
+            <a:schemeClr val="accent1"/>
+          </a:effectRef>
+          <a:fontRef idx="minor">
+            <a:schemeClr val="tx1"/>
+          </a:fontRef>
+        </p:style>
+      </p:cxnSp>
+      <p:sp>
+        <p:nvSpPr>
+          <p:cNvPr id="37" name="Rectangle 36"/>
+          <p:cNvSpPr/>
+          <p:nvPr/>
+        </p:nvSpPr>
+        <p:spPr>
+          <a:xfrm>
+            <a:off x="6965972" y="8213937"/>
+            <a:ext cx="1781212" cy="519222"/>
+          </a:xfrm>
+          <a:prstGeom prst="rect">
+            <a:avLst/>
+          </a:prstGeom>
+          <a:solidFill>
+            <a:schemeClr val="accent6">
+              <a:lumMod val="20000"/>
+              <a:lumOff val="80000"/>
+            </a:schemeClr>
+          </a:solidFill>
+          <a:ln>
+            <a:noFill/>
+          </a:ln>
+        </p:spPr>
+        <p:style>
+          <a:lnRef idx="2">
+            <a:schemeClr val="accent1">
+              <a:shade val="50000"/>
+            </a:schemeClr>
+          </a:lnRef>
+          <a:fillRef idx="1">
+            <a:schemeClr val="accent1"/>
+          </a:fillRef>
+          <a:effectRef idx="0">
+            <a:schemeClr val="accent1"/>
+          </a:effectRef>
+          <a:fontRef idx="minor">
+            <a:schemeClr val="lt1"/>
+          </a:fontRef>
+        </p:style>
+        <p:txBody>
+          <a:bodyPr rtlCol="0" anchor="ctr"/>
+          <a:lstStyle/>
+          <a:p>
+            <a:pPr algn="ctr"/>
+            <a:r>
+              <a:rPr lang="en-US" sz="1600">
+                <a:solidFill>
+                  <a:sysClr val="windowText" lastClr="000000"/>
+                </a:solidFill>
+                <a:latin typeface="Helvetica Neue" charset="0"/>
+                <a:ea typeface="Helvetica Neue" charset="0"/>
+                <a:cs typeface="Helvetica Neue" charset="0"/>
+              </a:rPr>
+              <a:t>Marketplaces</a:t>
+            </a:r>
+            <a:endParaRPr lang="en-US" sz="1600" dirty="0">
+              <a:solidFill>
+                <a:sysClr val="windowText" lastClr="000000"/>
+              </a:solidFill>
+              <a:latin typeface="Helvetica Neue" charset="0"/>
+              <a:ea typeface="Helvetica Neue" charset="0"/>
+              <a:cs typeface="Helvetica Neue" charset="0"/>
+            </a:endParaRPr>
+          </a:p>
+        </p:txBody>
+      </p:sp>
+      <p:sp>
+        <p:nvSpPr>
+          <p:cNvPr id="38" name="Rectangle 37"/>
+          <p:cNvSpPr/>
+          <p:nvPr/>
+        </p:nvSpPr>
+        <p:spPr>
+          <a:xfrm>
+            <a:off x="6976288" y="8731329"/>
+            <a:ext cx="1781212" cy="519222"/>
+          </a:xfrm>
+          <a:prstGeom prst="rect">
+            <a:avLst/>
+          </a:prstGeom>
+          <a:noFill/>
+          <a:ln>
+            <a:solidFill>
+              <a:schemeClr val="accent6">
+                <a:lumMod val="20000"/>
+                <a:lumOff val="80000"/>
+              </a:schemeClr>
+            </a:solidFill>
+          </a:ln>
+        </p:spPr>
+        <p:style>
+          <a:lnRef idx="2">
+            <a:schemeClr val="accent1">
+              <a:shade val="50000"/>
+            </a:schemeClr>
+          </a:lnRef>
+          <a:fillRef idx="1">
+            <a:schemeClr val="accent1"/>
+          </a:fillRef>
+          <a:effectRef idx="0">
+            <a:schemeClr val="accent1"/>
+          </a:effectRef>
+          <a:fontRef idx="minor">
+            <a:schemeClr val="lt1"/>
+          </a:fontRef>
+        </p:style>
+        <p:txBody>
+          <a:bodyPr rtlCol="0" anchor="ctr"/>
+          <a:lstStyle/>
+          <a:p>
+            <a:pPr algn="ctr"/>
+            <a:r>
+              <a:rPr lang="en-US" sz="1600" dirty="0">
+                <a:solidFill>
+                  <a:sysClr val="windowText" lastClr="000000"/>
+                </a:solidFill>
+                <a:latin typeface="Helvetica Neue" charset="0"/>
+                <a:ea typeface="Helvetica Neue" charset="0"/>
+                <a:cs typeface="Helvetica Neue" charset="0"/>
+              </a:rPr>
+              <a:t>Day-ahead</a:t>
+            </a:r>
+            <a:endParaRPr lang="en-US" sz="1600" dirty="0">
+              <a:solidFill>
+                <a:sysClr val="windowText" lastClr="000000"/>
+              </a:solidFill>
+              <a:latin typeface="Helvetica Neue" charset="0"/>
+              <a:ea typeface="Helvetica Neue" charset="0"/>
+              <a:cs typeface="Helvetica Neue" charset="0"/>
+            </a:endParaRPr>
+          </a:p>
+        </p:txBody>
+      </p:sp>
+      <p:sp>
+        <p:nvSpPr>
+          <p:cNvPr id="40" name="Rectangle 39"/>
+          <p:cNvSpPr/>
+          <p:nvPr/>
+        </p:nvSpPr>
+        <p:spPr>
+          <a:xfrm>
+            <a:off x="6976288" y="9248721"/>
+            <a:ext cx="1781212" cy="519222"/>
+          </a:xfrm>
+          <a:prstGeom prst="rect">
+            <a:avLst/>
+          </a:prstGeom>
+          <a:noFill/>
+          <a:ln>
+            <a:solidFill>
+              <a:schemeClr val="accent6">
+                <a:lumMod val="20000"/>
+                <a:lumOff val="80000"/>
+              </a:schemeClr>
+            </a:solidFill>
+          </a:ln>
+        </p:spPr>
+        <p:style>
+          <a:lnRef idx="2">
+            <a:schemeClr val="accent1">
+              <a:shade val="50000"/>
+            </a:schemeClr>
+          </a:lnRef>
+          <a:fillRef idx="1">
+            <a:schemeClr val="accent1"/>
+          </a:fillRef>
+          <a:effectRef idx="0">
+            <a:schemeClr val="accent1"/>
+          </a:effectRef>
+          <a:fontRef idx="minor">
+            <a:schemeClr val="lt1"/>
+          </a:fontRef>
+        </p:style>
+        <p:txBody>
+          <a:bodyPr rtlCol="0" anchor="ctr"/>
+          <a:lstStyle/>
+          <a:p>
+            <a:pPr algn="ctr"/>
+            <a:r>
+              <a:rPr lang="en-US" sz="1600" dirty="0">
+                <a:solidFill>
+                  <a:sysClr val="windowText" lastClr="000000"/>
+                </a:solidFill>
+                <a:latin typeface="Helvetica Neue" charset="0"/>
+                <a:ea typeface="Helvetica Neue" charset="0"/>
+                <a:cs typeface="Helvetica Neue" charset="0"/>
+              </a:rPr>
+              <a:t>Intra-day</a:t>
+            </a:r>
+            <a:endParaRPr lang="en-US" sz="1600" dirty="0">
+              <a:solidFill>
+                <a:sysClr val="windowText" lastClr="000000"/>
+              </a:solidFill>
+              <a:latin typeface="Helvetica Neue" charset="0"/>
+              <a:ea typeface="Helvetica Neue" charset="0"/>
+              <a:cs typeface="Helvetica Neue" charset="0"/>
+            </a:endParaRPr>
+          </a:p>
+        </p:txBody>
+      </p:sp>
+      <p:sp>
+        <p:nvSpPr>
+          <p:cNvPr id="41" name="Rectangle 40"/>
+          <p:cNvSpPr/>
+          <p:nvPr/>
+        </p:nvSpPr>
+        <p:spPr>
+          <a:xfrm>
+            <a:off x="6976288" y="9766113"/>
+            <a:ext cx="1781212" cy="519222"/>
+          </a:xfrm>
+          <a:prstGeom prst="rect">
+            <a:avLst/>
+          </a:prstGeom>
+          <a:noFill/>
+          <a:ln>
+            <a:solidFill>
+              <a:schemeClr val="accent6">
+                <a:lumMod val="20000"/>
+                <a:lumOff val="80000"/>
+              </a:schemeClr>
+            </a:solidFill>
+          </a:ln>
+        </p:spPr>
+        <p:style>
+          <a:lnRef idx="2">
+            <a:schemeClr val="accent1">
+              <a:shade val="50000"/>
+            </a:schemeClr>
+          </a:lnRef>
+          <a:fillRef idx="1">
+            <a:schemeClr val="accent1"/>
+          </a:fillRef>
+          <a:effectRef idx="0">
+            <a:schemeClr val="accent1"/>
+          </a:effectRef>
+          <a:fontRef idx="minor">
+            <a:schemeClr val="lt1"/>
+          </a:fontRef>
+        </p:style>
+        <p:txBody>
+          <a:bodyPr rtlCol="0" anchor="ctr"/>
+          <a:lstStyle/>
+          <a:p>
+            <a:pPr algn="ctr"/>
+            <a:r>
+              <a:rPr lang="en-US" sz="1600" dirty="0">
+                <a:solidFill>
+                  <a:sysClr val="windowText" lastClr="000000"/>
+                </a:solidFill>
+                <a:latin typeface="Helvetica Neue" charset="0"/>
+                <a:ea typeface="Helvetica Neue" charset="0"/>
+                <a:cs typeface="Helvetica Neue" charset="0"/>
+              </a:rPr>
+              <a:t>Real-time</a:t>
+            </a:r>
+            <a:endParaRPr lang="en-US" sz="1600" dirty="0">
+              <a:solidFill>
+                <a:sysClr val="windowText" lastClr="000000"/>
+              </a:solidFill>
+              <a:latin typeface="Helvetica Neue" charset="0"/>
+              <a:ea typeface="Helvetica Neue" charset="0"/>
+              <a:cs typeface="Helvetica Neue" charset="0"/>
+            </a:endParaRPr>
+          </a:p>
+        </p:txBody>
+      </p:sp>
+      <p:cxnSp>
+        <p:nvCxnSpPr>
+          <p:cNvPr id="42" name="Straight Arrow Connector 41"/>
+          <p:cNvCxnSpPr/>
+          <p:nvPr/>
+        </p:nvCxnSpPr>
+        <p:spPr>
+          <a:xfrm flipV="1">
+            <a:off x="8295488" y="7316283"/>
+            <a:ext cx="0" cy="897654"/>
+          </a:xfrm>
+          <a:prstGeom prst="straightConnector1">
+            <a:avLst/>
+          </a:prstGeom>
+          <a:ln>
+            <a:solidFill>
+              <a:schemeClr val="accent6"/>
+            </a:solidFill>
+            <a:headEnd type="triangle"/>
+            <a:tailEnd type="none"/>
+          </a:ln>
+        </p:spPr>
+        <p:style>
+          <a:lnRef idx="1">
+            <a:schemeClr val="accent1"/>
+          </a:lnRef>
+          <a:fillRef idx="0">
+            <a:schemeClr val="accent1"/>
+          </a:fillRef>
+          <a:effectRef idx="0">
+            <a:schemeClr val="accent1"/>
+          </a:effectRef>
+          <a:fontRef idx="minor">
+            <a:schemeClr val="tx1"/>
+          </a:fontRef>
+        </p:style>
+      </p:cxnSp>
+      <p:sp>
+        <p:nvSpPr>
+          <p:cNvPr id="47" name="Hexagon 46"/>
+          <p:cNvSpPr/>
+          <p:nvPr/>
+        </p:nvSpPr>
+        <p:spPr>
+          <a:xfrm rot="16200000">
+            <a:off x="8597112" y="9174724"/>
+            <a:ext cx="2057722" cy="553432"/>
+          </a:xfrm>
+          <a:prstGeom prst="hexagon">
+            <a:avLst/>
+          </a:prstGeom>
+          <a:solidFill>
+            <a:schemeClr val="accent6"/>
+          </a:solidFill>
+          <a:ln>
+            <a:noFill/>
+          </a:ln>
+        </p:spPr>
+        <p:style>
+          <a:lnRef idx="2">
+            <a:schemeClr val="accent1">
+              <a:shade val="50000"/>
+            </a:schemeClr>
+          </a:lnRef>
+          <a:fillRef idx="1">
+            <a:schemeClr val="accent1"/>
+          </a:fillRef>
+          <a:effectRef idx="0">
+            <a:schemeClr val="accent1"/>
+          </a:effectRef>
+          <a:fontRef idx="minor">
+            <a:schemeClr val="lt1"/>
+          </a:fontRef>
+        </p:style>
+        <p:txBody>
+          <a:bodyPr rot="0" spcFirstLastPara="0" vertOverflow="overflow" horzOverflow="overflow" vert="horz" wrap="square" lIns="91440" tIns="45720" rIns="91440" bIns="45720" numCol="1" spcCol="0" rtlCol="0" fromWordArt="0" anchor="ctr" anchorCtr="0" forceAA="0" compatLnSpc="1">
+            <a:prstTxWarp prst="textNoShape">
+              <a:avLst/>
+            </a:prstTxWarp>
+            <a:noAutofit/>
+          </a:bodyPr>
+          <a:lstStyle/>
+          <a:p>
+            <a:pPr algn="ctr"/>
+            <a:r>
+              <a:rPr lang="en-US">
+                <a:solidFill>
+                  <a:schemeClr val="bg1"/>
+                </a:solidFill>
+                <a:latin typeface="Helvetica Neue" charset="0"/>
+                <a:ea typeface="Helvetica Neue" charset="0"/>
+                <a:cs typeface="Helvetica Neue" charset="0"/>
+              </a:rPr>
+              <a:t>Pricing schemes</a:t>
+            </a:r>
+            <a:endParaRPr lang="en-US" dirty="0">
+              <a:solidFill>
+                <a:schemeClr val="bg1"/>
+              </a:solidFill>
+              <a:latin typeface="Helvetica Neue" charset="0"/>
+              <a:ea typeface="Helvetica Neue" charset="0"/>
+              <a:cs typeface="Helvetica Neue" charset="0"/>
+            </a:endParaRPr>
+          </a:p>
+        </p:txBody>
+      </p:sp>
+      <p:cxnSp>
+        <p:nvCxnSpPr>
+          <p:cNvPr id="49" name="Straight Arrow Connector 48"/>
+          <p:cNvCxnSpPr>
+            <a:stCxn id="38" idx="3"/>
+          </p:cNvCxnSpPr>
+          <p:nvPr/>
+        </p:nvCxnSpPr>
+        <p:spPr>
+          <a:xfrm>
+            <a:off x="8757501" y="8990940"/>
+            <a:ext cx="591757" cy="0"/>
+          </a:xfrm>
+          <a:prstGeom prst="straightConnector1">
+            <a:avLst/>
+          </a:prstGeom>
+          <a:ln>
+            <a:solidFill>
+              <a:schemeClr val="accent6"/>
+            </a:solidFill>
+            <a:tailEnd type="triangle"/>
+          </a:ln>
+        </p:spPr>
+        <p:style>
+          <a:lnRef idx="1">
+            <a:schemeClr val="accent1"/>
+          </a:lnRef>
+          <a:fillRef idx="0">
+            <a:schemeClr val="accent1"/>
+          </a:fillRef>
+          <a:effectRef idx="0">
+            <a:schemeClr val="accent1"/>
+          </a:effectRef>
+          <a:fontRef idx="minor">
+            <a:schemeClr val="tx1"/>
+          </a:fontRef>
+        </p:style>
+      </p:cxnSp>
+      <p:cxnSp>
+        <p:nvCxnSpPr>
+          <p:cNvPr id="51" name="Straight Arrow Connector 50"/>
+          <p:cNvCxnSpPr/>
+          <p:nvPr/>
+        </p:nvCxnSpPr>
+        <p:spPr>
+          <a:xfrm>
+            <a:off x="8757501" y="9508332"/>
+            <a:ext cx="591757" cy="0"/>
+          </a:xfrm>
+          <a:prstGeom prst="straightConnector1">
+            <a:avLst/>
+          </a:prstGeom>
+          <a:ln>
+            <a:solidFill>
+              <a:schemeClr val="accent6"/>
+            </a:solidFill>
+            <a:tailEnd type="triangle"/>
+          </a:ln>
+        </p:spPr>
+        <p:style>
+          <a:lnRef idx="1">
+            <a:schemeClr val="accent1"/>
+          </a:lnRef>
+          <a:fillRef idx="0">
+            <a:schemeClr val="accent1"/>
+          </a:fillRef>
+          <a:effectRef idx="0">
+            <a:schemeClr val="accent1"/>
+          </a:effectRef>
+          <a:fontRef idx="minor">
+            <a:schemeClr val="tx1"/>
+          </a:fontRef>
+        </p:style>
+      </p:cxnSp>
+      <p:cxnSp>
+        <p:nvCxnSpPr>
+          <p:cNvPr id="52" name="Straight Arrow Connector 51"/>
+          <p:cNvCxnSpPr/>
+          <p:nvPr/>
+        </p:nvCxnSpPr>
+        <p:spPr>
+          <a:xfrm>
+            <a:off x="8757501" y="10025724"/>
+            <a:ext cx="591757" cy="0"/>
+          </a:xfrm>
+          <a:prstGeom prst="straightConnector1">
+            <a:avLst/>
+          </a:prstGeom>
+          <a:ln>
+            <a:solidFill>
+              <a:schemeClr val="accent6"/>
+            </a:solidFill>
+            <a:tailEnd type="triangle"/>
+          </a:ln>
+        </p:spPr>
+        <p:style>
+          <a:lnRef idx="1">
+            <a:schemeClr val="accent1"/>
+          </a:lnRef>
+          <a:fillRef idx="0">
+            <a:schemeClr val="accent1"/>
+          </a:fillRef>
+          <a:effectRef idx="0">
+            <a:schemeClr val="accent1"/>
+          </a:effectRef>
+          <a:fontRef idx="minor">
+            <a:schemeClr val="tx1"/>
+          </a:fontRef>
+        </p:style>
+      </p:cxnSp>
+      <p:cxnSp>
+        <p:nvCxnSpPr>
+          <p:cNvPr id="53" name="Straight Arrow Connector 52"/>
+          <p:cNvCxnSpPr/>
+          <p:nvPr/>
+        </p:nvCxnSpPr>
+        <p:spPr>
+          <a:xfrm>
+            <a:off x="9888962" y="9508332"/>
+            <a:ext cx="591757" cy="0"/>
+          </a:xfrm>
+          <a:prstGeom prst="straightConnector1">
+            <a:avLst/>
+          </a:prstGeom>
+          <a:ln>
+            <a:solidFill>
+              <a:schemeClr val="accent6"/>
+            </a:solidFill>
+            <a:tailEnd type="triangle"/>
+          </a:ln>
+        </p:spPr>
+        <p:style>
+          <a:lnRef idx="1">
+            <a:schemeClr val="accent1"/>
+          </a:lnRef>
+          <a:fillRef idx="0">
+            <a:schemeClr val="accent1"/>
+          </a:fillRef>
+          <a:effectRef idx="0">
+            <a:schemeClr val="accent1"/>
+          </a:effectRef>
+          <a:fontRef idx="minor">
+            <a:schemeClr val="tx1"/>
+          </a:fontRef>
+        </p:style>
+      </p:cxnSp>
+    </p:spTree>
+    <p:extLst>
+      <p:ext uri="{BB962C8B-B14F-4D97-AF65-F5344CB8AC3E}">
+        <p14:creationId xmlns:p14="http://schemas.microsoft.com/office/powerpoint/2010/main" val="552036898"/>
+      </p:ext>
+    </p:extLst>
+  </p:cSld>
+  <p:clrMapOvr>
+    <a:masterClrMapping/>
+  </p:clrMapOvr>
+</p:sld>
+</file>
+
+<file path=ppt/slides/slide7.xml><?xml version="1.0" encoding="utf-8"?>
+<p:sld xmlns:a="http://schemas.openxmlformats.org/drawingml/2006/main" xmlns:r="http://schemas.openxmlformats.org/officeDocument/2006/relationships" xmlns:p="http://schemas.openxmlformats.org/presentationml/2006/main">
+  <p:cSld>
+    <p:spTree>
+      <p:nvGrpSpPr>
+        <p:cNvPr id="1" name=""/>
+        <p:cNvGrpSpPr/>
+        <p:nvPr/>
+      </p:nvGrpSpPr>
+      <p:grpSpPr>
+        <a:xfrm>
+          <a:off x="0" y="0"/>
+          <a:ext cx="0" cy="0"/>
+          <a:chOff x="0" y="0"/>
+          <a:chExt cx="0" cy="0"/>
+        </a:xfrm>
+      </p:grpSpPr>
+      <p:sp>
+        <p:nvSpPr>
+          <p:cNvPr id="2" name="Title 1"/>
+          <p:cNvSpPr>
+            <a:spLocks noGrp="1"/>
+          </p:cNvSpPr>
+          <p:nvPr>
+            <p:ph type="title"/>
+          </p:nvPr>
+        </p:nvSpPr>
+        <p:spPr/>
+        <p:txBody>
+          <a:bodyPr/>
+          <a:lstStyle/>
+          <a:p>
+            <a:endParaRPr lang="en-US"/>
+          </a:p>
+        </p:txBody>
+      </p:sp>
+      <p:sp>
+        <p:nvSpPr>
+          <p:cNvPr id="4" name="Text Placeholder 3"/>
+          <p:cNvSpPr>
+            <a:spLocks noGrp="1"/>
+          </p:cNvSpPr>
+          <p:nvPr>
+            <p:ph type="body" sz="quarter" idx="10"/>
+          </p:nvPr>
+        </p:nvSpPr>
+        <p:spPr/>
+        <p:txBody>
+          <a:bodyPr/>
+          <a:lstStyle/>
+          <a:p>
+            <a:endParaRPr lang="en-US"/>
+          </a:p>
+        </p:txBody>
+      </p:sp>
+      <p:grpSp>
+        <p:nvGrpSpPr>
+          <p:cNvPr id="85" name="Group 84"/>
+          <p:cNvGrpSpPr/>
+          <p:nvPr/>
+        </p:nvGrpSpPr>
+        <p:grpSpPr>
+          <a:xfrm>
+            <a:off x="1164388" y="3832350"/>
+            <a:ext cx="8161423" cy="6366728"/>
+            <a:chOff x="1187835" y="2402134"/>
+            <a:chExt cx="8161423" cy="6366728"/>
+          </a:xfrm>
+        </p:grpSpPr>
+        <p:sp>
+          <p:nvSpPr>
+            <p:cNvPr id="5" name="Rectangle 4"/>
+            <p:cNvSpPr/>
+            <p:nvPr/>
+          </p:nvSpPr>
+          <p:spPr>
+            <a:xfrm>
+              <a:off x="4762772" y="3190237"/>
+              <a:ext cx="1781212" cy="519222"/>
+            </a:xfrm>
+            <a:prstGeom prst="rect">
+              <a:avLst/>
+            </a:prstGeom>
+            <a:solidFill>
+              <a:schemeClr val="accent6">
+                <a:lumMod val="20000"/>
+                <a:lumOff val="80000"/>
+              </a:schemeClr>
+            </a:solidFill>
+            <a:ln>
+              <a:noFill/>
+            </a:ln>
+          </p:spPr>
+          <p:style>
+            <a:lnRef idx="2">
+              <a:schemeClr val="accent1">
+                <a:shade val="50000"/>
+              </a:schemeClr>
+            </a:lnRef>
+            <a:fillRef idx="1">
+              <a:schemeClr val="accent1"/>
+            </a:fillRef>
+            <a:effectRef idx="0">
+              <a:schemeClr val="accent1"/>
+            </a:effectRef>
+            <a:fontRef idx="minor">
+              <a:schemeClr val="lt1"/>
+            </a:fontRef>
+          </p:style>
+          <p:txBody>
+            <a:bodyPr rtlCol="0" anchor="ctr"/>
+            <a:lstStyle/>
+            <a:p>
+              <a:pPr algn="ctr"/>
+              <a:r>
+                <a:rPr lang="en-US" sz="1600" dirty="0">
+                  <a:solidFill>
+                    <a:sysClr val="windowText" lastClr="000000"/>
+                  </a:solidFill>
+                  <a:latin typeface="Helvetica Neue" charset="0"/>
+                  <a:ea typeface="Helvetica Neue" charset="0"/>
+                  <a:cs typeface="Helvetica Neue" charset="0"/>
+                </a:rPr>
+                <a:t>Energy market</a:t>
+              </a:r>
+              <a:endParaRPr lang="en-US" sz="1600" dirty="0">
+                <a:solidFill>
+                  <a:sysClr val="windowText" lastClr="000000"/>
+                </a:solidFill>
+                <a:latin typeface="Helvetica Neue" charset="0"/>
+                <a:ea typeface="Helvetica Neue" charset="0"/>
+                <a:cs typeface="Helvetica Neue" charset="0"/>
+              </a:endParaRPr>
+            </a:p>
+          </p:txBody>
+        </p:sp>
+        <p:sp>
+          <p:nvSpPr>
+            <p:cNvPr id="8" name="Rectangle 7"/>
+            <p:cNvSpPr/>
+            <p:nvPr/>
+          </p:nvSpPr>
+          <p:spPr>
+            <a:xfrm>
+              <a:off x="2978470" y="4713486"/>
+              <a:ext cx="1781212" cy="519222"/>
+            </a:xfrm>
+            <a:prstGeom prst="rect">
+              <a:avLst/>
+            </a:prstGeom>
+            <a:solidFill>
+              <a:schemeClr val="accent6">
+                <a:lumMod val="20000"/>
+                <a:lumOff val="80000"/>
+              </a:schemeClr>
+            </a:solidFill>
+            <a:ln>
+              <a:noFill/>
+            </a:ln>
+          </p:spPr>
+          <p:style>
+            <a:lnRef idx="2">
+              <a:schemeClr val="accent1">
+                <a:shade val="50000"/>
+              </a:schemeClr>
+            </a:lnRef>
+            <a:fillRef idx="1">
+              <a:schemeClr val="accent1"/>
+            </a:fillRef>
+            <a:effectRef idx="0">
+              <a:schemeClr val="accent1"/>
+            </a:effectRef>
+            <a:fontRef idx="minor">
+              <a:schemeClr val="lt1"/>
+            </a:fontRef>
+          </p:style>
+          <p:txBody>
+            <a:bodyPr rtlCol="0" anchor="ctr"/>
+            <a:lstStyle/>
+            <a:p>
+              <a:pPr algn="ctr"/>
+              <a:r>
+                <a:rPr lang="en-US" sz="1600" dirty="0">
+                  <a:solidFill>
+                    <a:sysClr val="windowText" lastClr="000000"/>
+                  </a:solidFill>
+                  <a:latin typeface="Helvetica Neue" charset="0"/>
+                  <a:ea typeface="Helvetica Neue" charset="0"/>
+                  <a:cs typeface="Helvetica Neue" charset="0"/>
+                </a:rPr>
+                <a:t>Power pool</a:t>
+              </a:r>
+              <a:endParaRPr lang="en-US" sz="1600" dirty="0">
+                <a:solidFill>
+                  <a:sysClr val="windowText" lastClr="000000"/>
+                </a:solidFill>
+                <a:latin typeface="Helvetica Neue" charset="0"/>
+                <a:ea typeface="Helvetica Neue" charset="0"/>
+                <a:cs typeface="Helvetica Neue" charset="0"/>
+              </a:endParaRPr>
+            </a:p>
+          </p:txBody>
+        </p:sp>
+        <p:sp>
+          <p:nvSpPr>
+            <p:cNvPr id="9" name="Diamond 8"/>
+            <p:cNvSpPr/>
+            <p:nvPr/>
+          </p:nvSpPr>
+          <p:spPr>
+            <a:xfrm>
+              <a:off x="3550262" y="5414863"/>
+              <a:ext cx="637628" cy="362864"/>
+            </a:xfrm>
+            <a:prstGeom prst="diamond">
+              <a:avLst/>
+            </a:prstGeom>
+            <a:solidFill>
+              <a:schemeClr val="accent6"/>
+            </a:solidFill>
+            <a:ln>
+              <a:noFill/>
+            </a:ln>
+          </p:spPr>
+          <p:style>
+            <a:lnRef idx="2">
+              <a:schemeClr val="accent1">
+                <a:shade val="50000"/>
+              </a:schemeClr>
+            </a:lnRef>
+            <a:fillRef idx="1">
+              <a:schemeClr val="accent1"/>
+            </a:fillRef>
+            <a:effectRef idx="0">
+              <a:schemeClr val="accent1"/>
+            </a:effectRef>
+            <a:fontRef idx="minor">
+              <a:schemeClr val="lt1"/>
+            </a:fontRef>
+          </p:style>
+          <p:txBody>
+            <a:bodyPr rot="0" spcFirstLastPara="0" vertOverflow="overflow" horzOverflow="overflow" vert="horz" wrap="square" lIns="91440" tIns="45720" rIns="91440" bIns="45720" numCol="1" spcCol="0" rtlCol="0" fromWordArt="0" anchor="ctr" anchorCtr="0" forceAA="0" compatLnSpc="1">
+              <a:prstTxWarp prst="textNoShape">
+                <a:avLst/>
+              </a:prstTxWarp>
+              <a:noAutofit/>
+            </a:bodyPr>
+            <a:lstStyle/>
+            <a:p>
+              <a:pPr algn="ctr"/>
+              <a:endParaRPr lang="en-US"/>
+            </a:p>
+          </p:txBody>
+        </p:sp>
+        <p:sp>
+          <p:nvSpPr>
+            <p:cNvPr id="10" name="Rectangle 9"/>
+            <p:cNvSpPr/>
+            <p:nvPr/>
+          </p:nvSpPr>
+          <p:spPr>
+            <a:xfrm>
+              <a:off x="2945174" y="5690809"/>
+              <a:ext cx="1847804" cy="519222"/>
+            </a:xfrm>
+            <a:prstGeom prst="rect">
+              <a:avLst/>
+            </a:prstGeom>
+            <a:noFill/>
+            <a:ln>
+              <a:noFill/>
+            </a:ln>
+          </p:spPr>
+          <p:style>
+            <a:lnRef idx="2">
+              <a:schemeClr val="accent1">
+                <a:shade val="50000"/>
+              </a:schemeClr>
+            </a:lnRef>
+            <a:fillRef idx="1">
+              <a:schemeClr val="accent1"/>
+            </a:fillRef>
+            <a:effectRef idx="0">
+              <a:schemeClr val="accent1"/>
+            </a:effectRef>
+            <a:fontRef idx="minor">
+              <a:schemeClr val="lt1"/>
+            </a:fontRef>
+          </p:style>
+          <p:txBody>
+            <a:bodyPr rtlCol="0" anchor="ctr"/>
+            <a:lstStyle/>
+            <a:p>
+              <a:pPr algn="ctr"/>
+              <a:r>
+                <a:rPr lang="en-US" sz="1400">
+                  <a:solidFill>
+                    <a:sysClr val="windowText" lastClr="000000"/>
+                  </a:solidFill>
+                  <a:latin typeface="Helvetica Neue" charset="0"/>
+                  <a:ea typeface="Helvetica Neue" charset="0"/>
+                  <a:cs typeface="Helvetica Neue" charset="0"/>
+                </a:rPr>
+                <a:t>Is accessible?</a:t>
+              </a:r>
+              <a:endParaRPr lang="en-US" sz="1400" dirty="0">
+                <a:solidFill>
+                  <a:sysClr val="windowText" lastClr="000000"/>
+                </a:solidFill>
+                <a:latin typeface="Helvetica Neue" charset="0"/>
+                <a:ea typeface="Helvetica Neue" charset="0"/>
+                <a:cs typeface="Helvetica Neue" charset="0"/>
+              </a:endParaRPr>
+            </a:p>
+          </p:txBody>
+        </p:sp>
+        <p:sp>
+          <p:nvSpPr>
+            <p:cNvPr id="11" name="Rectangle 10"/>
+            <p:cNvSpPr/>
+            <p:nvPr/>
+          </p:nvSpPr>
+          <p:spPr>
+            <a:xfrm>
+              <a:off x="6497820" y="4731027"/>
+              <a:ext cx="1781212" cy="519222"/>
+            </a:xfrm>
+            <a:prstGeom prst="rect">
+              <a:avLst/>
+            </a:prstGeom>
+            <a:solidFill>
+              <a:schemeClr val="accent6">
+                <a:lumMod val="20000"/>
+                <a:lumOff val="80000"/>
+              </a:schemeClr>
+            </a:solidFill>
+            <a:ln>
+              <a:noFill/>
+            </a:ln>
+          </p:spPr>
+          <p:style>
+            <a:lnRef idx="2">
+              <a:schemeClr val="accent1">
+                <a:shade val="50000"/>
+              </a:schemeClr>
+            </a:lnRef>
+            <a:fillRef idx="1">
+              <a:schemeClr val="accent1"/>
+            </a:fillRef>
+            <a:effectRef idx="0">
+              <a:schemeClr val="accent1"/>
+            </a:effectRef>
+            <a:fontRef idx="minor">
+              <a:schemeClr val="lt1"/>
+            </a:fontRef>
+          </p:style>
+          <p:txBody>
+            <a:bodyPr rtlCol="0" anchor="ctr"/>
+            <a:lstStyle/>
+            <a:p>
+              <a:pPr algn="ctr"/>
+              <a:r>
+                <a:rPr lang="en-US" sz="1600" dirty="0">
+                  <a:solidFill>
+                    <a:sysClr val="windowText" lastClr="000000"/>
+                  </a:solidFill>
+                  <a:latin typeface="Helvetica Neue" charset="0"/>
+                  <a:ea typeface="Helvetica Neue" charset="0"/>
+                  <a:cs typeface="Helvetica Neue" charset="0"/>
+                </a:rPr>
+                <a:t>Power exchange</a:t>
+              </a:r>
+              <a:endParaRPr lang="en-US" sz="1600" dirty="0">
+                <a:solidFill>
+                  <a:sysClr val="windowText" lastClr="000000"/>
+                </a:solidFill>
+                <a:latin typeface="Helvetica Neue" charset="0"/>
+                <a:ea typeface="Helvetica Neue" charset="0"/>
+                <a:cs typeface="Helvetica Neue" charset="0"/>
+              </a:endParaRPr>
+            </a:p>
+          </p:txBody>
+        </p:sp>
+        <p:cxnSp>
+          <p:nvCxnSpPr>
+            <p:cNvPr id="12" name="Straight Arrow Connector 11"/>
+            <p:cNvCxnSpPr>
+              <a:stCxn id="8" idx="2"/>
+              <a:endCxn id="9" idx="0"/>
+            </p:cNvCxnSpPr>
+            <p:nvPr/>
+          </p:nvCxnSpPr>
+          <p:spPr>
+            <a:xfrm>
+              <a:off x="3869076" y="5232708"/>
+              <a:ext cx="0" cy="182155"/>
+            </a:xfrm>
+            <a:prstGeom prst="straightConnector1">
+              <a:avLst/>
+            </a:prstGeom>
+            <a:ln>
+              <a:solidFill>
+                <a:schemeClr val="accent6"/>
+              </a:solidFill>
+              <a:tailEnd type="triangle"/>
+            </a:ln>
+          </p:spPr>
+          <p:style>
+            <a:lnRef idx="1">
+              <a:schemeClr val="accent1"/>
+            </a:lnRef>
+            <a:fillRef idx="0">
+              <a:schemeClr val="accent1"/>
+            </a:fillRef>
+            <a:effectRef idx="0">
+              <a:schemeClr val="accent1"/>
+            </a:effectRef>
+            <a:fontRef idx="minor">
+              <a:schemeClr val="tx1"/>
+            </a:fontRef>
+          </p:style>
+        </p:cxnSp>
+        <p:sp>
+          <p:nvSpPr>
+            <p:cNvPr id="22" name="Rectangle 21"/>
+            <p:cNvSpPr/>
+            <p:nvPr/>
+          </p:nvSpPr>
+          <p:spPr>
+            <a:xfrm>
+              <a:off x="1187835" y="6188059"/>
+              <a:ext cx="3055332" cy="702586"/>
+            </a:xfrm>
+            <a:prstGeom prst="rect">
+              <a:avLst/>
+            </a:prstGeom>
+            <a:solidFill>
+              <a:schemeClr val="accent6">
+                <a:lumMod val="20000"/>
+                <a:lumOff val="80000"/>
+              </a:schemeClr>
+            </a:solidFill>
+            <a:ln>
+              <a:noFill/>
+            </a:ln>
+          </p:spPr>
+          <p:style>
+            <a:lnRef idx="2">
+              <a:schemeClr val="accent1">
+                <a:shade val="50000"/>
+              </a:schemeClr>
+            </a:lnRef>
+            <a:fillRef idx="1">
+              <a:schemeClr val="accent1"/>
+            </a:fillRef>
+            <a:effectRef idx="0">
+              <a:schemeClr val="accent1"/>
+            </a:effectRef>
+            <a:fontRef idx="minor">
+              <a:schemeClr val="lt1"/>
+            </a:fontRef>
+          </p:style>
+          <p:txBody>
+            <a:bodyPr rtlCol="0" anchor="ctr"/>
+            <a:lstStyle/>
+            <a:p>
+              <a:pPr algn="ctr"/>
+              <a:r>
+                <a:rPr lang="en-US" sz="1600" dirty="0">
+                  <a:solidFill>
+                    <a:sysClr val="windowText" lastClr="000000"/>
+                  </a:solidFill>
+                  <a:latin typeface="Helvetica Neue" charset="0"/>
+                  <a:ea typeface="Helvetica Neue" charset="0"/>
+                  <a:cs typeface="Helvetica Neue" charset="0"/>
+                </a:rPr>
+                <a:t>Indirect participation (in complement with existing load)</a:t>
+              </a:r>
+              <a:endParaRPr lang="en-US" sz="1600" dirty="0">
+                <a:solidFill>
+                  <a:sysClr val="windowText" lastClr="000000"/>
+                </a:solidFill>
+                <a:latin typeface="Helvetica Neue" charset="0"/>
+                <a:ea typeface="Helvetica Neue" charset="0"/>
+                <a:cs typeface="Helvetica Neue" charset="0"/>
+              </a:endParaRPr>
+            </a:p>
+          </p:txBody>
+        </p:sp>
+        <p:sp>
+          <p:nvSpPr>
+            <p:cNvPr id="24" name="Rectangle 23"/>
+            <p:cNvSpPr/>
+            <p:nvPr/>
+          </p:nvSpPr>
+          <p:spPr>
+            <a:xfrm>
+              <a:off x="5746634" y="6188059"/>
+              <a:ext cx="3564000" cy="519222"/>
+            </a:xfrm>
+            <a:prstGeom prst="rect">
+              <a:avLst/>
+            </a:prstGeom>
+            <a:solidFill>
+              <a:schemeClr val="accent6">
+                <a:lumMod val="20000"/>
+                <a:lumOff val="80000"/>
+              </a:schemeClr>
+            </a:solidFill>
+            <a:ln>
+              <a:noFill/>
+            </a:ln>
+          </p:spPr>
+          <p:style>
+            <a:lnRef idx="2">
+              <a:schemeClr val="accent1">
+                <a:shade val="50000"/>
+              </a:schemeClr>
+            </a:lnRef>
+            <a:fillRef idx="1">
+              <a:schemeClr val="accent1"/>
+            </a:fillRef>
+            <a:effectRef idx="0">
+              <a:schemeClr val="accent1"/>
+            </a:effectRef>
+            <a:fontRef idx="minor">
+              <a:schemeClr val="lt1"/>
+            </a:fontRef>
+          </p:style>
+          <p:txBody>
+            <a:bodyPr rtlCol="0" anchor="ctr"/>
+            <a:lstStyle/>
+            <a:p>
+              <a:pPr algn="ctr"/>
+              <a:r>
+                <a:rPr lang="en-US" sz="1600">
+                  <a:solidFill>
+                    <a:sysClr val="windowText" lastClr="000000"/>
+                  </a:solidFill>
+                  <a:latin typeface="Helvetica Neue" charset="0"/>
+                  <a:ea typeface="Helvetica Neue" charset="0"/>
+                  <a:cs typeface="Helvetica Neue" charset="0"/>
+                </a:rPr>
+                <a:t>Marketplaces</a:t>
+              </a:r>
+              <a:endParaRPr lang="en-US" sz="1600" dirty="0">
+                <a:solidFill>
+                  <a:sysClr val="windowText" lastClr="000000"/>
+                </a:solidFill>
+                <a:latin typeface="Helvetica Neue" charset="0"/>
+                <a:ea typeface="Helvetica Neue" charset="0"/>
+                <a:cs typeface="Helvetica Neue" charset="0"/>
+              </a:endParaRPr>
+            </a:p>
+          </p:txBody>
+        </p:sp>
+        <p:sp>
+          <p:nvSpPr>
+            <p:cNvPr id="25" name="Rectangle 24"/>
+            <p:cNvSpPr/>
+            <p:nvPr/>
+          </p:nvSpPr>
+          <p:spPr>
+            <a:xfrm>
+              <a:off x="5746634" y="6704588"/>
+              <a:ext cx="1188000" cy="519222"/>
+            </a:xfrm>
+            <a:prstGeom prst="rect">
+              <a:avLst/>
+            </a:prstGeom>
+            <a:noFill/>
+            <a:ln>
+              <a:solidFill>
+                <a:schemeClr val="accent6">
+                  <a:lumMod val="20000"/>
+                  <a:lumOff val="80000"/>
+                </a:schemeClr>
+              </a:solidFill>
+            </a:ln>
+          </p:spPr>
+          <p:style>
+            <a:lnRef idx="2">
+              <a:schemeClr val="accent1">
+                <a:shade val="50000"/>
+              </a:schemeClr>
+            </a:lnRef>
+            <a:fillRef idx="1">
+              <a:schemeClr val="accent1"/>
+            </a:fillRef>
+            <a:effectRef idx="0">
+              <a:schemeClr val="accent1"/>
+            </a:effectRef>
+            <a:fontRef idx="minor">
+              <a:schemeClr val="lt1"/>
+            </a:fontRef>
+          </p:style>
+          <p:txBody>
+            <a:bodyPr rtlCol="0" anchor="ctr"/>
+            <a:lstStyle/>
+            <a:p>
+              <a:pPr algn="ctr"/>
+              <a:r>
+                <a:rPr lang="en-US" sz="1600" dirty="0">
+                  <a:solidFill>
+                    <a:sysClr val="windowText" lastClr="000000"/>
+                  </a:solidFill>
+                  <a:latin typeface="Helvetica Neue" charset="0"/>
+                  <a:ea typeface="Helvetica Neue" charset="0"/>
+                  <a:cs typeface="Helvetica Neue" charset="0"/>
+                </a:rPr>
+                <a:t>Day-ahead</a:t>
+              </a:r>
+              <a:endParaRPr lang="en-US" sz="1600" dirty="0">
+                <a:solidFill>
+                  <a:sysClr val="windowText" lastClr="000000"/>
+                </a:solidFill>
+                <a:latin typeface="Helvetica Neue" charset="0"/>
+                <a:ea typeface="Helvetica Neue" charset="0"/>
+                <a:cs typeface="Helvetica Neue" charset="0"/>
+              </a:endParaRPr>
+            </a:p>
+          </p:txBody>
+        </p:sp>
+        <p:sp>
+          <p:nvSpPr>
+            <p:cNvPr id="26" name="Rectangle 25"/>
+            <p:cNvSpPr/>
+            <p:nvPr/>
+          </p:nvSpPr>
+          <p:spPr>
+            <a:xfrm>
+              <a:off x="6934634" y="6704588"/>
+              <a:ext cx="1188000" cy="519222"/>
+            </a:xfrm>
+            <a:prstGeom prst="rect">
+              <a:avLst/>
+            </a:prstGeom>
+            <a:noFill/>
+            <a:ln>
+              <a:solidFill>
+                <a:schemeClr val="accent6">
+                  <a:lumMod val="20000"/>
+                  <a:lumOff val="80000"/>
+                </a:schemeClr>
+              </a:solidFill>
+            </a:ln>
+          </p:spPr>
+          <p:style>
+            <a:lnRef idx="2">
+              <a:schemeClr val="accent1">
+                <a:shade val="50000"/>
+              </a:schemeClr>
+            </a:lnRef>
+            <a:fillRef idx="1">
+              <a:schemeClr val="accent1"/>
+            </a:fillRef>
+            <a:effectRef idx="0">
+              <a:schemeClr val="accent1"/>
+            </a:effectRef>
+            <a:fontRef idx="minor">
+              <a:schemeClr val="lt1"/>
+            </a:fontRef>
+          </p:style>
+          <p:txBody>
+            <a:bodyPr rtlCol="0" anchor="ctr"/>
+            <a:lstStyle/>
+            <a:p>
+              <a:pPr algn="ctr"/>
+              <a:r>
+                <a:rPr lang="en-US" sz="1600" dirty="0">
+                  <a:solidFill>
+                    <a:sysClr val="windowText" lastClr="000000"/>
+                  </a:solidFill>
+                  <a:latin typeface="Helvetica Neue" charset="0"/>
+                  <a:ea typeface="Helvetica Neue" charset="0"/>
+                  <a:cs typeface="Helvetica Neue" charset="0"/>
+                </a:rPr>
+                <a:t>Intra-day</a:t>
+              </a:r>
+              <a:endParaRPr lang="en-US" sz="1600" dirty="0">
+                <a:solidFill>
+                  <a:sysClr val="windowText" lastClr="000000"/>
+                </a:solidFill>
+                <a:latin typeface="Helvetica Neue" charset="0"/>
+                <a:ea typeface="Helvetica Neue" charset="0"/>
+                <a:cs typeface="Helvetica Neue" charset="0"/>
+              </a:endParaRPr>
+            </a:p>
+          </p:txBody>
+        </p:sp>
+        <p:sp>
+          <p:nvSpPr>
+            <p:cNvPr id="27" name="Rectangle 26"/>
+            <p:cNvSpPr/>
+            <p:nvPr/>
+          </p:nvSpPr>
+          <p:spPr>
+            <a:xfrm>
+              <a:off x="8122634" y="6704588"/>
+              <a:ext cx="1188000" cy="519222"/>
+            </a:xfrm>
+            <a:prstGeom prst="rect">
+              <a:avLst/>
+            </a:prstGeom>
+            <a:noFill/>
+            <a:ln>
+              <a:solidFill>
+                <a:schemeClr val="accent6">
+                  <a:lumMod val="20000"/>
+                  <a:lumOff val="80000"/>
+                </a:schemeClr>
+              </a:solidFill>
+            </a:ln>
+          </p:spPr>
+          <p:style>
+            <a:lnRef idx="2">
+              <a:schemeClr val="accent1">
+                <a:shade val="50000"/>
+              </a:schemeClr>
+            </a:lnRef>
+            <a:fillRef idx="1">
+              <a:schemeClr val="accent1"/>
+            </a:fillRef>
+            <a:effectRef idx="0">
+              <a:schemeClr val="accent1"/>
+            </a:effectRef>
+            <a:fontRef idx="minor">
+              <a:schemeClr val="lt1"/>
+            </a:fontRef>
+          </p:style>
+          <p:txBody>
+            <a:bodyPr rtlCol="0" anchor="ctr"/>
+            <a:lstStyle/>
+            <a:p>
+              <a:pPr algn="ctr"/>
+              <a:r>
+                <a:rPr lang="en-US" sz="1600" dirty="0">
+                  <a:solidFill>
+                    <a:sysClr val="windowText" lastClr="000000"/>
+                  </a:solidFill>
+                  <a:latin typeface="Helvetica Neue" charset="0"/>
+                  <a:ea typeface="Helvetica Neue" charset="0"/>
+                  <a:cs typeface="Helvetica Neue" charset="0"/>
+                </a:rPr>
+                <a:t>Real-time</a:t>
+              </a:r>
+              <a:endParaRPr lang="en-US" sz="1600" dirty="0">
+                <a:solidFill>
+                  <a:sysClr val="windowText" lastClr="000000"/>
+                </a:solidFill>
+                <a:latin typeface="Helvetica Neue" charset="0"/>
+                <a:ea typeface="Helvetica Neue" charset="0"/>
+                <a:cs typeface="Helvetica Neue" charset="0"/>
+              </a:endParaRPr>
+            </a:p>
+          </p:txBody>
+        </p:sp>
+        <p:cxnSp>
+          <p:nvCxnSpPr>
+            <p:cNvPr id="28" name="Straight Arrow Connector 27"/>
+            <p:cNvCxnSpPr>
+              <a:stCxn id="35" idx="0"/>
+              <a:endCxn id="5" idx="2"/>
+            </p:cNvCxnSpPr>
+            <p:nvPr/>
+          </p:nvCxnSpPr>
+          <p:spPr>
+            <a:xfrm flipV="1">
+              <a:off x="5653378" y="3709459"/>
+              <a:ext cx="0" cy="277463"/>
+            </a:xfrm>
+            <a:prstGeom prst="straightConnector1">
+              <a:avLst/>
+            </a:prstGeom>
+            <a:ln>
+              <a:solidFill>
+                <a:schemeClr val="accent6"/>
+              </a:solidFill>
+              <a:headEnd type="triangle"/>
+              <a:tailEnd type="none"/>
+            </a:ln>
+          </p:spPr>
+          <p:style>
+            <a:lnRef idx="1">
+              <a:schemeClr val="accent1"/>
+            </a:lnRef>
+            <a:fillRef idx="0">
+              <a:schemeClr val="accent1"/>
+            </a:fillRef>
+            <a:effectRef idx="0">
+              <a:schemeClr val="accent1"/>
+            </a:effectRef>
+            <a:fontRef idx="minor">
+              <a:schemeClr val="tx1"/>
+            </a:fontRef>
+          </p:style>
+        </p:cxnSp>
+        <p:sp>
+          <p:nvSpPr>
+            <p:cNvPr id="29" name="Hexagon 28"/>
+            <p:cNvSpPr/>
+            <p:nvPr/>
+          </p:nvSpPr>
+          <p:spPr>
+            <a:xfrm>
+              <a:off x="5749258" y="7470339"/>
+              <a:ext cx="3600000" cy="540000"/>
+            </a:xfrm>
+            <a:prstGeom prst="hexagon">
+              <a:avLst/>
+            </a:prstGeom>
+            <a:solidFill>
+              <a:schemeClr val="accent6"/>
+            </a:solidFill>
+            <a:ln>
+              <a:noFill/>
+            </a:ln>
+          </p:spPr>
+          <p:style>
+            <a:lnRef idx="2">
+              <a:schemeClr val="accent1">
+                <a:shade val="50000"/>
+              </a:schemeClr>
+            </a:lnRef>
+            <a:fillRef idx="1">
+              <a:schemeClr val="accent1"/>
+            </a:fillRef>
+            <a:effectRef idx="0">
+              <a:schemeClr val="accent1"/>
+            </a:effectRef>
+            <a:fontRef idx="minor">
+              <a:schemeClr val="lt1"/>
+            </a:fontRef>
+          </p:style>
+          <p:txBody>
+            <a:bodyPr rot="0" spcFirstLastPara="0" vertOverflow="overflow" horzOverflow="overflow" vert="horz" wrap="square" lIns="91440" tIns="45720" rIns="91440" bIns="45720" numCol="1" spcCol="0" rtlCol="0" fromWordArt="0" anchor="ctr" anchorCtr="0" forceAA="0" compatLnSpc="1">
+              <a:prstTxWarp prst="textNoShape">
+                <a:avLst/>
+              </a:prstTxWarp>
+              <a:noAutofit/>
+            </a:bodyPr>
+            <a:lstStyle/>
+            <a:p>
+              <a:pPr algn="ctr"/>
+              <a:r>
+                <a:rPr lang="en-US">
+                  <a:solidFill>
+                    <a:schemeClr val="bg1"/>
+                  </a:solidFill>
+                  <a:latin typeface="Helvetica Neue" charset="0"/>
+                  <a:ea typeface="Helvetica Neue" charset="0"/>
+                  <a:cs typeface="Helvetica Neue" charset="0"/>
+                </a:rPr>
+                <a:t>Pricing schemes</a:t>
+              </a:r>
+              <a:endParaRPr lang="en-US" dirty="0">
+                <a:solidFill>
+                  <a:schemeClr val="bg1"/>
+                </a:solidFill>
+                <a:latin typeface="Helvetica Neue" charset="0"/>
+                <a:ea typeface="Helvetica Neue" charset="0"/>
+                <a:cs typeface="Helvetica Neue" charset="0"/>
+              </a:endParaRPr>
+            </a:p>
+          </p:txBody>
+        </p:sp>
+        <p:sp>
+          <p:nvSpPr>
+            <p:cNvPr id="35" name="Diamond 34"/>
+            <p:cNvSpPr/>
+            <p:nvPr/>
+          </p:nvSpPr>
+          <p:spPr>
+            <a:xfrm>
+              <a:off x="5334564" y="3986922"/>
+              <a:ext cx="637628" cy="362864"/>
+            </a:xfrm>
+            <a:prstGeom prst="diamond">
+              <a:avLst/>
+            </a:prstGeom>
+            <a:solidFill>
+              <a:schemeClr val="accent6"/>
+            </a:solidFill>
+            <a:ln>
+              <a:noFill/>
+            </a:ln>
+          </p:spPr>
+          <p:style>
+            <a:lnRef idx="2">
+              <a:schemeClr val="accent1">
+                <a:shade val="50000"/>
+              </a:schemeClr>
+            </a:lnRef>
+            <a:fillRef idx="1">
+              <a:schemeClr val="accent1"/>
+            </a:fillRef>
+            <a:effectRef idx="0">
+              <a:schemeClr val="accent1"/>
+            </a:effectRef>
+            <a:fontRef idx="minor">
+              <a:schemeClr val="lt1"/>
+            </a:fontRef>
+          </p:style>
+          <p:txBody>
+            <a:bodyPr rot="0" spcFirstLastPara="0" vertOverflow="overflow" horzOverflow="overflow" vert="horz" wrap="square" lIns="91440" tIns="45720" rIns="91440" bIns="45720" numCol="1" spcCol="0" rtlCol="0" fromWordArt="0" anchor="ctr" anchorCtr="0" forceAA="0" compatLnSpc="1">
+              <a:prstTxWarp prst="textNoShape">
+                <a:avLst/>
+              </a:prstTxWarp>
+              <a:noAutofit/>
+            </a:bodyPr>
+            <a:lstStyle/>
+            <a:p>
+              <a:pPr algn="ctr"/>
+              <a:endParaRPr lang="en-US"/>
+            </a:p>
+          </p:txBody>
+        </p:sp>
+        <p:sp>
+          <p:nvSpPr>
+            <p:cNvPr id="38" name="Rectangle 37"/>
+            <p:cNvSpPr/>
+            <p:nvPr/>
+          </p:nvSpPr>
+          <p:spPr>
+            <a:xfrm>
+              <a:off x="4716608" y="4312439"/>
+              <a:ext cx="1847804" cy="519222"/>
+            </a:xfrm>
+            <a:prstGeom prst="rect">
+              <a:avLst/>
+            </a:prstGeom>
+            <a:noFill/>
+            <a:ln>
+              <a:noFill/>
+            </a:ln>
+          </p:spPr>
+          <p:style>
+            <a:lnRef idx="2">
+              <a:schemeClr val="accent1">
+                <a:shade val="50000"/>
+              </a:schemeClr>
+            </a:lnRef>
+            <a:fillRef idx="1">
+              <a:schemeClr val="accent1"/>
+            </a:fillRef>
+            <a:effectRef idx="0">
+              <a:schemeClr val="accent1"/>
+            </a:effectRef>
+            <a:fontRef idx="minor">
+              <a:schemeClr val="lt1"/>
+            </a:fontRef>
+          </p:style>
+          <p:txBody>
+            <a:bodyPr rtlCol="0" anchor="ctr"/>
+            <a:lstStyle/>
+            <a:p>
+              <a:pPr algn="ctr"/>
+              <a:r>
+                <a:rPr lang="en-US" sz="1400" dirty="0">
+                  <a:solidFill>
+                    <a:sysClr val="windowText" lastClr="000000"/>
+                  </a:solidFill>
+                  <a:latin typeface="Helvetica Neue" charset="0"/>
+                  <a:ea typeface="Helvetica Neue" charset="0"/>
+                  <a:cs typeface="Helvetica Neue" charset="0"/>
+                </a:rPr>
+                <a:t>Power pool or Power Exchange</a:t>
+              </a:r>
+              <a:endParaRPr lang="en-US" sz="1400" dirty="0">
+                <a:solidFill>
+                  <a:sysClr val="windowText" lastClr="000000"/>
+                </a:solidFill>
+                <a:latin typeface="Helvetica Neue" charset="0"/>
+                <a:ea typeface="Helvetica Neue" charset="0"/>
+                <a:cs typeface="Helvetica Neue" charset="0"/>
+              </a:endParaRPr>
+            </a:p>
+          </p:txBody>
+        </p:sp>
+        <p:cxnSp>
+          <p:nvCxnSpPr>
+            <p:cNvPr id="39" name="Straight Arrow Connector 38"/>
+            <p:cNvCxnSpPr/>
+            <p:nvPr/>
+          </p:nvCxnSpPr>
+          <p:spPr>
+            <a:xfrm flipH="1">
+              <a:off x="3869076" y="4160261"/>
+              <a:ext cx="3658770" cy="0"/>
+            </a:xfrm>
+            <a:prstGeom prst="straightConnector1">
+              <a:avLst/>
+            </a:prstGeom>
+            <a:ln>
+              <a:solidFill>
+                <a:schemeClr val="accent6"/>
+              </a:solidFill>
+              <a:tailEnd type="none"/>
+            </a:ln>
+          </p:spPr>
+          <p:style>
+            <a:lnRef idx="1">
+              <a:schemeClr val="accent1"/>
+            </a:lnRef>
+            <a:fillRef idx="0">
+              <a:schemeClr val="accent1"/>
+            </a:fillRef>
+            <a:effectRef idx="0">
+              <a:schemeClr val="accent1"/>
+            </a:effectRef>
+            <a:fontRef idx="minor">
+              <a:schemeClr val="tx1"/>
+            </a:fontRef>
+          </p:style>
+        </p:cxnSp>
+        <p:cxnSp>
+          <p:nvCxnSpPr>
+            <p:cNvPr id="43" name="Straight Arrow Connector 42"/>
+            <p:cNvCxnSpPr/>
+            <p:nvPr/>
+          </p:nvCxnSpPr>
+          <p:spPr>
+            <a:xfrm flipV="1">
+              <a:off x="3869076" y="4160261"/>
+              <a:ext cx="0" cy="544734"/>
+            </a:xfrm>
+            <a:prstGeom prst="straightConnector1">
+              <a:avLst/>
+            </a:prstGeom>
+            <a:ln>
+              <a:solidFill>
+                <a:schemeClr val="accent6"/>
+              </a:solidFill>
+              <a:headEnd type="triangle"/>
+              <a:tailEnd type="none"/>
+            </a:ln>
+          </p:spPr>
+          <p:style>
+            <a:lnRef idx="1">
+              <a:schemeClr val="accent1"/>
+            </a:lnRef>
+            <a:fillRef idx="0">
+              <a:schemeClr val="accent1"/>
+            </a:fillRef>
+            <a:effectRef idx="0">
+              <a:schemeClr val="accent1"/>
+            </a:effectRef>
+            <a:fontRef idx="minor">
+              <a:schemeClr val="tx1"/>
+            </a:fontRef>
+          </p:style>
+        </p:cxnSp>
+        <p:cxnSp>
+          <p:nvCxnSpPr>
+            <p:cNvPr id="45" name="Straight Arrow Connector 44"/>
+            <p:cNvCxnSpPr/>
+            <p:nvPr/>
+          </p:nvCxnSpPr>
+          <p:spPr>
+            <a:xfrm flipV="1">
+              <a:off x="7530522" y="4160261"/>
+              <a:ext cx="0" cy="544734"/>
+            </a:xfrm>
+            <a:prstGeom prst="straightConnector1">
+              <a:avLst/>
+            </a:prstGeom>
+            <a:ln>
+              <a:solidFill>
+                <a:schemeClr val="accent6"/>
+              </a:solidFill>
+              <a:headEnd type="triangle"/>
+              <a:tailEnd type="none"/>
+            </a:ln>
+          </p:spPr>
+          <p:style>
+            <a:lnRef idx="1">
+              <a:schemeClr val="accent1"/>
+            </a:lnRef>
+            <a:fillRef idx="0">
+              <a:schemeClr val="accent1"/>
+            </a:fillRef>
+            <a:effectRef idx="0">
+              <a:schemeClr val="accent1"/>
+            </a:effectRef>
+            <a:fontRef idx="minor">
+              <a:schemeClr val="tx1"/>
+            </a:fontRef>
+          </p:style>
+        </p:cxnSp>
+        <p:cxnSp>
+          <p:nvCxnSpPr>
+            <p:cNvPr id="55" name="Straight Arrow Connector 54"/>
+            <p:cNvCxnSpPr/>
+            <p:nvPr/>
+          </p:nvCxnSpPr>
+          <p:spPr>
+            <a:xfrm flipH="1">
+              <a:off x="2390336" y="5596295"/>
+              <a:ext cx="5137510" cy="0"/>
+            </a:xfrm>
+            <a:prstGeom prst="straightConnector1">
+              <a:avLst/>
+            </a:prstGeom>
+            <a:ln>
+              <a:solidFill>
+                <a:schemeClr val="accent6"/>
+              </a:solidFill>
+              <a:headEnd type="triangle"/>
+              <a:tailEnd type="none"/>
+            </a:ln>
+          </p:spPr>
+          <p:style>
+            <a:lnRef idx="1">
+              <a:schemeClr val="accent1"/>
+            </a:lnRef>
+            <a:fillRef idx="0">
+              <a:schemeClr val="accent1"/>
+            </a:fillRef>
+            <a:effectRef idx="0">
+              <a:schemeClr val="accent1"/>
+            </a:effectRef>
+            <a:fontRef idx="minor">
+              <a:schemeClr val="tx1"/>
+            </a:fontRef>
+          </p:style>
+        </p:cxnSp>
+        <p:cxnSp>
+          <p:nvCxnSpPr>
+            <p:cNvPr id="56" name="Straight Arrow Connector 55"/>
+            <p:cNvCxnSpPr/>
+            <p:nvPr/>
+          </p:nvCxnSpPr>
+          <p:spPr>
+            <a:xfrm flipV="1">
+              <a:off x="2386992" y="5609616"/>
+              <a:ext cx="0" cy="544734"/>
+            </a:xfrm>
+            <a:prstGeom prst="straightConnector1">
+              <a:avLst/>
+            </a:prstGeom>
+            <a:ln>
+              <a:solidFill>
+                <a:schemeClr val="accent6"/>
+              </a:solidFill>
+              <a:headEnd type="triangle"/>
+              <a:tailEnd type="none"/>
+            </a:ln>
+          </p:spPr>
+          <p:style>
+            <a:lnRef idx="1">
+              <a:schemeClr val="accent1"/>
+            </a:lnRef>
+            <a:fillRef idx="0">
+              <a:schemeClr val="accent1"/>
+            </a:fillRef>
+            <a:effectRef idx="0">
+              <a:schemeClr val="accent1"/>
+            </a:effectRef>
+            <a:fontRef idx="minor">
+              <a:schemeClr val="tx1"/>
+            </a:fontRef>
+          </p:style>
+        </p:cxnSp>
+        <p:cxnSp>
+          <p:nvCxnSpPr>
+            <p:cNvPr id="57" name="Straight Arrow Connector 56"/>
+            <p:cNvCxnSpPr/>
+            <p:nvPr/>
+          </p:nvCxnSpPr>
+          <p:spPr>
+            <a:xfrm flipV="1">
+              <a:off x="7527846" y="5229917"/>
+              <a:ext cx="0" cy="936000"/>
+            </a:xfrm>
+            <a:prstGeom prst="straightConnector1">
+              <a:avLst/>
+            </a:prstGeom>
+            <a:ln>
+              <a:solidFill>
+                <a:schemeClr val="accent6"/>
+              </a:solidFill>
+              <a:headEnd type="triangle"/>
+              <a:tailEnd type="none"/>
+            </a:ln>
+          </p:spPr>
+          <p:style>
+            <a:lnRef idx="1">
+              <a:schemeClr val="accent1"/>
+            </a:lnRef>
+            <a:fillRef idx="0">
+              <a:schemeClr val="accent1"/>
+            </a:fillRef>
+            <a:effectRef idx="0">
+              <a:schemeClr val="accent1"/>
+            </a:effectRef>
+            <a:fontRef idx="minor">
+              <a:schemeClr val="tx1"/>
+            </a:fontRef>
+          </p:style>
+        </p:cxnSp>
+        <p:sp>
+          <p:nvSpPr>
+            <p:cNvPr id="61" name="Rectangle 60"/>
+            <p:cNvSpPr/>
+            <p:nvPr/>
+          </p:nvSpPr>
+          <p:spPr>
+            <a:xfrm>
+              <a:off x="2596606" y="5210736"/>
+              <a:ext cx="993380" cy="519222"/>
+            </a:xfrm>
+            <a:prstGeom prst="rect">
+              <a:avLst/>
+            </a:prstGeom>
+            <a:noFill/>
+            <a:ln>
+              <a:noFill/>
+            </a:ln>
+          </p:spPr>
+          <p:style>
+            <a:lnRef idx="2">
+              <a:schemeClr val="accent1">
+                <a:shade val="50000"/>
+              </a:schemeClr>
+            </a:lnRef>
+            <a:fillRef idx="1">
+              <a:schemeClr val="accent1"/>
+            </a:fillRef>
+            <a:effectRef idx="0">
+              <a:schemeClr val="accent1"/>
+            </a:effectRef>
+            <a:fontRef idx="minor">
+              <a:schemeClr val="lt1"/>
+            </a:fontRef>
+          </p:style>
+          <p:txBody>
+            <a:bodyPr rtlCol="0" anchor="ctr"/>
+            <a:lstStyle/>
+            <a:p>
+              <a:pPr algn="ctr"/>
+              <a:r>
+                <a:rPr lang="en-US" sz="1400" dirty="0" smtClean="0">
+                  <a:solidFill>
+                    <a:sysClr val="windowText" lastClr="000000"/>
+                  </a:solidFill>
+                  <a:latin typeface="Helvetica Neue" charset="0"/>
+                  <a:ea typeface="Helvetica Neue" charset="0"/>
+                  <a:cs typeface="Helvetica Neue" charset="0"/>
+                </a:rPr>
+                <a:t>No</a:t>
+              </a:r>
+              <a:endParaRPr lang="en-US" sz="1400" dirty="0">
+                <a:solidFill>
+                  <a:sysClr val="windowText" lastClr="000000"/>
+                </a:solidFill>
+                <a:latin typeface="Helvetica Neue" charset="0"/>
+                <a:ea typeface="Helvetica Neue" charset="0"/>
+                <a:cs typeface="Helvetica Neue" charset="0"/>
+              </a:endParaRPr>
+            </a:p>
+          </p:txBody>
+        </p:sp>
+        <p:sp>
+          <p:nvSpPr>
+            <p:cNvPr id="62" name="Rectangle 61"/>
+            <p:cNvSpPr/>
+            <p:nvPr/>
+          </p:nvSpPr>
+          <p:spPr>
+            <a:xfrm>
+              <a:off x="4004233" y="5219624"/>
+              <a:ext cx="1011503" cy="510334"/>
+            </a:xfrm>
+            <a:prstGeom prst="rect">
+              <a:avLst/>
+            </a:prstGeom>
+            <a:noFill/>
+            <a:ln>
+              <a:noFill/>
+            </a:ln>
+          </p:spPr>
+          <p:style>
+            <a:lnRef idx="2">
+              <a:schemeClr val="accent1">
+                <a:shade val="50000"/>
+              </a:schemeClr>
+            </a:lnRef>
+            <a:fillRef idx="1">
+              <a:schemeClr val="accent1"/>
+            </a:fillRef>
+            <a:effectRef idx="0">
+              <a:schemeClr val="accent1"/>
+            </a:effectRef>
+            <a:fontRef idx="minor">
+              <a:schemeClr val="lt1"/>
+            </a:fontRef>
+          </p:style>
+          <p:txBody>
+            <a:bodyPr rtlCol="0" anchor="ctr"/>
+            <a:lstStyle/>
+            <a:p>
+              <a:pPr algn="ctr"/>
+              <a:r>
+                <a:rPr lang="en-US" sz="1400" smtClean="0">
+                  <a:solidFill>
+                    <a:sysClr val="windowText" lastClr="000000"/>
+                  </a:solidFill>
+                  <a:latin typeface="Helvetica Neue" charset="0"/>
+                  <a:ea typeface="Helvetica Neue" charset="0"/>
+                  <a:cs typeface="Helvetica Neue" charset="0"/>
+                </a:rPr>
+                <a:t>Yes</a:t>
+              </a:r>
+              <a:endParaRPr lang="en-US" sz="1400" dirty="0">
+                <a:solidFill>
+                  <a:sysClr val="windowText" lastClr="000000"/>
+                </a:solidFill>
+                <a:latin typeface="Helvetica Neue" charset="0"/>
+                <a:ea typeface="Helvetica Neue" charset="0"/>
+                <a:cs typeface="Helvetica Neue" charset="0"/>
+              </a:endParaRPr>
+            </a:p>
+          </p:txBody>
+        </p:sp>
+        <p:sp>
+          <p:nvSpPr>
+            <p:cNvPr id="63" name="Parallelogram 62"/>
+            <p:cNvSpPr/>
+            <p:nvPr/>
+          </p:nvSpPr>
+          <p:spPr>
+            <a:xfrm>
+              <a:off x="4339378" y="2402134"/>
+              <a:ext cx="2628000" cy="519222"/>
+            </a:xfrm>
+            <a:prstGeom prst="parallelogram">
+              <a:avLst/>
+            </a:prstGeom>
+            <a:solidFill>
+              <a:schemeClr val="accent6">
+                <a:lumMod val="50000"/>
+              </a:schemeClr>
+            </a:solidFill>
+            <a:ln>
+              <a:noFill/>
+            </a:ln>
+          </p:spPr>
+          <p:style>
+            <a:lnRef idx="2">
+              <a:schemeClr val="accent1">
+                <a:shade val="50000"/>
+              </a:schemeClr>
+            </a:lnRef>
+            <a:fillRef idx="1">
+              <a:schemeClr val="accent1"/>
+            </a:fillRef>
+            <a:effectRef idx="0">
+              <a:schemeClr val="accent1"/>
+            </a:effectRef>
+            <a:fontRef idx="minor">
+              <a:schemeClr val="lt1"/>
+            </a:fontRef>
+          </p:style>
+          <p:txBody>
+            <a:bodyPr rtlCol="0" anchor="ctr"/>
+            <a:lstStyle/>
+            <a:p>
+              <a:pPr algn="ctr"/>
+              <a:r>
+                <a:rPr lang="en-US" b="1" dirty="0" smtClean="0">
+                  <a:solidFill>
+                    <a:schemeClr val="bg1"/>
+                  </a:solidFill>
+                  <a:latin typeface="Helvetica Neue" charset="0"/>
+                  <a:ea typeface="Helvetica Neue" charset="0"/>
+                  <a:cs typeface="Helvetica Neue" charset="0"/>
+                </a:rPr>
+                <a:t>Certain Market &amp; Technology</a:t>
+              </a:r>
+              <a:endParaRPr lang="en-US" b="1" dirty="0">
+                <a:solidFill>
+                  <a:schemeClr val="bg1"/>
+                </a:solidFill>
+                <a:latin typeface="Helvetica Neue" charset="0"/>
+                <a:ea typeface="Helvetica Neue" charset="0"/>
+                <a:cs typeface="Helvetica Neue" charset="0"/>
+              </a:endParaRPr>
+            </a:p>
+          </p:txBody>
+        </p:sp>
+        <p:sp>
+          <p:nvSpPr>
+            <p:cNvPr id="64" name="Parallelogram 63"/>
+            <p:cNvSpPr/>
+            <p:nvPr/>
+          </p:nvSpPr>
+          <p:spPr>
+            <a:xfrm>
+              <a:off x="6235258" y="8249640"/>
+              <a:ext cx="2628000" cy="519222"/>
+            </a:xfrm>
+            <a:prstGeom prst="parallelogram">
+              <a:avLst/>
+            </a:prstGeom>
+            <a:solidFill>
+              <a:schemeClr val="accent6">
+                <a:lumMod val="50000"/>
+              </a:schemeClr>
+            </a:solidFill>
+            <a:ln>
+              <a:noFill/>
+            </a:ln>
+          </p:spPr>
+          <p:style>
+            <a:lnRef idx="2">
+              <a:schemeClr val="accent1">
+                <a:shade val="50000"/>
+              </a:schemeClr>
+            </a:lnRef>
+            <a:fillRef idx="1">
+              <a:schemeClr val="accent1"/>
+            </a:fillRef>
+            <a:effectRef idx="0">
+              <a:schemeClr val="accent1"/>
+            </a:effectRef>
+            <a:fontRef idx="minor">
+              <a:schemeClr val="lt1"/>
+            </a:fontRef>
+          </p:style>
+          <p:txBody>
+            <a:bodyPr rtlCol="0" anchor="ctr"/>
+            <a:lstStyle/>
+            <a:p>
+              <a:pPr algn="ctr"/>
+              <a:r>
+                <a:rPr lang="en-US" b="1" dirty="0" smtClean="0">
+                  <a:solidFill>
+                    <a:schemeClr val="bg1"/>
+                  </a:solidFill>
+                  <a:latin typeface="Helvetica Neue" charset="0"/>
+                  <a:ea typeface="Helvetica Neue" charset="0"/>
+                  <a:cs typeface="Helvetica Neue" charset="0"/>
+                </a:rPr>
+                <a:t>Qualitative analysis</a:t>
+              </a:r>
+              <a:endParaRPr lang="en-US" b="1" dirty="0">
+                <a:solidFill>
+                  <a:schemeClr val="bg1"/>
+                </a:solidFill>
+                <a:latin typeface="Helvetica Neue" charset="0"/>
+                <a:ea typeface="Helvetica Neue" charset="0"/>
+                <a:cs typeface="Helvetica Neue" charset="0"/>
+              </a:endParaRPr>
+            </a:p>
+          </p:txBody>
+        </p:sp>
+        <p:cxnSp>
+          <p:nvCxnSpPr>
+            <p:cNvPr id="67" name="Straight Arrow Connector 66"/>
+            <p:cNvCxnSpPr/>
+            <p:nvPr/>
+          </p:nvCxnSpPr>
+          <p:spPr>
+            <a:xfrm flipV="1">
+              <a:off x="6345036" y="7191213"/>
+              <a:ext cx="0" cy="277463"/>
+            </a:xfrm>
+            <a:prstGeom prst="straightConnector1">
+              <a:avLst/>
+            </a:prstGeom>
+            <a:ln>
+              <a:solidFill>
+                <a:schemeClr val="accent6"/>
+              </a:solidFill>
+              <a:headEnd type="triangle"/>
+              <a:tailEnd type="none"/>
+            </a:ln>
+          </p:spPr>
+          <p:style>
+            <a:lnRef idx="1">
+              <a:schemeClr val="accent1"/>
+            </a:lnRef>
+            <a:fillRef idx="0">
+              <a:schemeClr val="accent1"/>
+            </a:fillRef>
+            <a:effectRef idx="0">
+              <a:schemeClr val="accent1"/>
+            </a:effectRef>
+            <a:fontRef idx="minor">
+              <a:schemeClr val="tx1"/>
+            </a:fontRef>
+          </p:style>
+        </p:cxnSp>
+        <p:cxnSp>
+          <p:nvCxnSpPr>
+            <p:cNvPr id="68" name="Straight Arrow Connector 67"/>
+            <p:cNvCxnSpPr/>
+            <p:nvPr/>
+          </p:nvCxnSpPr>
+          <p:spPr>
+            <a:xfrm flipV="1">
+              <a:off x="7552512" y="7191213"/>
+              <a:ext cx="0" cy="277463"/>
+            </a:xfrm>
+            <a:prstGeom prst="straightConnector1">
+              <a:avLst/>
+            </a:prstGeom>
+            <a:ln>
+              <a:solidFill>
+                <a:schemeClr val="accent6"/>
+              </a:solidFill>
+              <a:headEnd type="triangle"/>
+              <a:tailEnd type="none"/>
+            </a:ln>
+          </p:spPr>
+          <p:style>
+            <a:lnRef idx="1">
+              <a:schemeClr val="accent1"/>
+            </a:lnRef>
+            <a:fillRef idx="0">
+              <a:schemeClr val="accent1"/>
+            </a:fillRef>
+            <a:effectRef idx="0">
+              <a:schemeClr val="accent1"/>
+            </a:effectRef>
+            <a:fontRef idx="minor">
+              <a:schemeClr val="tx1"/>
+            </a:fontRef>
+          </p:style>
+        </p:cxnSp>
+        <p:cxnSp>
+          <p:nvCxnSpPr>
+            <p:cNvPr id="69" name="Straight Arrow Connector 68"/>
+            <p:cNvCxnSpPr/>
+            <p:nvPr/>
+          </p:nvCxnSpPr>
+          <p:spPr>
+            <a:xfrm flipV="1">
+              <a:off x="8666203" y="7191213"/>
+              <a:ext cx="0" cy="277463"/>
+            </a:xfrm>
+            <a:prstGeom prst="straightConnector1">
+              <a:avLst/>
+            </a:prstGeom>
+            <a:ln>
+              <a:solidFill>
+                <a:schemeClr val="accent6"/>
+              </a:solidFill>
+              <a:headEnd type="triangle"/>
+              <a:tailEnd type="none"/>
+            </a:ln>
+          </p:spPr>
+          <p:style>
+            <a:lnRef idx="1">
+              <a:schemeClr val="accent1"/>
+            </a:lnRef>
+            <a:fillRef idx="0">
+              <a:schemeClr val="accent1"/>
+            </a:fillRef>
+            <a:effectRef idx="0">
+              <a:schemeClr val="accent1"/>
+            </a:effectRef>
+            <a:fontRef idx="minor">
+              <a:schemeClr val="tx1"/>
+            </a:fontRef>
+          </p:style>
+        </p:cxnSp>
+        <p:cxnSp>
+          <p:nvCxnSpPr>
+            <p:cNvPr id="70" name="Straight Arrow Connector 69"/>
+            <p:cNvCxnSpPr>
+              <a:stCxn id="5" idx="0"/>
+              <a:endCxn id="63" idx="4"/>
+            </p:cNvCxnSpPr>
+            <p:nvPr/>
+          </p:nvCxnSpPr>
+          <p:spPr>
+            <a:xfrm flipV="1">
+              <a:off x="5653378" y="2921356"/>
+              <a:ext cx="0" cy="268881"/>
+            </a:xfrm>
+            <a:prstGeom prst="straightConnector1">
+              <a:avLst/>
+            </a:prstGeom>
+            <a:ln>
+              <a:solidFill>
+                <a:schemeClr val="accent6"/>
+              </a:solidFill>
+              <a:headEnd type="triangle"/>
+              <a:tailEnd type="none"/>
+            </a:ln>
+          </p:spPr>
+          <p:style>
+            <a:lnRef idx="1">
+              <a:schemeClr val="accent1"/>
+            </a:lnRef>
+            <a:fillRef idx="0">
+              <a:schemeClr val="accent1"/>
+            </a:fillRef>
+            <a:effectRef idx="0">
+              <a:schemeClr val="accent1"/>
+            </a:effectRef>
+            <a:fontRef idx="minor">
+              <a:schemeClr val="tx1"/>
+            </a:fontRef>
+          </p:style>
+        </p:cxnSp>
+        <p:cxnSp>
+          <p:nvCxnSpPr>
+            <p:cNvPr id="84" name="Straight Arrow Connector 83"/>
+            <p:cNvCxnSpPr/>
+            <p:nvPr/>
+          </p:nvCxnSpPr>
+          <p:spPr>
+            <a:xfrm flipV="1">
+              <a:off x="7564236" y="7953209"/>
+              <a:ext cx="0" cy="277463"/>
+            </a:xfrm>
+            <a:prstGeom prst="straightConnector1">
+              <a:avLst/>
+            </a:prstGeom>
+            <a:ln>
+              <a:solidFill>
+                <a:schemeClr val="accent6"/>
+              </a:solidFill>
+              <a:headEnd type="triangle"/>
+              <a:tailEnd type="none"/>
+            </a:ln>
+          </p:spPr>
+          <p:style>
+            <a:lnRef idx="1">
+              <a:schemeClr val="accent1"/>
+            </a:lnRef>
+            <a:fillRef idx="0">
+              <a:schemeClr val="accent1"/>
+            </a:fillRef>
+            <a:effectRef idx="0">
+              <a:schemeClr val="accent1"/>
+            </a:effectRef>
+            <a:fontRef idx="minor">
+              <a:schemeClr val="tx1"/>
+            </a:fontRef>
+          </p:style>
+        </p:cxnSp>
+      </p:grpSp>
+    </p:spTree>
+    <p:extLst>
+      <p:ext uri="{BB962C8B-B14F-4D97-AF65-F5344CB8AC3E}">
+        <p14:creationId xmlns:p14="http://schemas.microsoft.com/office/powerpoint/2010/main" val="998190620"/>
+      </p:ext>
+    </p:extLst>
+  </p:cSld>
+  <p:clrMapOvr>
+    <a:masterClrMapping/>
+  </p:clrMapOvr>
+</p:sld>
+</file>
+
+<file path=ppt/slides/slide8.xml><?xml version="1.0" encoding="utf-8"?>
+<p:sld xmlns:a="http://schemas.openxmlformats.org/drawingml/2006/main" xmlns:r="http://schemas.openxmlformats.org/officeDocument/2006/relationships" xmlns:p="http://schemas.openxmlformats.org/presentationml/2006/main">
+  <p:cSld>
+    <p:spTree>
+      <p:nvGrpSpPr>
+        <p:cNvPr id="1" name=""/>
+        <p:cNvGrpSpPr/>
+        <p:nvPr/>
+      </p:nvGrpSpPr>
+      <p:grpSpPr>
+        <a:xfrm>
+          <a:off x="0" y="0"/>
+          <a:ext cx="0" cy="0"/>
+          <a:chOff x="0" y="0"/>
+          <a:chExt cx="0" cy="0"/>
+        </a:xfrm>
+      </p:grpSpPr>
+      <p:sp>
+        <p:nvSpPr>
+          <p:cNvPr id="2" name="Title 1"/>
+          <p:cNvSpPr>
+            <a:spLocks noGrp="1"/>
+          </p:cNvSpPr>
+          <p:nvPr>
+            <p:ph type="title"/>
+          </p:nvPr>
+        </p:nvSpPr>
+        <p:spPr/>
+        <p:txBody>
+          <a:bodyPr/>
+          <a:lstStyle/>
+          <a:p>
+            <a:endParaRPr lang="en-US"/>
+          </a:p>
+        </p:txBody>
+      </p:sp>
+      <p:sp>
+        <p:nvSpPr>
+          <p:cNvPr id="4" name="Text Placeholder 3"/>
+          <p:cNvSpPr>
+            <a:spLocks noGrp="1"/>
+          </p:cNvSpPr>
+          <p:nvPr>
+            <p:ph type="body" sz="quarter" idx="10"/>
+          </p:nvPr>
+        </p:nvSpPr>
+        <p:spPr/>
+        <p:txBody>
+          <a:bodyPr/>
+          <a:lstStyle/>
+          <a:p>
+            <a:endParaRPr lang="en-US"/>
+          </a:p>
+        </p:txBody>
+      </p:sp>
+      <p:grpSp>
+        <p:nvGrpSpPr>
+          <p:cNvPr id="54" name="Group 53"/>
+          <p:cNvGrpSpPr/>
+          <p:nvPr/>
+        </p:nvGrpSpPr>
+        <p:grpSpPr>
+          <a:xfrm>
+            <a:off x="1141339" y="3128965"/>
+            <a:ext cx="10717628" cy="6793814"/>
+            <a:chOff x="1141339" y="3128965"/>
+            <a:chExt cx="10717628" cy="6793814"/>
+          </a:xfrm>
+        </p:grpSpPr>
+        <p:sp>
+          <p:nvSpPr>
+            <p:cNvPr id="5" name="Rectangle 4"/>
+            <p:cNvSpPr/>
+            <p:nvPr/>
+          </p:nvSpPr>
+          <p:spPr>
+            <a:xfrm>
+              <a:off x="5230332" y="3917068"/>
+              <a:ext cx="2628000" cy="540000"/>
+            </a:xfrm>
+            <a:prstGeom prst="rect">
+              <a:avLst/>
+            </a:prstGeom>
+            <a:solidFill>
+              <a:schemeClr val="accent6">
+                <a:lumMod val="20000"/>
+                <a:lumOff val="80000"/>
+              </a:schemeClr>
+            </a:solidFill>
+            <a:ln>
+              <a:noFill/>
+            </a:ln>
+          </p:spPr>
+          <p:style>
+            <a:lnRef idx="2">
+              <a:schemeClr val="accent1">
+                <a:shade val="50000"/>
+              </a:schemeClr>
+            </a:lnRef>
+            <a:fillRef idx="1">
+              <a:schemeClr val="accent1"/>
+            </a:fillRef>
+            <a:effectRef idx="0">
+              <a:schemeClr val="accent1"/>
+            </a:effectRef>
+            <a:fontRef idx="minor">
+              <a:schemeClr val="lt1"/>
+            </a:fontRef>
+          </p:style>
+          <p:txBody>
+            <a:bodyPr rtlCol="0" anchor="ctr"/>
+            <a:lstStyle/>
+            <a:p>
+              <a:pPr algn="ctr"/>
+              <a:r>
+                <a:rPr lang="en-US" sz="1600" smtClean="0">
+                  <a:solidFill>
+                    <a:sysClr val="windowText" lastClr="000000"/>
+                  </a:solidFill>
+                  <a:latin typeface="Helvetica Neue" charset="0"/>
+                  <a:ea typeface="Helvetica Neue" charset="0"/>
+                  <a:cs typeface="Helvetica Neue" charset="0"/>
+                </a:rPr>
+                <a:t>Frequency </a:t>
+              </a:r>
+              <a:r>
+                <a:rPr lang="en-US" sz="1600" dirty="0" smtClean="0">
+                  <a:solidFill>
+                    <a:sysClr val="windowText" lastClr="000000"/>
+                  </a:solidFill>
+                  <a:latin typeface="Helvetica Neue" charset="0"/>
+                  <a:ea typeface="Helvetica Neue" charset="0"/>
+                  <a:cs typeface="Helvetica Neue" charset="0"/>
+                </a:rPr>
+                <a:t>control </a:t>
+              </a:r>
+              <a:r>
+                <a:rPr lang="en-US" sz="1600" smtClean="0">
+                  <a:solidFill>
+                    <a:sysClr val="windowText" lastClr="000000"/>
+                  </a:solidFill>
+                  <a:latin typeface="Helvetica Neue" charset="0"/>
+                  <a:ea typeface="Helvetica Neue" charset="0"/>
+                  <a:cs typeface="Helvetica Neue" charset="0"/>
+                </a:rPr>
+                <a:t>ancillary service market</a:t>
+              </a:r>
+              <a:endParaRPr lang="en-US" sz="1600" dirty="0">
+                <a:solidFill>
+                  <a:sysClr val="windowText" lastClr="000000"/>
+                </a:solidFill>
+                <a:latin typeface="Helvetica Neue" charset="0"/>
+                <a:ea typeface="Helvetica Neue" charset="0"/>
+                <a:cs typeface="Helvetica Neue" charset="0"/>
+              </a:endParaRPr>
+            </a:p>
+          </p:txBody>
+        </p:sp>
+        <p:sp>
+          <p:nvSpPr>
+            <p:cNvPr id="8" name="Rectangle 7"/>
+            <p:cNvSpPr/>
+            <p:nvPr/>
+          </p:nvSpPr>
+          <p:spPr>
+            <a:xfrm>
+              <a:off x="3449120" y="7768497"/>
+              <a:ext cx="1781212" cy="519222"/>
+            </a:xfrm>
+            <a:prstGeom prst="rect">
+              <a:avLst/>
+            </a:prstGeom>
+            <a:solidFill>
+              <a:schemeClr val="accent6">
+                <a:lumMod val="20000"/>
+                <a:lumOff val="80000"/>
+              </a:schemeClr>
+            </a:solidFill>
+            <a:ln>
+              <a:noFill/>
+            </a:ln>
+          </p:spPr>
+          <p:style>
+            <a:lnRef idx="2">
+              <a:schemeClr val="accent1">
+                <a:shade val="50000"/>
+              </a:schemeClr>
+            </a:lnRef>
+            <a:fillRef idx="1">
+              <a:schemeClr val="accent1"/>
+            </a:fillRef>
+            <a:effectRef idx="0">
+              <a:schemeClr val="accent1"/>
+            </a:effectRef>
+            <a:fontRef idx="minor">
+              <a:schemeClr val="lt1"/>
+            </a:fontRef>
+          </p:style>
+          <p:txBody>
+            <a:bodyPr rtlCol="0" anchor="ctr"/>
+            <a:lstStyle/>
+            <a:p>
+              <a:pPr algn="ctr"/>
+              <a:r>
+                <a:rPr lang="en-US" sz="1600" dirty="0" smtClean="0">
+                  <a:solidFill>
+                    <a:sysClr val="windowText" lastClr="000000"/>
+                  </a:solidFill>
+                  <a:latin typeface="Helvetica Neue" charset="0"/>
+                  <a:ea typeface="Helvetica Neue" charset="0"/>
+                  <a:cs typeface="Helvetica Neue" charset="0"/>
+                </a:rPr>
+                <a:t>Centralized</a:t>
+              </a:r>
+              <a:endParaRPr lang="en-US" sz="1600" dirty="0">
+                <a:solidFill>
+                  <a:sysClr val="windowText" lastClr="000000"/>
+                </a:solidFill>
+                <a:latin typeface="Helvetica Neue" charset="0"/>
+                <a:ea typeface="Helvetica Neue" charset="0"/>
+                <a:cs typeface="Helvetica Neue" charset="0"/>
+              </a:endParaRPr>
+            </a:p>
+          </p:txBody>
+        </p:sp>
+        <p:sp>
+          <p:nvSpPr>
+            <p:cNvPr id="11" name="Rectangle 10"/>
+            <p:cNvSpPr/>
+            <p:nvPr/>
+          </p:nvSpPr>
+          <p:spPr>
+            <a:xfrm>
+              <a:off x="7858332" y="7786038"/>
+              <a:ext cx="1781212" cy="519222"/>
+            </a:xfrm>
+            <a:prstGeom prst="rect">
+              <a:avLst/>
+            </a:prstGeom>
+            <a:solidFill>
+              <a:schemeClr val="accent6">
+                <a:lumMod val="20000"/>
+                <a:lumOff val="80000"/>
+              </a:schemeClr>
+            </a:solidFill>
+            <a:ln>
+              <a:noFill/>
+            </a:ln>
+          </p:spPr>
+          <p:style>
+            <a:lnRef idx="2">
+              <a:schemeClr val="accent1">
+                <a:shade val="50000"/>
+              </a:schemeClr>
+            </a:lnRef>
+            <a:fillRef idx="1">
+              <a:schemeClr val="accent1"/>
+            </a:fillRef>
+            <a:effectRef idx="0">
+              <a:schemeClr val="accent1"/>
+            </a:effectRef>
+            <a:fontRef idx="minor">
+              <a:schemeClr val="lt1"/>
+            </a:fontRef>
+          </p:style>
+          <p:txBody>
+            <a:bodyPr rtlCol="0" anchor="ctr"/>
+            <a:lstStyle/>
+            <a:p>
+              <a:pPr algn="ctr"/>
+              <a:r>
+                <a:rPr lang="en-US" sz="1600" dirty="0" smtClean="0">
+                  <a:solidFill>
+                    <a:sysClr val="windowText" lastClr="000000"/>
+                  </a:solidFill>
+                  <a:latin typeface="Helvetica Neue" charset="0"/>
+                  <a:ea typeface="Helvetica Neue" charset="0"/>
+                  <a:cs typeface="Helvetica Neue" charset="0"/>
+                </a:rPr>
+                <a:t>Decentralized</a:t>
+              </a:r>
+              <a:endParaRPr lang="en-US" sz="1600" dirty="0">
+                <a:solidFill>
+                  <a:sysClr val="windowText" lastClr="000000"/>
+                </a:solidFill>
+                <a:latin typeface="Helvetica Neue" charset="0"/>
+                <a:ea typeface="Helvetica Neue" charset="0"/>
+                <a:cs typeface="Helvetica Neue" charset="0"/>
+              </a:endParaRPr>
+            </a:p>
+          </p:txBody>
+        </p:sp>
+        <p:sp>
+          <p:nvSpPr>
+            <p:cNvPr id="24" name="Rectangle 23"/>
+            <p:cNvSpPr/>
+            <p:nvPr/>
+          </p:nvSpPr>
+          <p:spPr>
+            <a:xfrm>
+              <a:off x="4714947" y="4664338"/>
+              <a:ext cx="3564000" cy="519222"/>
+            </a:xfrm>
+            <a:prstGeom prst="rect">
+              <a:avLst/>
+            </a:prstGeom>
+            <a:solidFill>
+              <a:schemeClr val="accent6">
+                <a:lumMod val="20000"/>
+                <a:lumOff val="80000"/>
+              </a:schemeClr>
+            </a:solidFill>
+            <a:ln>
+              <a:noFill/>
+            </a:ln>
+          </p:spPr>
+          <p:style>
+            <a:lnRef idx="2">
+              <a:schemeClr val="accent1">
+                <a:shade val="50000"/>
+              </a:schemeClr>
+            </a:lnRef>
+            <a:fillRef idx="1">
+              <a:schemeClr val="accent1"/>
+            </a:fillRef>
+            <a:effectRef idx="0">
+              <a:schemeClr val="accent1"/>
+            </a:effectRef>
+            <a:fontRef idx="minor">
+              <a:schemeClr val="lt1"/>
+            </a:fontRef>
+          </p:style>
+          <p:txBody>
+            <a:bodyPr rtlCol="0" anchor="ctr"/>
+            <a:lstStyle/>
+            <a:p>
+              <a:pPr algn="ctr"/>
+              <a:r>
+                <a:rPr lang="en-US" sz="1600" dirty="0">
+                  <a:solidFill>
+                    <a:sysClr val="windowText" lastClr="000000"/>
+                  </a:solidFill>
+                  <a:latin typeface="Helvetica Neue" charset="0"/>
+                  <a:ea typeface="Helvetica Neue" charset="0"/>
+                  <a:cs typeface="Helvetica Neue" charset="0"/>
+                </a:rPr>
+                <a:t>Marketplaces</a:t>
+              </a:r>
+              <a:endParaRPr lang="en-US" sz="1600" dirty="0">
+                <a:solidFill>
+                  <a:sysClr val="windowText" lastClr="000000"/>
+                </a:solidFill>
+                <a:latin typeface="Helvetica Neue" charset="0"/>
+                <a:ea typeface="Helvetica Neue" charset="0"/>
+                <a:cs typeface="Helvetica Neue" charset="0"/>
+              </a:endParaRPr>
+            </a:p>
+          </p:txBody>
+        </p:sp>
+        <p:sp>
+          <p:nvSpPr>
+            <p:cNvPr id="25" name="Rectangle 24"/>
+            <p:cNvSpPr/>
+            <p:nvPr/>
+          </p:nvSpPr>
+          <p:spPr>
+            <a:xfrm>
+              <a:off x="4714947" y="5180867"/>
+              <a:ext cx="900000" cy="519222"/>
+            </a:xfrm>
+            <a:prstGeom prst="rect">
+              <a:avLst/>
+            </a:prstGeom>
+            <a:noFill/>
+            <a:ln>
+              <a:solidFill>
+                <a:schemeClr val="accent6">
+                  <a:lumMod val="20000"/>
+                  <a:lumOff val="80000"/>
+                </a:schemeClr>
+              </a:solidFill>
+            </a:ln>
+          </p:spPr>
+          <p:style>
+            <a:lnRef idx="2">
+              <a:schemeClr val="accent1">
+                <a:shade val="50000"/>
+              </a:schemeClr>
+            </a:lnRef>
+            <a:fillRef idx="1">
+              <a:schemeClr val="accent1"/>
+            </a:fillRef>
+            <a:effectRef idx="0">
+              <a:schemeClr val="accent1"/>
+            </a:effectRef>
+            <a:fontRef idx="minor">
+              <a:schemeClr val="lt1"/>
+            </a:fontRef>
+          </p:style>
+          <p:txBody>
+            <a:bodyPr rtlCol="0" anchor="ctr"/>
+            <a:lstStyle/>
+            <a:p>
+              <a:pPr algn="ctr"/>
+              <a:r>
+                <a:rPr lang="en-US" sz="1600" dirty="0" smtClean="0">
+                  <a:solidFill>
+                    <a:sysClr val="windowText" lastClr="000000"/>
+                  </a:solidFill>
+                  <a:latin typeface="Helvetica Neue" charset="0"/>
+                  <a:ea typeface="Helvetica Neue" charset="0"/>
+                  <a:cs typeface="Helvetica Neue" charset="0"/>
+                </a:rPr>
+                <a:t>PCR</a:t>
+              </a:r>
+              <a:endParaRPr lang="en-US" sz="1600" dirty="0">
+                <a:solidFill>
+                  <a:sysClr val="windowText" lastClr="000000"/>
+                </a:solidFill>
+                <a:latin typeface="Helvetica Neue" charset="0"/>
+                <a:ea typeface="Helvetica Neue" charset="0"/>
+                <a:cs typeface="Helvetica Neue" charset="0"/>
+              </a:endParaRPr>
+            </a:p>
+          </p:txBody>
+        </p:sp>
+        <p:sp>
+          <p:nvSpPr>
+            <p:cNvPr id="26" name="Rectangle 25"/>
+            <p:cNvSpPr/>
+            <p:nvPr/>
+          </p:nvSpPr>
+          <p:spPr>
+            <a:xfrm>
+              <a:off x="5620825" y="5180867"/>
+              <a:ext cx="900000" cy="519222"/>
+            </a:xfrm>
+            <a:prstGeom prst="rect">
+              <a:avLst/>
+            </a:prstGeom>
+            <a:noFill/>
+            <a:ln>
+              <a:solidFill>
+                <a:schemeClr val="accent6">
+                  <a:lumMod val="20000"/>
+                  <a:lumOff val="80000"/>
+                </a:schemeClr>
+              </a:solidFill>
+            </a:ln>
+          </p:spPr>
+          <p:style>
+            <a:lnRef idx="2">
+              <a:schemeClr val="accent1">
+                <a:shade val="50000"/>
+              </a:schemeClr>
+            </a:lnRef>
+            <a:fillRef idx="1">
+              <a:schemeClr val="accent1"/>
+            </a:fillRef>
+            <a:effectRef idx="0">
+              <a:schemeClr val="accent1"/>
+            </a:effectRef>
+            <a:fontRef idx="minor">
+              <a:schemeClr val="lt1"/>
+            </a:fontRef>
+          </p:style>
+          <p:txBody>
+            <a:bodyPr rtlCol="0" anchor="ctr"/>
+            <a:lstStyle/>
+            <a:p>
+              <a:pPr algn="ctr"/>
+              <a:r>
+                <a:rPr lang="en-US" sz="1600" dirty="0" smtClean="0">
+                  <a:solidFill>
+                    <a:sysClr val="windowText" lastClr="000000"/>
+                  </a:solidFill>
+                  <a:latin typeface="Helvetica Neue" charset="0"/>
+                  <a:ea typeface="Helvetica Neue" charset="0"/>
+                  <a:cs typeface="Helvetica Neue" charset="0"/>
+                </a:rPr>
+                <a:t>FCR</a:t>
+              </a:r>
+              <a:endParaRPr lang="en-US" sz="1600" dirty="0">
+                <a:solidFill>
+                  <a:sysClr val="windowText" lastClr="000000"/>
+                </a:solidFill>
+                <a:latin typeface="Helvetica Neue" charset="0"/>
+                <a:ea typeface="Helvetica Neue" charset="0"/>
+                <a:cs typeface="Helvetica Neue" charset="0"/>
+              </a:endParaRPr>
+            </a:p>
+          </p:txBody>
+        </p:sp>
+        <p:sp>
+          <p:nvSpPr>
+            <p:cNvPr id="27" name="Rectangle 26"/>
+            <p:cNvSpPr/>
+            <p:nvPr/>
+          </p:nvSpPr>
+          <p:spPr>
+            <a:xfrm>
+              <a:off x="6520825" y="5183560"/>
+              <a:ext cx="1758122" cy="516529"/>
+            </a:xfrm>
+            <a:prstGeom prst="rect">
+              <a:avLst/>
+            </a:prstGeom>
+            <a:noFill/>
+            <a:ln>
+              <a:solidFill>
+                <a:schemeClr val="accent6">
+                  <a:lumMod val="20000"/>
+                  <a:lumOff val="80000"/>
+                </a:schemeClr>
+              </a:solidFill>
+            </a:ln>
+          </p:spPr>
+          <p:style>
+            <a:lnRef idx="2">
+              <a:schemeClr val="accent1">
+                <a:shade val="50000"/>
+              </a:schemeClr>
+            </a:lnRef>
+            <a:fillRef idx="1">
+              <a:schemeClr val="accent1"/>
+            </a:fillRef>
+            <a:effectRef idx="0">
+              <a:schemeClr val="accent1"/>
+            </a:effectRef>
+            <a:fontRef idx="minor">
+              <a:schemeClr val="lt1"/>
+            </a:fontRef>
+          </p:style>
+          <p:txBody>
+            <a:bodyPr rtlCol="0" anchor="ctr"/>
+            <a:lstStyle/>
+            <a:p>
+              <a:pPr algn="ctr"/>
+              <a:r>
+                <a:rPr lang="en-US" sz="1600" dirty="0" smtClean="0">
+                  <a:solidFill>
+                    <a:sysClr val="windowText" lastClr="000000"/>
+                  </a:solidFill>
+                  <a:latin typeface="Helvetica Neue" charset="0"/>
+                  <a:ea typeface="Helvetica Neue" charset="0"/>
+                  <a:cs typeface="Helvetica Neue" charset="0"/>
+                </a:rPr>
+                <a:t>Various terminologies</a:t>
+              </a:r>
+              <a:endParaRPr lang="en-US" sz="1600" dirty="0">
+                <a:solidFill>
+                  <a:sysClr val="windowText" lastClr="000000"/>
+                </a:solidFill>
+                <a:latin typeface="Helvetica Neue" charset="0"/>
+                <a:ea typeface="Helvetica Neue" charset="0"/>
+                <a:cs typeface="Helvetica Neue" charset="0"/>
+              </a:endParaRPr>
+            </a:p>
+          </p:txBody>
+        </p:sp>
+        <p:sp>
+          <p:nvSpPr>
+            <p:cNvPr id="35" name="Diamond 34"/>
+            <p:cNvSpPr/>
+            <p:nvPr/>
+          </p:nvSpPr>
+          <p:spPr>
+            <a:xfrm>
+              <a:off x="6202011" y="6446205"/>
+              <a:ext cx="637628" cy="362864"/>
+            </a:xfrm>
+            <a:prstGeom prst="diamond">
+              <a:avLst/>
+            </a:prstGeom>
+            <a:solidFill>
+              <a:schemeClr val="accent6"/>
+            </a:solidFill>
+            <a:ln>
+              <a:noFill/>
+            </a:ln>
+          </p:spPr>
+          <p:style>
+            <a:lnRef idx="2">
+              <a:schemeClr val="accent1">
+                <a:shade val="50000"/>
+              </a:schemeClr>
+            </a:lnRef>
+            <a:fillRef idx="1">
+              <a:schemeClr val="accent1"/>
+            </a:fillRef>
+            <a:effectRef idx="0">
+              <a:schemeClr val="accent1"/>
+            </a:effectRef>
+            <a:fontRef idx="minor">
+              <a:schemeClr val="lt1"/>
+            </a:fontRef>
+          </p:style>
+          <p:txBody>
+            <a:bodyPr rot="0" spcFirstLastPara="0" vertOverflow="overflow" horzOverflow="overflow" vert="horz" wrap="square" lIns="91440" tIns="45720" rIns="91440" bIns="45720" numCol="1" spcCol="0" rtlCol="0" fromWordArt="0" anchor="ctr" anchorCtr="0" forceAA="0" compatLnSpc="1">
+              <a:prstTxWarp prst="textNoShape">
+                <a:avLst/>
+              </a:prstTxWarp>
+              <a:noAutofit/>
+            </a:bodyPr>
+            <a:lstStyle/>
+            <a:p>
+              <a:pPr algn="ctr"/>
+              <a:endParaRPr lang="en-US"/>
+            </a:p>
+          </p:txBody>
+        </p:sp>
+        <p:sp>
+          <p:nvSpPr>
+            <p:cNvPr id="38" name="Rectangle 37"/>
+            <p:cNvSpPr/>
+            <p:nvPr/>
+          </p:nvSpPr>
+          <p:spPr>
+            <a:xfrm>
+              <a:off x="6633032" y="6286062"/>
+              <a:ext cx="1847804" cy="519222"/>
+            </a:xfrm>
+            <a:prstGeom prst="rect">
+              <a:avLst/>
+            </a:prstGeom>
+            <a:noFill/>
+            <a:ln>
+              <a:noFill/>
+            </a:ln>
+          </p:spPr>
+          <p:style>
+            <a:lnRef idx="2">
+              <a:schemeClr val="accent1">
+                <a:shade val="50000"/>
+              </a:schemeClr>
+            </a:lnRef>
+            <a:fillRef idx="1">
+              <a:schemeClr val="accent1"/>
+            </a:fillRef>
+            <a:effectRef idx="0">
+              <a:schemeClr val="accent1"/>
+            </a:effectRef>
+            <a:fontRef idx="minor">
+              <a:schemeClr val="lt1"/>
+            </a:fontRef>
+          </p:style>
+          <p:txBody>
+            <a:bodyPr rtlCol="0" anchor="ctr"/>
+            <a:lstStyle/>
+            <a:p>
+              <a:pPr algn="ctr"/>
+              <a:r>
+                <a:rPr lang="en-US" sz="1400" dirty="0" smtClean="0">
+                  <a:solidFill>
+                    <a:sysClr val="windowText" lastClr="000000"/>
+                  </a:solidFill>
+                  <a:latin typeface="Helvetica Neue" charset="0"/>
+                  <a:ea typeface="Helvetica Neue" charset="0"/>
+                  <a:cs typeface="Helvetica Neue" charset="0"/>
+                </a:rPr>
+                <a:t>Accessible (qualification)?</a:t>
+              </a:r>
+              <a:endParaRPr lang="en-US" sz="1400" dirty="0">
+                <a:solidFill>
+                  <a:sysClr val="windowText" lastClr="000000"/>
+                </a:solidFill>
+                <a:latin typeface="Helvetica Neue" charset="0"/>
+                <a:ea typeface="Helvetica Neue" charset="0"/>
+                <a:cs typeface="Helvetica Neue" charset="0"/>
+              </a:endParaRPr>
+            </a:p>
+          </p:txBody>
+        </p:sp>
+        <p:cxnSp>
+          <p:nvCxnSpPr>
+            <p:cNvPr id="39" name="Straight Arrow Connector 38"/>
+            <p:cNvCxnSpPr/>
+            <p:nvPr/>
+          </p:nvCxnSpPr>
+          <p:spPr>
+            <a:xfrm flipH="1">
+              <a:off x="4339726" y="7227969"/>
+              <a:ext cx="4409213" cy="0"/>
+            </a:xfrm>
+            <a:prstGeom prst="straightConnector1">
+              <a:avLst/>
+            </a:prstGeom>
+            <a:ln>
+              <a:solidFill>
+                <a:schemeClr val="accent6"/>
+              </a:solidFill>
+              <a:tailEnd type="none"/>
+            </a:ln>
+          </p:spPr>
+          <p:style>
+            <a:lnRef idx="1">
+              <a:schemeClr val="accent1"/>
+            </a:lnRef>
+            <a:fillRef idx="0">
+              <a:schemeClr val="accent1"/>
+            </a:fillRef>
+            <a:effectRef idx="0">
+              <a:schemeClr val="accent1"/>
+            </a:effectRef>
+            <a:fontRef idx="minor">
+              <a:schemeClr val="tx1"/>
+            </a:fontRef>
+          </p:style>
+        </p:cxnSp>
+        <p:cxnSp>
+          <p:nvCxnSpPr>
+            <p:cNvPr id="43" name="Straight Arrow Connector 42"/>
+            <p:cNvCxnSpPr/>
+            <p:nvPr/>
+          </p:nvCxnSpPr>
+          <p:spPr>
+            <a:xfrm flipV="1">
+              <a:off x="4339726" y="7215272"/>
+              <a:ext cx="0" cy="544734"/>
+            </a:xfrm>
+            <a:prstGeom prst="straightConnector1">
+              <a:avLst/>
+            </a:prstGeom>
+            <a:ln>
+              <a:solidFill>
+                <a:schemeClr val="accent6"/>
+              </a:solidFill>
+              <a:headEnd type="triangle"/>
+              <a:tailEnd type="none"/>
+            </a:ln>
+          </p:spPr>
+          <p:style>
+            <a:lnRef idx="1">
+              <a:schemeClr val="accent1"/>
+            </a:lnRef>
+            <a:fillRef idx="0">
+              <a:schemeClr val="accent1"/>
+            </a:fillRef>
+            <a:effectRef idx="0">
+              <a:schemeClr val="accent1"/>
+            </a:effectRef>
+            <a:fontRef idx="minor">
+              <a:schemeClr val="tx1"/>
+            </a:fontRef>
+          </p:style>
+        </p:cxnSp>
+        <p:cxnSp>
+          <p:nvCxnSpPr>
+            <p:cNvPr id="45" name="Straight Arrow Connector 44"/>
+            <p:cNvCxnSpPr/>
+            <p:nvPr/>
+          </p:nvCxnSpPr>
+          <p:spPr>
+            <a:xfrm flipV="1">
+              <a:off x="8736457" y="7241304"/>
+              <a:ext cx="0" cy="544734"/>
+            </a:xfrm>
+            <a:prstGeom prst="straightConnector1">
+              <a:avLst/>
+            </a:prstGeom>
+            <a:ln>
+              <a:solidFill>
+                <a:schemeClr val="accent6"/>
+              </a:solidFill>
+              <a:headEnd type="triangle"/>
+              <a:tailEnd type="none"/>
+            </a:ln>
+          </p:spPr>
+          <p:style>
+            <a:lnRef idx="1">
+              <a:schemeClr val="accent1"/>
+            </a:lnRef>
+            <a:fillRef idx="0">
+              <a:schemeClr val="accent1"/>
+            </a:fillRef>
+            <a:effectRef idx="0">
+              <a:schemeClr val="accent1"/>
+            </a:effectRef>
+            <a:fontRef idx="minor">
+              <a:schemeClr val="tx1"/>
+            </a:fontRef>
+          </p:style>
+        </p:cxnSp>
+        <p:cxnSp>
+          <p:nvCxnSpPr>
+            <p:cNvPr id="57" name="Straight Arrow Connector 56"/>
+            <p:cNvCxnSpPr>
+              <a:endCxn id="11" idx="2"/>
+            </p:cNvCxnSpPr>
+            <p:nvPr/>
+          </p:nvCxnSpPr>
+          <p:spPr>
+            <a:xfrm flipV="1">
+              <a:off x="8748938" y="8305260"/>
+              <a:ext cx="0" cy="178997"/>
+            </a:xfrm>
+            <a:prstGeom prst="straightConnector1">
+              <a:avLst/>
+            </a:prstGeom>
+            <a:ln>
+              <a:solidFill>
+                <a:schemeClr val="accent6"/>
+              </a:solidFill>
+              <a:headEnd type="triangle"/>
+              <a:tailEnd type="none"/>
+            </a:ln>
+          </p:spPr>
+          <p:style>
+            <a:lnRef idx="1">
+              <a:schemeClr val="accent1"/>
+            </a:lnRef>
+            <a:fillRef idx="0">
+              <a:schemeClr val="accent1"/>
+            </a:fillRef>
+            <a:effectRef idx="0">
+              <a:schemeClr val="accent1"/>
+            </a:effectRef>
+            <a:fontRef idx="minor">
+              <a:schemeClr val="tx1"/>
+            </a:fontRef>
+          </p:style>
+        </p:cxnSp>
+        <p:sp>
+          <p:nvSpPr>
+            <p:cNvPr id="63" name="Parallelogram 62"/>
+            <p:cNvSpPr/>
+            <p:nvPr/>
+          </p:nvSpPr>
+          <p:spPr>
+            <a:xfrm>
+              <a:off x="5230332" y="3128965"/>
+              <a:ext cx="2628000" cy="519222"/>
+            </a:xfrm>
+            <a:prstGeom prst="parallelogram">
+              <a:avLst/>
+            </a:prstGeom>
+            <a:solidFill>
+              <a:schemeClr val="accent6">
+                <a:lumMod val="50000"/>
+              </a:schemeClr>
+            </a:solidFill>
+            <a:ln>
+              <a:noFill/>
+            </a:ln>
+          </p:spPr>
+          <p:style>
+            <a:lnRef idx="2">
+              <a:schemeClr val="accent1">
+                <a:shade val="50000"/>
+              </a:schemeClr>
+            </a:lnRef>
+            <a:fillRef idx="1">
+              <a:schemeClr val="accent1"/>
+            </a:fillRef>
+            <a:effectRef idx="0">
+              <a:schemeClr val="accent1"/>
+            </a:effectRef>
+            <a:fontRef idx="minor">
+              <a:schemeClr val="lt1"/>
+            </a:fontRef>
+          </p:style>
+          <p:txBody>
+            <a:bodyPr rtlCol="0" anchor="ctr"/>
+            <a:lstStyle/>
+            <a:p>
+              <a:pPr algn="ctr"/>
+              <a:r>
+                <a:rPr lang="en-US" b="1" dirty="0" smtClean="0">
+                  <a:solidFill>
+                    <a:schemeClr val="bg1"/>
+                  </a:solidFill>
+                  <a:latin typeface="Helvetica Neue" charset="0"/>
+                  <a:ea typeface="Helvetica Neue" charset="0"/>
+                  <a:cs typeface="Helvetica Neue" charset="0"/>
+                </a:rPr>
+                <a:t>Certain Market &amp; Technology</a:t>
+              </a:r>
+              <a:endParaRPr lang="en-US" b="1" dirty="0">
+                <a:solidFill>
+                  <a:schemeClr val="bg1"/>
+                </a:solidFill>
+                <a:latin typeface="Helvetica Neue" charset="0"/>
+                <a:ea typeface="Helvetica Neue" charset="0"/>
+                <a:cs typeface="Helvetica Neue" charset="0"/>
+              </a:endParaRPr>
+            </a:p>
+          </p:txBody>
+        </p:sp>
+        <p:sp>
+          <p:nvSpPr>
+            <p:cNvPr id="64" name="Parallelogram 63"/>
+            <p:cNvSpPr/>
+            <p:nvPr/>
+          </p:nvSpPr>
+          <p:spPr>
+            <a:xfrm>
+              <a:off x="5164947" y="9403557"/>
+              <a:ext cx="2628000" cy="519222"/>
+            </a:xfrm>
+            <a:prstGeom prst="parallelogram">
+              <a:avLst/>
+            </a:prstGeom>
+            <a:solidFill>
+              <a:schemeClr val="accent6">
+                <a:lumMod val="50000"/>
+              </a:schemeClr>
+            </a:solidFill>
+            <a:ln>
+              <a:noFill/>
+            </a:ln>
+          </p:spPr>
+          <p:style>
+            <a:lnRef idx="2">
+              <a:schemeClr val="accent1">
+                <a:shade val="50000"/>
+              </a:schemeClr>
+            </a:lnRef>
+            <a:fillRef idx="1">
+              <a:schemeClr val="accent1"/>
+            </a:fillRef>
+            <a:effectRef idx="0">
+              <a:schemeClr val="accent1"/>
+            </a:effectRef>
+            <a:fontRef idx="minor">
+              <a:schemeClr val="lt1"/>
+            </a:fontRef>
+          </p:style>
+          <p:txBody>
+            <a:bodyPr rtlCol="0" anchor="ctr"/>
+            <a:lstStyle/>
+            <a:p>
+              <a:pPr algn="ctr"/>
+              <a:r>
+                <a:rPr lang="en-US" b="1" dirty="0" smtClean="0">
+                  <a:solidFill>
+                    <a:schemeClr val="bg1"/>
+                  </a:solidFill>
+                  <a:latin typeface="Helvetica Neue" charset="0"/>
+                  <a:ea typeface="Helvetica Neue" charset="0"/>
+                  <a:cs typeface="Helvetica Neue" charset="0"/>
+                </a:rPr>
+                <a:t>Qualitative analysis</a:t>
+              </a:r>
+              <a:endParaRPr lang="en-US" b="1" dirty="0">
+                <a:solidFill>
+                  <a:schemeClr val="bg1"/>
+                </a:solidFill>
+                <a:latin typeface="Helvetica Neue" charset="0"/>
+                <a:ea typeface="Helvetica Neue" charset="0"/>
+                <a:cs typeface="Helvetica Neue" charset="0"/>
+              </a:endParaRPr>
+            </a:p>
+          </p:txBody>
+        </p:sp>
+        <p:cxnSp>
+          <p:nvCxnSpPr>
+            <p:cNvPr id="68" name="Straight Arrow Connector 67"/>
+            <p:cNvCxnSpPr/>
+            <p:nvPr/>
+          </p:nvCxnSpPr>
+          <p:spPr>
+            <a:xfrm flipV="1">
+              <a:off x="6520825" y="6159860"/>
+              <a:ext cx="0" cy="277463"/>
+            </a:xfrm>
+            <a:prstGeom prst="straightConnector1">
+              <a:avLst/>
+            </a:prstGeom>
+            <a:ln>
+              <a:solidFill>
+                <a:schemeClr val="accent6"/>
+              </a:solidFill>
+              <a:headEnd type="triangle"/>
+              <a:tailEnd type="none"/>
+            </a:ln>
+          </p:spPr>
+          <p:style>
+            <a:lnRef idx="1">
+              <a:schemeClr val="accent1"/>
+            </a:lnRef>
+            <a:fillRef idx="0">
+              <a:schemeClr val="accent1"/>
+            </a:fillRef>
+            <a:effectRef idx="0">
+              <a:schemeClr val="accent1"/>
+            </a:effectRef>
+            <a:fontRef idx="minor">
+              <a:schemeClr val="tx1"/>
+            </a:fontRef>
+          </p:style>
+        </p:cxnSp>
+        <p:cxnSp>
+          <p:nvCxnSpPr>
+            <p:cNvPr id="70" name="Straight Arrow Connector 69"/>
+            <p:cNvCxnSpPr>
+              <a:stCxn id="5" idx="0"/>
+              <a:endCxn id="63" idx="4"/>
+            </p:cNvCxnSpPr>
+            <p:nvPr/>
+          </p:nvCxnSpPr>
+          <p:spPr>
+            <a:xfrm flipV="1">
+              <a:off x="6544332" y="3648187"/>
+              <a:ext cx="0" cy="268881"/>
+            </a:xfrm>
+            <a:prstGeom prst="straightConnector1">
+              <a:avLst/>
+            </a:prstGeom>
+            <a:ln>
+              <a:solidFill>
+                <a:schemeClr val="accent6"/>
+              </a:solidFill>
+              <a:headEnd type="triangle"/>
+              <a:tailEnd type="none"/>
+            </a:ln>
+          </p:spPr>
+          <p:style>
+            <a:lnRef idx="1">
+              <a:schemeClr val="accent1"/>
+            </a:lnRef>
+            <a:fillRef idx="0">
+              <a:schemeClr val="accent1"/>
+            </a:fillRef>
+            <a:effectRef idx="0">
+              <a:schemeClr val="accent1"/>
+            </a:effectRef>
+            <a:fontRef idx="minor">
+              <a:schemeClr val="tx1"/>
+            </a:fontRef>
+          </p:style>
+        </p:cxnSp>
+        <p:sp>
+          <p:nvSpPr>
+            <p:cNvPr id="36" name="Rectangle 35"/>
+            <p:cNvSpPr/>
+            <p:nvPr/>
+          </p:nvSpPr>
+          <p:spPr>
+            <a:xfrm>
+              <a:off x="4714947" y="5708110"/>
+              <a:ext cx="3564000" cy="467777"/>
+            </a:xfrm>
+            <a:prstGeom prst="rect">
+              <a:avLst/>
+            </a:prstGeom>
+            <a:noFill/>
+            <a:ln>
+              <a:solidFill>
+                <a:schemeClr val="accent6">
+                  <a:lumMod val="20000"/>
+                  <a:lumOff val="80000"/>
+                </a:schemeClr>
+              </a:solidFill>
+            </a:ln>
+          </p:spPr>
+          <p:style>
+            <a:lnRef idx="2">
+              <a:schemeClr val="accent1">
+                <a:shade val="50000"/>
+              </a:schemeClr>
+            </a:lnRef>
+            <a:fillRef idx="1">
+              <a:schemeClr val="accent1"/>
+            </a:fillRef>
+            <a:effectRef idx="0">
+              <a:schemeClr val="accent1"/>
+            </a:effectRef>
+            <a:fontRef idx="minor">
+              <a:schemeClr val="lt1"/>
+            </a:fontRef>
+          </p:style>
+          <p:txBody>
+            <a:bodyPr rtlCol="0" anchor="ctr"/>
+            <a:lstStyle/>
+            <a:p>
+              <a:pPr algn="ctr"/>
+              <a:r>
+                <a:rPr lang="en-US" sz="1600" dirty="0" smtClean="0">
+                  <a:solidFill>
+                    <a:sysClr val="windowText" lastClr="000000"/>
+                  </a:solidFill>
+                  <a:latin typeface="Helvetica Neue" charset="0"/>
+                  <a:ea typeface="Helvetica Neue" charset="0"/>
+                  <a:cs typeface="Helvetica Neue" charset="0"/>
+                </a:rPr>
+                <a:t>Up / Down</a:t>
+              </a:r>
+              <a:endParaRPr lang="en-US" sz="1600" dirty="0">
+                <a:solidFill>
+                  <a:sysClr val="windowText" lastClr="000000"/>
+                </a:solidFill>
+                <a:latin typeface="Helvetica Neue" charset="0"/>
+                <a:ea typeface="Helvetica Neue" charset="0"/>
+                <a:cs typeface="Helvetica Neue" charset="0"/>
+              </a:endParaRPr>
+            </a:p>
+          </p:txBody>
+        </p:sp>
+        <p:cxnSp>
+          <p:nvCxnSpPr>
+            <p:cNvPr id="37" name="Straight Arrow Connector 36"/>
+            <p:cNvCxnSpPr/>
+            <p:nvPr/>
+          </p:nvCxnSpPr>
+          <p:spPr>
+            <a:xfrm flipV="1">
+              <a:off x="6520825" y="6805284"/>
+              <a:ext cx="0" cy="244736"/>
+            </a:xfrm>
+            <a:prstGeom prst="straightConnector1">
+              <a:avLst/>
+            </a:prstGeom>
+            <a:ln>
+              <a:solidFill>
+                <a:schemeClr val="accent6"/>
+              </a:solidFill>
+              <a:headEnd type="triangle"/>
+              <a:tailEnd type="none"/>
+            </a:ln>
+          </p:spPr>
+          <p:style>
+            <a:lnRef idx="1">
+              <a:schemeClr val="accent1"/>
+            </a:lnRef>
+            <a:fillRef idx="0">
+              <a:schemeClr val="accent1"/>
+            </a:fillRef>
+            <a:effectRef idx="0">
+              <a:schemeClr val="accent1"/>
+            </a:effectRef>
+            <a:fontRef idx="minor">
+              <a:schemeClr val="tx1"/>
+            </a:fontRef>
+          </p:style>
+        </p:cxnSp>
+        <p:cxnSp>
+          <p:nvCxnSpPr>
+            <p:cNvPr id="40" name="Straight Arrow Connector 39"/>
+            <p:cNvCxnSpPr/>
+            <p:nvPr/>
+          </p:nvCxnSpPr>
+          <p:spPr>
+            <a:xfrm flipV="1">
+              <a:off x="6556056" y="4410183"/>
+              <a:ext cx="0" cy="268881"/>
+            </a:xfrm>
+            <a:prstGeom prst="straightConnector1">
+              <a:avLst/>
+            </a:prstGeom>
+            <a:ln>
+              <a:solidFill>
+                <a:schemeClr val="accent6"/>
+              </a:solidFill>
+              <a:headEnd type="triangle"/>
+              <a:tailEnd type="none"/>
+            </a:ln>
+          </p:spPr>
+          <p:style>
+            <a:lnRef idx="1">
+              <a:schemeClr val="accent1"/>
+            </a:lnRef>
+            <a:fillRef idx="0">
+              <a:schemeClr val="accent1"/>
+            </a:fillRef>
+            <a:effectRef idx="0">
+              <a:schemeClr val="accent1"/>
+            </a:effectRef>
+            <a:fontRef idx="minor">
+              <a:schemeClr val="tx1"/>
+            </a:fontRef>
+          </p:style>
+        </p:cxnSp>
+        <p:sp>
+          <p:nvSpPr>
+            <p:cNvPr id="41" name="Rectangle 40"/>
+            <p:cNvSpPr/>
+            <p:nvPr/>
+          </p:nvSpPr>
+          <p:spPr>
+            <a:xfrm>
+              <a:off x="5603631" y="6647219"/>
+              <a:ext cx="1060724" cy="428383"/>
+            </a:xfrm>
+            <a:prstGeom prst="rect">
+              <a:avLst/>
+            </a:prstGeom>
+            <a:noFill/>
+            <a:ln>
+              <a:noFill/>
+            </a:ln>
+          </p:spPr>
+          <p:style>
+            <a:lnRef idx="2">
+              <a:schemeClr val="accent1">
+                <a:shade val="50000"/>
+              </a:schemeClr>
+            </a:lnRef>
+            <a:fillRef idx="1">
+              <a:schemeClr val="accent1"/>
+            </a:fillRef>
+            <a:effectRef idx="0">
+              <a:schemeClr val="accent1"/>
+            </a:effectRef>
+            <a:fontRef idx="minor">
+              <a:schemeClr val="lt1"/>
+            </a:fontRef>
+          </p:style>
+          <p:txBody>
+            <a:bodyPr rtlCol="0" anchor="ctr"/>
+            <a:lstStyle/>
+            <a:p>
+              <a:pPr algn="ctr"/>
+              <a:r>
+                <a:rPr lang="en-US" sz="1400" smtClean="0">
+                  <a:solidFill>
+                    <a:sysClr val="windowText" lastClr="000000"/>
+                  </a:solidFill>
+                  <a:latin typeface="Helvetica Neue" charset="0"/>
+                  <a:ea typeface="Helvetica Neue" charset="0"/>
+                  <a:cs typeface="Helvetica Neue" charset="0"/>
+                </a:rPr>
+                <a:t>Yes</a:t>
+              </a:r>
+              <a:endParaRPr lang="en-US" sz="1400" dirty="0">
+                <a:solidFill>
+                  <a:sysClr val="windowText" lastClr="000000"/>
+                </a:solidFill>
+                <a:latin typeface="Helvetica Neue" charset="0"/>
+                <a:ea typeface="Helvetica Neue" charset="0"/>
+                <a:cs typeface="Helvetica Neue" charset="0"/>
+              </a:endParaRPr>
+            </a:p>
+          </p:txBody>
+        </p:sp>
+        <p:sp>
+          <p:nvSpPr>
+            <p:cNvPr id="42" name="Diamond 41"/>
+            <p:cNvSpPr/>
+            <p:nvPr/>
+          </p:nvSpPr>
+          <p:spPr>
+            <a:xfrm>
+              <a:off x="6202011" y="7046537"/>
+              <a:ext cx="637628" cy="362864"/>
+            </a:xfrm>
+            <a:prstGeom prst="diamond">
+              <a:avLst/>
+            </a:prstGeom>
+            <a:solidFill>
+              <a:schemeClr val="accent6"/>
+            </a:solidFill>
+            <a:ln>
+              <a:noFill/>
+            </a:ln>
+          </p:spPr>
+          <p:style>
+            <a:lnRef idx="2">
+              <a:schemeClr val="accent1">
+                <a:shade val="50000"/>
+              </a:schemeClr>
+            </a:lnRef>
+            <a:fillRef idx="1">
+              <a:schemeClr val="accent1"/>
+            </a:fillRef>
+            <a:effectRef idx="0">
+              <a:schemeClr val="accent1"/>
+            </a:effectRef>
+            <a:fontRef idx="minor">
+              <a:schemeClr val="lt1"/>
+            </a:fontRef>
+          </p:style>
+          <p:txBody>
+            <a:bodyPr rot="0" spcFirstLastPara="0" vertOverflow="overflow" horzOverflow="overflow" vert="horz" wrap="square" lIns="91440" tIns="45720" rIns="91440" bIns="45720" numCol="1" spcCol="0" rtlCol="0" fromWordArt="0" anchor="ctr" anchorCtr="0" forceAA="0" compatLnSpc="1">
+              <a:prstTxWarp prst="textNoShape">
+                <a:avLst/>
+              </a:prstTxWarp>
+              <a:noAutofit/>
+            </a:bodyPr>
+            <a:lstStyle/>
+            <a:p>
+              <a:pPr algn="ctr"/>
+              <a:endParaRPr lang="en-US"/>
+            </a:p>
+          </p:txBody>
+        </p:sp>
+        <p:sp>
+          <p:nvSpPr>
+            <p:cNvPr id="46" name="Rectangle 45"/>
+            <p:cNvSpPr/>
+            <p:nvPr/>
+          </p:nvSpPr>
+          <p:spPr>
+            <a:xfrm>
+              <a:off x="5278228" y="7463029"/>
+              <a:ext cx="2651729" cy="619282"/>
+            </a:xfrm>
+            <a:prstGeom prst="rect">
+              <a:avLst/>
+            </a:prstGeom>
+            <a:noFill/>
+            <a:ln>
+              <a:noFill/>
+            </a:ln>
+          </p:spPr>
+          <p:style>
+            <a:lnRef idx="2">
+              <a:schemeClr val="accent1">
+                <a:shade val="50000"/>
+              </a:schemeClr>
+            </a:lnRef>
+            <a:fillRef idx="1">
+              <a:schemeClr val="accent1"/>
+            </a:fillRef>
+            <a:effectRef idx="0">
+              <a:schemeClr val="accent1"/>
+            </a:effectRef>
+            <a:fontRef idx="minor">
+              <a:schemeClr val="lt1"/>
+            </a:fontRef>
+          </p:style>
+          <p:txBody>
+            <a:bodyPr rtlCol="0" anchor="ctr"/>
+            <a:lstStyle/>
+            <a:p>
+              <a:pPr algn="ctr"/>
+              <a:r>
+                <a:rPr lang="en-US" sz="1400" dirty="0" smtClean="0">
+                  <a:solidFill>
+                    <a:sysClr val="windowText" lastClr="000000"/>
+                  </a:solidFill>
+                  <a:latin typeface="Helvetica Neue" charset="0"/>
+                  <a:ea typeface="Helvetica Neue" charset="0"/>
+                  <a:cs typeface="Helvetica Neue" charset="0"/>
+                </a:rPr>
+                <a:t>Centralized </a:t>
+              </a:r>
+              <a:r>
+                <a:rPr lang="en-US" sz="1400" smtClean="0">
+                  <a:solidFill>
+                    <a:sysClr val="windowText" lastClr="000000"/>
+                  </a:solidFill>
+                  <a:latin typeface="Helvetica Neue" charset="0"/>
+                  <a:ea typeface="Helvetica Neue" charset="0"/>
+                  <a:cs typeface="Helvetica Neue" charset="0"/>
+                </a:rPr>
+                <a:t>or decentralized procurement?</a:t>
+              </a:r>
+              <a:endParaRPr lang="en-US" sz="1400" dirty="0">
+                <a:solidFill>
+                  <a:sysClr val="windowText" lastClr="000000"/>
+                </a:solidFill>
+                <a:latin typeface="Helvetica Neue" charset="0"/>
+                <a:ea typeface="Helvetica Neue" charset="0"/>
+                <a:cs typeface="Helvetica Neue" charset="0"/>
+              </a:endParaRPr>
+            </a:p>
+          </p:txBody>
+        </p:sp>
+        <p:cxnSp>
+          <p:nvCxnSpPr>
+            <p:cNvPr id="51" name="Straight Arrow Connector 50"/>
+            <p:cNvCxnSpPr/>
+            <p:nvPr/>
+          </p:nvCxnSpPr>
+          <p:spPr>
+            <a:xfrm flipV="1">
+              <a:off x="4352807" y="8270092"/>
+              <a:ext cx="0" cy="178997"/>
+            </a:xfrm>
+            <a:prstGeom prst="straightConnector1">
+              <a:avLst/>
+            </a:prstGeom>
+            <a:ln>
+              <a:solidFill>
+                <a:schemeClr val="accent6"/>
+              </a:solidFill>
+              <a:headEnd type="triangle"/>
+              <a:tailEnd type="none"/>
+            </a:ln>
+          </p:spPr>
+          <p:style>
+            <a:lnRef idx="1">
+              <a:schemeClr val="accent1"/>
+            </a:lnRef>
+            <a:fillRef idx="0">
+              <a:schemeClr val="accent1"/>
+            </a:fillRef>
+            <a:effectRef idx="0">
+              <a:schemeClr val="accent1"/>
+            </a:effectRef>
+            <a:fontRef idx="minor">
+              <a:schemeClr val="tx1"/>
+            </a:fontRef>
+          </p:style>
+        </p:cxnSp>
+        <p:cxnSp>
+          <p:nvCxnSpPr>
+            <p:cNvPr id="59" name="Straight Arrow Connector 58"/>
+            <p:cNvCxnSpPr/>
+            <p:nvPr/>
+          </p:nvCxnSpPr>
+          <p:spPr>
+            <a:xfrm flipV="1">
+              <a:off x="6527188" y="8842646"/>
+              <a:ext cx="0" cy="550577"/>
+            </a:xfrm>
+            <a:prstGeom prst="straightConnector1">
+              <a:avLst/>
+            </a:prstGeom>
+            <a:ln>
+              <a:solidFill>
+                <a:schemeClr val="accent6"/>
+              </a:solidFill>
+              <a:headEnd type="triangle"/>
+              <a:tailEnd type="none"/>
+            </a:ln>
+          </p:spPr>
+          <p:style>
+            <a:lnRef idx="1">
+              <a:schemeClr val="accent1"/>
+            </a:lnRef>
+            <a:fillRef idx="0">
+              <a:schemeClr val="accent1"/>
+            </a:fillRef>
+            <a:effectRef idx="0">
+              <a:schemeClr val="accent1"/>
+            </a:effectRef>
+            <a:fontRef idx="minor">
+              <a:schemeClr val="tx1"/>
+            </a:fontRef>
+          </p:style>
+        </p:cxnSp>
+        <p:cxnSp>
+          <p:nvCxnSpPr>
+            <p:cNvPr id="60" name="Straight Arrow Connector 59"/>
+            <p:cNvCxnSpPr>
+              <a:stCxn id="65" idx="3"/>
+              <a:endCxn id="66" idx="1"/>
+            </p:cNvCxnSpPr>
+            <p:nvPr/>
+          </p:nvCxnSpPr>
+          <p:spPr>
+            <a:xfrm>
+              <a:off x="6181339" y="8842645"/>
+              <a:ext cx="637628" cy="0"/>
+            </a:xfrm>
+            <a:prstGeom prst="straightConnector1">
+              <a:avLst/>
+            </a:prstGeom>
+            <a:ln>
+              <a:solidFill>
+                <a:schemeClr val="accent6"/>
+              </a:solidFill>
+              <a:tailEnd type="none"/>
+            </a:ln>
+          </p:spPr>
+          <p:style>
+            <a:lnRef idx="1">
+              <a:schemeClr val="accent1"/>
+            </a:lnRef>
+            <a:fillRef idx="0">
+              <a:schemeClr val="accent1"/>
+            </a:fillRef>
+            <a:effectRef idx="0">
+              <a:schemeClr val="accent1"/>
+            </a:effectRef>
+            <a:fontRef idx="minor">
+              <a:schemeClr val="tx1"/>
+            </a:fontRef>
+          </p:style>
+        </p:cxnSp>
+        <p:sp>
+          <p:nvSpPr>
+            <p:cNvPr id="65" name="Rectangle 64"/>
+            <p:cNvSpPr/>
+            <p:nvPr/>
+          </p:nvSpPr>
+          <p:spPr>
+            <a:xfrm>
+              <a:off x="1141339" y="8482645"/>
+              <a:ext cx="5040000" cy="720000"/>
+            </a:xfrm>
+            <a:prstGeom prst="rect">
+              <a:avLst/>
+            </a:prstGeom>
+            <a:noFill/>
+            <a:ln>
+              <a:solidFill>
+                <a:schemeClr val="accent6"/>
+              </a:solidFill>
+            </a:ln>
+          </p:spPr>
+          <p:style>
+            <a:lnRef idx="2">
+              <a:schemeClr val="accent1">
+                <a:shade val="50000"/>
+              </a:schemeClr>
+            </a:lnRef>
+            <a:fillRef idx="1">
+              <a:schemeClr val="accent1"/>
+            </a:fillRef>
+            <a:effectRef idx="0">
+              <a:schemeClr val="accent1"/>
+            </a:effectRef>
+            <a:fontRef idx="minor">
+              <a:schemeClr val="lt1"/>
+            </a:fontRef>
+          </p:style>
+          <p:txBody>
+            <a:bodyPr rtlCol="0" anchor="ctr"/>
+            <a:lstStyle/>
+            <a:p>
+              <a:pPr algn="ctr"/>
+              <a:r>
+                <a:rPr lang="en-US" sz="1600" dirty="0" smtClean="0">
+                  <a:solidFill>
+                    <a:schemeClr val="tx1"/>
+                  </a:solidFill>
+                  <a:latin typeface="Helvetica Neue" charset="0"/>
+                  <a:ea typeface="Helvetica Neue" charset="0"/>
+                  <a:cs typeface="Helvetica Neue" charset="0"/>
+                </a:rPr>
+                <a:t>Flexibility provision to system operator and market player with obligation (two asymmetric screams)</a:t>
+              </a:r>
+              <a:endParaRPr lang="en-US" sz="1600" dirty="0">
+                <a:solidFill>
+                  <a:schemeClr val="tx1"/>
+                </a:solidFill>
+                <a:latin typeface="Helvetica Neue" charset="0"/>
+                <a:ea typeface="Helvetica Neue" charset="0"/>
+                <a:cs typeface="Helvetica Neue" charset="0"/>
+              </a:endParaRPr>
+            </a:p>
+          </p:txBody>
+        </p:sp>
+        <p:sp>
+          <p:nvSpPr>
+            <p:cNvPr id="66" name="Rectangle 65"/>
+            <p:cNvSpPr/>
+            <p:nvPr/>
+          </p:nvSpPr>
+          <p:spPr>
+            <a:xfrm>
+              <a:off x="6818967" y="8482645"/>
+              <a:ext cx="5040000" cy="720000"/>
+            </a:xfrm>
+            <a:prstGeom prst="rect">
+              <a:avLst/>
+            </a:prstGeom>
+            <a:noFill/>
+            <a:ln>
+              <a:solidFill>
+                <a:schemeClr val="accent6"/>
+              </a:solidFill>
+            </a:ln>
+          </p:spPr>
+          <p:style>
+            <a:lnRef idx="2">
+              <a:schemeClr val="accent1">
+                <a:shade val="50000"/>
+              </a:schemeClr>
+            </a:lnRef>
+            <a:fillRef idx="1">
+              <a:schemeClr val="accent1"/>
+            </a:fillRef>
+            <a:effectRef idx="0">
+              <a:schemeClr val="accent1"/>
+            </a:effectRef>
+            <a:fontRef idx="minor">
+              <a:schemeClr val="lt1"/>
+            </a:fontRef>
+          </p:style>
+          <p:txBody>
+            <a:bodyPr rtlCol="0" anchor="ctr"/>
+            <a:lstStyle/>
+            <a:p>
+              <a:pPr algn="ctr"/>
+              <a:r>
+                <a:rPr lang="en-US" sz="1600" dirty="0" smtClean="0">
+                  <a:solidFill>
+                    <a:schemeClr val="tx1"/>
+                  </a:solidFill>
+                  <a:latin typeface="Helvetica Neue" charset="0"/>
+                  <a:ea typeface="Helvetica Neue" charset="0"/>
+                  <a:cs typeface="Helvetica Neue" charset="0"/>
+                </a:rPr>
+                <a:t>Flexibility provision to market players with obligation (one symmetric scream)</a:t>
+              </a:r>
+            </a:p>
+          </p:txBody>
+        </p:sp>
+      </p:grpSp>
+    </p:spTree>
+    <p:extLst>
+      <p:ext uri="{BB962C8B-B14F-4D97-AF65-F5344CB8AC3E}">
+        <p14:creationId xmlns:p14="http://schemas.microsoft.com/office/powerpoint/2010/main" val="1776418404"/>
+      </p:ext>
+    </p:extLst>
+  </p:cSld>
+  <p:clrMapOvr>
+    <a:masterClrMapping/>
+  </p:clrMapOvr>
+</p:sld>
+</file>
+
+<file path=ppt/slides/slide9.xml><?xml version="1.0" encoding="utf-8"?>
+<p:sld xmlns:a="http://schemas.openxmlformats.org/drawingml/2006/main" xmlns:r="http://schemas.openxmlformats.org/officeDocument/2006/relationships" xmlns:p="http://schemas.openxmlformats.org/presentationml/2006/main">
+  <p:cSld>
+    <p:spTree>
+      <p:nvGrpSpPr>
+        <p:cNvPr id="1" name=""/>
+        <p:cNvGrpSpPr/>
+        <p:nvPr/>
+      </p:nvGrpSpPr>
+      <p:grpSpPr>
+        <a:xfrm>
+          <a:off x="0" y="0"/>
+          <a:ext cx="0" cy="0"/>
+          <a:chOff x="0" y="0"/>
+          <a:chExt cx="0" cy="0"/>
+        </a:xfrm>
+      </p:grpSpPr>
+      <p:sp>
+        <p:nvSpPr>
+          <p:cNvPr id="2" name="Title 1"/>
+          <p:cNvSpPr>
+            <a:spLocks noGrp="1"/>
+          </p:cNvSpPr>
+          <p:nvPr>
+            <p:ph type="title"/>
+          </p:nvPr>
+        </p:nvSpPr>
+        <p:spPr>
+          <a:xfrm>
+            <a:off x="280351" y="747342"/>
+            <a:ext cx="7669991" cy="1946103"/>
+          </a:xfrm>
+        </p:spPr>
+        <p:txBody>
+          <a:bodyPr/>
+          <a:lstStyle/>
+          <a:p>
+            <a:endParaRPr lang="en-US"/>
+          </a:p>
+        </p:txBody>
+      </p:sp>
+      <p:sp>
+        <p:nvSpPr>
+          <p:cNvPr id="4" name="Text Placeholder 3"/>
+          <p:cNvSpPr>
+            <a:spLocks noGrp="1"/>
+          </p:cNvSpPr>
+          <p:nvPr>
+            <p:ph type="body" sz="quarter" idx="10"/>
+          </p:nvPr>
+        </p:nvSpPr>
+        <p:spPr/>
+        <p:txBody>
+          <a:bodyPr/>
+          <a:lstStyle/>
+          <a:p>
+            <a:endParaRPr lang="en-US"/>
+          </a:p>
+        </p:txBody>
+      </p:sp>
+      <p:grpSp>
+        <p:nvGrpSpPr>
+          <p:cNvPr id="43" name="Group 42"/>
+          <p:cNvGrpSpPr/>
+          <p:nvPr/>
+        </p:nvGrpSpPr>
+        <p:grpSpPr>
+          <a:xfrm>
+            <a:off x="3250332" y="3128965"/>
+            <a:ext cx="8408802" cy="5040962"/>
+            <a:chOff x="3250332" y="3128965"/>
+            <a:chExt cx="8408802" cy="5040962"/>
+          </a:xfrm>
+        </p:grpSpPr>
+        <p:sp>
+          <p:nvSpPr>
+            <p:cNvPr id="5" name="Parallelogram 4"/>
+            <p:cNvSpPr/>
+            <p:nvPr/>
+          </p:nvSpPr>
+          <p:spPr>
+            <a:xfrm>
+              <a:off x="5230332" y="3128965"/>
+              <a:ext cx="2628000" cy="519222"/>
+            </a:xfrm>
+            <a:prstGeom prst="parallelogram">
+              <a:avLst/>
+            </a:prstGeom>
+            <a:solidFill>
+              <a:schemeClr val="accent6">
+                <a:lumMod val="50000"/>
+              </a:schemeClr>
+            </a:solidFill>
+            <a:ln>
+              <a:noFill/>
+            </a:ln>
+          </p:spPr>
+          <p:style>
+            <a:lnRef idx="2">
+              <a:schemeClr val="accent1">
+                <a:shade val="50000"/>
+              </a:schemeClr>
+            </a:lnRef>
+            <a:fillRef idx="1">
+              <a:schemeClr val="accent1"/>
+            </a:fillRef>
+            <a:effectRef idx="0">
+              <a:schemeClr val="accent1"/>
+            </a:effectRef>
+            <a:fontRef idx="minor">
+              <a:schemeClr val="lt1"/>
+            </a:fontRef>
+          </p:style>
+          <p:txBody>
+            <a:bodyPr rtlCol="0" anchor="ctr"/>
+            <a:lstStyle/>
+            <a:p>
+              <a:pPr algn="ctr"/>
+              <a:r>
+                <a:rPr lang="en-US" b="1" dirty="0" smtClean="0">
+                  <a:solidFill>
+                    <a:schemeClr val="bg1"/>
+                  </a:solidFill>
+                  <a:latin typeface="Helvetica Neue" charset="0"/>
+                  <a:ea typeface="Helvetica Neue" charset="0"/>
+                  <a:cs typeface="Helvetica Neue" charset="0"/>
+                </a:rPr>
+                <a:t>Certain Market &amp; Technology</a:t>
+              </a:r>
+              <a:endParaRPr lang="en-US" b="1" dirty="0">
+                <a:solidFill>
+                  <a:schemeClr val="bg1"/>
+                </a:solidFill>
+                <a:latin typeface="Helvetica Neue" charset="0"/>
+                <a:ea typeface="Helvetica Neue" charset="0"/>
+                <a:cs typeface="Helvetica Neue" charset="0"/>
+              </a:endParaRPr>
+            </a:p>
+          </p:txBody>
+        </p:sp>
+        <p:cxnSp>
+          <p:nvCxnSpPr>
+            <p:cNvPr id="6" name="Straight Arrow Connector 5"/>
+            <p:cNvCxnSpPr/>
+            <p:nvPr/>
+          </p:nvCxnSpPr>
+          <p:spPr>
+            <a:xfrm flipV="1">
+              <a:off x="6472929" y="3678332"/>
+              <a:ext cx="0" cy="244736"/>
+            </a:xfrm>
+            <a:prstGeom prst="straightConnector1">
+              <a:avLst/>
+            </a:prstGeom>
+            <a:ln>
+              <a:solidFill>
+                <a:schemeClr val="accent6"/>
+              </a:solidFill>
+              <a:headEnd type="triangle"/>
+              <a:tailEnd type="none"/>
+            </a:ln>
+          </p:spPr>
+          <p:style>
+            <a:lnRef idx="1">
+              <a:schemeClr val="accent1"/>
+            </a:lnRef>
+            <a:fillRef idx="0">
+              <a:schemeClr val="accent1"/>
+            </a:fillRef>
+            <a:effectRef idx="0">
+              <a:schemeClr val="accent1"/>
+            </a:effectRef>
+            <a:fontRef idx="minor">
+              <a:schemeClr val="tx1"/>
+            </a:fontRef>
+          </p:style>
+        </p:cxnSp>
+        <p:sp>
+          <p:nvSpPr>
+            <p:cNvPr id="7" name="Diamond 6"/>
+            <p:cNvSpPr/>
+            <p:nvPr/>
+          </p:nvSpPr>
+          <p:spPr>
+            <a:xfrm>
+              <a:off x="6154115" y="3919585"/>
+              <a:ext cx="637628" cy="362864"/>
+            </a:xfrm>
+            <a:prstGeom prst="diamond">
+              <a:avLst/>
+            </a:prstGeom>
+            <a:solidFill>
+              <a:schemeClr val="accent6"/>
+            </a:solidFill>
+            <a:ln>
+              <a:noFill/>
+            </a:ln>
+          </p:spPr>
+          <p:style>
+            <a:lnRef idx="2">
+              <a:schemeClr val="accent1">
+                <a:shade val="50000"/>
+              </a:schemeClr>
+            </a:lnRef>
+            <a:fillRef idx="1">
+              <a:schemeClr val="accent1"/>
+            </a:fillRef>
+            <a:effectRef idx="0">
+              <a:schemeClr val="accent1"/>
+            </a:effectRef>
+            <a:fontRef idx="minor">
+              <a:schemeClr val="lt1"/>
+            </a:fontRef>
+          </p:style>
+          <p:txBody>
+            <a:bodyPr rot="0" spcFirstLastPara="0" vertOverflow="overflow" horzOverflow="overflow" vert="horz" wrap="square" lIns="91440" tIns="45720" rIns="91440" bIns="45720" numCol="1" spcCol="0" rtlCol="0" fromWordArt="0" anchor="ctr" anchorCtr="0" forceAA="0" compatLnSpc="1">
+              <a:prstTxWarp prst="textNoShape">
+                <a:avLst/>
+              </a:prstTxWarp>
+              <a:noAutofit/>
+            </a:bodyPr>
+            <a:lstStyle/>
+            <a:p>
+              <a:pPr algn="ctr"/>
+              <a:endParaRPr lang="en-US"/>
+            </a:p>
+          </p:txBody>
+        </p:sp>
+        <p:sp>
+          <p:nvSpPr>
+            <p:cNvPr id="8" name="Rectangle 7"/>
+            <p:cNvSpPr/>
+            <p:nvPr/>
+          </p:nvSpPr>
+          <p:spPr>
+            <a:xfrm>
+              <a:off x="5230332" y="4282449"/>
+              <a:ext cx="2651729" cy="619282"/>
+            </a:xfrm>
+            <a:prstGeom prst="rect">
+              <a:avLst/>
+            </a:prstGeom>
+            <a:noFill/>
+            <a:ln>
+              <a:noFill/>
+            </a:ln>
+          </p:spPr>
+          <p:style>
+            <a:lnRef idx="2">
+              <a:schemeClr val="accent1">
+                <a:shade val="50000"/>
+              </a:schemeClr>
+            </a:lnRef>
+            <a:fillRef idx="1">
+              <a:schemeClr val="accent1"/>
+            </a:fillRef>
+            <a:effectRef idx="0">
+              <a:schemeClr val="accent1"/>
+            </a:effectRef>
+            <a:fontRef idx="minor">
+              <a:schemeClr val="lt1"/>
+            </a:fontRef>
+          </p:style>
+          <p:txBody>
+            <a:bodyPr rtlCol="0" anchor="ctr"/>
+            <a:lstStyle/>
+            <a:p>
+              <a:pPr algn="ctr"/>
+              <a:r>
+                <a:rPr lang="en-US" sz="1400" dirty="0" smtClean="0">
+                  <a:solidFill>
+                    <a:sysClr val="windowText" lastClr="000000"/>
+                  </a:solidFill>
+                  <a:latin typeface="Helvetica Neue" charset="0"/>
+                  <a:ea typeface="Helvetica Neue" charset="0"/>
+                  <a:cs typeface="Helvetica Neue" charset="0"/>
+                </a:rPr>
+                <a:t>Is there a capacity market?</a:t>
+              </a:r>
+              <a:endParaRPr lang="en-US" sz="1400" dirty="0">
+                <a:solidFill>
+                  <a:sysClr val="windowText" lastClr="000000"/>
+                </a:solidFill>
+                <a:latin typeface="Helvetica Neue" charset="0"/>
+                <a:ea typeface="Helvetica Neue" charset="0"/>
+                <a:cs typeface="Helvetica Neue" charset="0"/>
+              </a:endParaRPr>
+            </a:p>
+          </p:txBody>
+        </p:sp>
+        <p:cxnSp>
+          <p:nvCxnSpPr>
+            <p:cNvPr id="9" name="Straight Arrow Connector 8"/>
+            <p:cNvCxnSpPr/>
+            <p:nvPr/>
+          </p:nvCxnSpPr>
+          <p:spPr>
+            <a:xfrm flipH="1">
+              <a:off x="4268322" y="4109631"/>
+              <a:ext cx="4409213" cy="0"/>
+            </a:xfrm>
+            <a:prstGeom prst="straightConnector1">
+              <a:avLst/>
+            </a:prstGeom>
+            <a:ln>
+              <a:solidFill>
+                <a:schemeClr val="accent6"/>
+              </a:solidFill>
+              <a:tailEnd type="none"/>
+            </a:ln>
+          </p:spPr>
+          <p:style>
+            <a:lnRef idx="1">
+              <a:schemeClr val="accent1"/>
+            </a:lnRef>
+            <a:fillRef idx="0">
+              <a:schemeClr val="accent1"/>
+            </a:fillRef>
+            <a:effectRef idx="0">
+              <a:schemeClr val="accent1"/>
+            </a:effectRef>
+            <a:fontRef idx="minor">
+              <a:schemeClr val="tx1"/>
+            </a:fontRef>
+          </p:style>
+        </p:cxnSp>
+        <p:sp>
+          <p:nvSpPr>
+            <p:cNvPr id="10" name="Rectangle 9"/>
+            <p:cNvSpPr/>
+            <p:nvPr/>
+          </p:nvSpPr>
+          <p:spPr>
+            <a:xfrm>
+              <a:off x="5064369" y="3648187"/>
+              <a:ext cx="1089746" cy="461444"/>
+            </a:xfrm>
+            <a:prstGeom prst="rect">
+              <a:avLst/>
+            </a:prstGeom>
+            <a:noFill/>
+            <a:ln>
+              <a:noFill/>
+            </a:ln>
+          </p:spPr>
+          <p:style>
+            <a:lnRef idx="2">
+              <a:schemeClr val="accent1">
+                <a:shade val="50000"/>
+              </a:schemeClr>
+            </a:lnRef>
+            <a:fillRef idx="1">
+              <a:schemeClr val="accent1"/>
+            </a:fillRef>
+            <a:effectRef idx="0">
+              <a:schemeClr val="accent1"/>
+            </a:effectRef>
+            <a:fontRef idx="minor">
+              <a:schemeClr val="lt1"/>
+            </a:fontRef>
+          </p:style>
+          <p:txBody>
+            <a:bodyPr rtlCol="0" anchor="ctr"/>
+            <a:lstStyle/>
+            <a:p>
+              <a:pPr algn="ctr"/>
+              <a:r>
+                <a:rPr lang="en-US" sz="1400" dirty="0" smtClean="0">
+                  <a:solidFill>
+                    <a:sysClr val="windowText" lastClr="000000"/>
+                  </a:solidFill>
+                  <a:latin typeface="Helvetica Neue" charset="0"/>
+                  <a:ea typeface="Helvetica Neue" charset="0"/>
+                  <a:cs typeface="Helvetica Neue" charset="0"/>
+                </a:rPr>
+                <a:t>Yes</a:t>
+              </a:r>
+              <a:endParaRPr lang="en-US" sz="1400" dirty="0">
+                <a:solidFill>
+                  <a:sysClr val="windowText" lastClr="000000"/>
+                </a:solidFill>
+                <a:latin typeface="Helvetica Neue" charset="0"/>
+                <a:ea typeface="Helvetica Neue" charset="0"/>
+                <a:cs typeface="Helvetica Neue" charset="0"/>
+              </a:endParaRPr>
+            </a:p>
+          </p:txBody>
+        </p:sp>
+        <p:sp>
+          <p:nvSpPr>
+            <p:cNvPr id="11" name="Rectangle 10"/>
+            <p:cNvSpPr/>
+            <p:nvPr/>
+          </p:nvSpPr>
+          <p:spPr>
+            <a:xfrm>
+              <a:off x="6860596" y="3663435"/>
+              <a:ext cx="1089746" cy="461444"/>
+            </a:xfrm>
+            <a:prstGeom prst="rect">
+              <a:avLst/>
+            </a:prstGeom>
+            <a:noFill/>
+            <a:ln>
+              <a:noFill/>
+            </a:ln>
+          </p:spPr>
+          <p:style>
+            <a:lnRef idx="2">
+              <a:schemeClr val="accent1">
+                <a:shade val="50000"/>
+              </a:schemeClr>
+            </a:lnRef>
+            <a:fillRef idx="1">
+              <a:schemeClr val="accent1"/>
+            </a:fillRef>
+            <a:effectRef idx="0">
+              <a:schemeClr val="accent1"/>
+            </a:effectRef>
+            <a:fontRef idx="minor">
+              <a:schemeClr val="lt1"/>
+            </a:fontRef>
+          </p:style>
+          <p:txBody>
+            <a:bodyPr rtlCol="0" anchor="ctr"/>
+            <a:lstStyle/>
+            <a:p>
+              <a:pPr algn="ctr"/>
+              <a:r>
+                <a:rPr lang="en-US" sz="1400" dirty="0" smtClean="0">
+                  <a:solidFill>
+                    <a:sysClr val="windowText" lastClr="000000"/>
+                  </a:solidFill>
+                  <a:latin typeface="Helvetica Neue" charset="0"/>
+                  <a:ea typeface="Helvetica Neue" charset="0"/>
+                  <a:cs typeface="Helvetica Neue" charset="0"/>
+                </a:rPr>
+                <a:t>No</a:t>
+              </a:r>
+              <a:endParaRPr lang="en-US" sz="1400" dirty="0">
+                <a:solidFill>
+                  <a:sysClr val="windowText" lastClr="000000"/>
+                </a:solidFill>
+                <a:latin typeface="Helvetica Neue" charset="0"/>
+                <a:ea typeface="Helvetica Neue" charset="0"/>
+                <a:cs typeface="Helvetica Neue" charset="0"/>
+              </a:endParaRPr>
+            </a:p>
+          </p:txBody>
+        </p:sp>
+        <p:sp>
+          <p:nvSpPr>
+            <p:cNvPr id="12" name="Rectangle 11"/>
+            <p:cNvSpPr/>
+            <p:nvPr/>
+          </p:nvSpPr>
+          <p:spPr>
+            <a:xfrm>
+              <a:off x="3250332" y="4387167"/>
+              <a:ext cx="1980000" cy="519222"/>
+            </a:xfrm>
+            <a:prstGeom prst="rect">
+              <a:avLst/>
+            </a:prstGeom>
+            <a:solidFill>
+              <a:schemeClr val="accent6">
+                <a:lumMod val="20000"/>
+                <a:lumOff val="80000"/>
+              </a:schemeClr>
+            </a:solidFill>
+            <a:ln>
+              <a:noFill/>
+            </a:ln>
+          </p:spPr>
+          <p:style>
+            <a:lnRef idx="2">
+              <a:schemeClr val="accent1">
+                <a:shade val="50000"/>
+              </a:schemeClr>
+            </a:lnRef>
+            <a:fillRef idx="1">
+              <a:schemeClr val="accent1"/>
+            </a:fillRef>
+            <a:effectRef idx="0">
+              <a:schemeClr val="accent1"/>
+            </a:effectRef>
+            <a:fontRef idx="minor">
+              <a:schemeClr val="lt1"/>
+            </a:fontRef>
+          </p:style>
+          <p:txBody>
+            <a:bodyPr rtlCol="0" anchor="ctr"/>
+            <a:lstStyle/>
+            <a:p>
+              <a:pPr algn="ctr"/>
+              <a:r>
+                <a:rPr lang="en-US" sz="1600" dirty="0" smtClean="0">
+                  <a:solidFill>
+                    <a:sysClr val="windowText" lastClr="000000"/>
+                  </a:solidFill>
+                  <a:latin typeface="Helvetica Neue" charset="0"/>
+                  <a:ea typeface="Helvetica Neue" charset="0"/>
+                  <a:cs typeface="Helvetica Neue" charset="0"/>
+                </a:rPr>
+                <a:t>Capacity market</a:t>
+              </a:r>
+              <a:endParaRPr lang="en-US" sz="1600" dirty="0">
+                <a:solidFill>
+                  <a:sysClr val="windowText" lastClr="000000"/>
+                </a:solidFill>
+                <a:latin typeface="Helvetica Neue" charset="0"/>
+                <a:ea typeface="Helvetica Neue" charset="0"/>
+                <a:cs typeface="Helvetica Neue" charset="0"/>
+              </a:endParaRPr>
+            </a:p>
+          </p:txBody>
+        </p:sp>
+        <p:sp>
+          <p:nvSpPr>
+            <p:cNvPr id="13" name="Rectangle 12"/>
+            <p:cNvSpPr/>
+            <p:nvPr/>
+          </p:nvSpPr>
+          <p:spPr>
+            <a:xfrm>
+              <a:off x="7858332" y="4387167"/>
+              <a:ext cx="1980000" cy="519222"/>
+            </a:xfrm>
+            <a:prstGeom prst="rect">
+              <a:avLst/>
+            </a:prstGeom>
+            <a:solidFill>
+              <a:schemeClr val="accent6">
+                <a:lumMod val="20000"/>
+                <a:lumOff val="80000"/>
+              </a:schemeClr>
+            </a:solidFill>
+            <a:ln>
+              <a:noFill/>
+            </a:ln>
+          </p:spPr>
+          <p:style>
+            <a:lnRef idx="2">
+              <a:schemeClr val="accent1">
+                <a:shade val="50000"/>
+              </a:schemeClr>
+            </a:lnRef>
+            <a:fillRef idx="1">
+              <a:schemeClr val="accent1"/>
+            </a:fillRef>
+            <a:effectRef idx="0">
+              <a:schemeClr val="accent1"/>
+            </a:effectRef>
+            <a:fontRef idx="minor">
+              <a:schemeClr val="lt1"/>
+            </a:fontRef>
+          </p:style>
+          <p:txBody>
+            <a:bodyPr rtlCol="0" anchor="ctr"/>
+            <a:lstStyle/>
+            <a:p>
+              <a:pPr algn="ctr"/>
+              <a:r>
+                <a:rPr lang="en-US" sz="1600" smtClean="0">
+                  <a:solidFill>
+                    <a:sysClr val="windowText" lastClr="000000"/>
+                  </a:solidFill>
+                  <a:latin typeface="Helvetica Neue" charset="0"/>
+                  <a:ea typeface="Helvetica Neue" charset="0"/>
+                  <a:cs typeface="Helvetica Neue" charset="0"/>
+                </a:rPr>
+                <a:t>Energy-only </a:t>
+              </a:r>
+              <a:r>
+                <a:rPr lang="en-US" sz="1600" dirty="0" smtClean="0">
+                  <a:solidFill>
+                    <a:sysClr val="windowText" lastClr="000000"/>
+                  </a:solidFill>
+                  <a:latin typeface="Helvetica Neue" charset="0"/>
+                  <a:ea typeface="Helvetica Neue" charset="0"/>
+                  <a:cs typeface="Helvetica Neue" charset="0"/>
+                </a:rPr>
+                <a:t>market</a:t>
+              </a:r>
+              <a:endParaRPr lang="en-US" sz="1600" dirty="0">
+                <a:solidFill>
+                  <a:sysClr val="windowText" lastClr="000000"/>
+                </a:solidFill>
+                <a:latin typeface="Helvetica Neue" charset="0"/>
+                <a:ea typeface="Helvetica Neue" charset="0"/>
+                <a:cs typeface="Helvetica Neue" charset="0"/>
+              </a:endParaRPr>
+            </a:p>
+          </p:txBody>
+        </p:sp>
+        <p:cxnSp>
+          <p:nvCxnSpPr>
+            <p:cNvPr id="14" name="Straight Arrow Connector 13"/>
+            <p:cNvCxnSpPr/>
+            <p:nvPr/>
+          </p:nvCxnSpPr>
+          <p:spPr>
+            <a:xfrm flipV="1">
+              <a:off x="4280804" y="4098847"/>
+              <a:ext cx="0" cy="216000"/>
+            </a:xfrm>
+            <a:prstGeom prst="straightConnector1">
+              <a:avLst/>
+            </a:prstGeom>
+            <a:ln>
+              <a:solidFill>
+                <a:schemeClr val="accent6"/>
+              </a:solidFill>
+              <a:headEnd type="triangle"/>
+              <a:tailEnd type="none"/>
+            </a:ln>
+          </p:spPr>
+          <p:style>
+            <a:lnRef idx="1">
+              <a:schemeClr val="accent1"/>
+            </a:lnRef>
+            <a:fillRef idx="0">
+              <a:schemeClr val="accent1"/>
+            </a:fillRef>
+            <a:effectRef idx="0">
+              <a:schemeClr val="accent1"/>
+            </a:effectRef>
+            <a:fontRef idx="minor">
+              <a:schemeClr val="tx1"/>
+            </a:fontRef>
+          </p:style>
+        </p:cxnSp>
+        <p:cxnSp>
+          <p:nvCxnSpPr>
+            <p:cNvPr id="15" name="Straight Arrow Connector 14"/>
+            <p:cNvCxnSpPr/>
+            <p:nvPr/>
+          </p:nvCxnSpPr>
+          <p:spPr>
+            <a:xfrm flipV="1">
+              <a:off x="8677535" y="4124879"/>
+              <a:ext cx="0" cy="216000"/>
+            </a:xfrm>
+            <a:prstGeom prst="straightConnector1">
+              <a:avLst/>
+            </a:prstGeom>
+            <a:ln>
+              <a:solidFill>
+                <a:schemeClr val="accent6"/>
+              </a:solidFill>
+              <a:headEnd type="triangle"/>
+              <a:tailEnd type="none"/>
+            </a:ln>
+          </p:spPr>
+          <p:style>
+            <a:lnRef idx="1">
+              <a:schemeClr val="accent1"/>
+            </a:lnRef>
+            <a:fillRef idx="0">
+              <a:schemeClr val="accent1"/>
+            </a:fillRef>
+            <a:effectRef idx="0">
+              <a:schemeClr val="accent1"/>
+            </a:effectRef>
+            <a:fontRef idx="minor">
+              <a:schemeClr val="tx1"/>
+            </a:fontRef>
+          </p:style>
+        </p:cxnSp>
+        <p:cxnSp>
+          <p:nvCxnSpPr>
+            <p:cNvPr id="16" name="Straight Arrow Connector 15"/>
+            <p:cNvCxnSpPr/>
+            <p:nvPr/>
+          </p:nvCxnSpPr>
+          <p:spPr>
+            <a:xfrm flipV="1">
+              <a:off x="8644157" y="4871326"/>
+              <a:ext cx="0" cy="244736"/>
+            </a:xfrm>
+            <a:prstGeom prst="straightConnector1">
+              <a:avLst/>
+            </a:prstGeom>
+            <a:ln>
+              <a:solidFill>
+                <a:schemeClr val="accent6"/>
+              </a:solidFill>
+              <a:headEnd type="triangle"/>
+              <a:tailEnd type="none"/>
+            </a:ln>
+          </p:spPr>
+          <p:style>
+            <a:lnRef idx="1">
+              <a:schemeClr val="accent1"/>
+            </a:lnRef>
+            <a:fillRef idx="0">
+              <a:schemeClr val="accent1"/>
+            </a:fillRef>
+            <a:effectRef idx="0">
+              <a:schemeClr val="accent1"/>
+            </a:effectRef>
+            <a:fontRef idx="minor">
+              <a:schemeClr val="tx1"/>
+            </a:fontRef>
+          </p:style>
+        </p:cxnSp>
+        <p:sp>
+          <p:nvSpPr>
+            <p:cNvPr id="17" name="Diamond 16"/>
+            <p:cNvSpPr/>
+            <p:nvPr/>
+          </p:nvSpPr>
+          <p:spPr>
+            <a:xfrm>
+              <a:off x="8325343" y="5116062"/>
+              <a:ext cx="637628" cy="362864"/>
+            </a:xfrm>
+            <a:prstGeom prst="diamond">
+              <a:avLst/>
+            </a:prstGeom>
+            <a:solidFill>
+              <a:schemeClr val="accent6"/>
+            </a:solidFill>
+            <a:ln>
+              <a:noFill/>
+            </a:ln>
+          </p:spPr>
+          <p:style>
+            <a:lnRef idx="2">
+              <a:schemeClr val="accent1">
+                <a:shade val="50000"/>
+              </a:schemeClr>
+            </a:lnRef>
+            <a:fillRef idx="1">
+              <a:schemeClr val="accent1"/>
+            </a:fillRef>
+            <a:effectRef idx="0">
+              <a:schemeClr val="accent1"/>
+            </a:effectRef>
+            <a:fontRef idx="minor">
+              <a:schemeClr val="lt1"/>
+            </a:fontRef>
+          </p:style>
+          <p:txBody>
+            <a:bodyPr rot="0" spcFirstLastPara="0" vertOverflow="overflow" horzOverflow="overflow" vert="horz" wrap="square" lIns="91440" tIns="45720" rIns="91440" bIns="45720" numCol="1" spcCol="0" rtlCol="0" fromWordArt="0" anchor="ctr" anchorCtr="0" forceAA="0" compatLnSpc="1">
+              <a:prstTxWarp prst="textNoShape">
+                <a:avLst/>
+              </a:prstTxWarp>
+              <a:noAutofit/>
+            </a:bodyPr>
+            <a:lstStyle/>
+            <a:p>
+              <a:pPr algn="ctr"/>
+              <a:endParaRPr lang="en-US"/>
+            </a:p>
+          </p:txBody>
+        </p:sp>
+        <p:sp>
+          <p:nvSpPr>
+            <p:cNvPr id="18" name="Rectangle 17"/>
+            <p:cNvSpPr/>
+            <p:nvPr/>
+          </p:nvSpPr>
+          <p:spPr>
+            <a:xfrm>
+              <a:off x="9007405" y="5034745"/>
+              <a:ext cx="2651729" cy="619282"/>
+            </a:xfrm>
+            <a:prstGeom prst="rect">
+              <a:avLst/>
+            </a:prstGeom>
+            <a:noFill/>
+            <a:ln>
+              <a:noFill/>
+            </a:ln>
+          </p:spPr>
+          <p:style>
+            <a:lnRef idx="2">
+              <a:schemeClr val="accent1">
+                <a:shade val="50000"/>
+              </a:schemeClr>
+            </a:lnRef>
+            <a:fillRef idx="1">
+              <a:schemeClr val="accent1"/>
+            </a:fillRef>
+            <a:effectRef idx="0">
+              <a:schemeClr val="accent1"/>
+            </a:effectRef>
+            <a:fontRef idx="minor">
+              <a:schemeClr val="lt1"/>
+            </a:fontRef>
+          </p:style>
+          <p:txBody>
+            <a:bodyPr rtlCol="0" anchor="ctr"/>
+            <a:lstStyle/>
+            <a:p>
+              <a:pPr algn="ctr"/>
+              <a:r>
+                <a:rPr lang="en-US" sz="1400" dirty="0" smtClean="0">
+                  <a:solidFill>
+                    <a:sysClr val="windowText" lastClr="000000"/>
+                  </a:solidFill>
+                  <a:latin typeface="Helvetica Neue" charset="0"/>
+                  <a:ea typeface="Helvetica Neue" charset="0"/>
+                  <a:cs typeface="Helvetica Neue" charset="0"/>
+                </a:rPr>
+                <a:t>Other capacity remuneration mechanism?</a:t>
+              </a:r>
+              <a:endParaRPr lang="en-US" sz="1400" dirty="0">
+                <a:solidFill>
+                  <a:sysClr val="windowText" lastClr="000000"/>
+                </a:solidFill>
+                <a:latin typeface="Helvetica Neue" charset="0"/>
+                <a:ea typeface="Helvetica Neue" charset="0"/>
+                <a:cs typeface="Helvetica Neue" charset="0"/>
+              </a:endParaRPr>
+            </a:p>
+          </p:txBody>
+        </p:sp>
+        <p:sp>
+          <p:nvSpPr>
+            <p:cNvPr id="19" name="Rectangle 18"/>
+            <p:cNvSpPr/>
+            <p:nvPr/>
+          </p:nvSpPr>
+          <p:spPr>
+            <a:xfrm>
+              <a:off x="7858331" y="5344386"/>
+              <a:ext cx="785825" cy="538338"/>
+            </a:xfrm>
+            <a:prstGeom prst="rect">
+              <a:avLst/>
+            </a:prstGeom>
+            <a:noFill/>
+            <a:ln>
+              <a:noFill/>
+            </a:ln>
+          </p:spPr>
+          <p:style>
+            <a:lnRef idx="2">
+              <a:schemeClr val="accent1">
+                <a:shade val="50000"/>
+              </a:schemeClr>
+            </a:lnRef>
+            <a:fillRef idx="1">
+              <a:schemeClr val="accent1"/>
+            </a:fillRef>
+            <a:effectRef idx="0">
+              <a:schemeClr val="accent1"/>
+            </a:effectRef>
+            <a:fontRef idx="minor">
+              <a:schemeClr val="lt1"/>
+            </a:fontRef>
+          </p:style>
+          <p:txBody>
+            <a:bodyPr rtlCol="0" anchor="ctr"/>
+            <a:lstStyle/>
+            <a:p>
+              <a:pPr algn="ctr"/>
+              <a:r>
+                <a:rPr lang="en-US" sz="1400" dirty="0" smtClean="0">
+                  <a:solidFill>
+                    <a:sysClr val="windowText" lastClr="000000"/>
+                  </a:solidFill>
+                  <a:latin typeface="Helvetica Neue" charset="0"/>
+                  <a:ea typeface="Helvetica Neue" charset="0"/>
+                  <a:cs typeface="Helvetica Neue" charset="0"/>
+                </a:rPr>
+                <a:t>Yes</a:t>
+              </a:r>
+              <a:endParaRPr lang="en-US" sz="1400" dirty="0">
+                <a:solidFill>
+                  <a:sysClr val="windowText" lastClr="000000"/>
+                </a:solidFill>
+                <a:latin typeface="Helvetica Neue" charset="0"/>
+                <a:ea typeface="Helvetica Neue" charset="0"/>
+                <a:cs typeface="Helvetica Neue" charset="0"/>
+              </a:endParaRPr>
+            </a:p>
+          </p:txBody>
+        </p:sp>
+        <p:cxnSp>
+          <p:nvCxnSpPr>
+            <p:cNvPr id="20" name="Straight Arrow Connector 19"/>
+            <p:cNvCxnSpPr/>
+            <p:nvPr/>
+          </p:nvCxnSpPr>
+          <p:spPr>
+            <a:xfrm flipV="1">
+              <a:off x="8620711" y="5414724"/>
+              <a:ext cx="0" cy="468000"/>
+            </a:xfrm>
+            <a:prstGeom prst="straightConnector1">
+              <a:avLst/>
+            </a:prstGeom>
+            <a:ln>
+              <a:solidFill>
+                <a:schemeClr val="accent6"/>
+              </a:solidFill>
+              <a:headEnd type="triangle"/>
+              <a:tailEnd type="none"/>
+            </a:ln>
+          </p:spPr>
+          <p:style>
+            <a:lnRef idx="1">
+              <a:schemeClr val="accent1"/>
+            </a:lnRef>
+            <a:fillRef idx="0">
+              <a:schemeClr val="accent1"/>
+            </a:fillRef>
+            <a:effectRef idx="0">
+              <a:schemeClr val="accent1"/>
+            </a:effectRef>
+            <a:fontRef idx="minor">
+              <a:schemeClr val="tx1"/>
+            </a:fontRef>
+          </p:style>
+        </p:cxnSp>
+        <p:sp>
+          <p:nvSpPr>
+            <p:cNvPr id="21" name="Rectangle 20"/>
+            <p:cNvSpPr/>
+            <p:nvPr/>
+          </p:nvSpPr>
+          <p:spPr>
+            <a:xfrm>
+              <a:off x="7213027" y="5882351"/>
+              <a:ext cx="2815368" cy="720000"/>
+            </a:xfrm>
+            <a:prstGeom prst="rect">
+              <a:avLst/>
+            </a:prstGeom>
+            <a:noFill/>
+            <a:ln>
+              <a:solidFill>
+                <a:schemeClr val="accent6"/>
+              </a:solidFill>
+            </a:ln>
+          </p:spPr>
+          <p:style>
+            <a:lnRef idx="2">
+              <a:schemeClr val="accent1">
+                <a:shade val="50000"/>
+              </a:schemeClr>
+            </a:lnRef>
+            <a:fillRef idx="1">
+              <a:schemeClr val="accent1"/>
+            </a:fillRef>
+            <a:effectRef idx="0">
+              <a:schemeClr val="accent1"/>
+            </a:effectRef>
+            <a:fontRef idx="minor">
+              <a:schemeClr val="lt1"/>
+            </a:fontRef>
+          </p:style>
+          <p:txBody>
+            <a:bodyPr rtlCol="0" anchor="ctr"/>
+            <a:lstStyle/>
+            <a:p>
+              <a:pPr algn="ctr"/>
+              <a:r>
+                <a:rPr lang="en-US" sz="1600" dirty="0" smtClean="0">
+                  <a:solidFill>
+                    <a:schemeClr val="tx1"/>
+                  </a:solidFill>
+                  <a:latin typeface="Helvetica Neue" charset="0"/>
+                  <a:ea typeface="Helvetica Neue" charset="0"/>
+                  <a:cs typeface="Helvetica Neue" charset="0"/>
+                </a:rPr>
+                <a:t>Strategic reserve </a:t>
+              </a:r>
+              <a:r>
+                <a:rPr lang="en-US" sz="1600" smtClean="0">
+                  <a:solidFill>
+                    <a:schemeClr val="tx1"/>
+                  </a:solidFill>
+                  <a:latin typeface="Helvetica Neue" charset="0"/>
+                  <a:ea typeface="Helvetica Neue" charset="0"/>
+                  <a:cs typeface="Helvetica Neue" charset="0"/>
+                </a:rPr>
+                <a:t>or emergency product</a:t>
+              </a:r>
+              <a:endParaRPr lang="en-US" sz="1600" dirty="0" smtClean="0">
+                <a:solidFill>
+                  <a:schemeClr val="tx1"/>
+                </a:solidFill>
+                <a:latin typeface="Helvetica Neue" charset="0"/>
+                <a:ea typeface="Helvetica Neue" charset="0"/>
+                <a:cs typeface="Helvetica Neue" charset="0"/>
+              </a:endParaRPr>
+            </a:p>
+          </p:txBody>
+        </p:sp>
+        <p:sp>
+          <p:nvSpPr>
+            <p:cNvPr id="26" name="Diamond 25"/>
+            <p:cNvSpPr/>
+            <p:nvPr/>
+          </p:nvSpPr>
+          <p:spPr>
+            <a:xfrm>
+              <a:off x="6154115" y="6805522"/>
+              <a:ext cx="637628" cy="362864"/>
+            </a:xfrm>
+            <a:prstGeom prst="diamond">
+              <a:avLst/>
+            </a:prstGeom>
+            <a:solidFill>
+              <a:schemeClr val="accent6"/>
+            </a:solidFill>
+            <a:ln>
+              <a:noFill/>
+            </a:ln>
+          </p:spPr>
+          <p:style>
+            <a:lnRef idx="2">
+              <a:schemeClr val="accent1">
+                <a:shade val="50000"/>
+              </a:schemeClr>
+            </a:lnRef>
+            <a:fillRef idx="1">
+              <a:schemeClr val="accent1"/>
+            </a:fillRef>
+            <a:effectRef idx="0">
+              <a:schemeClr val="accent1"/>
+            </a:effectRef>
+            <a:fontRef idx="minor">
+              <a:schemeClr val="lt1"/>
+            </a:fontRef>
+          </p:style>
+          <p:txBody>
+            <a:bodyPr rot="0" spcFirstLastPara="0" vertOverflow="overflow" horzOverflow="overflow" vert="horz" wrap="square" lIns="91440" tIns="45720" rIns="91440" bIns="45720" numCol="1" spcCol="0" rtlCol="0" fromWordArt="0" anchor="ctr" anchorCtr="0" forceAA="0" compatLnSpc="1">
+              <a:prstTxWarp prst="textNoShape">
+                <a:avLst/>
+              </a:prstTxWarp>
+              <a:noAutofit/>
+            </a:bodyPr>
+            <a:lstStyle/>
+            <a:p>
+              <a:pPr algn="ctr"/>
+              <a:endParaRPr lang="en-US"/>
+            </a:p>
+          </p:txBody>
+        </p:sp>
+        <p:cxnSp>
+          <p:nvCxnSpPr>
+            <p:cNvPr id="27" name="Straight Arrow Connector 26"/>
+            <p:cNvCxnSpPr/>
+            <p:nvPr/>
+          </p:nvCxnSpPr>
+          <p:spPr>
+            <a:xfrm flipH="1">
+              <a:off x="4211498" y="6986954"/>
+              <a:ext cx="4409213" cy="0"/>
+            </a:xfrm>
+            <a:prstGeom prst="straightConnector1">
+              <a:avLst/>
+            </a:prstGeom>
+            <a:ln>
+              <a:solidFill>
+                <a:schemeClr val="accent6"/>
+              </a:solidFill>
+              <a:tailEnd type="none"/>
+            </a:ln>
+          </p:spPr>
+          <p:style>
+            <a:lnRef idx="1">
+              <a:schemeClr val="accent1"/>
+            </a:lnRef>
+            <a:fillRef idx="0">
+              <a:schemeClr val="accent1"/>
+            </a:fillRef>
+            <a:effectRef idx="0">
+              <a:schemeClr val="accent1"/>
+            </a:effectRef>
+            <a:fontRef idx="minor">
+              <a:schemeClr val="tx1"/>
+            </a:fontRef>
+          </p:style>
+        </p:cxnSp>
+        <p:cxnSp>
+          <p:nvCxnSpPr>
+            <p:cNvPr id="28" name="Straight Arrow Connector 27"/>
+            <p:cNvCxnSpPr>
+              <a:endCxn id="12" idx="2"/>
+            </p:cNvCxnSpPr>
+            <p:nvPr/>
+          </p:nvCxnSpPr>
+          <p:spPr>
+            <a:xfrm flipV="1">
+              <a:off x="4240332" y="4906389"/>
+              <a:ext cx="0" cy="2080565"/>
+            </a:xfrm>
+            <a:prstGeom prst="straightConnector1">
+              <a:avLst/>
+            </a:prstGeom>
+            <a:ln>
+              <a:solidFill>
+                <a:schemeClr val="accent6"/>
+              </a:solidFill>
+              <a:headEnd type="triangle"/>
+              <a:tailEnd type="none"/>
+            </a:ln>
+          </p:spPr>
+          <p:style>
+            <a:lnRef idx="1">
+              <a:schemeClr val="accent1"/>
+            </a:lnRef>
+            <a:fillRef idx="0">
+              <a:schemeClr val="accent1"/>
+            </a:fillRef>
+            <a:effectRef idx="0">
+              <a:schemeClr val="accent1"/>
+            </a:effectRef>
+            <a:fontRef idx="minor">
+              <a:schemeClr val="tx1"/>
+            </a:fontRef>
+          </p:style>
+        </p:cxnSp>
+        <p:cxnSp>
+          <p:nvCxnSpPr>
+            <p:cNvPr id="29" name="Straight Arrow Connector 28"/>
+            <p:cNvCxnSpPr>
+              <a:endCxn id="21" idx="2"/>
+            </p:cNvCxnSpPr>
+            <p:nvPr/>
+          </p:nvCxnSpPr>
+          <p:spPr>
+            <a:xfrm flipV="1">
+              <a:off x="8620711" y="6602351"/>
+              <a:ext cx="0" cy="384603"/>
+            </a:xfrm>
+            <a:prstGeom prst="straightConnector1">
+              <a:avLst/>
+            </a:prstGeom>
+            <a:ln>
+              <a:solidFill>
+                <a:schemeClr val="accent6"/>
+              </a:solidFill>
+              <a:headEnd type="triangle"/>
+              <a:tailEnd type="none"/>
+            </a:ln>
+          </p:spPr>
+          <p:style>
+            <a:lnRef idx="1">
+              <a:schemeClr val="accent1"/>
+            </a:lnRef>
+            <a:fillRef idx="0">
+              <a:schemeClr val="accent1"/>
+            </a:fillRef>
+            <a:effectRef idx="0">
+              <a:schemeClr val="accent1"/>
+            </a:effectRef>
+            <a:fontRef idx="minor">
+              <a:schemeClr val="tx1"/>
+            </a:fontRef>
+          </p:style>
+        </p:cxnSp>
+        <p:sp>
+          <p:nvSpPr>
+            <p:cNvPr id="38" name="Rectangle 37"/>
+            <p:cNvSpPr/>
+            <p:nvPr/>
+          </p:nvSpPr>
+          <p:spPr>
+            <a:xfrm>
+              <a:off x="5230332" y="6214354"/>
+              <a:ext cx="2651729" cy="619282"/>
+            </a:xfrm>
+            <a:prstGeom prst="rect">
+              <a:avLst/>
+            </a:prstGeom>
+            <a:noFill/>
+            <a:ln>
+              <a:noFill/>
+            </a:ln>
+          </p:spPr>
+          <p:style>
+            <a:lnRef idx="2">
+              <a:schemeClr val="accent1">
+                <a:shade val="50000"/>
+              </a:schemeClr>
+            </a:lnRef>
+            <a:fillRef idx="1">
+              <a:schemeClr val="accent1"/>
+            </a:fillRef>
+            <a:effectRef idx="0">
+              <a:schemeClr val="accent1"/>
+            </a:effectRef>
+            <a:fontRef idx="minor">
+              <a:schemeClr val="lt1"/>
+            </a:fontRef>
+          </p:style>
+          <p:txBody>
+            <a:bodyPr rtlCol="0" anchor="ctr"/>
+            <a:lstStyle/>
+            <a:p>
+              <a:pPr algn="ctr"/>
+              <a:r>
+                <a:rPr lang="en-US" sz="1400" smtClean="0">
+                  <a:solidFill>
+                    <a:sysClr val="windowText" lastClr="000000"/>
+                  </a:solidFill>
+                  <a:latin typeface="Helvetica Neue" charset="0"/>
+                  <a:ea typeface="Helvetica Neue" charset="0"/>
+                  <a:cs typeface="Helvetica Neue" charset="0"/>
+                </a:rPr>
+                <a:t>Is accessible?</a:t>
+              </a:r>
+              <a:endParaRPr lang="en-US" sz="1400" dirty="0">
+                <a:solidFill>
+                  <a:sysClr val="windowText" lastClr="000000"/>
+                </a:solidFill>
+                <a:latin typeface="Helvetica Neue" charset="0"/>
+                <a:ea typeface="Helvetica Neue" charset="0"/>
+                <a:cs typeface="Helvetica Neue" charset="0"/>
+              </a:endParaRPr>
+            </a:p>
+          </p:txBody>
+        </p:sp>
+        <p:sp>
+          <p:nvSpPr>
+            <p:cNvPr id="40" name="Rectangle 39"/>
+            <p:cNvSpPr/>
+            <p:nvPr/>
+          </p:nvSpPr>
+          <p:spPr>
+            <a:xfrm>
+              <a:off x="5687103" y="7026267"/>
+              <a:ext cx="785825" cy="538338"/>
+            </a:xfrm>
+            <a:prstGeom prst="rect">
+              <a:avLst/>
+            </a:prstGeom>
+            <a:noFill/>
+            <a:ln>
+              <a:noFill/>
+            </a:ln>
+          </p:spPr>
+          <p:style>
+            <a:lnRef idx="2">
+              <a:schemeClr val="accent1">
+                <a:shade val="50000"/>
+              </a:schemeClr>
+            </a:lnRef>
+            <a:fillRef idx="1">
+              <a:schemeClr val="accent1"/>
+            </a:fillRef>
+            <a:effectRef idx="0">
+              <a:schemeClr val="accent1"/>
+            </a:effectRef>
+            <a:fontRef idx="minor">
+              <a:schemeClr val="lt1"/>
+            </a:fontRef>
+          </p:style>
+          <p:txBody>
+            <a:bodyPr rtlCol="0" anchor="ctr"/>
+            <a:lstStyle/>
+            <a:p>
+              <a:pPr algn="ctr"/>
+              <a:r>
+                <a:rPr lang="en-US" sz="1400" dirty="0" smtClean="0">
+                  <a:solidFill>
+                    <a:sysClr val="windowText" lastClr="000000"/>
+                  </a:solidFill>
+                  <a:latin typeface="Helvetica Neue" charset="0"/>
+                  <a:ea typeface="Helvetica Neue" charset="0"/>
+                  <a:cs typeface="Helvetica Neue" charset="0"/>
+                </a:rPr>
+                <a:t>Yes</a:t>
+              </a:r>
+              <a:endParaRPr lang="en-US" sz="1400" dirty="0">
+                <a:solidFill>
+                  <a:sysClr val="windowText" lastClr="000000"/>
+                </a:solidFill>
+                <a:latin typeface="Helvetica Neue" charset="0"/>
+                <a:ea typeface="Helvetica Neue" charset="0"/>
+                <a:cs typeface="Helvetica Neue" charset="0"/>
+              </a:endParaRPr>
+            </a:p>
+          </p:txBody>
+        </p:sp>
+        <p:cxnSp>
+          <p:nvCxnSpPr>
+            <p:cNvPr id="41" name="Straight Arrow Connector 40"/>
+            <p:cNvCxnSpPr/>
+            <p:nvPr/>
+          </p:nvCxnSpPr>
+          <p:spPr>
+            <a:xfrm flipV="1">
+              <a:off x="6472928" y="7168386"/>
+              <a:ext cx="0" cy="468000"/>
+            </a:xfrm>
+            <a:prstGeom prst="straightConnector1">
+              <a:avLst/>
+            </a:prstGeom>
+            <a:ln>
+              <a:solidFill>
+                <a:schemeClr val="accent6"/>
+              </a:solidFill>
+              <a:headEnd type="triangle"/>
+              <a:tailEnd type="none"/>
+            </a:ln>
+          </p:spPr>
+          <p:style>
+            <a:lnRef idx="1">
+              <a:schemeClr val="accent1"/>
+            </a:lnRef>
+            <a:fillRef idx="0">
+              <a:schemeClr val="accent1"/>
+            </a:fillRef>
+            <a:effectRef idx="0">
+              <a:schemeClr val="accent1"/>
+            </a:effectRef>
+            <a:fontRef idx="minor">
+              <a:schemeClr val="tx1"/>
+            </a:fontRef>
+          </p:style>
+        </p:cxnSp>
+        <p:sp>
+          <p:nvSpPr>
+            <p:cNvPr id="42" name="Parallelogram 41"/>
+            <p:cNvSpPr/>
+            <p:nvPr/>
+          </p:nvSpPr>
+          <p:spPr>
+            <a:xfrm>
+              <a:off x="5158928" y="7650705"/>
+              <a:ext cx="2628000" cy="519222"/>
+            </a:xfrm>
+            <a:prstGeom prst="parallelogram">
+              <a:avLst/>
+            </a:prstGeom>
+            <a:solidFill>
+              <a:schemeClr val="accent6">
+                <a:lumMod val="50000"/>
+              </a:schemeClr>
+            </a:solidFill>
+            <a:ln>
+              <a:noFill/>
+            </a:ln>
+          </p:spPr>
+          <p:style>
+            <a:lnRef idx="2">
+              <a:schemeClr val="accent1">
+                <a:shade val="50000"/>
+              </a:schemeClr>
+            </a:lnRef>
+            <a:fillRef idx="1">
+              <a:schemeClr val="accent1"/>
+            </a:fillRef>
+            <a:effectRef idx="0">
+              <a:schemeClr val="accent1"/>
+            </a:effectRef>
+            <a:fontRef idx="minor">
+              <a:schemeClr val="lt1"/>
+            </a:fontRef>
+          </p:style>
+          <p:txBody>
+            <a:bodyPr rtlCol="0" anchor="ctr"/>
+            <a:lstStyle/>
+            <a:p>
+              <a:pPr algn="ctr"/>
+              <a:r>
+                <a:rPr lang="en-US" b="1" dirty="0" smtClean="0">
+                  <a:solidFill>
+                    <a:schemeClr val="bg1"/>
+                  </a:solidFill>
+                  <a:latin typeface="Helvetica Neue" charset="0"/>
+                  <a:ea typeface="Helvetica Neue" charset="0"/>
+                  <a:cs typeface="Helvetica Neue" charset="0"/>
+                </a:rPr>
+                <a:t>Qualitative analysis</a:t>
+              </a:r>
+              <a:endParaRPr lang="en-US" b="1" dirty="0">
+                <a:solidFill>
+                  <a:schemeClr val="bg1"/>
+                </a:solidFill>
+                <a:latin typeface="Helvetica Neue" charset="0"/>
+                <a:ea typeface="Helvetica Neue" charset="0"/>
+                <a:cs typeface="Helvetica Neue" charset="0"/>
+              </a:endParaRPr>
+            </a:p>
+          </p:txBody>
+        </p:sp>
+      </p:grpSp>
+    </p:spTree>
+    <p:extLst>
+      <p:ext uri="{BB962C8B-B14F-4D97-AF65-F5344CB8AC3E}">
+        <p14:creationId xmlns:p14="http://schemas.microsoft.com/office/powerpoint/2010/main" val="1203964498"/>
+      </p:ext>
+    </p:extLst>
+  </p:cSld>
+  <p:clrMapOvr>
+    <a:masterClrMapping/>
+  </p:clrMapOvr>
+</p:sld>
+</file>
+
 <file path=ppt/theme/theme1.xml><?xml version="1.0" encoding="utf-8"?>
+<a:theme xmlns:a="http://schemas.openxmlformats.org/drawingml/2006/main" name="Office Theme">
+  <a:themeElements>
+    <a:clrScheme name="Office Theme">
+      <a:dk1>
+        <a:sysClr val="windowText" lastClr="000000"/>
+      </a:dk1>
+      <a:lt1>
+        <a:sysClr val="window" lastClr="FFFFFF"/>
+      </a:lt1>
+      <a:dk2>
+        <a:srgbClr val="44546A"/>
+      </a:dk2>
+      <a:lt2>
+        <a:srgbClr val="E7E6E6"/>
+      </a:lt2>
+      <a:accent1>
+        <a:srgbClr val="4472C4"/>
+      </a:accent1>
+      <a:accent2>
+        <a:srgbClr val="ED7D31"/>
+      </a:accent2>
+      <a:accent3>
+        <a:srgbClr val="A5A5A5"/>
+      </a:accent3>
+      <a:accent4>
+        <a:srgbClr val="FFC000"/>
+      </a:accent4>
+      <a:accent5>
+        <a:srgbClr val="5B9BD5"/>
+      </a:accent5>
+      <a:accent6>
+        <a:srgbClr val="70AD47"/>
+      </a:accent6>
+      <a:hlink>
+        <a:srgbClr val="0563C1"/>
+      </a:hlink>
+      <a:folHlink>
+        <a:srgbClr val="954F72"/>
+      </a:folHlink>
+    </a:clrScheme>
+    <a:fontScheme name="Office Theme">
+      <a:majorFont>
+        <a:latin typeface="Calibri Light" panose="020F0302020204030204"/>
+        <a:ea typeface=""/>
+        <a:cs typeface=""/>
+        <a:font script="Jpan" typeface="游ゴシック Light"/>
+        <a:font script="Hang" typeface="맑은 고딕"/>
+        <a:font script="Hans" typeface="等线 Light"/>
+        <a:font script="Hant" typeface="新細明體"/>
+        <a:font script="Arab" typeface="Times New Roman"/>
+        <a:font script="Hebr" typeface="Times New Roman"/>
+        <a:font script="Thai" typeface="Angsana New"/>
+        <a:font script="Ethi" typeface="Nyala"/>
+        <a:font script="Beng" typeface="Vrinda"/>
+        <a:font script="Gujr" typeface="Shruti"/>
+        <a:font script="Khmr" typeface="MoolBoran"/>
+        <a:font script="Knda" typeface="Tunga"/>
+        <a:font script="Guru" typeface="Raavi"/>
+        <a:font script="Cans" typeface="Euphemia"/>
+        <a:font script="Cher" typeface="Plantagenet Cherokee"/>
+        <a:font script="Yiii" typeface="Microsoft Yi Baiti"/>
+        <a:font script="Tibt" typeface="Microsoft Himalaya"/>
+        <a:font script="Thaa" typeface="MV Boli"/>
+        <a:font script="Deva" typeface="Mangal"/>
+        <a:font script="Telu" typeface="Gautami"/>
+        <a:font script="Taml" typeface="Latha"/>
+        <a:font script="Syrc" typeface="Estrangelo Edessa"/>
+        <a:font script="Orya" typeface="Kalinga"/>
+        <a:font script="Mlym" typeface="Kartika"/>
+        <a:font script="Laoo" typeface="DokChampa"/>
+        <a:font script="Sinh" typeface="Iskoola Pota"/>
+        <a:font script="Mong" typeface="Mongolian Baiti"/>
+        <a:font script="Viet" typeface="Times New Roman"/>
+        <a:font script="Uigh" typeface="Microsoft Uighur"/>
+        <a:font script="Geor" typeface="Sylfaen"/>
+      </a:majorFont>
+      <a:minorFont>
+        <a:latin typeface="Calibri" panose="020F0502020204030204"/>
+        <a:ea typeface=""/>
+        <a:cs typeface=""/>
+        <a:font script="Jpan" typeface="游ゴシック"/>
+        <a:font script="Hang" typeface="맑은 고딕"/>
+        <a:font script="Hans" typeface="等线"/>
+        <a:font script="Hant" typeface="新細明體"/>
+        <a:font script="Arab" typeface="Arial"/>
+        <a:font script="Hebr" typeface="Arial"/>
+        <a:font script="Thai" typeface="Cordia New"/>
+        <a:font script="Ethi" typeface="Nyala"/>
+        <a:font script="Beng" typeface="Vrinda"/>
+        <a:font script="Gujr" typeface="Shruti"/>
+        <a:font script="Khmr" typeface="DaunPenh"/>
+        <a:font script="Knda" typeface="Tunga"/>
+        <a:font script="Guru" typeface="Raavi"/>
+        <a:font script="Cans" typeface="Euphemia"/>
+        <a:font script="Cher" typeface="Plantagenet Cherokee"/>
+        <a:font script="Yiii" typeface="Microsoft Yi Baiti"/>
+        <a:font script="Tibt" typeface="Microsoft Himalaya"/>
+        <a:font script="Thaa" typeface="MV Boli"/>
+        <a:font script="Deva" typeface="Mangal"/>
+        <a:font script="Telu" typeface="Gautami"/>
+        <a:font script="Taml" typeface="Latha"/>
+        <a:font script="Syrc" typeface="Estrangelo Edessa"/>
+        <a:font script="Orya" typeface="Kalinga"/>
+        <a:font script="Mlym" typeface="Kartika"/>
+        <a:font script="Laoo" typeface="DokChampa"/>
+        <a:font script="Sinh" typeface="Iskoola Pota"/>
+        <a:font script="Mong" typeface="Mongolian Baiti"/>
+        <a:font script="Viet" typeface="Arial"/>
+        <a:font script="Uigh" typeface="Microsoft Uighur"/>
+        <a:font script="Geor" typeface="Sylfaen"/>
+      </a:minorFont>
+    </a:fontScheme>
+    <a:fmtScheme name="Office Theme">
+      <a:fillStyleLst>
+        <a:solidFill>
+          <a:schemeClr val="phClr"/>
+        </a:solidFill>
+        <a:gradFill rotWithShape="1">
+          <a:gsLst>
+            <a:gs pos="0">
+              <a:schemeClr val="phClr">
+                <a:lumMod val="110000"/>
+                <a:satMod val="105000"/>
+                <a:tint val="67000"/>
+              </a:schemeClr>
+            </a:gs>
+            <a:gs pos="50000">
+              <a:schemeClr val="phClr">
+                <a:lumMod val="105000"/>
+                <a:satMod val="103000"/>
+                <a:tint val="73000"/>
+              </a:schemeClr>
+            </a:gs>
+            <a:gs pos="100000">
+              <a:schemeClr val="phClr">
+                <a:lumMod val="105000"/>
+                <a:satMod val="109000"/>
+                <a:tint val="81000"/>
+              </a:schemeClr>
+            </a:gs>
+          </a:gsLst>
+          <a:lin ang="5400000" scaled="0"/>
+        </a:gradFill>
+        <a:gradFill rotWithShape="1">
+          <a:gsLst>
+            <a:gs pos="0">
+              <a:schemeClr val="phClr">
+                <a:satMod val="103000"/>
+                <a:lumMod val="102000"/>
+                <a:tint val="94000"/>
+              </a:schemeClr>
+            </a:gs>
+            <a:gs pos="50000">
+              <a:schemeClr val="phClr">
+                <a:satMod val="110000"/>
+                <a:lumMod val="100000"/>
+                <a:shade val="100000"/>
+              </a:schemeClr>
+            </a:gs>
+            <a:gs pos="100000">
+              <a:schemeClr val="phClr">
+                <a:lumMod val="99000"/>
+                <a:satMod val="120000"/>
+                <a:shade val="78000"/>
+              </a:schemeClr>
+            </a:gs>
+          </a:gsLst>
+          <a:lin ang="5400000" scaled="0"/>
+        </a:gradFill>
+      </a:fillStyleLst>
+      <a:lnStyleLst>
+        <a:ln w="6350" cap="flat" cmpd="sng" algn="ctr">
+          <a:solidFill>
+            <a:schemeClr val="phClr"/>
+          </a:solidFill>
+          <a:prstDash val="solid"/>
+          <a:miter lim="800000"/>
+        </a:ln>
+        <a:ln w="12700" cap="flat" cmpd="sng" algn="ctr">
+          <a:solidFill>
+            <a:schemeClr val="phClr"/>
+          </a:solidFill>
+          <a:prstDash val="solid"/>
+          <a:miter lim="800000"/>
+        </a:ln>
+        <a:ln w="19050" cap="flat" cmpd="sng" algn="ctr">
+          <a:solidFill>
+            <a:schemeClr val="phClr"/>
+          </a:solidFill>
+          <a:prstDash val="solid"/>
+          <a:miter lim="800000"/>
+        </a:ln>
+      </a:lnStyleLst>
+      <a:effectStyleLst>
+        <a:effectStyle>
+          <a:effectLst/>
+        </a:effectStyle>
+        <a:effectStyle>
+          <a:effectLst/>
+        </a:effectStyle>
+        <a:effectStyle>
+          <a:effectLst>
+            <a:outerShdw blurRad="57150" dist="19050" dir="5400000" algn="ctr" rotWithShape="0">
+              <a:srgbClr val="000000">
+                <a:alpha val="63000"/>
+              </a:srgbClr>
+            </a:outerShdw>
+          </a:effectLst>
+        </a:effectStyle>
+      </a:effectStyleLst>
+      <a:bgFillStyleLst>
+        <a:solidFill>
+          <a:schemeClr val="phClr"/>
+        </a:solidFill>
+        <a:solidFill>
+          <a:schemeClr val="phClr">
+            <a:tint val="95000"/>
+            <a:satMod val="170000"/>
+          </a:schemeClr>
+        </a:solidFill>
+        <a:gradFill rotWithShape="1">
+          <a:gsLst>
+            <a:gs pos="0">
+              <a:schemeClr val="phClr">
+                <a:tint val="93000"/>
+                <a:satMod val="150000"/>
+                <a:shade val="98000"/>
+                <a:lumMod val="102000"/>
+              </a:schemeClr>
+            </a:gs>
+            <a:gs pos="50000">
+              <a:schemeClr val="phClr">
+                <a:tint val="98000"/>
+                <a:satMod val="130000"/>
+                <a:shade val="90000"/>
+                <a:lumMod val="103000"/>
+              </a:schemeClr>
+            </a:gs>
+            <a:gs pos="100000">
+              <a:schemeClr val="phClr">
+                <a:shade val="63000"/>
+                <a:satMod val="120000"/>
+              </a:schemeClr>
+            </a:gs>
+          </a:gsLst>
+          <a:lin ang="5400000" scaled="0"/>
+        </a:gradFill>
+      </a:bgFillStyleLst>
+    </a:fmtScheme>
+  </a:themeElements>
+  <a:objectDefaults/>
+  <a:extraClrSchemeLst/>
+  <a:extLst>
+    <a:ext uri="{05A4C25C-085E-4340-85A3-A5531E510DB2}">
+      <thm15:themeFamily xmlns:thm15="http://schemas.microsoft.com/office/thememl/2012/main" name="Office Theme" id="{62F939B6-93AF-4DB8-9C6B-D6C7DFDC589F}" vid="{4A3C46E8-61CC-4603-A589-7422A47A8E4A}"/>
+    </a:ext>
+  </a:extLst>
+</a:theme>
+</file>
+
+<file path=ppt/theme/theme2.xml><?xml version="1.0" encoding="utf-8"?>
 <a:theme xmlns:a="http://schemas.openxmlformats.org/drawingml/2006/main" name="Office Theme">
   <a:themeElements>
     <a:clrScheme name="Office">

--- a/WriteUp/Figures/MarketIllustrations.pptx
+++ b/WriteUp/Figures/MarketIllustrations.pptx
@@ -115,6 +115,11 @@
       </a:defRPr>
     </a:lvl9pPr>
   </p:defaultTextStyle>
+  <p:extLst>
+    <p:ext uri="{EFAFB233-063F-42B5-8137-9DF3F51BA10A}">
+      <p15:sldGuideLst xmlns:p15="http://schemas.microsoft.com/office/powerpoint/2012/main"/>
+    </p:ext>
+  </p:extLst>
 </p:presentation>
 </file>
 
@@ -200,7 +205,7 @@
           <a:p>
             <a:fld id="{905D8B24-B522-254E-881E-9C7D322A71C6}" type="datetimeFigureOut">
               <a:rPr lang="en-US" smtClean="0"/>
-              <a:t>4/2/18</a:t>
+              <a:t>4/3/18</a:t>
             </a:fld>
             <a:endParaRPr lang="en-US"/>
           </a:p>
@@ -599,7 +604,7 @@
           <a:p>
             <a:fld id="{36FDC343-7D50-F045-9F8D-E69C350376AD}" type="datetimeFigureOut">
               <a:rPr lang="en-US" smtClean="0"/>
-              <a:t>4/1/18</a:t>
+              <a:t>4/3/18</a:t>
             </a:fld>
             <a:endParaRPr lang="en-US"/>
           </a:p>
@@ -764,7 +769,7 @@
           <a:p>
             <a:fld id="{36FDC343-7D50-F045-9F8D-E69C350376AD}" type="datetimeFigureOut">
               <a:rPr lang="en-US" smtClean="0"/>
-              <a:t>4/1/18</a:t>
+              <a:t>4/3/18</a:t>
             </a:fld>
             <a:endParaRPr lang="en-US"/>
           </a:p>
@@ -939,7 +944,7 @@
           <a:p>
             <a:fld id="{36FDC343-7D50-F045-9F8D-E69C350376AD}" type="datetimeFigureOut">
               <a:rPr lang="en-US" smtClean="0"/>
-              <a:t>4/1/18</a:t>
+              <a:t>4/3/18</a:t>
             </a:fld>
             <a:endParaRPr lang="en-US"/>
           </a:p>
@@ -1364,7 +1369,7 @@
                 <a:ea typeface="Helvetica Neue" charset="0"/>
                 <a:cs typeface="Helvetica Neue" charset="0"/>
               </a:rPr>
-              <a:t>2 April 2018</a:t>
+              <a:t>3 April 2018</a:t>
             </a:fld>
             <a:endParaRPr lang="en-US" sz="1400" dirty="0" smtClean="0">
               <a:latin typeface="Helvetica Neue" charset="0"/>
@@ -1845,7 +1850,7 @@
                 <a:ea typeface="Helvetica Neue" charset="0"/>
                 <a:cs typeface="Helvetica Neue" charset="0"/>
               </a:rPr>
-              <a:t>2 April 2018</a:t>
+              <a:t>3 April 2018</a:t>
             </a:fld>
             <a:endParaRPr lang="en-US" sz="1400" dirty="0" smtClean="0">
               <a:latin typeface="Helvetica Neue" charset="0"/>
@@ -2326,7 +2331,7 @@
                 <a:ea typeface="Helvetica Neue" charset="0"/>
                 <a:cs typeface="Helvetica Neue" charset="0"/>
               </a:rPr>
-              <a:t>2 April 2018</a:t>
+              <a:t>3 April 2018</a:t>
             </a:fld>
             <a:endParaRPr lang="en-US" sz="1400" dirty="0" smtClean="0">
               <a:latin typeface="Helvetica Neue" charset="0"/>
@@ -2547,7 +2552,7 @@
           <a:p>
             <a:fld id="{36FDC343-7D50-F045-9F8D-E69C350376AD}" type="datetimeFigureOut">
               <a:rPr lang="en-US" smtClean="0"/>
-              <a:t>4/1/18</a:t>
+              <a:t>4/3/18</a:t>
             </a:fld>
             <a:endParaRPr lang="en-US"/>
           </a:p>
@@ -2786,7 +2791,7 @@
           <a:p>
             <a:fld id="{36FDC343-7D50-F045-9F8D-E69C350376AD}" type="datetimeFigureOut">
               <a:rPr lang="en-US" smtClean="0"/>
-              <a:t>4/1/18</a:t>
+              <a:t>4/3/18</a:t>
             </a:fld>
             <a:endParaRPr lang="en-US"/>
           </a:p>
@@ -3013,7 +3018,7 @@
           <a:p>
             <a:fld id="{36FDC343-7D50-F045-9F8D-E69C350376AD}" type="datetimeFigureOut">
               <a:rPr lang="en-US" smtClean="0"/>
-              <a:t>4/1/18</a:t>
+              <a:t>4/3/18</a:t>
             </a:fld>
             <a:endParaRPr lang="en-US"/>
           </a:p>
@@ -3375,7 +3380,7 @@
           <a:p>
             <a:fld id="{36FDC343-7D50-F045-9F8D-E69C350376AD}" type="datetimeFigureOut">
               <a:rPr lang="en-US" smtClean="0"/>
-              <a:t>4/1/18</a:t>
+              <a:t>4/3/18</a:t>
             </a:fld>
             <a:endParaRPr lang="en-US"/>
           </a:p>
@@ -3488,7 +3493,7 @@
           <a:p>
             <a:fld id="{36FDC343-7D50-F045-9F8D-E69C350376AD}" type="datetimeFigureOut">
               <a:rPr lang="en-US" smtClean="0"/>
-              <a:t>4/1/18</a:t>
+              <a:t>4/3/18</a:t>
             </a:fld>
             <a:endParaRPr lang="en-US"/>
           </a:p>
@@ -3578,7 +3583,7 @@
           <a:p>
             <a:fld id="{36FDC343-7D50-F045-9F8D-E69C350376AD}" type="datetimeFigureOut">
               <a:rPr lang="en-US" smtClean="0"/>
-              <a:t>4/1/18</a:t>
+              <a:t>4/3/18</a:t>
             </a:fld>
             <a:endParaRPr lang="en-US"/>
           </a:p>
@@ -3850,7 +3855,7 @@
           <a:p>
             <a:fld id="{36FDC343-7D50-F045-9F8D-E69C350376AD}" type="datetimeFigureOut">
               <a:rPr lang="en-US" smtClean="0"/>
-              <a:t>4/1/18</a:t>
+              <a:t>4/3/18</a:t>
             </a:fld>
             <a:endParaRPr lang="en-US"/>
           </a:p>
@@ -4102,7 +4107,7 @@
           <a:p>
             <a:fld id="{36FDC343-7D50-F045-9F8D-E69C350376AD}" type="datetimeFigureOut">
               <a:rPr lang="en-US" smtClean="0"/>
-              <a:t>4/1/18</a:t>
+              <a:t>4/3/18</a:t>
             </a:fld>
             <a:endParaRPr lang="en-US"/>
           </a:p>
@@ -4310,7 +4315,7 @@
           <a:p>
             <a:fld id="{36FDC343-7D50-F045-9F8D-E69C350376AD}" type="datetimeFigureOut">
               <a:rPr lang="en-US" smtClean="0"/>
-              <a:t>4/1/18</a:t>
+              <a:t>4/3/18</a:t>
             </a:fld>
             <a:endParaRPr lang="en-US"/>
           </a:p>
@@ -4961,14 +4966,6 @@
                 </a:rPr>
                 <a:t>SC</a:t>
               </a:r>
-              <a:endParaRPr lang="en-US">
-                <a:solidFill>
-                  <a:sysClr val="windowText" lastClr="000000"/>
-                </a:solidFill>
-                <a:latin typeface="Helvetica Neue" charset="0"/>
-                <a:ea typeface="Helvetica Neue" charset="0"/>
-                <a:cs typeface="Helvetica Neue" charset="0"/>
-              </a:endParaRPr>
             </a:p>
           </p:txBody>
         </p:sp>
@@ -5028,14 +5025,6 @@
                 </a:rPr>
                 <a:t>PM</a:t>
               </a:r>
-              <a:endParaRPr lang="en-US" dirty="0">
-                <a:solidFill>
-                  <a:sysClr val="windowText" lastClr="000000"/>
-                </a:solidFill>
-                <a:latin typeface="Helvetica Neue" charset="0"/>
-                <a:ea typeface="Helvetica Neue" charset="0"/>
-                <a:cs typeface="Helvetica Neue" charset="0"/>
-              </a:endParaRPr>
             </a:p>
           </p:txBody>
         </p:sp>
@@ -5095,14 +5084,6 @@
                 </a:rPr>
                 <a:t>AS</a:t>
               </a:r>
-              <a:endParaRPr lang="en-US">
-                <a:solidFill>
-                  <a:sysClr val="windowText" lastClr="000000"/>
-                </a:solidFill>
-                <a:latin typeface="Helvetica Neue" charset="0"/>
-                <a:ea typeface="Helvetica Neue" charset="0"/>
-                <a:cs typeface="Helvetica Neue" charset="0"/>
-              </a:endParaRPr>
             </a:p>
           </p:txBody>
         </p:sp>
@@ -5162,14 +5143,6 @@
                 </a:rPr>
                 <a:t>TO</a:t>
               </a:r>
-              <a:endParaRPr lang="en-US" dirty="0">
-                <a:solidFill>
-                  <a:sysClr val="windowText" lastClr="000000"/>
-                </a:solidFill>
-                <a:latin typeface="Helvetica Neue" charset="0"/>
-                <a:ea typeface="Helvetica Neue" charset="0"/>
-                <a:cs typeface="Helvetica Neue" charset="0"/>
-              </a:endParaRPr>
             </a:p>
           </p:txBody>
         </p:sp>
@@ -5319,14 +5292,6 @@
                 </a:rPr>
                 <a:t>SC</a:t>
               </a:r>
-              <a:endParaRPr lang="en-US">
-                <a:solidFill>
-                  <a:sysClr val="windowText" lastClr="000000"/>
-                </a:solidFill>
-                <a:latin typeface="Helvetica Neue" charset="0"/>
-                <a:ea typeface="Helvetica Neue" charset="0"/>
-                <a:cs typeface="Helvetica Neue" charset="0"/>
-              </a:endParaRPr>
             </a:p>
           </p:txBody>
         </p:sp>
@@ -5386,14 +5351,6 @@
                 </a:rPr>
                 <a:t>PM / Bilateral transactions</a:t>
               </a:r>
-              <a:endParaRPr lang="en-US" dirty="0">
-                <a:solidFill>
-                  <a:sysClr val="windowText" lastClr="000000"/>
-                </a:solidFill>
-                <a:latin typeface="Helvetica Neue" charset="0"/>
-                <a:ea typeface="Helvetica Neue" charset="0"/>
-                <a:cs typeface="Helvetica Neue" charset="0"/>
-              </a:endParaRPr>
             </a:p>
           </p:txBody>
         </p:sp>
@@ -5453,14 +5410,6 @@
                 </a:rPr>
                 <a:t>AS</a:t>
               </a:r>
-              <a:endParaRPr lang="en-US">
-                <a:solidFill>
-                  <a:sysClr val="windowText" lastClr="000000"/>
-                </a:solidFill>
-                <a:latin typeface="Helvetica Neue" charset="0"/>
-                <a:ea typeface="Helvetica Neue" charset="0"/>
-                <a:cs typeface="Helvetica Neue" charset="0"/>
-              </a:endParaRPr>
             </a:p>
           </p:txBody>
         </p:sp>
@@ -5520,14 +5469,6 @@
                 </a:rPr>
                 <a:t>TO</a:t>
               </a:r>
-              <a:endParaRPr lang="en-US" dirty="0">
-                <a:solidFill>
-                  <a:sysClr val="windowText" lastClr="000000"/>
-                </a:solidFill>
-                <a:latin typeface="Helvetica Neue" charset="0"/>
-                <a:ea typeface="Helvetica Neue" charset="0"/>
-                <a:cs typeface="Helvetica Neue" charset="0"/>
-              </a:endParaRPr>
             </a:p>
           </p:txBody>
         </p:sp>
@@ -6005,14 +5946,6 @@
                 </a:rPr>
                 <a:t>Power Exchange</a:t>
               </a:r>
-              <a:endParaRPr lang="en-US" b="1" dirty="0">
-                <a:solidFill>
-                  <a:schemeClr val="accent6"/>
-                </a:solidFill>
-                <a:latin typeface="Helvetica Neue" charset="0"/>
-                <a:ea typeface="Helvetica Neue" charset="0"/>
-                <a:cs typeface="Helvetica Neue" charset="0"/>
-              </a:endParaRPr>
             </a:p>
           </p:txBody>
         </p:sp>
@@ -6611,14 +6544,6 @@
                 </a:rPr>
                 <a:t>Day-ahead market</a:t>
               </a:r>
-              <a:endParaRPr lang="en-US" sz="1600" dirty="0">
-                <a:solidFill>
-                  <a:sysClr val="windowText" lastClr="000000"/>
-                </a:solidFill>
-                <a:latin typeface="Helvetica Neue" charset="0"/>
-                <a:ea typeface="Helvetica Neue" charset="0"/>
-                <a:cs typeface="Helvetica Neue" charset="0"/>
-              </a:endParaRPr>
             </a:p>
           </p:txBody>
         </p:sp>
@@ -6678,14 +6603,6 @@
                 </a:rPr>
                 <a:t>Day-ahead market</a:t>
               </a:r>
-              <a:endParaRPr lang="en-US" sz="1600" dirty="0">
-                <a:solidFill>
-                  <a:sysClr val="windowText" lastClr="000000"/>
-                </a:solidFill>
-                <a:latin typeface="Helvetica Neue" charset="0"/>
-                <a:ea typeface="Helvetica Neue" charset="0"/>
-                <a:cs typeface="Helvetica Neue" charset="0"/>
-              </a:endParaRPr>
             </a:p>
           </p:txBody>
         </p:sp>
@@ -6745,14 +6662,6 @@
                 </a:rPr>
                 <a:t>Real-time market</a:t>
               </a:r>
-              <a:endParaRPr lang="en-US" sz="1600" dirty="0">
-                <a:solidFill>
-                  <a:sysClr val="windowText" lastClr="000000"/>
-                </a:solidFill>
-                <a:latin typeface="Helvetica Neue" charset="0"/>
-                <a:ea typeface="Helvetica Neue" charset="0"/>
-                <a:cs typeface="Helvetica Neue" charset="0"/>
-              </a:endParaRPr>
             </a:p>
           </p:txBody>
         </p:sp>
@@ -6812,14 +6721,6 @@
                 </a:rPr>
                 <a:t>Intra-day market</a:t>
               </a:r>
-              <a:endParaRPr lang="en-US" sz="1600" dirty="0">
-                <a:solidFill>
-                  <a:sysClr val="windowText" lastClr="000000"/>
-                </a:solidFill>
-                <a:latin typeface="Helvetica Neue" charset="0"/>
-                <a:ea typeface="Helvetica Neue" charset="0"/>
-                <a:cs typeface="Helvetica Neue" charset="0"/>
-              </a:endParaRPr>
             </a:p>
           </p:txBody>
         </p:sp>
@@ -6879,14 +6780,6 @@
                 </a:rPr>
                 <a:t>Balancing energy market</a:t>
               </a:r>
-              <a:endParaRPr lang="en-US" sz="1600" dirty="0">
-                <a:solidFill>
-                  <a:sysClr val="windowText" lastClr="000000"/>
-                </a:solidFill>
-                <a:latin typeface="Helvetica Neue" charset="0"/>
-                <a:ea typeface="Helvetica Neue" charset="0"/>
-                <a:cs typeface="Helvetica Neue" charset="0"/>
-              </a:endParaRPr>
             </a:p>
           </p:txBody>
         </p:sp>
@@ -7011,14 +6904,6 @@
                 </a:rPr>
                 <a:t>Operating day (D)</a:t>
               </a:r>
-              <a:endParaRPr lang="en-US" sz="1600" dirty="0">
-                <a:solidFill>
-                  <a:sysClr val="windowText" lastClr="000000"/>
-                </a:solidFill>
-                <a:latin typeface="Helvetica Neue" charset="0"/>
-                <a:ea typeface="Helvetica Neue" charset="0"/>
-                <a:cs typeface="Helvetica Neue" charset="0"/>
-              </a:endParaRPr>
             </a:p>
           </p:txBody>
         </p:sp>
@@ -7073,14 +6958,6 @@
                 </a:rPr>
                 <a:t>Day-ahead (D -1)</a:t>
               </a:r>
-              <a:endParaRPr lang="en-US" sz="1600" dirty="0">
-                <a:solidFill>
-                  <a:sysClr val="windowText" lastClr="000000"/>
-                </a:solidFill>
-                <a:latin typeface="Helvetica Neue" charset="0"/>
-                <a:ea typeface="Helvetica Neue" charset="0"/>
-                <a:cs typeface="Helvetica Neue" charset="0"/>
-              </a:endParaRPr>
             </a:p>
           </p:txBody>
         </p:sp>
@@ -7171,14 +7048,6 @@
                 </a:rPr>
                 <a:t>Power pool</a:t>
               </a:r>
-              <a:endParaRPr lang="en-US" sz="1600" dirty="0">
-                <a:solidFill>
-                  <a:sysClr val="windowText" lastClr="000000"/>
-                </a:solidFill>
-                <a:latin typeface="Helvetica Neue" charset="0"/>
-                <a:ea typeface="Helvetica Neue" charset="0"/>
-                <a:cs typeface="Helvetica Neue" charset="0"/>
-              </a:endParaRPr>
             </a:p>
           </p:txBody>
         </p:sp>
@@ -7383,14 +7252,6 @@
               </a:rPr>
               <a:t>Capacity</a:t>
             </a:r>
-            <a:endParaRPr lang="en-US" sz="1600" dirty="0">
-              <a:solidFill>
-                <a:schemeClr val="bg1"/>
-              </a:solidFill>
-              <a:latin typeface="Helvetica Neue" charset="0"/>
-              <a:ea typeface="Helvetica Neue" charset="0"/>
-              <a:cs typeface="Helvetica Neue" charset="0"/>
-            </a:endParaRPr>
           </a:p>
         </p:txBody>
       </p:sp>
@@ -7450,14 +7311,6 @@
               </a:rPr>
               <a:t>Procuring capacity</a:t>
             </a:r>
-            <a:endParaRPr lang="en-US" sz="1600" dirty="0">
-              <a:solidFill>
-                <a:sysClr val="windowText" lastClr="000000"/>
-              </a:solidFill>
-              <a:latin typeface="Helvetica Neue" charset="0"/>
-              <a:ea typeface="Helvetica Neue" charset="0"/>
-              <a:cs typeface="Helvetica Neue" charset="0"/>
-            </a:endParaRPr>
           </a:p>
         </p:txBody>
       </p:sp>
@@ -7514,14 +7367,6 @@
               </a:rPr>
               <a:t>Energy</a:t>
             </a:r>
-            <a:endParaRPr lang="en-US" sz="1600" dirty="0">
-              <a:solidFill>
-                <a:schemeClr val="bg1"/>
-              </a:solidFill>
-              <a:latin typeface="Helvetica Neue" charset="0"/>
-              <a:ea typeface="Helvetica Neue" charset="0"/>
-              <a:cs typeface="Helvetica Neue" charset="0"/>
-            </a:endParaRPr>
           </a:p>
         </p:txBody>
       </p:sp>
@@ -7581,14 +7426,6 @@
               </a:rPr>
               <a:t>Delivering balancing energy</a:t>
             </a:r>
-            <a:endParaRPr lang="en-US" sz="1600" dirty="0">
-              <a:solidFill>
-                <a:sysClr val="windowText" lastClr="000000"/>
-              </a:solidFill>
-              <a:latin typeface="Helvetica Neue" charset="0"/>
-              <a:ea typeface="Helvetica Neue" charset="0"/>
-              <a:cs typeface="Helvetica Neue" charset="0"/>
-            </a:endParaRPr>
           </a:p>
         </p:txBody>
       </p:sp>
@@ -7713,14 +7550,6 @@
               </a:rPr>
               <a:t>Operating day</a:t>
             </a:r>
-            <a:endParaRPr lang="en-US" sz="1600" dirty="0">
-              <a:solidFill>
-                <a:sysClr val="windowText" lastClr="000000"/>
-              </a:solidFill>
-              <a:latin typeface="Helvetica Neue" charset="0"/>
-              <a:ea typeface="Helvetica Neue" charset="0"/>
-              <a:cs typeface="Helvetica Neue" charset="0"/>
-            </a:endParaRPr>
           </a:p>
         </p:txBody>
       </p:sp>
@@ -7775,14 +7604,6 @@
               </a:rPr>
               <a:t>Day-ahead</a:t>
             </a:r>
-            <a:endParaRPr lang="en-US" sz="1600" dirty="0">
-              <a:solidFill>
-                <a:sysClr val="windowText" lastClr="000000"/>
-              </a:solidFill>
-              <a:latin typeface="Helvetica Neue" charset="0"/>
-              <a:ea typeface="Helvetica Neue" charset="0"/>
-              <a:cs typeface="Helvetica Neue" charset="0"/>
-            </a:endParaRPr>
           </a:p>
         </p:txBody>
       </p:sp>
@@ -7872,14 +7693,6 @@
               </a:rPr>
               <a:t>Week-ahead</a:t>
             </a:r>
-            <a:endParaRPr lang="en-US" sz="1600" dirty="0">
-              <a:solidFill>
-                <a:sysClr val="windowText" lastClr="000000"/>
-              </a:solidFill>
-              <a:latin typeface="Helvetica Neue" charset="0"/>
-              <a:ea typeface="Helvetica Neue" charset="0"/>
-              <a:cs typeface="Helvetica Neue" charset="0"/>
-            </a:endParaRPr>
           </a:p>
         </p:txBody>
       </p:sp>
@@ -7969,14 +7782,6 @@
               </a:rPr>
               <a:t>Long-term</a:t>
             </a:r>
-            <a:endParaRPr lang="en-US" sz="1600" dirty="0">
-              <a:solidFill>
-                <a:sysClr val="windowText" lastClr="000000"/>
-              </a:solidFill>
-              <a:latin typeface="Helvetica Neue" charset="0"/>
-              <a:ea typeface="Helvetica Neue" charset="0"/>
-              <a:cs typeface="Helvetica Neue" charset="0"/>
-            </a:endParaRPr>
           </a:p>
         </p:txBody>
       </p:sp>
@@ -8100,16 +7905,16 @@
       </p:cxnSp>
       <p:grpSp>
         <p:nvGrpSpPr>
-          <p:cNvPr id="95" name="Group 94"/>
+          <p:cNvPr id="5" name="Group 4"/>
           <p:cNvGrpSpPr/>
           <p:nvPr/>
         </p:nvGrpSpPr>
         <p:grpSpPr>
           <a:xfrm>
             <a:off x="49078" y="8763495"/>
-            <a:ext cx="11338677" cy="3331757"/>
-            <a:chOff x="-615421" y="3192163"/>
-            <a:chExt cx="11338677" cy="3331757"/>
+            <a:ext cx="11543063" cy="3331757"/>
+            <a:chOff x="49078" y="8763495"/>
+            <a:chExt cx="11543063" cy="3331757"/>
           </a:xfrm>
         </p:grpSpPr>
         <p:sp>
@@ -8120,7 +7925,7 @@
           </p:nvSpPr>
           <p:spPr>
             <a:xfrm>
-              <a:off x="1568740" y="4153071"/>
+              <a:off x="2233239" y="9724403"/>
               <a:ext cx="1781212" cy="519222"/>
             </a:xfrm>
             <a:prstGeom prst="rect">
@@ -8165,14 +7970,6 @@
                 </a:rPr>
                 <a:t>System Operator</a:t>
               </a:r>
-              <a:endParaRPr lang="en-US" sz="1600" dirty="0">
-                <a:solidFill>
-                  <a:schemeClr val="bg1"/>
-                </a:solidFill>
-                <a:latin typeface="Helvetica Neue" charset="0"/>
-                <a:ea typeface="Helvetica Neue" charset="0"/>
-                <a:cs typeface="Helvetica Neue" charset="0"/>
-              </a:endParaRPr>
             </a:p>
           </p:txBody>
         </p:sp>
@@ -8184,7 +7981,7 @@
           </p:nvSpPr>
           <p:spPr>
             <a:xfrm>
-              <a:off x="280351" y="5912658"/>
+              <a:off x="944850" y="11483990"/>
               <a:ext cx="1781212" cy="519222"/>
             </a:xfrm>
             <a:prstGeom prst="rect">
@@ -8229,14 +8026,6 @@
                 </a:rPr>
                 <a:t>Ancillary Service provider</a:t>
               </a:r>
-              <a:endParaRPr lang="en-US" sz="1600" dirty="0">
-                <a:solidFill>
-                  <a:schemeClr val="bg1"/>
-                </a:solidFill>
-                <a:latin typeface="Helvetica Neue" charset="0"/>
-                <a:ea typeface="Helvetica Neue" charset="0"/>
-                <a:cs typeface="Helvetica Neue" charset="0"/>
-              </a:endParaRPr>
             </a:p>
           </p:txBody>
         </p:sp>
@@ -8248,7 +8037,7 @@
           </p:nvSpPr>
           <p:spPr>
             <a:xfrm>
-              <a:off x="2732865" y="5912658"/>
+              <a:off x="3397364" y="11483990"/>
               <a:ext cx="1781212" cy="519222"/>
             </a:xfrm>
             <a:prstGeom prst="rect">
@@ -8291,7 +8080,18 @@
                   <a:ea typeface="Helvetica Neue" charset="0"/>
                   <a:cs typeface="Helvetica Neue" charset="0"/>
                 </a:rPr>
-                <a:t>Electricity Market participate</a:t>
+                <a:t>Electricity Market </a:t>
+              </a:r>
+              <a:r>
+                <a:rPr lang="en-US" sz="1600" dirty="0" smtClean="0">
+                  <a:solidFill>
+                    <a:schemeClr val="bg1"/>
+                  </a:solidFill>
+                  <a:latin typeface="Helvetica Neue" charset="0"/>
+                  <a:ea typeface="Helvetica Neue" charset="0"/>
+                  <a:cs typeface="Helvetica Neue" charset="0"/>
+                </a:rPr>
+                <a:t>participant</a:t>
               </a:r>
               <a:endParaRPr lang="en-US" sz="1600" dirty="0">
                 <a:solidFill>
@@ -8312,7 +8112,7 @@
           </p:nvCxnSpPr>
           <p:spPr>
             <a:xfrm flipH="1">
-              <a:off x="1224739" y="4865576"/>
+              <a:off x="1889238" y="10436908"/>
               <a:ext cx="688001" cy="917334"/>
             </a:xfrm>
             <a:prstGeom prst="straightConnector1">
@@ -8348,7 +8148,7 @@
           </p:nvCxnSpPr>
           <p:spPr>
             <a:xfrm flipV="1">
-              <a:off x="985169" y="4840162"/>
+              <a:off x="1649668" y="10411494"/>
               <a:ext cx="679085" cy="905446"/>
             </a:xfrm>
             <a:prstGeom prst="straightConnector1">
@@ -8384,7 +8184,7 @@
           </p:nvCxnSpPr>
           <p:spPr>
             <a:xfrm flipH="1" flipV="1">
-              <a:off x="2905979" y="4828274"/>
+              <a:off x="3570478" y="10399606"/>
               <a:ext cx="688001" cy="917334"/>
             </a:xfrm>
             <a:prstGeom prst="straightConnector1">
@@ -8420,7 +8220,7 @@
           </p:nvCxnSpPr>
           <p:spPr>
             <a:xfrm>
-              <a:off x="3207997" y="4802860"/>
+              <a:off x="3872496" y="10374192"/>
               <a:ext cx="683542" cy="942748"/>
             </a:xfrm>
             <a:prstGeom prst="straightConnector1">
@@ -8456,7 +8256,7 @@
           </p:nvSpPr>
           <p:spPr>
             <a:xfrm>
-              <a:off x="-615421" y="4774826"/>
+              <a:off x="49078" y="10346158"/>
               <a:ext cx="2676984" cy="446198"/>
             </a:xfrm>
             <a:prstGeom prst="rect">
@@ -8524,7 +8324,7 @@
           </p:nvSpPr>
           <p:spPr>
             <a:xfrm>
-              <a:off x="1134067" y="5382935"/>
+              <a:off x="1798566" y="10954267"/>
               <a:ext cx="1399690" cy="446198"/>
             </a:xfrm>
             <a:prstGeom prst="rect">
@@ -8586,7 +8386,7 @@
           </p:nvSpPr>
           <p:spPr>
             <a:xfrm>
-              <a:off x="2712520" y="4854199"/>
+              <a:off x="3377019" y="10425531"/>
               <a:ext cx="2676984" cy="446198"/>
             </a:xfrm>
             <a:prstGeom prst="rect">
@@ -8640,14 +8440,6 @@
                 </a:rPr>
                 <a:t>Obligation</a:t>
               </a:r>
-              <a:endParaRPr lang="en-US" sz="1400" b="1" dirty="0">
-                <a:solidFill>
-                  <a:schemeClr val="tx2"/>
-                </a:solidFill>
-                <a:latin typeface="Helvetica Neue" charset="0"/>
-                <a:ea typeface="Helvetica Neue" charset="0"/>
-                <a:cs typeface="Helvetica Neue" charset="0"/>
-              </a:endParaRPr>
             </a:p>
           </p:txBody>
         </p:sp>
@@ -8659,7 +8451,7 @@
           </p:nvSpPr>
           <p:spPr>
             <a:xfrm>
-              <a:off x="7748977" y="5481576"/>
+              <a:off x="8617862" y="11052908"/>
               <a:ext cx="1399690" cy="446198"/>
             </a:xfrm>
             <a:prstGeom prst="rect">
@@ -8721,7 +8513,7 @@
           </p:nvSpPr>
           <p:spPr>
             <a:xfrm>
-              <a:off x="6771380" y="3779206"/>
+              <a:off x="7640265" y="9350538"/>
               <a:ext cx="1781212" cy="519222"/>
             </a:xfrm>
             <a:prstGeom prst="rect">
@@ -8766,14 +8558,6 @@
                 </a:rPr>
                 <a:t>System Operator</a:t>
               </a:r>
-              <a:endParaRPr lang="en-US" sz="1600" dirty="0">
-                <a:solidFill>
-                  <a:schemeClr val="bg1"/>
-                </a:solidFill>
-                <a:latin typeface="Helvetica Neue" charset="0"/>
-                <a:ea typeface="Helvetica Neue" charset="0"/>
-                <a:cs typeface="Helvetica Neue" charset="0"/>
-              </a:endParaRPr>
             </a:p>
           </p:txBody>
         </p:sp>
@@ -8785,7 +8569,7 @@
           </p:nvSpPr>
           <p:spPr>
             <a:xfrm>
-              <a:off x="6886144" y="6004698"/>
+              <a:off x="7755029" y="11576030"/>
               <a:ext cx="1781212" cy="519222"/>
             </a:xfrm>
             <a:prstGeom prst="rect">
@@ -8830,14 +8614,6 @@
                 </a:rPr>
                 <a:t>Ancillary Service provider</a:t>
               </a:r>
-              <a:endParaRPr lang="en-US" sz="1600" dirty="0">
-                <a:solidFill>
-                  <a:schemeClr val="bg1"/>
-                </a:solidFill>
-                <a:latin typeface="Helvetica Neue" charset="0"/>
-                <a:ea typeface="Helvetica Neue" charset="0"/>
-                <a:cs typeface="Helvetica Neue" charset="0"/>
-              </a:endParaRPr>
             </a:p>
           </p:txBody>
         </p:sp>
@@ -8849,7 +8625,7 @@
           </p:nvSpPr>
           <p:spPr>
             <a:xfrm>
-              <a:off x="8471535" y="5011128"/>
+              <a:off x="9340420" y="10582460"/>
               <a:ext cx="1781212" cy="519222"/>
             </a:xfrm>
             <a:prstGeom prst="rect">
@@ -8892,7 +8668,18 @@
                   <a:ea typeface="Helvetica Neue" charset="0"/>
                   <a:cs typeface="Helvetica Neue" charset="0"/>
                 </a:rPr>
-                <a:t>Electricity Market participate</a:t>
+                <a:t>Electricity Market </a:t>
+              </a:r>
+              <a:r>
+                <a:rPr lang="en-US" sz="1600" dirty="0" smtClean="0">
+                  <a:solidFill>
+                    <a:schemeClr val="bg1"/>
+                  </a:solidFill>
+                  <a:latin typeface="Helvetica Neue" charset="0"/>
+                  <a:ea typeface="Helvetica Neue" charset="0"/>
+                  <a:cs typeface="Helvetica Neue" charset="0"/>
+                </a:rPr>
+                <a:t>participant</a:t>
               </a:r>
               <a:endParaRPr lang="en-US" sz="1600" dirty="0">
                 <a:solidFill>
@@ -8913,7 +8700,7 @@
           </p:nvCxnSpPr>
           <p:spPr>
             <a:xfrm flipH="1">
-              <a:off x="6183352" y="4403019"/>
+              <a:off x="7052237" y="9974351"/>
               <a:ext cx="900000" cy="540000"/>
             </a:xfrm>
             <a:prstGeom prst="straightConnector1">
@@ -8949,7 +8736,7 @@
           </p:nvCxnSpPr>
           <p:spPr>
             <a:xfrm>
-              <a:off x="8410637" y="4428995"/>
+              <a:off x="9279522" y="10000327"/>
               <a:ext cx="900000" cy="540000"/>
             </a:xfrm>
             <a:prstGeom prst="straightConnector1">
@@ -8985,7 +8772,7 @@
           </p:nvSpPr>
           <p:spPr>
             <a:xfrm>
-              <a:off x="8046272" y="4310801"/>
+              <a:off x="8915157" y="9882133"/>
               <a:ext cx="2676984" cy="446198"/>
             </a:xfrm>
             <a:prstGeom prst="rect">
@@ -9039,14 +8826,6 @@
                 </a:rPr>
                 <a:t>Obligation</a:t>
               </a:r>
-              <a:endParaRPr lang="en-US" sz="1400" b="1" dirty="0">
-                <a:solidFill>
-                  <a:schemeClr val="tx2"/>
-                </a:solidFill>
-                <a:latin typeface="Helvetica Neue" charset="0"/>
-                <a:ea typeface="Helvetica Neue" charset="0"/>
-                <a:cs typeface="Helvetica Neue" charset="0"/>
-              </a:endParaRPr>
             </a:p>
           </p:txBody>
         </p:sp>
@@ -9058,7 +8837,7 @@
           </p:nvSpPr>
           <p:spPr>
             <a:xfrm>
-              <a:off x="4718331" y="4297935"/>
+              <a:off x="5587216" y="9869267"/>
               <a:ext cx="2676984" cy="446198"/>
             </a:xfrm>
             <a:prstGeom prst="rect">
@@ -9112,14 +8891,6 @@
                 </a:rPr>
                 <a:t>Obligation</a:t>
               </a:r>
-              <a:endParaRPr lang="en-US" sz="1400" b="1" dirty="0">
-                <a:solidFill>
-                  <a:schemeClr val="tx2"/>
-                </a:solidFill>
-                <a:latin typeface="Helvetica Neue" charset="0"/>
-                <a:ea typeface="Helvetica Neue" charset="0"/>
-                <a:cs typeface="Helvetica Neue" charset="0"/>
-              </a:endParaRPr>
             </a:p>
           </p:txBody>
         </p:sp>
@@ -9131,7 +8902,7 @@
           </p:nvSpPr>
           <p:spPr>
             <a:xfrm>
-              <a:off x="5184758" y="5011128"/>
+              <a:off x="6053643" y="10582460"/>
               <a:ext cx="1781212" cy="519222"/>
             </a:xfrm>
             <a:prstGeom prst="rect">
@@ -9174,7 +8945,18 @@
                   <a:ea typeface="Helvetica Neue" charset="0"/>
                   <a:cs typeface="Helvetica Neue" charset="0"/>
                 </a:rPr>
-                <a:t>Electricity Market participate</a:t>
+                <a:t>Electricity Market </a:t>
+              </a:r>
+              <a:r>
+                <a:rPr lang="en-US" sz="1600" dirty="0" smtClean="0">
+                  <a:solidFill>
+                    <a:schemeClr val="bg1"/>
+                  </a:solidFill>
+                  <a:latin typeface="Helvetica Neue" charset="0"/>
+                  <a:ea typeface="Helvetica Neue" charset="0"/>
+                  <a:cs typeface="Helvetica Neue" charset="0"/>
+                </a:rPr>
+                <a:t>participant</a:t>
               </a:r>
               <a:endParaRPr lang="en-US" sz="1600" dirty="0">
                 <a:solidFill>
@@ -9195,7 +8977,7 @@
           </p:nvCxnSpPr>
           <p:spPr>
             <a:xfrm flipH="1">
-              <a:off x="6965971" y="5234227"/>
+              <a:off x="7834856" y="10805559"/>
               <a:ext cx="429344" cy="0"/>
             </a:xfrm>
             <a:prstGeom prst="straightConnector1">
@@ -9232,7 +9014,7 @@
           </p:nvCxnSpPr>
           <p:spPr>
             <a:xfrm flipH="1">
-              <a:off x="6965971" y="5398719"/>
+              <a:off x="7834856" y="10970051"/>
               <a:ext cx="439870" cy="0"/>
             </a:xfrm>
             <a:prstGeom prst="straightConnector1">
@@ -9269,7 +9051,7 @@
           </p:nvSpPr>
           <p:spPr>
             <a:xfrm>
-              <a:off x="7428552" y="5022325"/>
+              <a:off x="8297437" y="10593657"/>
               <a:ext cx="580400" cy="580400"/>
             </a:xfrm>
             <a:prstGeom prst="ellipse">
@@ -9323,7 +9105,7 @@
           </p:nvCxnSpPr>
           <p:spPr>
             <a:xfrm flipV="1">
-              <a:off x="7604471" y="5602725"/>
+              <a:off x="8473356" y="11174057"/>
               <a:ext cx="0" cy="324000"/>
             </a:xfrm>
             <a:prstGeom prst="straightConnector1">
@@ -9359,7 +9141,7 @@
           </p:nvCxnSpPr>
           <p:spPr>
             <a:xfrm>
-              <a:off x="7841772" y="5611987"/>
+              <a:off x="8710657" y="11183319"/>
               <a:ext cx="0" cy="324000"/>
             </a:xfrm>
             <a:prstGeom prst="straightConnector1">
@@ -9395,7 +9177,7 @@
           </p:nvCxnSpPr>
           <p:spPr>
             <a:xfrm flipH="1">
-              <a:off x="8031665" y="5234227"/>
+              <a:off x="8900550" y="10805559"/>
               <a:ext cx="429344" cy="0"/>
             </a:xfrm>
             <a:prstGeom prst="straightConnector1">
@@ -9432,7 +9214,7 @@
           </p:nvCxnSpPr>
           <p:spPr>
             <a:xfrm flipH="1">
-              <a:off x="8031665" y="5398719"/>
+              <a:off x="8900550" y="10970051"/>
               <a:ext cx="439870" cy="0"/>
             </a:xfrm>
             <a:prstGeom prst="straightConnector1">
@@ -9469,7 +9251,7 @@
           </p:nvSpPr>
           <p:spPr>
             <a:xfrm>
-              <a:off x="6431838" y="4527428"/>
+              <a:off x="7300723" y="10098760"/>
               <a:ext cx="2676984" cy="446198"/>
             </a:xfrm>
             <a:prstGeom prst="rect">
@@ -9537,7 +9319,7 @@
           </p:nvSpPr>
           <p:spPr>
             <a:xfrm>
-              <a:off x="2350825" y="5382441"/>
+              <a:off x="3015324" y="10953773"/>
               <a:ext cx="1399690" cy="446198"/>
             </a:xfrm>
             <a:prstGeom prst="rect">
@@ -9580,14 +9362,6 @@
                 </a:rPr>
                 <a:t>Charge</a:t>
               </a:r>
-              <a:endParaRPr lang="en-US" sz="1400" b="1" dirty="0">
-                <a:solidFill>
-                  <a:schemeClr val="accent2"/>
-                </a:solidFill>
-                <a:latin typeface="Helvetica Neue" charset="0"/>
-                <a:ea typeface="Helvetica Neue" charset="0"/>
-                <a:cs typeface="Helvetica Neue" charset="0"/>
-              </a:endParaRPr>
             </a:p>
           </p:txBody>
         </p:sp>
@@ -9599,7 +9373,7 @@
           </p:nvSpPr>
           <p:spPr>
             <a:xfrm>
-              <a:off x="1079275" y="3192163"/>
+              <a:off x="1743774" y="8763495"/>
               <a:ext cx="2908964" cy="519222"/>
             </a:xfrm>
             <a:prstGeom prst="rect">
@@ -9661,7 +9435,7 @@
           </p:nvSpPr>
           <p:spPr>
             <a:xfrm>
-              <a:off x="6207504" y="3235463"/>
+              <a:off x="7140720" y="8806795"/>
               <a:ext cx="2908964" cy="519222"/>
             </a:xfrm>
             <a:prstGeom prst="rect">
@@ -9704,9 +9478,68 @@
                 </a:rPr>
                 <a:t>Decentralized procurement</a:t>
               </a:r>
-              <a:endParaRPr lang="en-US" sz="1600" b="1" dirty="0">
+            </a:p>
+          </p:txBody>
+        </p:sp>
+        <p:sp>
+          <p:nvSpPr>
+            <p:cNvPr id="50" name="Rectangle 49"/>
+            <p:cNvSpPr/>
+            <p:nvPr/>
+          </p:nvSpPr>
+          <p:spPr>
+            <a:xfrm>
+              <a:off x="5456104" y="11282872"/>
+              <a:ext cx="2154123" cy="720340"/>
+            </a:xfrm>
+            <a:prstGeom prst="rect">
+              <a:avLst/>
+            </a:prstGeom>
+            <a:solidFill>
+              <a:schemeClr val="accent6">
+                <a:lumMod val="20000"/>
+                <a:lumOff val="80000"/>
+              </a:schemeClr>
+            </a:solidFill>
+            <a:ln>
+              <a:noFill/>
+            </a:ln>
+          </p:spPr>
+          <p:style>
+            <a:lnRef idx="2">
+              <a:schemeClr val="accent1">
+                <a:shade val="50000"/>
+              </a:schemeClr>
+            </a:lnRef>
+            <a:fillRef idx="1">
+              <a:schemeClr val="accent1"/>
+            </a:fillRef>
+            <a:effectRef idx="0">
+              <a:schemeClr val="accent1"/>
+            </a:effectRef>
+            <a:fontRef idx="minor">
+              <a:schemeClr val="lt1"/>
+            </a:fontRef>
+          </p:style>
+          <p:txBody>
+            <a:bodyPr rtlCol="0" anchor="ctr"/>
+            <a:lstStyle/>
+            <a:p>
+              <a:pPr algn="ctr"/>
+              <a:r>
+                <a:rPr lang="en-US" sz="1400" i="1" dirty="0" smtClean="0">
+                  <a:solidFill>
+                    <a:schemeClr val="tx1"/>
+                  </a:solidFill>
+                  <a:latin typeface="Helvetica Neue" charset="0"/>
+                  <a:ea typeface="Helvetica Neue" charset="0"/>
+                  <a:cs typeface="Helvetica Neue" charset="0"/>
+                </a:rPr>
+                <a:t>Bilateral agreement and/ or market organized by system operator</a:t>
+              </a:r>
+              <a:endParaRPr lang="en-US" sz="1400" i="1" dirty="0">
                 <a:solidFill>
-                  <a:sysClr val="windowText" lastClr="000000"/>
+                  <a:schemeClr val="tx1"/>
                 </a:solidFill>
                 <a:latin typeface="Helvetica Neue" charset="0"/>
                 <a:ea typeface="Helvetica Neue" charset="0"/>
@@ -9715,6 +9548,46 @@
             </a:p>
           </p:txBody>
         </p:sp>
+        <p:cxnSp>
+          <p:nvCxnSpPr>
+            <p:cNvPr id="4" name="Straight Connector 3"/>
+            <p:cNvCxnSpPr>
+              <a:endCxn id="82" idx="3"/>
+            </p:cNvCxnSpPr>
+            <p:nvPr/>
+          </p:nvCxnSpPr>
+          <p:spPr>
+            <a:xfrm flipV="1">
+              <a:off x="7567837" y="11089059"/>
+              <a:ext cx="814598" cy="265183"/>
+            </a:xfrm>
+            <a:prstGeom prst="line">
+              <a:avLst/>
+            </a:prstGeom>
+            <a:ln>
+              <a:solidFill>
+                <a:schemeClr val="accent6">
+                  <a:lumMod val="20000"/>
+                  <a:lumOff val="80000"/>
+                </a:schemeClr>
+              </a:solidFill>
+            </a:ln>
+          </p:spPr>
+          <p:style>
+            <a:lnRef idx="1">
+              <a:schemeClr val="accent1"/>
+            </a:lnRef>
+            <a:fillRef idx="0">
+              <a:schemeClr val="accent1"/>
+            </a:fillRef>
+            <a:effectRef idx="0">
+              <a:schemeClr val="accent1"/>
+            </a:effectRef>
+            <a:fontRef idx="minor">
+              <a:schemeClr val="tx1"/>
+            </a:fontRef>
+          </p:style>
+        </p:cxnSp>
       </p:grpSp>
     </p:spTree>
     <p:extLst>
@@ -9957,14 +9830,6 @@
               </a:rPr>
               <a:t>Energy market</a:t>
             </a:r>
-            <a:endParaRPr lang="en-US" sz="1600" dirty="0">
-              <a:solidFill>
-                <a:sysClr val="windowText" lastClr="000000"/>
-              </a:solidFill>
-              <a:latin typeface="Helvetica Neue" charset="0"/>
-              <a:ea typeface="Helvetica Neue" charset="0"/>
-              <a:cs typeface="Helvetica Neue" charset="0"/>
-            </a:endParaRPr>
           </a:p>
         </p:txBody>
       </p:sp>
@@ -10070,14 +9935,6 @@
               </a:rPr>
               <a:t>Power pool or Power Exchange</a:t>
             </a:r>
-            <a:endParaRPr lang="en-US" sz="1400" dirty="0">
-              <a:solidFill>
-                <a:sysClr val="windowText" lastClr="000000"/>
-              </a:solidFill>
-              <a:latin typeface="Helvetica Neue" charset="0"/>
-              <a:ea typeface="Helvetica Neue" charset="0"/>
-              <a:cs typeface="Helvetica Neue" charset="0"/>
-            </a:endParaRPr>
           </a:p>
         </p:txBody>
       </p:sp>
@@ -10137,14 +9994,6 @@
               </a:rPr>
               <a:t>Power pool</a:t>
             </a:r>
-            <a:endParaRPr lang="en-US" sz="1600" dirty="0">
-              <a:solidFill>
-                <a:sysClr val="windowText" lastClr="000000"/>
-              </a:solidFill>
-              <a:latin typeface="Helvetica Neue" charset="0"/>
-              <a:ea typeface="Helvetica Neue" charset="0"/>
-              <a:cs typeface="Helvetica Neue" charset="0"/>
-            </a:endParaRPr>
           </a:p>
         </p:txBody>
       </p:sp>
@@ -10317,14 +10166,6 @@
               </a:rPr>
               <a:t>Power exchange</a:t>
             </a:r>
-            <a:endParaRPr lang="en-US" sz="1600" dirty="0">
-              <a:solidFill>
-                <a:sysClr val="windowText" lastClr="000000"/>
-              </a:solidFill>
-              <a:latin typeface="Helvetica Neue" charset="0"/>
-              <a:ea typeface="Helvetica Neue" charset="0"/>
-              <a:cs typeface="Helvetica Neue" charset="0"/>
-            </a:endParaRPr>
           </a:p>
         </p:txBody>
       </p:sp>
@@ -10734,14 +10575,6 @@
               </a:rPr>
               <a:t>Yes</a:t>
             </a:r>
-            <a:endParaRPr lang="en-US" sz="1400" dirty="0">
-              <a:solidFill>
-                <a:sysClr val="windowText" lastClr="000000"/>
-              </a:solidFill>
-              <a:latin typeface="Helvetica Neue" charset="0"/>
-              <a:ea typeface="Helvetica Neue" charset="0"/>
-              <a:cs typeface="Helvetica Neue" charset="0"/>
-            </a:endParaRPr>
           </a:p>
         </p:txBody>
       </p:sp>
@@ -10801,14 +10634,6 @@
               </a:rPr>
               <a:t>Indirect participation (in complement with existing load)</a:t>
             </a:r>
-            <a:endParaRPr lang="en-US" sz="1600" dirty="0">
-              <a:solidFill>
-                <a:sysClr val="windowText" lastClr="000000"/>
-              </a:solidFill>
-              <a:latin typeface="Helvetica Neue" charset="0"/>
-              <a:ea typeface="Helvetica Neue" charset="0"/>
-              <a:cs typeface="Helvetica Neue" charset="0"/>
-            </a:endParaRPr>
           </a:p>
         </p:txBody>
       </p:sp>
@@ -10971,14 +10796,6 @@
               </a:rPr>
               <a:t>Day-ahead</a:t>
             </a:r>
-            <a:endParaRPr lang="en-US" sz="1600" dirty="0">
-              <a:solidFill>
-                <a:sysClr val="windowText" lastClr="000000"/>
-              </a:solidFill>
-              <a:latin typeface="Helvetica Neue" charset="0"/>
-              <a:ea typeface="Helvetica Neue" charset="0"/>
-              <a:cs typeface="Helvetica Neue" charset="0"/>
-            </a:endParaRPr>
           </a:p>
         </p:txBody>
       </p:sp>
@@ -11038,14 +10855,6 @@
               </a:rPr>
               <a:t>Intra-day</a:t>
             </a:r>
-            <a:endParaRPr lang="en-US" sz="1600" dirty="0">
-              <a:solidFill>
-                <a:sysClr val="windowText" lastClr="000000"/>
-              </a:solidFill>
-              <a:latin typeface="Helvetica Neue" charset="0"/>
-              <a:ea typeface="Helvetica Neue" charset="0"/>
-              <a:cs typeface="Helvetica Neue" charset="0"/>
-            </a:endParaRPr>
           </a:p>
         </p:txBody>
       </p:sp>
@@ -11105,14 +10914,6 @@
               </a:rPr>
               <a:t>Real-time</a:t>
             </a:r>
-            <a:endParaRPr lang="en-US" sz="1600" dirty="0">
-              <a:solidFill>
-                <a:sysClr val="windowText" lastClr="000000"/>
-              </a:solidFill>
-              <a:latin typeface="Helvetica Neue" charset="0"/>
-              <a:ea typeface="Helvetica Neue" charset="0"/>
-              <a:cs typeface="Helvetica Neue" charset="0"/>
-            </a:endParaRPr>
           </a:p>
         </p:txBody>
       </p:sp>
@@ -11506,14 +11307,6 @@
                 </a:rPr>
                 <a:t>Energy market</a:t>
               </a:r>
-              <a:endParaRPr lang="en-US" sz="1600" dirty="0">
-                <a:solidFill>
-                  <a:sysClr val="windowText" lastClr="000000"/>
-                </a:solidFill>
-                <a:latin typeface="Helvetica Neue" charset="0"/>
-                <a:ea typeface="Helvetica Neue" charset="0"/>
-                <a:cs typeface="Helvetica Neue" charset="0"/>
-              </a:endParaRPr>
             </a:p>
           </p:txBody>
         </p:sp>
@@ -11573,14 +11366,6 @@
                 </a:rPr>
                 <a:t>Power pool</a:t>
               </a:r>
-              <a:endParaRPr lang="en-US" sz="1600" dirty="0">
-                <a:solidFill>
-                  <a:sysClr val="windowText" lastClr="000000"/>
-                </a:solidFill>
-                <a:latin typeface="Helvetica Neue" charset="0"/>
-                <a:ea typeface="Helvetica Neue" charset="0"/>
-                <a:cs typeface="Helvetica Neue" charset="0"/>
-              </a:endParaRPr>
             </a:p>
           </p:txBody>
         </p:sp>
@@ -11753,14 +11538,6 @@
                 </a:rPr>
                 <a:t>Power exchange</a:t>
               </a:r>
-              <a:endParaRPr lang="en-US" sz="1600" dirty="0">
-                <a:solidFill>
-                  <a:sysClr val="windowText" lastClr="000000"/>
-                </a:solidFill>
-                <a:latin typeface="Helvetica Neue" charset="0"/>
-                <a:ea typeface="Helvetica Neue" charset="0"/>
-                <a:cs typeface="Helvetica Neue" charset="0"/>
-              </a:endParaRPr>
             </a:p>
           </p:txBody>
         </p:sp>
@@ -11859,14 +11636,6 @@
                 </a:rPr>
                 <a:t>Indirect participation (in complement with existing load)</a:t>
               </a:r>
-              <a:endParaRPr lang="en-US" sz="1600" dirty="0">
-                <a:solidFill>
-                  <a:sysClr val="windowText" lastClr="000000"/>
-                </a:solidFill>
-                <a:latin typeface="Helvetica Neue" charset="0"/>
-                <a:ea typeface="Helvetica Neue" charset="0"/>
-                <a:cs typeface="Helvetica Neue" charset="0"/>
-              </a:endParaRPr>
             </a:p>
           </p:txBody>
         </p:sp>
@@ -11993,14 +11762,6 @@
                 </a:rPr>
                 <a:t>Day-ahead</a:t>
               </a:r>
-              <a:endParaRPr lang="en-US" sz="1600" dirty="0">
-                <a:solidFill>
-                  <a:sysClr val="windowText" lastClr="000000"/>
-                </a:solidFill>
-                <a:latin typeface="Helvetica Neue" charset="0"/>
-                <a:ea typeface="Helvetica Neue" charset="0"/>
-                <a:cs typeface="Helvetica Neue" charset="0"/>
-              </a:endParaRPr>
             </a:p>
           </p:txBody>
         </p:sp>
@@ -12060,14 +11821,6 @@
                 </a:rPr>
                 <a:t>Intra-day</a:t>
               </a:r>
-              <a:endParaRPr lang="en-US" sz="1600" dirty="0">
-                <a:solidFill>
-                  <a:sysClr val="windowText" lastClr="000000"/>
-                </a:solidFill>
-                <a:latin typeface="Helvetica Neue" charset="0"/>
-                <a:ea typeface="Helvetica Neue" charset="0"/>
-                <a:cs typeface="Helvetica Neue" charset="0"/>
-              </a:endParaRPr>
             </a:p>
           </p:txBody>
         </p:sp>
@@ -12127,14 +11880,6 @@
                 </a:rPr>
                 <a:t>Real-time</a:t>
               </a:r>
-              <a:endParaRPr lang="en-US" sz="1600" dirty="0">
-                <a:solidFill>
-                  <a:sysClr val="windowText" lastClr="000000"/>
-                </a:solidFill>
-                <a:latin typeface="Helvetica Neue" charset="0"/>
-                <a:ea typeface="Helvetica Neue" charset="0"/>
-                <a:cs typeface="Helvetica Neue" charset="0"/>
-              </a:endParaRPr>
             </a:p>
           </p:txBody>
         </p:sp>
@@ -12349,14 +12094,6 @@
                 </a:rPr>
                 <a:t>Power pool or Power Exchange</a:t>
               </a:r>
-              <a:endParaRPr lang="en-US" sz="1400" dirty="0">
-                <a:solidFill>
-                  <a:sysClr val="windowText" lastClr="000000"/>
-                </a:solidFill>
-                <a:latin typeface="Helvetica Neue" charset="0"/>
-                <a:ea typeface="Helvetica Neue" charset="0"/>
-                <a:cs typeface="Helvetica Neue" charset="0"/>
-              </a:endParaRPr>
             </a:p>
           </p:txBody>
         </p:sp>
@@ -12758,7 +12495,18 @@
                   <a:ea typeface="Helvetica Neue" charset="0"/>
                   <a:cs typeface="Helvetica Neue" charset="0"/>
                 </a:rPr>
-                <a:t>Certain Market &amp; Technology</a:t>
+                <a:t>Given Market </a:t>
+              </a:r>
+              <a:r>
+                <a:rPr lang="en-US" b="1" dirty="0" smtClean="0">
+                  <a:solidFill>
+                    <a:schemeClr val="bg1"/>
+                  </a:solidFill>
+                  <a:latin typeface="Helvetica Neue" charset="0"/>
+                  <a:ea typeface="Helvetica Neue" charset="0"/>
+                  <a:cs typeface="Helvetica Neue" charset="0"/>
+                </a:rPr>
+                <a:t>&amp; Technology</a:t>
               </a:r>
               <a:endParaRPr lang="en-US" b="1" dirty="0">
                 <a:solidFill>
@@ -12779,8 +12527,8 @@
           </p:nvSpPr>
           <p:spPr>
             <a:xfrm>
-              <a:off x="6235258" y="8249640"/>
-              <a:ext cx="2628000" cy="519222"/>
+              <a:off x="5746634" y="8230672"/>
+              <a:ext cx="3602624" cy="538190"/>
             </a:xfrm>
             <a:prstGeom prst="parallelogram">
               <a:avLst/>
@@ -12824,7 +12572,18 @@
                   <a:ea typeface="Helvetica Neue" charset="0"/>
                   <a:cs typeface="Helvetica Neue" charset="0"/>
                 </a:rPr>
-                <a:t>Qualitative analysis</a:t>
+                <a:t>Conclusions of q</a:t>
+              </a:r>
+              <a:r>
+                <a:rPr lang="en-US" b="1" dirty="0" smtClean="0">
+                  <a:solidFill>
+                    <a:schemeClr val="bg1"/>
+                  </a:solidFill>
+                  <a:latin typeface="Helvetica Neue" charset="0"/>
+                  <a:ea typeface="Helvetica Neue" charset="0"/>
+                  <a:cs typeface="Helvetica Neue" charset="0"/>
+                </a:rPr>
+                <a:t>ualitative assessment</a:t>
               </a:r>
               <a:endParaRPr lang="en-US" b="1" dirty="0">
                 <a:solidFill>
@@ -13026,6 +12785,43 @@
           </p:style>
         </p:cxnSp>
       </p:grpSp>
+      <p:cxnSp>
+        <p:nvCxnSpPr>
+          <p:cNvPr id="36" name="Straight Arrow Connector 35"/>
+          <p:cNvCxnSpPr/>
+          <p:nvPr/>
+        </p:nvCxnSpPr>
+        <p:spPr>
+          <a:xfrm flipH="1">
+            <a:off x="4219720" y="7929188"/>
+            <a:ext cx="1503467" cy="0"/>
+          </a:xfrm>
+          <a:prstGeom prst="straightConnector1">
+            <a:avLst/>
+          </a:prstGeom>
+          <a:ln>
+            <a:solidFill>
+              <a:schemeClr val="accent6"/>
+            </a:solidFill>
+            <a:headEnd type="triangle"/>
+            <a:tailEnd type="none"/>
+          </a:ln>
+        </p:spPr>
+        <p:style>
+          <a:lnRef idx="1">
+            <a:schemeClr val="accent1"/>
+          </a:lnRef>
+          <a:fillRef idx="0">
+            <a:schemeClr val="accent1"/>
+          </a:fillRef>
+          <a:effectRef idx="0">
+            <a:schemeClr val="accent1"/>
+          </a:effectRef>
+          <a:fontRef idx="minor">
+            <a:schemeClr val="tx1"/>
+          </a:fontRef>
+        </p:style>
+      </p:cxnSp>
     </p:spTree>
     <p:extLst>
       <p:ext uri="{BB962C8B-B14F-4D97-AF65-F5344CB8AC3E}">
@@ -13103,9 +12899,9 @@
         <p:grpSpPr>
           <a:xfrm>
             <a:off x="1141339" y="3128965"/>
-            <a:ext cx="10717628" cy="6793814"/>
+            <a:ext cx="10717628" cy="6800791"/>
             <a:chOff x="1141339" y="3128965"/>
-            <a:chExt cx="10717628" cy="6793814"/>
+            <a:chExt cx="10717628" cy="6800791"/>
           </a:xfrm>
         </p:grpSpPr>
         <p:sp>
@@ -13387,14 +13183,6 @@
                 </a:rPr>
                 <a:t>Marketplaces</a:t>
               </a:r>
-              <a:endParaRPr lang="en-US" sz="1600" dirty="0">
-                <a:solidFill>
-                  <a:sysClr val="windowText" lastClr="000000"/>
-                </a:solidFill>
-                <a:latin typeface="Helvetica Neue" charset="0"/>
-                <a:ea typeface="Helvetica Neue" charset="0"/>
-                <a:cs typeface="Helvetica Neue" charset="0"/>
-              </a:endParaRPr>
             </a:p>
           </p:txBody>
         </p:sp>
@@ -13914,7 +13702,18 @@
                   <a:ea typeface="Helvetica Neue" charset="0"/>
                   <a:cs typeface="Helvetica Neue" charset="0"/>
                 </a:rPr>
-                <a:t>Certain Market &amp; Technology</a:t>
+                <a:t>Given Market </a:t>
+              </a:r>
+              <a:r>
+                <a:rPr lang="en-US" b="1" dirty="0" smtClean="0">
+                  <a:solidFill>
+                    <a:schemeClr val="bg1"/>
+                  </a:solidFill>
+                  <a:latin typeface="Helvetica Neue" charset="0"/>
+                  <a:ea typeface="Helvetica Neue" charset="0"/>
+                  <a:cs typeface="Helvetica Neue" charset="0"/>
+                </a:rPr>
+                <a:t>&amp; Technology</a:t>
               </a:r>
               <a:endParaRPr lang="en-US" b="1" dirty="0">
                 <a:solidFill>
@@ -13935,8 +13734,8 @@
           </p:nvSpPr>
           <p:spPr>
             <a:xfrm>
-              <a:off x="5164947" y="9403557"/>
-              <a:ext cx="2628000" cy="519222"/>
+              <a:off x="4720825" y="9410534"/>
+              <a:ext cx="3600000" cy="519222"/>
             </a:xfrm>
             <a:prstGeom prst="parallelogram">
               <a:avLst/>
@@ -13972,7 +13771,7 @@
             <a:p>
               <a:pPr algn="ctr"/>
               <a:r>
-                <a:rPr lang="en-US" b="1" dirty="0" smtClean="0">
+                <a:rPr lang="en-US" b="1">
                   <a:solidFill>
                     <a:schemeClr val="bg1"/>
                   </a:solidFill>
@@ -13980,7 +13779,7 @@
                   <a:ea typeface="Helvetica Neue" charset="0"/>
                   <a:cs typeface="Helvetica Neue" charset="0"/>
                 </a:rPr>
-                <a:t>Qualitative analysis</a:t>
+                <a:t>Conclusions of qualitative assessment</a:t>
               </a:r>
               <a:endParaRPr lang="en-US" b="1" dirty="0">
                 <a:solidFill>
@@ -14561,7 +14360,29 @@
                   <a:ea typeface="Helvetica Neue" charset="0"/>
                   <a:cs typeface="Helvetica Neue" charset="0"/>
                 </a:rPr>
-                <a:t>Flexibility provision to system operator and market player with obligation (two asymmetric screams)</a:t>
+                <a:t>Flexibility provision to system operator and market player with obligation (two asymmetric </a:t>
+              </a:r>
+              <a:r>
+                <a:rPr lang="en-US" sz="1600" dirty="0" smtClean="0">
+                  <a:solidFill>
+                    <a:schemeClr val="tx1"/>
+                  </a:solidFill>
+                  <a:latin typeface="Helvetica Neue" charset="0"/>
+                  <a:ea typeface="Helvetica Neue" charset="0"/>
+                  <a:cs typeface="Helvetica Neue" charset="0"/>
+                </a:rPr>
+                <a:t>streams</a:t>
+              </a:r>
+              <a:r>
+                <a:rPr lang="en-US" sz="1600" dirty="0" smtClean="0">
+                  <a:solidFill>
+                    <a:schemeClr val="tx1"/>
+                  </a:solidFill>
+                  <a:latin typeface="Helvetica Neue" charset="0"/>
+                  <a:ea typeface="Helvetica Neue" charset="0"/>
+                  <a:cs typeface="Helvetica Neue" charset="0"/>
+                </a:rPr>
+                <a:t>)</a:t>
               </a:r>
               <a:endParaRPr lang="en-US" sz="1600" dirty="0">
                 <a:solidFill>
@@ -14625,7 +14446,29 @@
                   <a:ea typeface="Helvetica Neue" charset="0"/>
                   <a:cs typeface="Helvetica Neue" charset="0"/>
                 </a:rPr>
-                <a:t>Flexibility provision to market players with obligation (one symmetric scream)</a:t>
+                <a:t>Flexibility provision to market players with obligation (one symmetric </a:t>
+              </a:r>
+              <a:r>
+                <a:rPr lang="en-US" sz="1600" dirty="0" smtClean="0">
+                  <a:solidFill>
+                    <a:schemeClr val="tx1"/>
+                  </a:solidFill>
+                  <a:latin typeface="Helvetica Neue" charset="0"/>
+                  <a:ea typeface="Helvetica Neue" charset="0"/>
+                  <a:cs typeface="Helvetica Neue" charset="0"/>
+                </a:rPr>
+                <a:t>stream</a:t>
+              </a:r>
+              <a:r>
+                <a:rPr lang="en-US" sz="1600" dirty="0" smtClean="0">
+                  <a:solidFill>
+                    <a:schemeClr val="tx1"/>
+                  </a:solidFill>
+                  <a:latin typeface="Helvetica Neue" charset="0"/>
+                  <a:ea typeface="Helvetica Neue" charset="0"/>
+                  <a:cs typeface="Helvetica Neue" charset="0"/>
+                </a:rPr>
+                <a:t>)</a:t>
               </a:r>
             </a:p>
           </p:txBody>
@@ -14771,7 +14614,18 @@
                   <a:ea typeface="Helvetica Neue" charset="0"/>
                   <a:cs typeface="Helvetica Neue" charset="0"/>
                 </a:rPr>
-                <a:t>Certain Market &amp; Technology</a:t>
+                <a:t>Given Market </a:t>
+              </a:r>
+              <a:r>
+                <a:rPr lang="en-US" b="1" dirty="0" smtClean="0">
+                  <a:solidFill>
+                    <a:schemeClr val="bg1"/>
+                  </a:solidFill>
+                  <a:latin typeface="Helvetica Neue" charset="0"/>
+                  <a:ea typeface="Helvetica Neue" charset="0"/>
+                  <a:cs typeface="Helvetica Neue" charset="0"/>
+                </a:rPr>
+                <a:t>&amp; Technology</a:t>
               </a:r>
               <a:endParaRPr lang="en-US" b="1" dirty="0">
                 <a:solidFill>
@@ -15971,8 +15825,8 @@
           </p:nvSpPr>
           <p:spPr>
             <a:xfrm>
-              <a:off x="5158928" y="7650705"/>
-              <a:ext cx="2628000" cy="519222"/>
+              <a:off x="4672928" y="7650705"/>
+              <a:ext cx="3600000" cy="519222"/>
             </a:xfrm>
             <a:prstGeom prst="parallelogram">
               <a:avLst/>
@@ -16008,7 +15862,7 @@
             <a:p>
               <a:pPr algn="ctr"/>
               <a:r>
-                <a:rPr lang="en-US" b="1" dirty="0" smtClean="0">
+                <a:rPr lang="en-US" b="1">
                   <a:solidFill>
                     <a:schemeClr val="bg1"/>
                   </a:solidFill>
@@ -16016,7 +15870,7 @@
                   <a:ea typeface="Helvetica Neue" charset="0"/>
                   <a:cs typeface="Helvetica Neue" charset="0"/>
                 </a:rPr>
-                <a:t>Qualitative analysis</a:t>
+                <a:t>Conclusions of qualitative assessment</a:t>
               </a:r>
               <a:endParaRPr lang="en-US" b="1" dirty="0">
                 <a:solidFill>
